--- a/Presentation/An Online Framework for User-Based Analysis of Maps in First Person Shooters.pptx
+++ b/Presentation/An Online Framework for User-Based Analysis of Maps in First Person Shooters.pptx
@@ -13,6 +13,11 @@
     <p:sldId id="261" r:id="rId7"/>
     <p:sldId id="262" r:id="rId8"/>
     <p:sldId id="264" r:id="rId9"/>
+    <p:sldId id="266" r:id="rId10"/>
+    <p:sldId id="267" r:id="rId11"/>
+    <p:sldId id="268" r:id="rId12"/>
+    <p:sldId id="269" r:id="rId13"/>
+    <p:sldId id="270" r:id="rId14"/>
   </p:sldIdLst>
   <p:sldSz cx="12192000" cy="6858000"/>
   <p:notesSz cx="6858000" cy="9144000"/>
@@ -3076,6 +3081,1150 @@
 </p:sld>
 </file>
 
+<file path=ppt/slides/slide10.xml><?xml version="1.0" encoding="utf-8"?>
+<p:sld xmlns:a="http://schemas.openxmlformats.org/drawingml/2006/main" xmlns:r="http://schemas.openxmlformats.org/officeDocument/2006/relationships" xmlns:p="http://schemas.openxmlformats.org/presentationml/2006/main">
+  <p:cSld>
+    <p:bg>
+      <p:bgPr>
+        <a:solidFill>
+          <a:schemeClr val="bg1">
+            <a:lumMod val="85000"/>
+            <a:lumOff val="15000"/>
+          </a:schemeClr>
+        </a:solidFill>
+        <a:effectLst/>
+      </p:bgPr>
+    </p:bg>
+    <p:spTree>
+      <p:nvGrpSpPr>
+        <p:cNvPr id="1" name=""/>
+        <p:cNvGrpSpPr/>
+        <p:nvPr/>
+      </p:nvGrpSpPr>
+      <p:grpSpPr>
+        <a:xfrm>
+          <a:off x="0" y="0"/>
+          <a:ext cx="0" cy="0"/>
+          <a:chOff x="0" y="0"/>
+          <a:chExt cx="0" cy="0"/>
+        </a:xfrm>
+      </p:grpSpPr>
+      <p:sp>
+        <p:nvSpPr>
+          <p:cNvPr id="2" name="Titolo 1">
+            <a:extLst>
+              <a:ext uri="{FF2B5EF4-FFF2-40B4-BE49-F238E27FC236}">
+                <a16:creationId xmlns:a16="http://schemas.microsoft.com/office/drawing/2014/main" id="{BF19EB7B-A764-4A30-A087-BA041EB836D9}"/>
+              </a:ext>
+            </a:extLst>
+          </p:cNvPr>
+          <p:cNvSpPr>
+            <a:spLocks noGrp="1"/>
+          </p:cNvSpPr>
+          <p:nvPr>
+            <p:ph type="title"/>
+          </p:nvPr>
+        </p:nvSpPr>
+        <p:spPr/>
+        <p:txBody>
+          <a:bodyPr/>
+          <a:lstStyle/>
+          <a:p>
+            <a:pPr algn="ctr"/>
+            <a:r>
+              <a:rPr lang="en-US" b="1" dirty="0">
+                <a:solidFill>
+                  <a:srgbClr val="6946AE"/>
+                </a:solidFill>
+              </a:rPr>
+              <a:t>Graphs for single-level maps</a:t>
+            </a:r>
+          </a:p>
+        </p:txBody>
+      </p:sp>
+      <p:sp>
+        <p:nvSpPr>
+          <p:cNvPr id="5" name="Rettangolo 4">
+            <a:extLst>
+              <a:ext uri="{FF2B5EF4-FFF2-40B4-BE49-F238E27FC236}">
+                <a16:creationId xmlns:a16="http://schemas.microsoft.com/office/drawing/2014/main" id="{594D4035-7A15-43E0-B8ED-26BD9DA6D09C}"/>
+              </a:ext>
+            </a:extLst>
+          </p:cNvPr>
+          <p:cNvSpPr/>
+          <p:nvPr/>
+        </p:nvSpPr>
+        <p:spPr>
+          <a:xfrm>
+            <a:off x="0" y="1933575"/>
+            <a:ext cx="12192000" cy="4924425"/>
+          </a:xfrm>
+          <a:prstGeom prst="rect">
+            <a:avLst/>
+          </a:prstGeom>
+          <a:solidFill>
+            <a:schemeClr val="tx1"/>
+          </a:solidFill>
+          <a:ln>
+            <a:solidFill>
+              <a:schemeClr val="tx1"/>
+            </a:solidFill>
+          </a:ln>
+        </p:spPr>
+        <p:style>
+          <a:lnRef idx="2">
+            <a:schemeClr val="accent1">
+              <a:shade val="50000"/>
+            </a:schemeClr>
+          </a:lnRef>
+          <a:fillRef idx="1">
+            <a:schemeClr val="accent1"/>
+          </a:fillRef>
+          <a:effectRef idx="0">
+            <a:schemeClr val="accent1"/>
+          </a:effectRef>
+          <a:fontRef idx="minor">
+            <a:schemeClr val="lt1"/>
+          </a:fontRef>
+        </p:style>
+        <p:txBody>
+          <a:bodyPr rtlCol="0" anchor="ctr"/>
+          <a:lstStyle/>
+          <a:p>
+            <a:pPr algn="ctr"/>
+            <a:endParaRPr lang="en-US"/>
+          </a:p>
+        </p:txBody>
+      </p:sp>
+      <p:sp>
+        <p:nvSpPr>
+          <p:cNvPr id="14" name="CasellaDiTesto 13">
+            <a:extLst>
+              <a:ext uri="{FF2B5EF4-FFF2-40B4-BE49-F238E27FC236}">
+                <a16:creationId xmlns:a16="http://schemas.microsoft.com/office/drawing/2014/main" id="{C0F6C293-99A4-45FB-B428-7CF40209B4F8}"/>
+              </a:ext>
+            </a:extLst>
+          </p:cNvPr>
+          <p:cNvSpPr txBox="1"/>
+          <p:nvPr/>
+        </p:nvSpPr>
+        <p:spPr>
+          <a:xfrm>
+            <a:off x="664369" y="5937620"/>
+            <a:ext cx="5012531" cy="523220"/>
+          </a:xfrm>
+          <a:prstGeom prst="rect">
+            <a:avLst/>
+          </a:prstGeom>
+          <a:noFill/>
+        </p:spPr>
+        <p:txBody>
+          <a:bodyPr wrap="square" rtlCol="0">
+            <a:spAutoFit/>
+          </a:bodyPr>
+          <a:lstStyle/>
+          <a:p>
+            <a:pPr algn="ctr"/>
+            <a:r>
+              <a:rPr lang="en-US" sz="2800" dirty="0">
+                <a:solidFill>
+                  <a:schemeClr val="bg1">
+                    <a:lumMod val="85000"/>
+                    <a:lumOff val="15000"/>
+                  </a:schemeClr>
+                </a:solidFill>
+              </a:rPr>
+              <a:t>Map</a:t>
+            </a:r>
+          </a:p>
+        </p:txBody>
+      </p:sp>
+      <p:sp>
+        <p:nvSpPr>
+          <p:cNvPr id="18" name="CasellaDiTesto 17">
+            <a:extLst>
+              <a:ext uri="{FF2B5EF4-FFF2-40B4-BE49-F238E27FC236}">
+                <a16:creationId xmlns:a16="http://schemas.microsoft.com/office/drawing/2014/main" id="{417D94F7-E291-44BE-BF79-663B18B2BA20}"/>
+              </a:ext>
+            </a:extLst>
+          </p:cNvPr>
+          <p:cNvSpPr txBox="1"/>
+          <p:nvPr/>
+        </p:nvSpPr>
+        <p:spPr>
+          <a:xfrm>
+            <a:off x="6515102" y="5931877"/>
+            <a:ext cx="5012531" cy="523220"/>
+          </a:xfrm>
+          <a:prstGeom prst="rect">
+            <a:avLst/>
+          </a:prstGeom>
+          <a:noFill/>
+        </p:spPr>
+        <p:txBody>
+          <a:bodyPr wrap="square" rtlCol="0">
+            <a:spAutoFit/>
+          </a:bodyPr>
+          <a:lstStyle/>
+          <a:p>
+            <a:pPr algn="ctr"/>
+            <a:r>
+              <a:rPr lang="en-US" sz="2800" dirty="0">
+                <a:solidFill>
+                  <a:schemeClr val="bg1">
+                    <a:lumMod val="85000"/>
+                    <a:lumOff val="15000"/>
+                  </a:schemeClr>
+                </a:solidFill>
+              </a:rPr>
+              <a:t>Rooms and game elements graph</a:t>
+            </a:r>
+          </a:p>
+        </p:txBody>
+      </p:sp>
+      <p:pic>
+        <p:nvPicPr>
+          <p:cNvPr id="4" name="Immagine 3">
+            <a:extLst>
+              <a:ext uri="{FF2B5EF4-FFF2-40B4-BE49-F238E27FC236}">
+                <a16:creationId xmlns:a16="http://schemas.microsoft.com/office/drawing/2014/main" id="{6AE46109-DB5E-457A-9F2E-95827107D02D}"/>
+              </a:ext>
+            </a:extLst>
+          </p:cNvPr>
+          <p:cNvPicPr>
+            <a:picLocks noChangeAspect="1"/>
+          </p:cNvPicPr>
+          <p:nvPr/>
+        </p:nvPicPr>
+        <p:blipFill>
+          <a:blip r:embed="rId2">
+            <a:extLst>
+              <a:ext uri="{28A0092B-C50C-407E-A947-70E740481C1C}">
+                <a14:useLocalDpi xmlns:a14="http://schemas.microsoft.com/office/drawing/2010/main" val="0"/>
+              </a:ext>
+            </a:extLst>
+          </a:blip>
+          <a:stretch>
+            <a:fillRect/>
+          </a:stretch>
+        </p:blipFill>
+        <p:spPr>
+          <a:xfrm>
+            <a:off x="1093697" y="2461994"/>
+            <a:ext cx="4153873" cy="3350263"/>
+          </a:xfrm>
+          <a:prstGeom prst="rect">
+            <a:avLst/>
+          </a:prstGeom>
+        </p:spPr>
+      </p:pic>
+      <p:pic>
+        <p:nvPicPr>
+          <p:cNvPr id="6" name="Immagine 5" descr="Immagine che contiene cielo, barca, esterni&#10;&#10;Descrizione generata con affidabilità elevata">
+            <a:extLst>
+              <a:ext uri="{FF2B5EF4-FFF2-40B4-BE49-F238E27FC236}">
+                <a16:creationId xmlns:a16="http://schemas.microsoft.com/office/drawing/2014/main" id="{CE50A505-0B5E-44D4-A6D7-AF5A1D5E838D}"/>
+              </a:ext>
+            </a:extLst>
+          </p:cNvPr>
+          <p:cNvPicPr>
+            <a:picLocks noChangeAspect="1"/>
+          </p:cNvPicPr>
+          <p:nvPr/>
+        </p:nvPicPr>
+        <p:blipFill>
+          <a:blip r:embed="rId3">
+            <a:extLst>
+              <a:ext uri="{28A0092B-C50C-407E-A947-70E740481C1C}">
+                <a14:useLocalDpi xmlns:a14="http://schemas.microsoft.com/office/drawing/2010/main" val="0"/>
+              </a:ext>
+            </a:extLst>
+          </a:blip>
+          <a:stretch>
+            <a:fillRect/>
+          </a:stretch>
+        </p:blipFill>
+        <p:spPr>
+          <a:xfrm>
+            <a:off x="7264863" y="2663563"/>
+            <a:ext cx="3513008" cy="2947124"/>
+          </a:xfrm>
+          <a:prstGeom prst="rect">
+            <a:avLst/>
+          </a:prstGeom>
+        </p:spPr>
+      </p:pic>
+    </p:spTree>
+    <p:extLst>
+      <p:ext uri="{BB962C8B-B14F-4D97-AF65-F5344CB8AC3E}">
+        <p14:creationId xmlns:p14="http://schemas.microsoft.com/office/powerpoint/2010/main" val="1420281165"/>
+      </p:ext>
+    </p:extLst>
+  </p:cSld>
+  <p:clrMapOvr>
+    <a:masterClrMapping/>
+  </p:clrMapOvr>
+</p:sld>
+</file>
+
+<file path=ppt/slides/slide11.xml><?xml version="1.0" encoding="utf-8"?>
+<p:sld xmlns:a="http://schemas.openxmlformats.org/drawingml/2006/main" xmlns:r="http://schemas.openxmlformats.org/officeDocument/2006/relationships" xmlns:p="http://schemas.openxmlformats.org/presentationml/2006/main">
+  <p:cSld>
+    <p:bg>
+      <p:bgPr>
+        <a:solidFill>
+          <a:schemeClr val="bg1">
+            <a:lumMod val="85000"/>
+            <a:lumOff val="15000"/>
+          </a:schemeClr>
+        </a:solidFill>
+        <a:effectLst/>
+      </p:bgPr>
+    </p:bg>
+    <p:spTree>
+      <p:nvGrpSpPr>
+        <p:cNvPr id="1" name=""/>
+        <p:cNvGrpSpPr/>
+        <p:nvPr/>
+      </p:nvGrpSpPr>
+      <p:grpSpPr>
+        <a:xfrm>
+          <a:off x="0" y="0"/>
+          <a:ext cx="0" cy="0"/>
+          <a:chOff x="0" y="0"/>
+          <a:chExt cx="0" cy="0"/>
+        </a:xfrm>
+      </p:grpSpPr>
+      <p:sp>
+        <p:nvSpPr>
+          <p:cNvPr id="2" name="Titolo 1">
+            <a:extLst>
+              <a:ext uri="{FF2B5EF4-FFF2-40B4-BE49-F238E27FC236}">
+                <a16:creationId xmlns:a16="http://schemas.microsoft.com/office/drawing/2014/main" id="{BF19EB7B-A764-4A30-A087-BA041EB836D9}"/>
+              </a:ext>
+            </a:extLst>
+          </p:cNvPr>
+          <p:cNvSpPr>
+            <a:spLocks noGrp="1"/>
+          </p:cNvSpPr>
+          <p:nvPr>
+            <p:ph type="title"/>
+          </p:nvPr>
+        </p:nvSpPr>
+        <p:spPr/>
+        <p:txBody>
+          <a:bodyPr/>
+          <a:lstStyle/>
+          <a:p>
+            <a:pPr algn="ctr"/>
+            <a:r>
+              <a:rPr lang="en-US" b="1" dirty="0">
+                <a:solidFill>
+                  <a:srgbClr val="6946AE"/>
+                </a:solidFill>
+              </a:rPr>
+              <a:t>Graphs for single-level maps</a:t>
+            </a:r>
+          </a:p>
+        </p:txBody>
+      </p:sp>
+      <p:sp>
+        <p:nvSpPr>
+          <p:cNvPr id="5" name="Rettangolo 4">
+            <a:extLst>
+              <a:ext uri="{FF2B5EF4-FFF2-40B4-BE49-F238E27FC236}">
+                <a16:creationId xmlns:a16="http://schemas.microsoft.com/office/drawing/2014/main" id="{594D4035-7A15-43E0-B8ED-26BD9DA6D09C}"/>
+              </a:ext>
+            </a:extLst>
+          </p:cNvPr>
+          <p:cNvSpPr/>
+          <p:nvPr/>
+        </p:nvSpPr>
+        <p:spPr>
+          <a:xfrm>
+            <a:off x="0" y="1933575"/>
+            <a:ext cx="12192000" cy="4924425"/>
+          </a:xfrm>
+          <a:prstGeom prst="rect">
+            <a:avLst/>
+          </a:prstGeom>
+          <a:solidFill>
+            <a:schemeClr val="tx1"/>
+          </a:solidFill>
+          <a:ln>
+            <a:solidFill>
+              <a:schemeClr val="tx1"/>
+            </a:solidFill>
+          </a:ln>
+        </p:spPr>
+        <p:style>
+          <a:lnRef idx="2">
+            <a:schemeClr val="accent1">
+              <a:shade val="50000"/>
+            </a:schemeClr>
+          </a:lnRef>
+          <a:fillRef idx="1">
+            <a:schemeClr val="accent1"/>
+          </a:fillRef>
+          <a:effectRef idx="0">
+            <a:schemeClr val="accent1"/>
+          </a:effectRef>
+          <a:fontRef idx="minor">
+            <a:schemeClr val="lt1"/>
+          </a:fontRef>
+        </p:style>
+        <p:txBody>
+          <a:bodyPr rtlCol="0" anchor="ctr"/>
+          <a:lstStyle/>
+          <a:p>
+            <a:pPr algn="ctr"/>
+            <a:endParaRPr lang="en-US"/>
+          </a:p>
+        </p:txBody>
+      </p:sp>
+      <p:sp>
+        <p:nvSpPr>
+          <p:cNvPr id="14" name="CasellaDiTesto 13">
+            <a:extLst>
+              <a:ext uri="{FF2B5EF4-FFF2-40B4-BE49-F238E27FC236}">
+                <a16:creationId xmlns:a16="http://schemas.microsoft.com/office/drawing/2014/main" id="{C0F6C293-99A4-45FB-B428-7CF40209B4F8}"/>
+              </a:ext>
+            </a:extLst>
+          </p:cNvPr>
+          <p:cNvSpPr txBox="1"/>
+          <p:nvPr/>
+        </p:nvSpPr>
+        <p:spPr>
+          <a:xfrm>
+            <a:off x="664369" y="5937620"/>
+            <a:ext cx="5012531" cy="523220"/>
+          </a:xfrm>
+          <a:prstGeom prst="rect">
+            <a:avLst/>
+          </a:prstGeom>
+          <a:noFill/>
+        </p:spPr>
+        <p:txBody>
+          <a:bodyPr wrap="square" rtlCol="0">
+            <a:spAutoFit/>
+          </a:bodyPr>
+          <a:lstStyle/>
+          <a:p>
+            <a:pPr algn="ctr"/>
+            <a:r>
+              <a:rPr lang="en-US" sz="2800" dirty="0">
+                <a:solidFill>
+                  <a:schemeClr val="bg1">
+                    <a:lumMod val="85000"/>
+                    <a:lumOff val="15000"/>
+                  </a:schemeClr>
+                </a:solidFill>
+              </a:rPr>
+              <a:t>Map</a:t>
+            </a:r>
+          </a:p>
+        </p:txBody>
+      </p:sp>
+      <p:sp>
+        <p:nvSpPr>
+          <p:cNvPr id="18" name="CasellaDiTesto 17">
+            <a:extLst>
+              <a:ext uri="{FF2B5EF4-FFF2-40B4-BE49-F238E27FC236}">
+                <a16:creationId xmlns:a16="http://schemas.microsoft.com/office/drawing/2014/main" id="{417D94F7-E291-44BE-BF79-663B18B2BA20}"/>
+              </a:ext>
+            </a:extLst>
+          </p:cNvPr>
+          <p:cNvSpPr txBox="1"/>
+          <p:nvPr/>
+        </p:nvSpPr>
+        <p:spPr>
+          <a:xfrm>
+            <a:off x="6515102" y="5931877"/>
+            <a:ext cx="5012531" cy="523220"/>
+          </a:xfrm>
+          <a:prstGeom prst="rect">
+            <a:avLst/>
+          </a:prstGeom>
+          <a:noFill/>
+        </p:spPr>
+        <p:txBody>
+          <a:bodyPr wrap="square" rtlCol="0">
+            <a:spAutoFit/>
+          </a:bodyPr>
+          <a:lstStyle/>
+          <a:p>
+            <a:pPr algn="ctr"/>
+            <a:r>
+              <a:rPr lang="en-US" sz="2800" dirty="0">
+                <a:solidFill>
+                  <a:schemeClr val="bg1">
+                    <a:lumMod val="85000"/>
+                    <a:lumOff val="15000"/>
+                  </a:schemeClr>
+                </a:solidFill>
+              </a:rPr>
+              <a:t>Visibility graph</a:t>
+            </a:r>
+          </a:p>
+        </p:txBody>
+      </p:sp>
+      <p:pic>
+        <p:nvPicPr>
+          <p:cNvPr id="4" name="Immagine 3">
+            <a:extLst>
+              <a:ext uri="{FF2B5EF4-FFF2-40B4-BE49-F238E27FC236}">
+                <a16:creationId xmlns:a16="http://schemas.microsoft.com/office/drawing/2014/main" id="{6AE46109-DB5E-457A-9F2E-95827107D02D}"/>
+              </a:ext>
+            </a:extLst>
+          </p:cNvPr>
+          <p:cNvPicPr>
+            <a:picLocks noChangeAspect="1"/>
+          </p:cNvPicPr>
+          <p:nvPr/>
+        </p:nvPicPr>
+        <p:blipFill>
+          <a:blip r:embed="rId2">
+            <a:extLst>
+              <a:ext uri="{28A0092B-C50C-407E-A947-70E740481C1C}">
+                <a14:useLocalDpi xmlns:a14="http://schemas.microsoft.com/office/drawing/2010/main" val="0"/>
+              </a:ext>
+            </a:extLst>
+          </a:blip>
+          <a:stretch>
+            <a:fillRect/>
+          </a:stretch>
+        </p:blipFill>
+        <p:spPr>
+          <a:xfrm>
+            <a:off x="1093697" y="2461994"/>
+            <a:ext cx="4153873" cy="3350263"/>
+          </a:xfrm>
+          <a:prstGeom prst="rect">
+            <a:avLst/>
+          </a:prstGeom>
+        </p:spPr>
+      </p:pic>
+      <p:pic>
+        <p:nvPicPr>
+          <p:cNvPr id="6" name="Immagine 5" descr="Immagine che contiene testo&#10;&#10;Descrizione generata con affidabilità molto elevata">
+            <a:extLst>
+              <a:ext uri="{FF2B5EF4-FFF2-40B4-BE49-F238E27FC236}">
+                <a16:creationId xmlns:a16="http://schemas.microsoft.com/office/drawing/2014/main" id="{6F4C7B72-6C01-4E76-8596-E0D60B2C7F8B}"/>
+              </a:ext>
+            </a:extLst>
+          </p:cNvPr>
+          <p:cNvPicPr>
+            <a:picLocks noChangeAspect="1"/>
+          </p:cNvPicPr>
+          <p:nvPr/>
+        </p:nvPicPr>
+        <p:blipFill>
+          <a:blip r:embed="rId3">
+            <a:extLst>
+              <a:ext uri="{28A0092B-C50C-407E-A947-70E740481C1C}">
+                <a14:useLocalDpi xmlns:a14="http://schemas.microsoft.com/office/drawing/2010/main" val="0"/>
+              </a:ext>
+            </a:extLst>
+          </a:blip>
+          <a:stretch>
+            <a:fillRect/>
+          </a:stretch>
+        </p:blipFill>
+        <p:spPr>
+          <a:xfrm>
+            <a:off x="7020975" y="2536811"/>
+            <a:ext cx="4000784" cy="3200627"/>
+          </a:xfrm>
+          <a:prstGeom prst="rect">
+            <a:avLst/>
+          </a:prstGeom>
+        </p:spPr>
+      </p:pic>
+    </p:spTree>
+    <p:extLst>
+      <p:ext uri="{BB962C8B-B14F-4D97-AF65-F5344CB8AC3E}">
+        <p14:creationId xmlns:p14="http://schemas.microsoft.com/office/powerpoint/2010/main" val="3845901731"/>
+      </p:ext>
+    </p:extLst>
+  </p:cSld>
+  <p:clrMapOvr>
+    <a:masterClrMapping/>
+  </p:clrMapOvr>
+</p:sld>
+</file>
+
+<file path=ppt/slides/slide12.xml><?xml version="1.0" encoding="utf-8"?>
+<p:sld xmlns:a="http://schemas.openxmlformats.org/drawingml/2006/main" xmlns:r="http://schemas.openxmlformats.org/officeDocument/2006/relationships" xmlns:p="http://schemas.openxmlformats.org/presentationml/2006/main">
+  <p:cSld>
+    <p:bg>
+      <p:bgPr>
+        <a:solidFill>
+          <a:schemeClr val="bg1">
+            <a:lumMod val="85000"/>
+            <a:lumOff val="15000"/>
+          </a:schemeClr>
+        </a:solidFill>
+        <a:effectLst/>
+      </p:bgPr>
+    </p:bg>
+    <p:spTree>
+      <p:nvGrpSpPr>
+        <p:cNvPr id="1" name=""/>
+        <p:cNvGrpSpPr/>
+        <p:nvPr/>
+      </p:nvGrpSpPr>
+      <p:grpSpPr>
+        <a:xfrm>
+          <a:off x="0" y="0"/>
+          <a:ext cx="0" cy="0"/>
+          <a:chOff x="0" y="0"/>
+          <a:chExt cx="0" cy="0"/>
+        </a:xfrm>
+      </p:grpSpPr>
+      <p:sp>
+        <p:nvSpPr>
+          <p:cNvPr id="2" name="Titolo 1">
+            <a:extLst>
+              <a:ext uri="{FF2B5EF4-FFF2-40B4-BE49-F238E27FC236}">
+                <a16:creationId xmlns:a16="http://schemas.microsoft.com/office/drawing/2014/main" id="{BF19EB7B-A764-4A30-A087-BA041EB836D9}"/>
+              </a:ext>
+            </a:extLst>
+          </p:cNvPr>
+          <p:cNvSpPr>
+            <a:spLocks noGrp="1"/>
+          </p:cNvSpPr>
+          <p:nvPr>
+            <p:ph type="title"/>
+          </p:nvPr>
+        </p:nvSpPr>
+        <p:spPr/>
+        <p:txBody>
+          <a:bodyPr/>
+          <a:lstStyle/>
+          <a:p>
+            <a:pPr algn="ctr"/>
+            <a:r>
+              <a:rPr lang="en-US" b="1" dirty="0">
+                <a:solidFill>
+                  <a:srgbClr val="6946AE"/>
+                </a:solidFill>
+              </a:rPr>
+              <a:t>Graphs for multi-level maps</a:t>
+            </a:r>
+          </a:p>
+        </p:txBody>
+      </p:sp>
+      <p:sp>
+        <p:nvSpPr>
+          <p:cNvPr id="5" name="Rettangolo 4">
+            <a:extLst>
+              <a:ext uri="{FF2B5EF4-FFF2-40B4-BE49-F238E27FC236}">
+                <a16:creationId xmlns:a16="http://schemas.microsoft.com/office/drawing/2014/main" id="{594D4035-7A15-43E0-B8ED-26BD9DA6D09C}"/>
+              </a:ext>
+            </a:extLst>
+          </p:cNvPr>
+          <p:cNvSpPr/>
+          <p:nvPr/>
+        </p:nvSpPr>
+        <p:spPr>
+          <a:xfrm>
+            <a:off x="0" y="1933575"/>
+            <a:ext cx="12192000" cy="4924425"/>
+          </a:xfrm>
+          <a:prstGeom prst="rect">
+            <a:avLst/>
+          </a:prstGeom>
+          <a:solidFill>
+            <a:schemeClr val="tx1"/>
+          </a:solidFill>
+          <a:ln>
+            <a:solidFill>
+              <a:schemeClr val="tx1"/>
+            </a:solidFill>
+          </a:ln>
+        </p:spPr>
+        <p:style>
+          <a:lnRef idx="2">
+            <a:schemeClr val="accent1">
+              <a:shade val="50000"/>
+            </a:schemeClr>
+          </a:lnRef>
+          <a:fillRef idx="1">
+            <a:schemeClr val="accent1"/>
+          </a:fillRef>
+          <a:effectRef idx="0">
+            <a:schemeClr val="accent1"/>
+          </a:effectRef>
+          <a:fontRef idx="minor">
+            <a:schemeClr val="lt1"/>
+          </a:fontRef>
+        </p:style>
+        <p:txBody>
+          <a:bodyPr rtlCol="0" anchor="ctr"/>
+          <a:lstStyle/>
+          <a:p>
+            <a:pPr algn="ctr"/>
+            <a:endParaRPr lang="en-US"/>
+          </a:p>
+        </p:txBody>
+      </p:sp>
+      <p:sp>
+        <p:nvSpPr>
+          <p:cNvPr id="14" name="CasellaDiTesto 13">
+            <a:extLst>
+              <a:ext uri="{FF2B5EF4-FFF2-40B4-BE49-F238E27FC236}">
+                <a16:creationId xmlns:a16="http://schemas.microsoft.com/office/drawing/2014/main" id="{C0F6C293-99A4-45FB-B428-7CF40209B4F8}"/>
+              </a:ext>
+            </a:extLst>
+          </p:cNvPr>
+          <p:cNvSpPr txBox="1"/>
+          <p:nvPr/>
+        </p:nvSpPr>
+        <p:spPr>
+          <a:xfrm>
+            <a:off x="664369" y="5937620"/>
+            <a:ext cx="5012531" cy="523220"/>
+          </a:xfrm>
+          <a:prstGeom prst="rect">
+            <a:avLst/>
+          </a:prstGeom>
+          <a:noFill/>
+        </p:spPr>
+        <p:txBody>
+          <a:bodyPr wrap="square" rtlCol="0">
+            <a:spAutoFit/>
+          </a:bodyPr>
+          <a:lstStyle/>
+          <a:p>
+            <a:pPr algn="ctr"/>
+            <a:r>
+              <a:rPr lang="en-US" sz="2800" dirty="0">
+                <a:solidFill>
+                  <a:schemeClr val="bg1">
+                    <a:lumMod val="85000"/>
+                    <a:lumOff val="15000"/>
+                  </a:schemeClr>
+                </a:solidFill>
+              </a:rPr>
+              <a:t>Map</a:t>
+            </a:r>
+          </a:p>
+        </p:txBody>
+      </p:sp>
+      <p:sp>
+        <p:nvSpPr>
+          <p:cNvPr id="18" name="CasellaDiTesto 17">
+            <a:extLst>
+              <a:ext uri="{FF2B5EF4-FFF2-40B4-BE49-F238E27FC236}">
+                <a16:creationId xmlns:a16="http://schemas.microsoft.com/office/drawing/2014/main" id="{417D94F7-E291-44BE-BF79-663B18B2BA20}"/>
+              </a:ext>
+            </a:extLst>
+          </p:cNvPr>
+          <p:cNvSpPr txBox="1"/>
+          <p:nvPr/>
+        </p:nvSpPr>
+        <p:spPr>
+          <a:xfrm>
+            <a:off x="6515102" y="5931877"/>
+            <a:ext cx="5012531" cy="523220"/>
+          </a:xfrm>
+          <a:prstGeom prst="rect">
+            <a:avLst/>
+          </a:prstGeom>
+          <a:noFill/>
+        </p:spPr>
+        <p:txBody>
+          <a:bodyPr wrap="square" rtlCol="0">
+            <a:spAutoFit/>
+          </a:bodyPr>
+          <a:lstStyle/>
+          <a:p>
+            <a:pPr algn="ctr"/>
+            <a:r>
+              <a:rPr lang="en-US" sz="2800" dirty="0">
+                <a:solidFill>
+                  <a:schemeClr val="bg1">
+                    <a:lumMod val="85000"/>
+                    <a:lumOff val="15000"/>
+                  </a:schemeClr>
+                </a:solidFill>
+              </a:rPr>
+              <a:t>Tiles graph</a:t>
+            </a:r>
+          </a:p>
+        </p:txBody>
+      </p:sp>
+      <p:pic>
+        <p:nvPicPr>
+          <p:cNvPr id="4" name="Immagine 3">
+            <a:extLst>
+              <a:ext uri="{FF2B5EF4-FFF2-40B4-BE49-F238E27FC236}">
+                <a16:creationId xmlns:a16="http://schemas.microsoft.com/office/drawing/2014/main" id="{6AE46109-DB5E-457A-9F2E-95827107D02D}"/>
+              </a:ext>
+            </a:extLst>
+          </p:cNvPr>
+          <p:cNvPicPr>
+            <a:picLocks noChangeAspect="1"/>
+          </p:cNvPicPr>
+          <p:nvPr/>
+        </p:nvPicPr>
+        <p:blipFill>
+          <a:blip r:embed="rId2">
+            <a:extLst>
+              <a:ext uri="{28A0092B-C50C-407E-A947-70E740481C1C}">
+                <a14:useLocalDpi xmlns:a14="http://schemas.microsoft.com/office/drawing/2010/main" val="0"/>
+              </a:ext>
+            </a:extLst>
+          </a:blip>
+          <a:stretch>
+            <a:fillRect/>
+          </a:stretch>
+        </p:blipFill>
+        <p:spPr>
+          <a:xfrm>
+            <a:off x="1093697" y="2461994"/>
+            <a:ext cx="4153873" cy="3350263"/>
+          </a:xfrm>
+          <a:prstGeom prst="rect">
+            <a:avLst/>
+          </a:prstGeom>
+        </p:spPr>
+      </p:pic>
+      <p:pic>
+        <p:nvPicPr>
+          <p:cNvPr id="7" name="Immagine 6">
+            <a:extLst>
+              <a:ext uri="{FF2B5EF4-FFF2-40B4-BE49-F238E27FC236}">
+                <a16:creationId xmlns:a16="http://schemas.microsoft.com/office/drawing/2014/main" id="{53FB13CC-C4EF-423F-84E3-0C2134D96AAD}"/>
+              </a:ext>
+            </a:extLst>
+          </p:cNvPr>
+          <p:cNvPicPr>
+            <a:picLocks noChangeAspect="1"/>
+          </p:cNvPicPr>
+          <p:nvPr/>
+        </p:nvPicPr>
+        <p:blipFill>
+          <a:blip r:embed="rId3">
+            <a:extLst>
+              <a:ext uri="{28A0092B-C50C-407E-A947-70E740481C1C}">
+                <a14:useLocalDpi xmlns:a14="http://schemas.microsoft.com/office/drawing/2010/main" val="0"/>
+              </a:ext>
+            </a:extLst>
+          </a:blip>
+          <a:stretch>
+            <a:fillRect/>
+          </a:stretch>
+        </p:blipFill>
+        <p:spPr>
+          <a:xfrm>
+            <a:off x="7125065" y="2460170"/>
+            <a:ext cx="3796630" cy="3350263"/>
+          </a:xfrm>
+          <a:prstGeom prst="rect">
+            <a:avLst/>
+          </a:prstGeom>
+        </p:spPr>
+      </p:pic>
+    </p:spTree>
+    <p:extLst>
+      <p:ext uri="{BB962C8B-B14F-4D97-AF65-F5344CB8AC3E}">
+        <p14:creationId xmlns:p14="http://schemas.microsoft.com/office/powerpoint/2010/main" val="1556467663"/>
+      </p:ext>
+    </p:extLst>
+  </p:cSld>
+  <p:clrMapOvr>
+    <a:masterClrMapping/>
+  </p:clrMapOvr>
+</p:sld>
+</file>
+
+<file path=ppt/slides/slide13.xml><?xml version="1.0" encoding="utf-8"?>
+<p:sld xmlns:a="http://schemas.openxmlformats.org/drawingml/2006/main" xmlns:r="http://schemas.openxmlformats.org/officeDocument/2006/relationships" xmlns:p="http://schemas.openxmlformats.org/presentationml/2006/main">
+  <p:cSld>
+    <p:bg>
+      <p:bgPr>
+        <a:solidFill>
+          <a:schemeClr val="bg1">
+            <a:lumMod val="85000"/>
+            <a:lumOff val="15000"/>
+          </a:schemeClr>
+        </a:solidFill>
+        <a:effectLst/>
+      </p:bgPr>
+    </p:bg>
+    <p:spTree>
+      <p:nvGrpSpPr>
+        <p:cNvPr id="1" name=""/>
+        <p:cNvGrpSpPr/>
+        <p:nvPr/>
+      </p:nvGrpSpPr>
+      <p:grpSpPr>
+        <a:xfrm>
+          <a:off x="0" y="0"/>
+          <a:ext cx="0" cy="0"/>
+          <a:chOff x="0" y="0"/>
+          <a:chExt cx="0" cy="0"/>
+        </a:xfrm>
+      </p:grpSpPr>
+      <p:sp>
+        <p:nvSpPr>
+          <p:cNvPr id="2" name="Titolo 1">
+            <a:extLst>
+              <a:ext uri="{FF2B5EF4-FFF2-40B4-BE49-F238E27FC236}">
+                <a16:creationId xmlns:a16="http://schemas.microsoft.com/office/drawing/2014/main" id="{BF19EB7B-A764-4A30-A087-BA041EB836D9}"/>
+              </a:ext>
+            </a:extLst>
+          </p:cNvPr>
+          <p:cNvSpPr>
+            <a:spLocks noGrp="1"/>
+          </p:cNvSpPr>
+          <p:nvPr>
+            <p:ph type="title"/>
+          </p:nvPr>
+        </p:nvSpPr>
+        <p:spPr/>
+        <p:txBody>
+          <a:bodyPr/>
+          <a:lstStyle/>
+          <a:p>
+            <a:pPr algn="ctr"/>
+            <a:r>
+              <a:rPr lang="en-US" b="1" dirty="0">
+                <a:solidFill>
+                  <a:srgbClr val="6946AE"/>
+                </a:solidFill>
+              </a:rPr>
+              <a:t>Graphs for multi-level maps</a:t>
+            </a:r>
+          </a:p>
+        </p:txBody>
+      </p:sp>
+      <p:sp>
+        <p:nvSpPr>
+          <p:cNvPr id="5" name="Rettangolo 4">
+            <a:extLst>
+              <a:ext uri="{FF2B5EF4-FFF2-40B4-BE49-F238E27FC236}">
+                <a16:creationId xmlns:a16="http://schemas.microsoft.com/office/drawing/2014/main" id="{594D4035-7A15-43E0-B8ED-26BD9DA6D09C}"/>
+              </a:ext>
+            </a:extLst>
+          </p:cNvPr>
+          <p:cNvSpPr/>
+          <p:nvPr/>
+        </p:nvSpPr>
+        <p:spPr>
+          <a:xfrm>
+            <a:off x="0" y="1933575"/>
+            <a:ext cx="12192000" cy="4924425"/>
+          </a:xfrm>
+          <a:prstGeom prst="rect">
+            <a:avLst/>
+          </a:prstGeom>
+          <a:solidFill>
+            <a:schemeClr val="tx1"/>
+          </a:solidFill>
+          <a:ln>
+            <a:solidFill>
+              <a:schemeClr val="tx1"/>
+            </a:solidFill>
+          </a:ln>
+        </p:spPr>
+        <p:style>
+          <a:lnRef idx="2">
+            <a:schemeClr val="accent1">
+              <a:shade val="50000"/>
+            </a:schemeClr>
+          </a:lnRef>
+          <a:fillRef idx="1">
+            <a:schemeClr val="accent1"/>
+          </a:fillRef>
+          <a:effectRef idx="0">
+            <a:schemeClr val="accent1"/>
+          </a:effectRef>
+          <a:fontRef idx="minor">
+            <a:schemeClr val="lt1"/>
+          </a:fontRef>
+        </p:style>
+        <p:txBody>
+          <a:bodyPr rtlCol="0" anchor="ctr"/>
+          <a:lstStyle/>
+          <a:p>
+            <a:pPr algn="ctr"/>
+            <a:endParaRPr lang="en-US"/>
+          </a:p>
+        </p:txBody>
+      </p:sp>
+      <p:sp>
+        <p:nvSpPr>
+          <p:cNvPr id="14" name="CasellaDiTesto 13">
+            <a:extLst>
+              <a:ext uri="{FF2B5EF4-FFF2-40B4-BE49-F238E27FC236}">
+                <a16:creationId xmlns:a16="http://schemas.microsoft.com/office/drawing/2014/main" id="{C0F6C293-99A4-45FB-B428-7CF40209B4F8}"/>
+              </a:ext>
+            </a:extLst>
+          </p:cNvPr>
+          <p:cNvSpPr txBox="1"/>
+          <p:nvPr/>
+        </p:nvSpPr>
+        <p:spPr>
+          <a:xfrm>
+            <a:off x="664369" y="5937620"/>
+            <a:ext cx="5012531" cy="523220"/>
+          </a:xfrm>
+          <a:prstGeom prst="rect">
+            <a:avLst/>
+          </a:prstGeom>
+          <a:noFill/>
+        </p:spPr>
+        <p:txBody>
+          <a:bodyPr wrap="square" rtlCol="0">
+            <a:spAutoFit/>
+          </a:bodyPr>
+          <a:lstStyle/>
+          <a:p>
+            <a:pPr algn="ctr"/>
+            <a:r>
+              <a:rPr lang="en-US" sz="2800" dirty="0">
+                <a:solidFill>
+                  <a:schemeClr val="bg1">
+                    <a:lumMod val="85000"/>
+                    <a:lumOff val="15000"/>
+                  </a:schemeClr>
+                </a:solidFill>
+              </a:rPr>
+              <a:t>Map</a:t>
+            </a:r>
+          </a:p>
+        </p:txBody>
+      </p:sp>
+      <p:sp>
+        <p:nvSpPr>
+          <p:cNvPr id="18" name="CasellaDiTesto 17">
+            <a:extLst>
+              <a:ext uri="{FF2B5EF4-FFF2-40B4-BE49-F238E27FC236}">
+                <a16:creationId xmlns:a16="http://schemas.microsoft.com/office/drawing/2014/main" id="{417D94F7-E291-44BE-BF79-663B18B2BA20}"/>
+              </a:ext>
+            </a:extLst>
+          </p:cNvPr>
+          <p:cNvSpPr txBox="1"/>
+          <p:nvPr/>
+        </p:nvSpPr>
+        <p:spPr>
+          <a:xfrm>
+            <a:off x="6515102" y="5931877"/>
+            <a:ext cx="5012531" cy="523220"/>
+          </a:xfrm>
+          <a:prstGeom prst="rect">
+            <a:avLst/>
+          </a:prstGeom>
+          <a:noFill/>
+        </p:spPr>
+        <p:txBody>
+          <a:bodyPr wrap="square" rtlCol="0">
+            <a:spAutoFit/>
+          </a:bodyPr>
+          <a:lstStyle/>
+          <a:p>
+            <a:pPr algn="ctr"/>
+            <a:r>
+              <a:rPr lang="en-US" sz="2800" dirty="0">
+                <a:solidFill>
+                  <a:schemeClr val="bg1">
+                    <a:lumMod val="85000"/>
+                    <a:lumOff val="15000"/>
+                  </a:schemeClr>
+                </a:solidFill>
+              </a:rPr>
+              <a:t>Rooms and game elements graph</a:t>
+            </a:r>
+          </a:p>
+        </p:txBody>
+      </p:sp>
+      <p:pic>
+        <p:nvPicPr>
+          <p:cNvPr id="4" name="Immagine 3">
+            <a:extLst>
+              <a:ext uri="{FF2B5EF4-FFF2-40B4-BE49-F238E27FC236}">
+                <a16:creationId xmlns:a16="http://schemas.microsoft.com/office/drawing/2014/main" id="{6AE46109-DB5E-457A-9F2E-95827107D02D}"/>
+              </a:ext>
+            </a:extLst>
+          </p:cNvPr>
+          <p:cNvPicPr>
+            <a:picLocks noChangeAspect="1"/>
+          </p:cNvPicPr>
+          <p:nvPr/>
+        </p:nvPicPr>
+        <p:blipFill>
+          <a:blip r:embed="rId2">
+            <a:extLst>
+              <a:ext uri="{28A0092B-C50C-407E-A947-70E740481C1C}">
+                <a14:useLocalDpi xmlns:a14="http://schemas.microsoft.com/office/drawing/2010/main" val="0"/>
+              </a:ext>
+            </a:extLst>
+          </a:blip>
+          <a:stretch>
+            <a:fillRect/>
+          </a:stretch>
+        </p:blipFill>
+        <p:spPr>
+          <a:xfrm>
+            <a:off x="1093697" y="2461994"/>
+            <a:ext cx="4153873" cy="3350263"/>
+          </a:xfrm>
+          <a:prstGeom prst="rect">
+            <a:avLst/>
+          </a:prstGeom>
+        </p:spPr>
+      </p:pic>
+      <p:pic>
+        <p:nvPicPr>
+          <p:cNvPr id="7" name="Immagine 6" descr="Immagine che contiene cielo, esterni&#10;&#10;Descrizione generata con affidabilità molto elevata">
+            <a:extLst>
+              <a:ext uri="{FF2B5EF4-FFF2-40B4-BE49-F238E27FC236}">
+                <a16:creationId xmlns:a16="http://schemas.microsoft.com/office/drawing/2014/main" id="{2218EB64-652F-4CF0-96B6-86336C73BB65}"/>
+              </a:ext>
+            </a:extLst>
+          </p:cNvPr>
+          <p:cNvPicPr>
+            <a:picLocks noChangeAspect="1"/>
+          </p:cNvPicPr>
+          <p:nvPr/>
+        </p:nvPicPr>
+        <p:blipFill>
+          <a:blip r:embed="rId3">
+            <a:extLst>
+              <a:ext uri="{28A0092B-C50C-407E-A947-70E740481C1C}">
+                <a14:useLocalDpi xmlns:a14="http://schemas.microsoft.com/office/drawing/2010/main" val="0"/>
+              </a:ext>
+            </a:extLst>
+          </a:blip>
+          <a:stretch>
+            <a:fillRect/>
+          </a:stretch>
+        </p:blipFill>
+        <p:spPr>
+          <a:xfrm>
+            <a:off x="7036411" y="2225950"/>
+            <a:ext cx="3969911" cy="3584483"/>
+          </a:xfrm>
+          <a:prstGeom prst="rect">
+            <a:avLst/>
+          </a:prstGeom>
+        </p:spPr>
+      </p:pic>
+    </p:spTree>
+    <p:extLst>
+      <p:ext uri="{BB962C8B-B14F-4D97-AF65-F5344CB8AC3E}">
+        <p14:creationId xmlns:p14="http://schemas.microsoft.com/office/powerpoint/2010/main" val="3069097862"/>
+      </p:ext>
+    </p:extLst>
+  </p:cSld>
+  <p:clrMapOvr>
+    <a:masterClrMapping/>
+  </p:clrMapOvr>
+</p:sld>
+</file>
+
 <file path=ppt/slides/slide2.xml><?xml version="1.0" encoding="utf-8"?>
 <p:sld xmlns:a="http://schemas.openxmlformats.org/drawingml/2006/main" xmlns:r="http://schemas.openxmlformats.org/officeDocument/2006/relationships" xmlns:p="http://schemas.openxmlformats.org/presentationml/2006/main">
   <p:cSld>
@@ -4455,60 +5604,53 @@
             <p:ph idx="1"/>
           </p:nvPr>
         </p:nvSpPr>
-        <p:spPr/>
+        <p:spPr>
+          <a:xfrm>
+            <a:off x="838200" y="2497015"/>
+            <a:ext cx="10515600" cy="3679948"/>
+          </a:xfrm>
+        </p:spPr>
         <p:txBody>
           <a:bodyPr/>
           <a:lstStyle/>
           <a:p>
-            <a:pPr marL="0" indent="0">
+            <a:pPr marL="0" indent="0" algn="ctr">
               <a:buNone/>
             </a:pPr>
             <a:r>
               <a:rPr lang="en-US" dirty="0"/>
-              <a:t>Analyze the layout of a map </a:t>
-            </a:r>
-          </a:p>
-          <a:p>
-            <a:pPr marL="0" indent="0">
+              <a:t>Generate different graphs highlighting different features of the map.</a:t>
+            </a:r>
+          </a:p>
+          <a:p>
+            <a:pPr marL="0" indent="0" algn="ctr">
               <a:buNone/>
             </a:pPr>
             <a:endParaRPr lang="en-US" dirty="0"/>
           </a:p>
           <a:p>
-            <a:pPr marL="0" indent="0">
+            <a:pPr marL="0" indent="0" algn="ctr">
               <a:buNone/>
             </a:pPr>
             <a:r>
               <a:rPr lang="en-US" dirty="0"/>
-              <a:t>Graph-Theory metrics provide useful information.</a:t>
-            </a:r>
-          </a:p>
-          <a:p>
-            <a:pPr marL="0" indent="0">
+              <a:t>Extract layout information using Graph-Theory metrics.</a:t>
+            </a:r>
+          </a:p>
+          <a:p>
+            <a:pPr marL="0" indent="0" algn="ctr">
               <a:buNone/>
             </a:pPr>
             <a:endParaRPr lang="en-US" dirty="0"/>
           </a:p>
           <a:p>
-            <a:pPr marL="0" indent="0">
+            <a:pPr marL="0" indent="0" algn="ctr">
               <a:buNone/>
             </a:pPr>
             <a:r>
               <a:rPr lang="en-US" dirty="0"/>
-              <a:t>Use this information to place game elements.</a:t>
-            </a:r>
-          </a:p>
-          <a:p>
-            <a:pPr marL="0" indent="0">
-              <a:buNone/>
-            </a:pPr>
-            <a:endParaRPr lang="en-US" dirty="0"/>
-          </a:p>
-          <a:p>
-            <a:pPr marL="0" indent="0">
-              <a:buNone/>
-            </a:pPr>
-            <a:endParaRPr lang="en-US" dirty="0"/>
+              <a:t>Use this information to analyze the map or to place game elements.</a:t>
+            </a:r>
           </a:p>
         </p:txBody>
       </p:sp>
@@ -4516,6 +5658,292 @@
     <p:extLst>
       <p:ext uri="{BB962C8B-B14F-4D97-AF65-F5344CB8AC3E}">
         <p14:creationId xmlns:p14="http://schemas.microsoft.com/office/powerpoint/2010/main" val="2617888114"/>
+      </p:ext>
+    </p:extLst>
+  </p:cSld>
+  <p:clrMapOvr>
+    <a:masterClrMapping/>
+  </p:clrMapOvr>
+</p:sld>
+</file>
+
+<file path=ppt/slides/slide9.xml><?xml version="1.0" encoding="utf-8"?>
+<p:sld xmlns:a="http://schemas.openxmlformats.org/drawingml/2006/main" xmlns:r="http://schemas.openxmlformats.org/officeDocument/2006/relationships" xmlns:p="http://schemas.openxmlformats.org/presentationml/2006/main">
+  <p:cSld>
+    <p:bg>
+      <p:bgPr>
+        <a:solidFill>
+          <a:schemeClr val="bg1">
+            <a:lumMod val="85000"/>
+            <a:lumOff val="15000"/>
+          </a:schemeClr>
+        </a:solidFill>
+        <a:effectLst/>
+      </p:bgPr>
+    </p:bg>
+    <p:spTree>
+      <p:nvGrpSpPr>
+        <p:cNvPr id="1" name=""/>
+        <p:cNvGrpSpPr/>
+        <p:nvPr/>
+      </p:nvGrpSpPr>
+      <p:grpSpPr>
+        <a:xfrm>
+          <a:off x="0" y="0"/>
+          <a:ext cx="0" cy="0"/>
+          <a:chOff x="0" y="0"/>
+          <a:chExt cx="0" cy="0"/>
+        </a:xfrm>
+      </p:grpSpPr>
+      <p:sp>
+        <p:nvSpPr>
+          <p:cNvPr id="2" name="Titolo 1">
+            <a:extLst>
+              <a:ext uri="{FF2B5EF4-FFF2-40B4-BE49-F238E27FC236}">
+                <a16:creationId xmlns:a16="http://schemas.microsoft.com/office/drawing/2014/main" id="{BF19EB7B-A764-4A30-A087-BA041EB836D9}"/>
+              </a:ext>
+            </a:extLst>
+          </p:cNvPr>
+          <p:cNvSpPr>
+            <a:spLocks noGrp="1"/>
+          </p:cNvSpPr>
+          <p:nvPr>
+            <p:ph type="title"/>
+          </p:nvPr>
+        </p:nvSpPr>
+        <p:spPr/>
+        <p:txBody>
+          <a:bodyPr/>
+          <a:lstStyle/>
+          <a:p>
+            <a:pPr algn="ctr"/>
+            <a:r>
+              <a:rPr lang="en-US" b="1" dirty="0">
+                <a:solidFill>
+                  <a:srgbClr val="6946AE"/>
+                </a:solidFill>
+              </a:rPr>
+              <a:t>Graphs for single-level maps</a:t>
+            </a:r>
+          </a:p>
+        </p:txBody>
+      </p:sp>
+      <p:sp>
+        <p:nvSpPr>
+          <p:cNvPr id="5" name="Rettangolo 4">
+            <a:extLst>
+              <a:ext uri="{FF2B5EF4-FFF2-40B4-BE49-F238E27FC236}">
+                <a16:creationId xmlns:a16="http://schemas.microsoft.com/office/drawing/2014/main" id="{594D4035-7A15-43E0-B8ED-26BD9DA6D09C}"/>
+              </a:ext>
+            </a:extLst>
+          </p:cNvPr>
+          <p:cNvSpPr/>
+          <p:nvPr/>
+        </p:nvSpPr>
+        <p:spPr>
+          <a:xfrm>
+            <a:off x="0" y="1933575"/>
+            <a:ext cx="12192000" cy="4924425"/>
+          </a:xfrm>
+          <a:prstGeom prst="rect">
+            <a:avLst/>
+          </a:prstGeom>
+          <a:solidFill>
+            <a:schemeClr val="tx1"/>
+          </a:solidFill>
+          <a:ln>
+            <a:solidFill>
+              <a:schemeClr val="tx1"/>
+            </a:solidFill>
+          </a:ln>
+        </p:spPr>
+        <p:style>
+          <a:lnRef idx="2">
+            <a:schemeClr val="accent1">
+              <a:shade val="50000"/>
+            </a:schemeClr>
+          </a:lnRef>
+          <a:fillRef idx="1">
+            <a:schemeClr val="accent1"/>
+          </a:fillRef>
+          <a:effectRef idx="0">
+            <a:schemeClr val="accent1"/>
+          </a:effectRef>
+          <a:fontRef idx="minor">
+            <a:schemeClr val="lt1"/>
+          </a:fontRef>
+        </p:style>
+        <p:txBody>
+          <a:bodyPr rtlCol="0" anchor="ctr"/>
+          <a:lstStyle/>
+          <a:p>
+            <a:pPr algn="ctr"/>
+            <a:endParaRPr lang="en-US"/>
+          </a:p>
+        </p:txBody>
+      </p:sp>
+      <p:sp>
+        <p:nvSpPr>
+          <p:cNvPr id="14" name="CasellaDiTesto 13">
+            <a:extLst>
+              <a:ext uri="{FF2B5EF4-FFF2-40B4-BE49-F238E27FC236}">
+                <a16:creationId xmlns:a16="http://schemas.microsoft.com/office/drawing/2014/main" id="{C0F6C293-99A4-45FB-B428-7CF40209B4F8}"/>
+              </a:ext>
+            </a:extLst>
+          </p:cNvPr>
+          <p:cNvSpPr txBox="1"/>
+          <p:nvPr/>
+        </p:nvSpPr>
+        <p:spPr>
+          <a:xfrm>
+            <a:off x="664369" y="5937620"/>
+            <a:ext cx="5012531" cy="523220"/>
+          </a:xfrm>
+          <a:prstGeom prst="rect">
+            <a:avLst/>
+          </a:prstGeom>
+          <a:noFill/>
+        </p:spPr>
+        <p:txBody>
+          <a:bodyPr wrap="square" rtlCol="0">
+            <a:spAutoFit/>
+          </a:bodyPr>
+          <a:lstStyle/>
+          <a:p>
+            <a:pPr algn="ctr"/>
+            <a:r>
+              <a:rPr lang="en-US" sz="2800" dirty="0">
+                <a:solidFill>
+                  <a:schemeClr val="bg1">
+                    <a:lumMod val="85000"/>
+                    <a:lumOff val="15000"/>
+                  </a:schemeClr>
+                </a:solidFill>
+              </a:rPr>
+              <a:t>Map</a:t>
+            </a:r>
+          </a:p>
+        </p:txBody>
+      </p:sp>
+      <p:sp>
+        <p:nvSpPr>
+          <p:cNvPr id="18" name="CasellaDiTesto 17">
+            <a:extLst>
+              <a:ext uri="{FF2B5EF4-FFF2-40B4-BE49-F238E27FC236}">
+                <a16:creationId xmlns:a16="http://schemas.microsoft.com/office/drawing/2014/main" id="{417D94F7-E291-44BE-BF79-663B18B2BA20}"/>
+              </a:ext>
+            </a:extLst>
+          </p:cNvPr>
+          <p:cNvSpPr txBox="1"/>
+          <p:nvPr/>
+        </p:nvSpPr>
+        <p:spPr>
+          <a:xfrm>
+            <a:off x="6515102" y="5931877"/>
+            <a:ext cx="5012531" cy="523220"/>
+          </a:xfrm>
+          <a:prstGeom prst="rect">
+            <a:avLst/>
+          </a:prstGeom>
+          <a:noFill/>
+        </p:spPr>
+        <p:txBody>
+          <a:bodyPr wrap="square" rtlCol="0">
+            <a:spAutoFit/>
+          </a:bodyPr>
+          <a:lstStyle/>
+          <a:p>
+            <a:pPr algn="ctr"/>
+            <a:r>
+              <a:rPr lang="en-US" sz="2800" dirty="0">
+                <a:solidFill>
+                  <a:schemeClr val="bg1">
+                    <a:lumMod val="85000"/>
+                    <a:lumOff val="15000"/>
+                  </a:schemeClr>
+                </a:solidFill>
+              </a:rPr>
+              <a:t>Tiles graph</a:t>
+            </a:r>
+          </a:p>
+        </p:txBody>
+      </p:sp>
+      <p:pic>
+        <p:nvPicPr>
+          <p:cNvPr id="4" name="Immagine 3">
+            <a:extLst>
+              <a:ext uri="{FF2B5EF4-FFF2-40B4-BE49-F238E27FC236}">
+                <a16:creationId xmlns:a16="http://schemas.microsoft.com/office/drawing/2014/main" id="{6AE46109-DB5E-457A-9F2E-95827107D02D}"/>
+              </a:ext>
+            </a:extLst>
+          </p:cNvPr>
+          <p:cNvPicPr>
+            <a:picLocks noChangeAspect="1"/>
+          </p:cNvPicPr>
+          <p:nvPr/>
+        </p:nvPicPr>
+        <p:blipFill>
+          <a:blip r:embed="rId2">
+            <a:extLst>
+              <a:ext uri="{28A0092B-C50C-407E-A947-70E740481C1C}">
+                <a14:useLocalDpi xmlns:a14="http://schemas.microsoft.com/office/drawing/2010/main" val="0"/>
+              </a:ext>
+            </a:extLst>
+          </a:blip>
+          <a:stretch>
+            <a:fillRect/>
+          </a:stretch>
+        </p:blipFill>
+        <p:spPr>
+          <a:xfrm>
+            <a:off x="1093697" y="2461994"/>
+            <a:ext cx="4153873" cy="3350263"/>
+          </a:xfrm>
+          <a:prstGeom prst="rect">
+            <a:avLst/>
+          </a:prstGeom>
+        </p:spPr>
+      </p:pic>
+      <p:pic>
+        <p:nvPicPr>
+          <p:cNvPr id="7" name="Immagine 6" descr="Immagine che contiene orologio&#10;&#10;Descrizione generata con affidabilità elevata">
+            <a:extLst>
+              <a:ext uri="{FF2B5EF4-FFF2-40B4-BE49-F238E27FC236}">
+                <a16:creationId xmlns:a16="http://schemas.microsoft.com/office/drawing/2014/main" id="{54D6CAF1-211E-47D2-8C86-5D916DCFB0D3}"/>
+              </a:ext>
+            </a:extLst>
+          </p:cNvPr>
+          <p:cNvPicPr>
+            <a:picLocks noChangeAspect="1"/>
+          </p:cNvPicPr>
+          <p:nvPr/>
+        </p:nvPicPr>
+        <p:blipFill>
+          <a:blip r:embed="rId3">
+            <a:extLst>
+              <a:ext uri="{28A0092B-C50C-407E-A947-70E740481C1C}">
+                <a14:useLocalDpi xmlns:a14="http://schemas.microsoft.com/office/drawing/2010/main" val="0"/>
+              </a:ext>
+            </a:extLst>
+          </a:blip>
+          <a:stretch>
+            <a:fillRect/>
+          </a:stretch>
+        </p:blipFill>
+        <p:spPr>
+          <a:xfrm>
+            <a:off x="7071366" y="2579517"/>
+            <a:ext cx="3900002" cy="3115216"/>
+          </a:xfrm>
+          <a:prstGeom prst="rect">
+            <a:avLst/>
+          </a:prstGeom>
+        </p:spPr>
+      </p:pic>
+    </p:spTree>
+    <p:extLst>
+      <p:ext uri="{BB962C8B-B14F-4D97-AF65-F5344CB8AC3E}">
+        <p14:creationId xmlns:p14="http://schemas.microsoft.com/office/powerpoint/2010/main" val="3819609844"/>
       </p:ext>
     </p:extLst>
   </p:cSld>

--- a/Presentation/An Online Framework for User-Based Analysis of Maps in First Person Shooters.pptx
+++ b/Presentation/An Online Framework for User-Based Analysis of Maps in First Person Shooters.pptx
@@ -16,8 +16,16 @@
     <p:sldId id="266" r:id="rId10"/>
     <p:sldId id="267" r:id="rId11"/>
     <p:sldId id="268" r:id="rId12"/>
-    <p:sldId id="269" r:id="rId13"/>
+    <p:sldId id="271" r:id="rId13"/>
     <p:sldId id="270" r:id="rId14"/>
+    <p:sldId id="272" r:id="rId15"/>
+    <p:sldId id="273" r:id="rId16"/>
+    <p:sldId id="274" r:id="rId17"/>
+    <p:sldId id="275" r:id="rId18"/>
+    <p:sldId id="277" r:id="rId19"/>
+    <p:sldId id="280" r:id="rId20"/>
+    <p:sldId id="281" r:id="rId21"/>
+    <p:sldId id="279" r:id="rId22"/>
   </p:sldIdLst>
   <p:sldSz cx="12192000" cy="6858000"/>
   <p:notesSz cx="6858000" cy="9144000"/>
@@ -117,6 +125,35 @@
     </a:lvl9pPr>
   </p:defaultTextStyle>
   <p:extLst>
+    <p:ext uri="{521415D9-36F7-43E2-AB2F-B90AF26B5E84}">
+      <p14:sectionLst xmlns:p14="http://schemas.microsoft.com/office/powerpoint/2010/main">
+        <p14:section name="Sezione predefinita" id="{940F1C68-7B7D-4FED-883D-17EC67BEE835}">
+          <p14:sldIdLst>
+            <p14:sldId id="256"/>
+            <p14:sldId id="257"/>
+            <p14:sldId id="258"/>
+            <p14:sldId id="259"/>
+            <p14:sldId id="260"/>
+            <p14:sldId id="261"/>
+            <p14:sldId id="262"/>
+            <p14:sldId id="264"/>
+            <p14:sldId id="266"/>
+            <p14:sldId id="267"/>
+            <p14:sldId id="268"/>
+            <p14:sldId id="271"/>
+            <p14:sldId id="270"/>
+            <p14:sldId id="272"/>
+            <p14:sldId id="273"/>
+            <p14:sldId id="274"/>
+            <p14:sldId id="275"/>
+            <p14:sldId id="277"/>
+            <p14:sldId id="280"/>
+            <p14:sldId id="281"/>
+            <p14:sldId id="279"/>
+          </p14:sldIdLst>
+        </p14:section>
+      </p14:sectionLst>
+    </p:ext>
     <p:ext uri="{EFAFB233-063F-42B5-8137-9DF3F51BA10A}">
       <p15:sldGuideLst xmlns:p15="http://schemas.microsoft.com/office/powerpoint/2012/main"/>
     </p:ext>
@@ -3025,10 +3062,10 @@
           <a:lstStyle/>
           <a:p>
             <a:r>
-              <a:rPr lang="en-US" sz="5800" dirty="0"/>
+              <a:rPr lang="en-US" sz="5800" b="1" dirty="0"/>
               <a:t>An Online Framework for User-Based Analysis of Maps in First Person Shooters</a:t>
             </a:r>
-            <a:endParaRPr lang="it-IT" sz="5800" dirty="0"/>
+            <a:endParaRPr lang="it-IT" sz="5800" b="1" dirty="0"/>
           </a:p>
         </p:txBody>
       </p:sp>
@@ -3856,10 +3893,10 @@
       </p:sp>
       <p:pic>
         <p:nvPicPr>
-          <p:cNvPr id="4" name="Immagine 3">
+          <p:cNvPr id="10" name="Immagine 9">
             <a:extLst>
               <a:ext uri="{FF2B5EF4-FFF2-40B4-BE49-F238E27FC236}">
-                <a16:creationId xmlns:a16="http://schemas.microsoft.com/office/drawing/2014/main" id="{6AE46109-DB5E-457A-9F2E-95827107D02D}"/>
+                <a16:creationId xmlns:a16="http://schemas.microsoft.com/office/drawing/2014/main" id="{B3155B43-30C6-442F-80EC-F724CF908EF6}"/>
               </a:ext>
             </a:extLst>
           </p:cNvPr>
@@ -3882,8 +3919,8 @@
         </p:blipFill>
         <p:spPr>
           <a:xfrm>
-            <a:off x="1093697" y="2461994"/>
-            <a:ext cx="4153873" cy="3350263"/>
+            <a:off x="1276511" y="2460169"/>
+            <a:ext cx="3788244" cy="3350264"/>
           </a:xfrm>
           <a:prstGeom prst="rect">
             <a:avLst/>
@@ -3892,10 +3929,10 @@
       </p:pic>
       <p:pic>
         <p:nvPicPr>
-          <p:cNvPr id="7" name="Immagine 6">
+          <p:cNvPr id="8" name="Immagine 7">
             <a:extLst>
               <a:ext uri="{FF2B5EF4-FFF2-40B4-BE49-F238E27FC236}">
-                <a16:creationId xmlns:a16="http://schemas.microsoft.com/office/drawing/2014/main" id="{53FB13CC-C4EF-423F-84E3-0C2134D96AAD}"/>
+                <a16:creationId xmlns:a16="http://schemas.microsoft.com/office/drawing/2014/main" id="{BC333B69-A9C7-4B06-AEA6-DDD8F806CA08}"/>
               </a:ext>
             </a:extLst>
           </p:cNvPr>
@@ -3918,7 +3955,7 @@
         </p:blipFill>
         <p:spPr>
           <a:xfrm>
-            <a:off x="7125065" y="2460170"/>
+            <a:off x="7118859" y="2460169"/>
             <a:ext cx="3796630" cy="3350263"/>
           </a:xfrm>
           <a:prstGeom prst="rect">
@@ -3929,7 +3966,7 @@
     </p:spTree>
     <p:extLst>
       <p:ext uri="{BB962C8B-B14F-4D97-AF65-F5344CB8AC3E}">
-        <p14:creationId xmlns:p14="http://schemas.microsoft.com/office/powerpoint/2010/main" val="1556467663"/>
+        <p14:creationId xmlns:p14="http://schemas.microsoft.com/office/powerpoint/2010/main" val="2033219961"/>
       </p:ext>
     </p:extLst>
   </p:cSld>
@@ -4111,7 +4148,7 @@
         </p:nvSpPr>
         <p:spPr>
           <a:xfrm>
-            <a:off x="6515102" y="5931877"/>
+            <a:off x="6428184" y="5937620"/>
             <a:ext cx="5012531" cy="523220"/>
           </a:xfrm>
           <a:prstGeom prst="rect">
@@ -4142,10 +4179,10 @@
       </p:sp>
       <p:pic>
         <p:nvPicPr>
-          <p:cNvPr id="4" name="Immagine 3">
+          <p:cNvPr id="7" name="Immagine 6" descr="Immagine che contiene cielo, esterni&#10;&#10;Descrizione generata con affidabilità molto elevata">
             <a:extLst>
               <a:ext uri="{FF2B5EF4-FFF2-40B4-BE49-F238E27FC236}">
-                <a16:creationId xmlns:a16="http://schemas.microsoft.com/office/drawing/2014/main" id="{6AE46109-DB5E-457A-9F2E-95827107D02D}"/>
+                <a16:creationId xmlns:a16="http://schemas.microsoft.com/office/drawing/2014/main" id="{2218EB64-652F-4CF0-96B6-86336C73BB65}"/>
               </a:ext>
             </a:extLst>
           </p:cNvPr>
@@ -4168,8 +4205,8 @@
         </p:blipFill>
         <p:spPr>
           <a:xfrm>
-            <a:off x="1093697" y="2461994"/>
-            <a:ext cx="4153873" cy="3350263"/>
+            <a:off x="7443260" y="2710408"/>
+            <a:ext cx="3156213" cy="2849785"/>
           </a:xfrm>
           <a:prstGeom prst="rect">
             <a:avLst/>
@@ -4178,10 +4215,10 @@
       </p:pic>
       <p:pic>
         <p:nvPicPr>
-          <p:cNvPr id="7" name="Immagine 6" descr="Immagine che contiene cielo, esterni&#10;&#10;Descrizione generata con affidabilità molto elevata">
+          <p:cNvPr id="10" name="Immagine 9">
             <a:extLst>
               <a:ext uri="{FF2B5EF4-FFF2-40B4-BE49-F238E27FC236}">
-                <a16:creationId xmlns:a16="http://schemas.microsoft.com/office/drawing/2014/main" id="{2218EB64-652F-4CF0-96B6-86336C73BB65}"/>
+                <a16:creationId xmlns:a16="http://schemas.microsoft.com/office/drawing/2014/main" id="{B3155B43-30C6-442F-80EC-F724CF908EF6}"/>
               </a:ext>
             </a:extLst>
           </p:cNvPr>
@@ -4204,8 +4241,8 @@
         </p:blipFill>
         <p:spPr>
           <a:xfrm>
-            <a:off x="7036411" y="2225950"/>
-            <a:ext cx="3969911" cy="3584483"/>
+            <a:off x="1276511" y="2460169"/>
+            <a:ext cx="3788244" cy="3350264"/>
           </a:xfrm>
           <a:prstGeom prst="rect">
             <a:avLst/>
@@ -4216,6 +4253,3695 @@
     <p:extLst>
       <p:ext uri="{BB962C8B-B14F-4D97-AF65-F5344CB8AC3E}">
         <p14:creationId xmlns:p14="http://schemas.microsoft.com/office/powerpoint/2010/main" val="3069097862"/>
+      </p:ext>
+    </p:extLst>
+  </p:cSld>
+  <p:clrMapOvr>
+    <a:masterClrMapping/>
+  </p:clrMapOvr>
+</p:sld>
+</file>
+
+<file path=ppt/slides/slide14.xml><?xml version="1.0" encoding="utf-8"?>
+<p:sld xmlns:a="http://schemas.openxmlformats.org/drawingml/2006/main" xmlns:r="http://schemas.openxmlformats.org/officeDocument/2006/relationships" xmlns:p="http://schemas.openxmlformats.org/presentationml/2006/main">
+  <p:cSld>
+    <p:bg>
+      <p:bgPr>
+        <a:solidFill>
+          <a:schemeClr val="bg1">
+            <a:lumMod val="85000"/>
+            <a:lumOff val="15000"/>
+          </a:schemeClr>
+        </a:solidFill>
+        <a:effectLst/>
+      </p:bgPr>
+    </p:bg>
+    <p:spTree>
+      <p:nvGrpSpPr>
+        <p:cNvPr id="1" name=""/>
+        <p:cNvGrpSpPr/>
+        <p:nvPr/>
+      </p:nvGrpSpPr>
+      <p:grpSpPr>
+        <a:xfrm>
+          <a:off x="0" y="0"/>
+          <a:ext cx="0" cy="0"/>
+          <a:chOff x="0" y="0"/>
+          <a:chExt cx="0" cy="0"/>
+        </a:xfrm>
+      </p:grpSpPr>
+      <p:sp>
+        <p:nvSpPr>
+          <p:cNvPr id="2" name="Titolo 1">
+            <a:extLst>
+              <a:ext uri="{FF2B5EF4-FFF2-40B4-BE49-F238E27FC236}">
+                <a16:creationId xmlns:a16="http://schemas.microsoft.com/office/drawing/2014/main" id="{BF19EB7B-A764-4A30-A087-BA041EB836D9}"/>
+              </a:ext>
+            </a:extLst>
+          </p:cNvPr>
+          <p:cNvSpPr>
+            <a:spLocks noGrp="1"/>
+          </p:cNvSpPr>
+          <p:nvPr>
+            <p:ph type="title"/>
+          </p:nvPr>
+        </p:nvSpPr>
+        <p:spPr/>
+        <p:txBody>
+          <a:bodyPr/>
+          <a:lstStyle/>
+          <a:p>
+            <a:pPr algn="ctr"/>
+            <a:r>
+              <a:rPr lang="en-US" b="1" dirty="0">
+                <a:solidFill>
+                  <a:srgbClr val="6946AE"/>
+                </a:solidFill>
+              </a:rPr>
+              <a:t>Placement of game elements on the map</a:t>
+            </a:r>
+          </a:p>
+        </p:txBody>
+      </p:sp>
+      <p:sp>
+        <p:nvSpPr>
+          <p:cNvPr id="15" name="Segnaposto contenuto 14">
+            <a:extLst>
+              <a:ext uri="{FF2B5EF4-FFF2-40B4-BE49-F238E27FC236}">
+                <a16:creationId xmlns:a16="http://schemas.microsoft.com/office/drawing/2014/main" id="{7B36C9DA-C83C-477E-A8A9-D33246C1F0CA}"/>
+              </a:ext>
+            </a:extLst>
+          </p:cNvPr>
+          <p:cNvSpPr>
+            <a:spLocks noGrp="1"/>
+          </p:cNvSpPr>
+          <p:nvPr>
+            <p:ph idx="1"/>
+          </p:nvPr>
+        </p:nvSpPr>
+        <p:spPr>
+          <a:xfrm>
+            <a:off x="838200" y="2497015"/>
+            <a:ext cx="10515600" cy="3679948"/>
+          </a:xfrm>
+        </p:spPr>
+        <p:txBody>
+          <a:bodyPr/>
+          <a:lstStyle/>
+          <a:p>
+            <a:pPr marL="0" indent="0" algn="ctr">
+              <a:buNone/>
+            </a:pPr>
+            <a:r>
+              <a:rPr lang="en-US" dirty="0"/>
+              <a:t>Rules are defined considering the up-player vs down-player dynamic.</a:t>
+            </a:r>
+          </a:p>
+          <a:p>
+            <a:pPr marL="0" indent="0" algn="ctr">
+              <a:buNone/>
+            </a:pPr>
+            <a:endParaRPr lang="en-US" dirty="0"/>
+          </a:p>
+          <a:p>
+            <a:pPr marL="0" indent="0" algn="ctr">
+              <a:buNone/>
+            </a:pPr>
+            <a:r>
+              <a:rPr lang="en-US" dirty="0"/>
+              <a:t>The selection of the room and of the tile on which to place a game element is performed in two steps.</a:t>
+            </a:r>
+          </a:p>
+          <a:p>
+            <a:pPr marL="0" indent="0" algn="ctr">
+              <a:buNone/>
+            </a:pPr>
+            <a:endParaRPr lang="en-US" dirty="0"/>
+          </a:p>
+          <a:p>
+            <a:pPr marL="0" indent="0" algn="ctr">
+              <a:buNone/>
+            </a:pPr>
+            <a:r>
+              <a:rPr lang="en-US" dirty="0"/>
+              <a:t>Each selection can be performed at random, uniformly or using an heuristic.</a:t>
+            </a:r>
+          </a:p>
+        </p:txBody>
+      </p:sp>
+    </p:spTree>
+    <p:extLst>
+      <p:ext uri="{BB962C8B-B14F-4D97-AF65-F5344CB8AC3E}">
+        <p14:creationId xmlns:p14="http://schemas.microsoft.com/office/powerpoint/2010/main" val="1363770423"/>
+      </p:ext>
+    </p:extLst>
+  </p:cSld>
+  <p:clrMapOvr>
+    <a:masterClrMapping/>
+  </p:clrMapOvr>
+</p:sld>
+</file>
+
+<file path=ppt/slides/slide15.xml><?xml version="1.0" encoding="utf-8"?>
+<p:sld xmlns:a="http://schemas.openxmlformats.org/drawingml/2006/main" xmlns:r="http://schemas.openxmlformats.org/officeDocument/2006/relationships" xmlns:p="http://schemas.openxmlformats.org/presentationml/2006/main">
+  <p:cSld>
+    <p:bg>
+      <p:bgPr>
+        <a:solidFill>
+          <a:schemeClr val="bg1">
+            <a:lumMod val="85000"/>
+            <a:lumOff val="15000"/>
+          </a:schemeClr>
+        </a:solidFill>
+        <a:effectLst/>
+      </p:bgPr>
+    </p:bg>
+    <p:spTree>
+      <p:nvGrpSpPr>
+        <p:cNvPr id="1" name=""/>
+        <p:cNvGrpSpPr/>
+        <p:nvPr/>
+      </p:nvGrpSpPr>
+      <p:grpSpPr>
+        <a:xfrm>
+          <a:off x="0" y="0"/>
+          <a:ext cx="0" cy="0"/>
+          <a:chOff x="0" y="0"/>
+          <a:chExt cx="0" cy="0"/>
+        </a:xfrm>
+      </p:grpSpPr>
+      <p:sp>
+        <p:nvSpPr>
+          <p:cNvPr id="2" name="Titolo 1">
+            <a:extLst>
+              <a:ext uri="{FF2B5EF4-FFF2-40B4-BE49-F238E27FC236}">
+                <a16:creationId xmlns:a16="http://schemas.microsoft.com/office/drawing/2014/main" id="{BF19EB7B-A764-4A30-A087-BA041EB836D9}"/>
+              </a:ext>
+            </a:extLst>
+          </p:cNvPr>
+          <p:cNvSpPr>
+            <a:spLocks noGrp="1"/>
+          </p:cNvSpPr>
+          <p:nvPr>
+            <p:ph type="title"/>
+          </p:nvPr>
+        </p:nvSpPr>
+        <p:spPr/>
+        <p:txBody>
+          <a:bodyPr/>
+          <a:lstStyle/>
+          <a:p>
+            <a:pPr algn="ctr"/>
+            <a:r>
+              <a:rPr lang="en-US" b="1" dirty="0">
+                <a:solidFill>
+                  <a:srgbClr val="6946AE"/>
+                </a:solidFill>
+              </a:rPr>
+              <a:t>Selection by heuristic</a:t>
+            </a:r>
+          </a:p>
+        </p:txBody>
+      </p:sp>
+      <mc:AlternateContent xmlns:mc="http://schemas.openxmlformats.org/markup-compatibility/2006">
+        <mc:Choice xmlns:a14="http://schemas.microsoft.com/office/drawing/2010/main" Requires="a14">
+          <p:sp>
+            <p:nvSpPr>
+              <p:cNvPr id="15" name="Segnaposto contenuto 14">
+                <a:extLst>
+                  <a:ext uri="{FF2B5EF4-FFF2-40B4-BE49-F238E27FC236}">
+                    <a16:creationId xmlns:a16="http://schemas.microsoft.com/office/drawing/2014/main" id="{7B36C9DA-C83C-477E-A8A9-D33246C1F0CA}"/>
+                  </a:ext>
+                </a:extLst>
+              </p:cNvPr>
+              <p:cNvSpPr>
+                <a:spLocks noGrp="1"/>
+              </p:cNvSpPr>
+              <p:nvPr>
+                <p:ph idx="1"/>
+              </p:nvPr>
+            </p:nvSpPr>
+            <p:spPr>
+              <a:xfrm>
+                <a:off x="838200" y="2427890"/>
+                <a:ext cx="10515600" cy="3749074"/>
+              </a:xfrm>
+            </p:spPr>
+            <p:txBody>
+              <a:bodyPr>
+                <a:normAutofit/>
+              </a:bodyPr>
+              <a:lstStyle/>
+              <a:p>
+                <a:pPr marL="0" indent="0" algn="ctr">
+                  <a:buNone/>
+                </a:pPr>
+                <a:r>
+                  <a:rPr lang="en-US" dirty="0"/>
+                  <a:t>Selection of a room:</a:t>
+                </a:r>
+              </a:p>
+              <a:p>
+                <a:pPr marL="0" indent="0" algn="ctr">
+                  <a:buNone/>
+                </a:pPr>
+                <a:endParaRPr lang="en-US" sz="1000" dirty="0"/>
+              </a:p>
+              <a:p>
+                <a:pPr marL="0" indent="0" algn="ctr">
+                  <a:buNone/>
+                </a:pPr>
+                <a14:m>
+                  <m:oMathPara xmlns:m="http://schemas.openxmlformats.org/officeDocument/2006/math">
+                    <m:oMathParaPr>
+                      <m:jc m:val="centerGroup"/>
+                    </m:oMathParaPr>
+                    <m:oMath xmlns:m="http://schemas.openxmlformats.org/officeDocument/2006/math">
+                      <m:sSup>
+                        <m:sSupPr>
+                          <m:ctrlPr>
+                            <a:rPr lang="it-IT" b="0" i="1" smtClean="0">
+                              <a:latin typeface="Cambria Math" panose="02040503050406030204" pitchFamily="18" charset="0"/>
+                            </a:rPr>
+                          </m:ctrlPr>
+                        </m:sSupPr>
+                        <m:e>
+                          <m:r>
+                            <a:rPr lang="it-IT" b="0" i="1" smtClean="0">
+                              <a:latin typeface="Cambria Math" panose="02040503050406030204" pitchFamily="18" charset="0"/>
+                            </a:rPr>
+                            <m:t>𝑟</m:t>
+                          </m:r>
+                        </m:e>
+                        <m:sup>
+                          <m:r>
+                            <a:rPr lang="it-IT" b="0" i="1" smtClean="0">
+                              <a:latin typeface="Cambria Math" panose="02040503050406030204" pitchFamily="18" charset="0"/>
+                            </a:rPr>
+                            <m:t>∗</m:t>
+                          </m:r>
+                        </m:sup>
+                      </m:sSup>
+                      <m:r>
+                        <a:rPr lang="it-IT" b="0" i="1" smtClean="0">
+                          <a:latin typeface="Cambria Math" panose="02040503050406030204" pitchFamily="18" charset="0"/>
+                        </a:rPr>
+                        <m:t>=</m:t>
+                      </m:r>
+                      <m:func>
+                        <m:funcPr>
+                          <m:ctrlPr>
+                            <a:rPr lang="it-IT" b="0" i="1" smtClean="0">
+                              <a:latin typeface="Cambria Math" panose="02040503050406030204" pitchFamily="18" charset="0"/>
+                            </a:rPr>
+                          </m:ctrlPr>
+                        </m:funcPr>
+                        <m:fName>
+                          <m:r>
+                            <m:rPr>
+                              <m:sty m:val="p"/>
+                            </m:rPr>
+                            <a:rPr lang="it-IT" b="0" i="0" smtClean="0">
+                              <a:latin typeface="Cambria Math" panose="02040503050406030204" pitchFamily="18" charset="0"/>
+                            </a:rPr>
+                            <m:t>arg</m:t>
+                          </m:r>
+                        </m:fName>
+                        <m:e>
+                          <m:func>
+                            <m:funcPr>
+                              <m:ctrlPr>
+                                <a:rPr lang="it-IT" b="0" i="1" smtClean="0">
+                                  <a:latin typeface="Cambria Math" panose="02040503050406030204" pitchFamily="18" charset="0"/>
+                                </a:rPr>
+                              </m:ctrlPr>
+                            </m:funcPr>
+                            <m:fName>
+                              <m:limLow>
+                                <m:limLowPr>
+                                  <m:ctrlPr>
+                                    <a:rPr lang="it-IT" b="0" i="1" smtClean="0">
+                                      <a:latin typeface="Cambria Math" panose="02040503050406030204" pitchFamily="18" charset="0"/>
+                                    </a:rPr>
+                                  </m:ctrlPr>
+                                </m:limLowPr>
+                                <m:e>
+                                  <m:r>
+                                    <m:rPr>
+                                      <m:sty m:val="p"/>
+                                    </m:rPr>
+                                    <a:rPr lang="it-IT" b="0" i="0" smtClean="0">
+                                      <a:latin typeface="Cambria Math" panose="02040503050406030204" pitchFamily="18" charset="0"/>
+                                    </a:rPr>
+                                    <m:t>max</m:t>
+                                  </m:r>
+                                </m:e>
+                                <m:lim>
+                                  <m:r>
+                                    <a:rPr lang="it-IT" b="0" i="1" smtClean="0">
+                                      <a:latin typeface="Cambria Math" panose="02040503050406030204" pitchFamily="18" charset="0"/>
+                                    </a:rPr>
+                                    <m:t>𝑟</m:t>
+                                  </m:r>
+                                  <m:r>
+                                    <a:rPr lang="it-IT" b="0" i="1" smtClean="0">
+                                      <a:latin typeface="Cambria Math" panose="02040503050406030204" pitchFamily="18" charset="0"/>
+                                      <a:ea typeface="Cambria Math" panose="02040503050406030204" pitchFamily="18" charset="0"/>
+                                    </a:rPr>
+                                    <m:t>𝜖</m:t>
+                                  </m:r>
+                                  <m:r>
+                                    <a:rPr lang="it-IT" b="0" i="1" smtClean="0">
+                                      <a:latin typeface="Cambria Math" panose="02040503050406030204" pitchFamily="18" charset="0"/>
+                                      <a:ea typeface="Cambria Math" panose="02040503050406030204" pitchFamily="18" charset="0"/>
+                                    </a:rPr>
+                                    <m:t>𝑅</m:t>
+                                  </m:r>
+                                </m:lim>
+                              </m:limLow>
+                            </m:fName>
+                            <m:e>
+                              <m:r>
+                                <a:rPr lang="it-IT" b="0" i="1" smtClean="0">
+                                  <a:latin typeface="Cambria Math" panose="02040503050406030204" pitchFamily="18" charset="0"/>
+                                  <a:ea typeface="Cambria Math" panose="02040503050406030204" pitchFamily="18" charset="0"/>
+                                </a:rPr>
+                                <m:t>(</m:t>
+                              </m:r>
+                              <m:sSub>
+                                <m:sSubPr>
+                                  <m:ctrlPr>
+                                    <a:rPr lang="it-IT" b="0" i="1" smtClean="0">
+                                      <a:latin typeface="Cambria Math" panose="02040503050406030204" pitchFamily="18" charset="0"/>
+                                      <a:ea typeface="Cambria Math" panose="02040503050406030204" pitchFamily="18" charset="0"/>
+                                    </a:rPr>
+                                  </m:ctrlPr>
+                                </m:sSubPr>
+                                <m:e>
+                                  <m:r>
+                                    <a:rPr lang="it-IT" b="0" i="1" smtClean="0">
+                                      <a:latin typeface="Cambria Math" panose="02040503050406030204" pitchFamily="18" charset="0"/>
+                                      <a:ea typeface="Cambria Math" panose="02040503050406030204" pitchFamily="18" charset="0"/>
+                                    </a:rPr>
+                                    <m:t>𝑤</m:t>
+                                  </m:r>
+                                </m:e>
+                                <m:sub>
+                                  <m:r>
+                                    <a:rPr lang="it-IT" b="0" i="1" smtClean="0">
+                                      <a:latin typeface="Cambria Math" panose="02040503050406030204" pitchFamily="18" charset="0"/>
+                                      <a:ea typeface="Cambria Math" panose="02040503050406030204" pitchFamily="18" charset="0"/>
+                                    </a:rPr>
+                                    <m:t>𝐷</m:t>
+                                  </m:r>
+                                </m:sub>
+                              </m:sSub>
+                              <m:r>
+                                <a:rPr lang="it-IT" i="1">
+                                  <a:latin typeface="Cambria Math" panose="02040503050406030204" pitchFamily="18" charset="0"/>
+                                  <a:ea typeface="Cambria Math" panose="02040503050406030204" pitchFamily="18" charset="0"/>
+                                </a:rPr>
+                                <m:t>×</m:t>
+                              </m:r>
+                              <m:r>
+                                <a:rPr lang="it-IT" i="1">
+                                  <a:latin typeface="Cambria Math" panose="02040503050406030204" pitchFamily="18" charset="0"/>
+                                  <a:ea typeface="Cambria Math" panose="02040503050406030204" pitchFamily="18" charset="0"/>
+                                </a:rPr>
+                                <m:t>𝐷</m:t>
+                              </m:r>
+                              <m:d>
+                                <m:dPr>
+                                  <m:ctrlPr>
+                                    <a:rPr lang="it-IT" b="0" i="1" smtClean="0">
+                                      <a:latin typeface="Cambria Math" panose="02040503050406030204" pitchFamily="18" charset="0"/>
+                                      <a:ea typeface="Cambria Math" panose="02040503050406030204" pitchFamily="18" charset="0"/>
+                                    </a:rPr>
+                                  </m:ctrlPr>
+                                </m:dPr>
+                                <m:e>
+                                  <m:r>
+                                    <a:rPr lang="it-IT" b="0" i="1" smtClean="0">
+                                      <a:latin typeface="Cambria Math" panose="02040503050406030204" pitchFamily="18" charset="0"/>
+                                      <a:ea typeface="Cambria Math" panose="02040503050406030204" pitchFamily="18" charset="0"/>
+                                    </a:rPr>
+                                    <m:t>𝑟</m:t>
+                                  </m:r>
+                                </m:e>
+                              </m:d>
+                              <m:r>
+                                <a:rPr lang="it-IT" b="0" i="1" smtClean="0">
+                                  <a:latin typeface="Cambria Math" panose="02040503050406030204" pitchFamily="18" charset="0"/>
+                                  <a:ea typeface="Cambria Math" panose="02040503050406030204" pitchFamily="18" charset="0"/>
+                                </a:rPr>
+                                <m:t>+</m:t>
+                              </m:r>
+                              <m:sSub>
+                                <m:sSubPr>
+                                  <m:ctrlPr>
+                                    <a:rPr lang="it-IT" b="0" i="1" smtClean="0">
+                                      <a:latin typeface="Cambria Math" panose="02040503050406030204" pitchFamily="18" charset="0"/>
+                                      <a:ea typeface="Cambria Math" panose="02040503050406030204" pitchFamily="18" charset="0"/>
+                                    </a:rPr>
+                                  </m:ctrlPr>
+                                </m:sSubPr>
+                                <m:e>
+                                  <m:r>
+                                    <a:rPr lang="it-IT" b="0" i="1" smtClean="0">
+                                      <a:latin typeface="Cambria Math" panose="02040503050406030204" pitchFamily="18" charset="0"/>
+                                      <a:ea typeface="Cambria Math" panose="02040503050406030204" pitchFamily="18" charset="0"/>
+                                    </a:rPr>
+                                    <m:t>𝑤</m:t>
+                                  </m:r>
+                                </m:e>
+                                <m:sub>
+                                  <m:sSub>
+                                    <m:sSubPr>
+                                      <m:ctrlPr>
+                                        <a:rPr lang="it-IT" b="0" i="1" smtClean="0">
+                                          <a:latin typeface="Cambria Math" panose="02040503050406030204" pitchFamily="18" charset="0"/>
+                                          <a:ea typeface="Cambria Math" panose="02040503050406030204" pitchFamily="18" charset="0"/>
+                                        </a:rPr>
+                                      </m:ctrlPr>
+                                    </m:sSubPr>
+                                    <m:e>
+                                      <m:r>
+                                        <a:rPr lang="it-IT" b="0" i="1" smtClean="0">
+                                          <a:latin typeface="Cambria Math" panose="02040503050406030204" pitchFamily="18" charset="0"/>
+                                          <a:ea typeface="Cambria Math" panose="02040503050406030204" pitchFamily="18" charset="0"/>
+                                        </a:rPr>
+                                        <m:t>𝐻</m:t>
+                                      </m:r>
+                                    </m:e>
+                                    <m:sub>
+                                      <m:r>
+                                        <a:rPr lang="it-IT" b="0" i="1" smtClean="0">
+                                          <a:latin typeface="Cambria Math" panose="02040503050406030204" pitchFamily="18" charset="0"/>
+                                          <a:ea typeface="Cambria Math" panose="02040503050406030204" pitchFamily="18" charset="0"/>
+                                        </a:rPr>
+                                        <m:t>𝑒</m:t>
+                                      </m:r>
+                                    </m:sub>
+                                  </m:sSub>
+                                </m:sub>
+                              </m:sSub>
+                              <m:r>
+                                <a:rPr lang="it-IT" i="1">
+                                  <a:latin typeface="Cambria Math" panose="02040503050406030204" pitchFamily="18" charset="0"/>
+                                  <a:ea typeface="Cambria Math" panose="02040503050406030204" pitchFamily="18" charset="0"/>
+                                </a:rPr>
+                                <m:t>×</m:t>
+                              </m:r>
+                              <m:sSub>
+                                <m:sSubPr>
+                                  <m:ctrlPr>
+                                    <a:rPr lang="it-IT" b="0" i="1" smtClean="0">
+                                      <a:latin typeface="Cambria Math" panose="02040503050406030204" pitchFamily="18" charset="0"/>
+                                      <a:ea typeface="Cambria Math" panose="02040503050406030204" pitchFamily="18" charset="0"/>
+                                    </a:rPr>
+                                  </m:ctrlPr>
+                                </m:sSubPr>
+                                <m:e>
+                                  <m:r>
+                                    <a:rPr lang="it-IT" b="0" i="1" smtClean="0">
+                                      <a:latin typeface="Cambria Math" panose="02040503050406030204" pitchFamily="18" charset="0"/>
+                                      <a:ea typeface="Cambria Math" panose="02040503050406030204" pitchFamily="18" charset="0"/>
+                                    </a:rPr>
+                                    <m:t>𝐻</m:t>
+                                  </m:r>
+                                </m:e>
+                                <m:sub>
+                                  <m:r>
+                                    <a:rPr lang="it-IT" b="0" i="1" smtClean="0">
+                                      <a:latin typeface="Cambria Math" panose="02040503050406030204" pitchFamily="18" charset="0"/>
+                                      <a:ea typeface="Cambria Math" panose="02040503050406030204" pitchFamily="18" charset="0"/>
+                                    </a:rPr>
+                                    <m:t>𝑒</m:t>
+                                  </m:r>
+                                </m:sub>
+                              </m:sSub>
+                              <m:r>
+                                <a:rPr lang="it-IT" b="0" i="1" smtClean="0">
+                                  <a:latin typeface="Cambria Math" panose="02040503050406030204" pitchFamily="18" charset="0"/>
+                                  <a:ea typeface="Cambria Math" panose="02040503050406030204" pitchFamily="18" charset="0"/>
+                                </a:rPr>
+                                <m:t>(</m:t>
+                              </m:r>
+                              <m:r>
+                                <a:rPr lang="it-IT" b="0" i="1" smtClean="0">
+                                  <a:latin typeface="Cambria Math" panose="02040503050406030204" pitchFamily="18" charset="0"/>
+                                  <a:ea typeface="Cambria Math" panose="02040503050406030204" pitchFamily="18" charset="0"/>
+                                </a:rPr>
+                                <m:t>𝑟</m:t>
+                              </m:r>
+                              <m:r>
+                                <a:rPr lang="it-IT" b="0" i="1" smtClean="0">
+                                  <a:latin typeface="Cambria Math" panose="02040503050406030204" pitchFamily="18" charset="0"/>
+                                  <a:ea typeface="Cambria Math" panose="02040503050406030204" pitchFamily="18" charset="0"/>
+                                </a:rPr>
+                                <m:t>))</m:t>
+                              </m:r>
+                            </m:e>
+                          </m:func>
+                        </m:e>
+                      </m:func>
+                    </m:oMath>
+                  </m:oMathPara>
+                </a14:m>
+                <a:endParaRPr lang="en-US" dirty="0"/>
+              </a:p>
+              <a:p>
+                <a:pPr marL="0" indent="0" algn="ctr">
+                  <a:buNone/>
+                </a:pPr>
+                <a:endParaRPr lang="en-US" dirty="0"/>
+              </a:p>
+              <a:p>
+                <a:pPr marL="0" indent="0" algn="ctr">
+                  <a:buNone/>
+                </a:pPr>
+                <a:r>
+                  <a:rPr lang="en-US" dirty="0"/>
+                  <a:t>Selection of a tile:</a:t>
+                </a:r>
+              </a:p>
+              <a:p>
+                <a:pPr marL="0" indent="0" algn="ctr">
+                  <a:buNone/>
+                </a:pPr>
+                <a:endParaRPr lang="en-US" sz="1000" dirty="0"/>
+              </a:p>
+              <a:p>
+                <a:pPr marL="0" indent="0" algn="ctr">
+                  <a:buNone/>
+                </a:pPr>
+                <a14:m>
+                  <m:oMathPara xmlns:m="http://schemas.openxmlformats.org/officeDocument/2006/math">
+                    <m:oMathParaPr>
+                      <m:jc m:val="centerGroup"/>
+                    </m:oMathParaPr>
+                    <m:oMath xmlns:m="http://schemas.openxmlformats.org/officeDocument/2006/math">
+                      <m:sSup>
+                        <m:sSupPr>
+                          <m:ctrlPr>
+                            <a:rPr lang="it-IT" i="1">
+                              <a:latin typeface="Cambria Math" panose="02040503050406030204" pitchFamily="18" charset="0"/>
+                            </a:rPr>
+                          </m:ctrlPr>
+                        </m:sSupPr>
+                        <m:e>
+                          <m:r>
+                            <a:rPr lang="it-IT" b="0" i="1" smtClean="0">
+                              <a:latin typeface="Cambria Math" panose="02040503050406030204" pitchFamily="18" charset="0"/>
+                            </a:rPr>
+                            <m:t>𝑡</m:t>
+                          </m:r>
+                        </m:e>
+                        <m:sup>
+                          <m:r>
+                            <a:rPr lang="it-IT" i="1">
+                              <a:latin typeface="Cambria Math" panose="02040503050406030204" pitchFamily="18" charset="0"/>
+                            </a:rPr>
+                            <m:t>∗</m:t>
+                          </m:r>
+                        </m:sup>
+                      </m:sSup>
+                      <m:r>
+                        <a:rPr lang="it-IT" i="1">
+                          <a:latin typeface="Cambria Math" panose="02040503050406030204" pitchFamily="18" charset="0"/>
+                        </a:rPr>
+                        <m:t>=</m:t>
+                      </m:r>
+                      <m:func>
+                        <m:funcPr>
+                          <m:ctrlPr>
+                            <a:rPr lang="it-IT" i="1">
+                              <a:latin typeface="Cambria Math" panose="02040503050406030204" pitchFamily="18" charset="0"/>
+                            </a:rPr>
+                          </m:ctrlPr>
+                        </m:funcPr>
+                        <m:fName>
+                          <m:r>
+                            <m:rPr>
+                              <m:sty m:val="p"/>
+                            </m:rPr>
+                            <a:rPr lang="it-IT">
+                              <a:latin typeface="Cambria Math" panose="02040503050406030204" pitchFamily="18" charset="0"/>
+                            </a:rPr>
+                            <m:t>arg</m:t>
+                          </m:r>
+                        </m:fName>
+                        <m:e>
+                          <m:func>
+                            <m:funcPr>
+                              <m:ctrlPr>
+                                <a:rPr lang="it-IT" i="1">
+                                  <a:latin typeface="Cambria Math" panose="02040503050406030204" pitchFamily="18" charset="0"/>
+                                </a:rPr>
+                              </m:ctrlPr>
+                            </m:funcPr>
+                            <m:fName>
+                              <m:limLow>
+                                <m:limLowPr>
+                                  <m:ctrlPr>
+                                    <a:rPr lang="it-IT" i="1">
+                                      <a:latin typeface="Cambria Math" panose="02040503050406030204" pitchFamily="18" charset="0"/>
+                                    </a:rPr>
+                                  </m:ctrlPr>
+                                </m:limLowPr>
+                                <m:e>
+                                  <m:r>
+                                    <m:rPr>
+                                      <m:sty m:val="p"/>
+                                    </m:rPr>
+                                    <a:rPr lang="it-IT">
+                                      <a:latin typeface="Cambria Math" panose="02040503050406030204" pitchFamily="18" charset="0"/>
+                                    </a:rPr>
+                                    <m:t>max</m:t>
+                                  </m:r>
+                                </m:e>
+                                <m:lim>
+                                  <m:r>
+                                    <a:rPr lang="it-IT" b="0" i="1" smtClean="0">
+                                      <a:latin typeface="Cambria Math" panose="02040503050406030204" pitchFamily="18" charset="0"/>
+                                    </a:rPr>
+                                    <m:t>𝑡</m:t>
+                                  </m:r>
+                                  <m:r>
+                                    <a:rPr lang="it-IT" i="1">
+                                      <a:latin typeface="Cambria Math" panose="02040503050406030204" pitchFamily="18" charset="0"/>
+                                      <a:ea typeface="Cambria Math" panose="02040503050406030204" pitchFamily="18" charset="0"/>
+                                    </a:rPr>
+                                    <m:t>𝜖</m:t>
+                                  </m:r>
+                                  <m:r>
+                                    <a:rPr lang="it-IT" b="0" i="1" smtClean="0">
+                                      <a:latin typeface="Cambria Math" panose="02040503050406030204" pitchFamily="18" charset="0"/>
+                                      <a:ea typeface="Cambria Math" panose="02040503050406030204" pitchFamily="18" charset="0"/>
+                                    </a:rPr>
+                                    <m:t>𝑇</m:t>
+                                  </m:r>
+                                </m:lim>
+                              </m:limLow>
+                            </m:fName>
+                            <m:e>
+                              <m:r>
+                                <a:rPr lang="it-IT" i="1">
+                                  <a:latin typeface="Cambria Math" panose="02040503050406030204" pitchFamily="18" charset="0"/>
+                                  <a:ea typeface="Cambria Math" panose="02040503050406030204" pitchFamily="18" charset="0"/>
+                                </a:rPr>
+                                <m:t>(</m:t>
+                              </m:r>
+                              <m:sSub>
+                                <m:sSubPr>
+                                  <m:ctrlPr>
+                                    <a:rPr lang="it-IT" b="0" i="1" smtClean="0">
+                                      <a:latin typeface="Cambria Math" panose="02040503050406030204" pitchFamily="18" charset="0"/>
+                                      <a:ea typeface="Cambria Math" panose="02040503050406030204" pitchFamily="18" charset="0"/>
+                                    </a:rPr>
+                                  </m:ctrlPr>
+                                </m:sSubPr>
+                                <m:e>
+                                  <m:r>
+                                    <a:rPr lang="it-IT" b="0" i="1" smtClean="0">
+                                      <a:latin typeface="Cambria Math" panose="02040503050406030204" pitchFamily="18" charset="0"/>
+                                      <a:ea typeface="Cambria Math" panose="02040503050406030204" pitchFamily="18" charset="0"/>
+                                    </a:rPr>
+                                    <m:t>𝑤</m:t>
+                                  </m:r>
+                                </m:e>
+                                <m:sub>
+                                  <m:r>
+                                    <a:rPr lang="it-IT" b="0" i="1" smtClean="0">
+                                      <a:latin typeface="Cambria Math" panose="02040503050406030204" pitchFamily="18" charset="0"/>
+                                      <a:ea typeface="Cambria Math" panose="02040503050406030204" pitchFamily="18" charset="0"/>
+                                    </a:rPr>
+                                    <m:t>𝑣</m:t>
+                                  </m:r>
+                                </m:sub>
+                              </m:sSub>
+                              <m:r>
+                                <a:rPr lang="it-IT" i="1">
+                                  <a:latin typeface="Cambria Math" panose="02040503050406030204" pitchFamily="18" charset="0"/>
+                                  <a:ea typeface="Cambria Math" panose="02040503050406030204" pitchFamily="18" charset="0"/>
+                                </a:rPr>
+                                <m:t>×</m:t>
+                              </m:r>
+                              <m:r>
+                                <a:rPr lang="it-IT" b="0" i="1" smtClean="0">
+                                  <a:latin typeface="Cambria Math" panose="02040503050406030204" pitchFamily="18" charset="0"/>
+                                  <a:ea typeface="Cambria Math" panose="02040503050406030204" pitchFamily="18" charset="0"/>
+                                </a:rPr>
+                                <m:t>𝑣</m:t>
+                              </m:r>
+                              <m:d>
+                                <m:dPr>
+                                  <m:ctrlPr>
+                                    <a:rPr lang="it-IT" i="1">
+                                      <a:latin typeface="Cambria Math" panose="02040503050406030204" pitchFamily="18" charset="0"/>
+                                      <a:ea typeface="Cambria Math" panose="02040503050406030204" pitchFamily="18" charset="0"/>
+                                    </a:rPr>
+                                  </m:ctrlPr>
+                                </m:dPr>
+                                <m:e>
+                                  <m:r>
+                                    <a:rPr lang="it-IT" b="0" i="1" smtClean="0">
+                                      <a:latin typeface="Cambria Math" panose="02040503050406030204" pitchFamily="18" charset="0"/>
+                                      <a:ea typeface="Cambria Math" panose="02040503050406030204" pitchFamily="18" charset="0"/>
+                                    </a:rPr>
+                                    <m:t>𝑡</m:t>
+                                  </m:r>
+                                </m:e>
+                              </m:d>
+                              <m:r>
+                                <a:rPr lang="it-IT" i="1">
+                                  <a:latin typeface="Cambria Math" panose="02040503050406030204" pitchFamily="18" charset="0"/>
+                                  <a:ea typeface="Cambria Math" panose="02040503050406030204" pitchFamily="18" charset="0"/>
+                                </a:rPr>
+                                <m:t>+</m:t>
+                              </m:r>
+                              <m:sSub>
+                                <m:sSubPr>
+                                  <m:ctrlPr>
+                                    <a:rPr lang="it-IT" i="1">
+                                      <a:latin typeface="Cambria Math" panose="02040503050406030204" pitchFamily="18" charset="0"/>
+                                      <a:ea typeface="Cambria Math" panose="02040503050406030204" pitchFamily="18" charset="0"/>
+                                    </a:rPr>
+                                  </m:ctrlPr>
+                                </m:sSubPr>
+                                <m:e>
+                                  <m:r>
+                                    <a:rPr lang="it-IT" b="0" i="1" smtClean="0">
+                                      <a:latin typeface="Cambria Math" panose="02040503050406030204" pitchFamily="18" charset="0"/>
+                                      <a:ea typeface="Cambria Math" panose="02040503050406030204" pitchFamily="18" charset="0"/>
+                                    </a:rPr>
+                                    <m:t>𝑤</m:t>
+                                  </m:r>
+                                </m:e>
+                                <m:sub>
+                                  <m:sSub>
+                                    <m:sSubPr>
+                                      <m:ctrlPr>
+                                        <a:rPr lang="it-IT" b="0" i="1" smtClean="0">
+                                          <a:latin typeface="Cambria Math" panose="02040503050406030204" pitchFamily="18" charset="0"/>
+                                          <a:ea typeface="Cambria Math" panose="02040503050406030204" pitchFamily="18" charset="0"/>
+                                        </a:rPr>
+                                      </m:ctrlPr>
+                                    </m:sSubPr>
+                                    <m:e>
+                                      <m:r>
+                                        <a:rPr lang="it-IT" b="0" i="1" smtClean="0">
+                                          <a:latin typeface="Cambria Math" panose="02040503050406030204" pitchFamily="18" charset="0"/>
+                                          <a:ea typeface="Cambria Math" panose="02040503050406030204" pitchFamily="18" charset="0"/>
+                                        </a:rPr>
+                                        <m:t>h</m:t>
+                                      </m:r>
+                                    </m:e>
+                                    <m:sub>
+                                      <m:r>
+                                        <a:rPr lang="it-IT" b="0" i="1" smtClean="0">
+                                          <a:latin typeface="Cambria Math" panose="02040503050406030204" pitchFamily="18" charset="0"/>
+                                          <a:ea typeface="Cambria Math" panose="02040503050406030204" pitchFamily="18" charset="0"/>
+                                        </a:rPr>
+                                        <m:t>𝑤</m:t>
+                                      </m:r>
+                                    </m:sub>
+                                  </m:sSub>
+                                </m:sub>
+                              </m:sSub>
+                              <m:r>
+                                <a:rPr lang="it-IT" i="1">
+                                  <a:latin typeface="Cambria Math" panose="02040503050406030204" pitchFamily="18" charset="0"/>
+                                  <a:ea typeface="Cambria Math" panose="02040503050406030204" pitchFamily="18" charset="0"/>
+                                </a:rPr>
+                                <m:t>×</m:t>
+                              </m:r>
+                              <m:sSub>
+                                <m:sSubPr>
+                                  <m:ctrlPr>
+                                    <a:rPr lang="it-IT" i="1">
+                                      <a:latin typeface="Cambria Math" panose="02040503050406030204" pitchFamily="18" charset="0"/>
+                                      <a:ea typeface="Cambria Math" panose="02040503050406030204" pitchFamily="18" charset="0"/>
+                                    </a:rPr>
+                                  </m:ctrlPr>
+                                </m:sSubPr>
+                                <m:e>
+                                  <m:r>
+                                    <a:rPr lang="it-IT" b="0" i="1" smtClean="0">
+                                      <a:latin typeface="Cambria Math" panose="02040503050406030204" pitchFamily="18" charset="0"/>
+                                      <a:ea typeface="Cambria Math" panose="02040503050406030204" pitchFamily="18" charset="0"/>
+                                    </a:rPr>
+                                    <m:t>h</m:t>
+                                  </m:r>
+                                </m:e>
+                                <m:sub>
+                                  <m:r>
+                                    <a:rPr lang="it-IT" b="0" i="1" smtClean="0">
+                                      <a:latin typeface="Cambria Math" panose="02040503050406030204" pitchFamily="18" charset="0"/>
+                                      <a:ea typeface="Cambria Math" panose="02040503050406030204" pitchFamily="18" charset="0"/>
+                                    </a:rPr>
+                                    <m:t>𝑤</m:t>
+                                  </m:r>
+                                </m:sub>
+                              </m:sSub>
+                              <m:r>
+                                <a:rPr lang="it-IT" i="1">
+                                  <a:latin typeface="Cambria Math" panose="02040503050406030204" pitchFamily="18" charset="0"/>
+                                  <a:ea typeface="Cambria Math" panose="02040503050406030204" pitchFamily="18" charset="0"/>
+                                </a:rPr>
+                                <m:t>(</m:t>
+                              </m:r>
+                              <m:r>
+                                <a:rPr lang="it-IT" b="0" i="1" smtClean="0">
+                                  <a:latin typeface="Cambria Math" panose="02040503050406030204" pitchFamily="18" charset="0"/>
+                                  <a:ea typeface="Cambria Math" panose="02040503050406030204" pitchFamily="18" charset="0"/>
+                                </a:rPr>
+                                <m:t>𝑡</m:t>
+                              </m:r>
+                              <m:r>
+                                <a:rPr lang="it-IT" i="1">
+                                  <a:latin typeface="Cambria Math" panose="02040503050406030204" pitchFamily="18" charset="0"/>
+                                  <a:ea typeface="Cambria Math" panose="02040503050406030204" pitchFamily="18" charset="0"/>
+                                </a:rPr>
+                                <m:t>)+</m:t>
+                              </m:r>
+                              <m:sSub>
+                                <m:sSubPr>
+                                  <m:ctrlPr>
+                                    <a:rPr lang="it-IT" i="1">
+                                      <a:latin typeface="Cambria Math" panose="02040503050406030204" pitchFamily="18" charset="0"/>
+                                      <a:ea typeface="Cambria Math" panose="02040503050406030204" pitchFamily="18" charset="0"/>
+                                    </a:rPr>
+                                  </m:ctrlPr>
+                                </m:sSubPr>
+                                <m:e>
+                                  <m:r>
+                                    <a:rPr lang="it-IT" i="1">
+                                      <a:latin typeface="Cambria Math" panose="02040503050406030204" pitchFamily="18" charset="0"/>
+                                      <a:ea typeface="Cambria Math" panose="02040503050406030204" pitchFamily="18" charset="0"/>
+                                    </a:rPr>
+                                    <m:t>𝑤</m:t>
+                                  </m:r>
+                                </m:e>
+                                <m:sub>
+                                  <m:sSub>
+                                    <m:sSubPr>
+                                      <m:ctrlPr>
+                                        <a:rPr lang="it-IT" b="0" i="1" smtClean="0">
+                                          <a:latin typeface="Cambria Math" panose="02040503050406030204" pitchFamily="18" charset="0"/>
+                                          <a:ea typeface="Cambria Math" panose="02040503050406030204" pitchFamily="18" charset="0"/>
+                                        </a:rPr>
+                                      </m:ctrlPr>
+                                    </m:sSubPr>
+                                    <m:e>
+                                      <m:r>
+                                        <a:rPr lang="it-IT" b="0" i="1" smtClean="0">
+                                          <a:latin typeface="Cambria Math" panose="02040503050406030204" pitchFamily="18" charset="0"/>
+                                          <a:ea typeface="Cambria Math" panose="02040503050406030204" pitchFamily="18" charset="0"/>
+                                        </a:rPr>
+                                        <m:t>h</m:t>
+                                      </m:r>
+                                    </m:e>
+                                    <m:sub>
+                                      <m:r>
+                                        <a:rPr lang="it-IT" b="0" i="1" smtClean="0">
+                                          <a:latin typeface="Cambria Math" panose="02040503050406030204" pitchFamily="18" charset="0"/>
+                                          <a:ea typeface="Cambria Math" panose="02040503050406030204" pitchFamily="18" charset="0"/>
+                                        </a:rPr>
+                                        <m:t>𝑒</m:t>
+                                      </m:r>
+                                    </m:sub>
+                                  </m:sSub>
+                                </m:sub>
+                              </m:sSub>
+                              <m:r>
+                                <a:rPr lang="it-IT" i="1">
+                                  <a:latin typeface="Cambria Math" panose="02040503050406030204" pitchFamily="18" charset="0"/>
+                                  <a:ea typeface="Cambria Math" panose="02040503050406030204" pitchFamily="18" charset="0"/>
+                                </a:rPr>
+                                <m:t>×</m:t>
+                              </m:r>
+                              <m:sSub>
+                                <m:sSubPr>
+                                  <m:ctrlPr>
+                                    <a:rPr lang="it-IT" i="1">
+                                      <a:latin typeface="Cambria Math" panose="02040503050406030204" pitchFamily="18" charset="0"/>
+                                      <a:ea typeface="Cambria Math" panose="02040503050406030204" pitchFamily="18" charset="0"/>
+                                    </a:rPr>
+                                  </m:ctrlPr>
+                                </m:sSubPr>
+                                <m:e>
+                                  <m:r>
+                                    <a:rPr lang="it-IT" i="1">
+                                      <a:latin typeface="Cambria Math" panose="02040503050406030204" pitchFamily="18" charset="0"/>
+                                      <a:ea typeface="Cambria Math" panose="02040503050406030204" pitchFamily="18" charset="0"/>
+                                    </a:rPr>
+                                    <m:t>h</m:t>
+                                  </m:r>
+                                </m:e>
+                                <m:sub>
+                                  <m:r>
+                                    <a:rPr lang="it-IT" b="0" i="1" smtClean="0">
+                                      <a:latin typeface="Cambria Math" panose="02040503050406030204" pitchFamily="18" charset="0"/>
+                                      <a:ea typeface="Cambria Math" panose="02040503050406030204" pitchFamily="18" charset="0"/>
+                                    </a:rPr>
+                                    <m:t>𝑒</m:t>
+                                  </m:r>
+                                </m:sub>
+                              </m:sSub>
+                              <m:r>
+                                <a:rPr lang="it-IT" i="1">
+                                  <a:latin typeface="Cambria Math" panose="02040503050406030204" pitchFamily="18" charset="0"/>
+                                  <a:ea typeface="Cambria Math" panose="02040503050406030204" pitchFamily="18" charset="0"/>
+                                </a:rPr>
+                                <m:t>(</m:t>
+                              </m:r>
+                              <m:r>
+                                <a:rPr lang="it-IT" i="1">
+                                  <a:latin typeface="Cambria Math" panose="02040503050406030204" pitchFamily="18" charset="0"/>
+                                  <a:ea typeface="Cambria Math" panose="02040503050406030204" pitchFamily="18" charset="0"/>
+                                </a:rPr>
+                                <m:t>𝑡</m:t>
+                              </m:r>
+                              <m:r>
+                                <a:rPr lang="it-IT" i="1">
+                                  <a:latin typeface="Cambria Math" panose="02040503050406030204" pitchFamily="18" charset="0"/>
+                                  <a:ea typeface="Cambria Math" panose="02040503050406030204" pitchFamily="18" charset="0"/>
+                                </a:rPr>
+                                <m:t>))</m:t>
+                              </m:r>
+                              <m:r>
+                                <a:rPr lang="it-IT" i="1">
+                                  <a:latin typeface="Cambria Math" panose="02040503050406030204" pitchFamily="18" charset="0"/>
+                                  <a:ea typeface="Cambria Math" panose="02040503050406030204" pitchFamily="18" charset="0"/>
+                                </a:rPr>
+                                <m:t>)</m:t>
+                              </m:r>
+                            </m:e>
+                          </m:func>
+                        </m:e>
+                      </m:func>
+                    </m:oMath>
+                  </m:oMathPara>
+                </a14:m>
+                <a:endParaRPr lang="en-US" dirty="0"/>
+              </a:p>
+              <a:p>
+                <a:pPr marL="0" indent="0" algn="ctr">
+                  <a:buNone/>
+                </a:pPr>
+                <a:endParaRPr lang="en-US" dirty="0"/>
+              </a:p>
+              <a:p>
+                <a:pPr marL="0" indent="0" algn="ctr">
+                  <a:buNone/>
+                </a:pPr>
+                <a:endParaRPr lang="en-US" dirty="0"/>
+              </a:p>
+            </p:txBody>
+          </p:sp>
+        </mc:Choice>
+        <mc:Fallback>
+          <p:sp>
+            <p:nvSpPr>
+              <p:cNvPr id="15" name="Segnaposto contenuto 14">
+                <a:extLst>
+                  <a:ext uri="{FF2B5EF4-FFF2-40B4-BE49-F238E27FC236}">
+                    <a16:creationId xmlns:a16="http://schemas.microsoft.com/office/drawing/2014/main" id="{7B36C9DA-C83C-477E-A8A9-D33246C1F0CA}"/>
+                  </a:ext>
+                </a:extLst>
+              </p:cNvPr>
+              <p:cNvSpPr>
+                <a:spLocks noGrp="1" noRot="1" noChangeAspect="1" noMove="1" noResize="1" noEditPoints="1" noAdjustHandles="1" noChangeArrowheads="1" noChangeShapeType="1" noTextEdit="1"/>
+              </p:cNvSpPr>
+              <p:nvPr>
+                <p:ph idx="1"/>
+              </p:nvPr>
+            </p:nvSpPr>
+            <p:spPr>
+              <a:xfrm>
+                <a:off x="838200" y="2427890"/>
+                <a:ext cx="10515600" cy="3749074"/>
+              </a:xfrm>
+              <a:blipFill>
+                <a:blip r:embed="rId2"/>
+                <a:stretch>
+                  <a:fillRect t="-2602"/>
+                </a:stretch>
+              </a:blipFill>
+            </p:spPr>
+            <p:txBody>
+              <a:bodyPr/>
+              <a:lstStyle/>
+              <a:p>
+                <a:r>
+                  <a:rPr lang="en-US">
+                    <a:noFill/>
+                  </a:rPr>
+                  <a:t> </a:t>
+                </a:r>
+              </a:p>
+            </p:txBody>
+          </p:sp>
+        </mc:Fallback>
+      </mc:AlternateContent>
+    </p:spTree>
+    <p:extLst>
+      <p:ext uri="{BB962C8B-B14F-4D97-AF65-F5344CB8AC3E}">
+        <p14:creationId xmlns:p14="http://schemas.microsoft.com/office/powerpoint/2010/main" val="2840946738"/>
+      </p:ext>
+    </p:extLst>
+  </p:cSld>
+  <p:clrMapOvr>
+    <a:masterClrMapping/>
+  </p:clrMapOvr>
+  <mc:AlternateContent xmlns:mc="http://schemas.openxmlformats.org/markup-compatibility/2006">
+    <mc:Choice xmlns:p14="http://schemas.microsoft.com/office/powerpoint/2010/main" Requires="p14">
+      <p:transition p14:dur="10"/>
+    </mc:Choice>
+    <mc:Fallback>
+      <p:transition/>
+    </mc:Fallback>
+  </mc:AlternateContent>
+</p:sld>
+</file>
+
+<file path=ppt/slides/slide16.xml><?xml version="1.0" encoding="utf-8"?>
+<p:sld xmlns:a="http://schemas.openxmlformats.org/drawingml/2006/main" xmlns:r="http://schemas.openxmlformats.org/officeDocument/2006/relationships" xmlns:p="http://schemas.openxmlformats.org/presentationml/2006/main">
+  <p:cSld>
+    <p:bg>
+      <p:bgPr>
+        <a:solidFill>
+          <a:schemeClr val="bg1">
+            <a:lumMod val="85000"/>
+            <a:lumOff val="15000"/>
+          </a:schemeClr>
+        </a:solidFill>
+        <a:effectLst/>
+      </p:bgPr>
+    </p:bg>
+    <p:spTree>
+      <p:nvGrpSpPr>
+        <p:cNvPr id="1" name=""/>
+        <p:cNvGrpSpPr/>
+        <p:nvPr/>
+      </p:nvGrpSpPr>
+      <p:grpSpPr>
+        <a:xfrm>
+          <a:off x="0" y="0"/>
+          <a:ext cx="0" cy="0"/>
+          <a:chOff x="0" y="0"/>
+          <a:chExt cx="0" cy="0"/>
+        </a:xfrm>
+      </p:grpSpPr>
+      <p:sp>
+        <p:nvSpPr>
+          <p:cNvPr id="2" name="Titolo 1">
+            <a:extLst>
+              <a:ext uri="{FF2B5EF4-FFF2-40B4-BE49-F238E27FC236}">
+                <a16:creationId xmlns:a16="http://schemas.microsoft.com/office/drawing/2014/main" id="{1FD68351-8EAA-4773-B59B-AACD8F0BC14E}"/>
+              </a:ext>
+            </a:extLst>
+          </p:cNvPr>
+          <p:cNvSpPr>
+            <a:spLocks noGrp="1"/>
+          </p:cNvSpPr>
+          <p:nvPr>
+            <p:ph type="title"/>
+          </p:nvPr>
+        </p:nvSpPr>
+        <p:spPr/>
+        <p:txBody>
+          <a:bodyPr/>
+          <a:lstStyle/>
+          <a:p>
+            <a:pPr algn="ctr"/>
+            <a:r>
+              <a:rPr lang="en-US" b="1" dirty="0">
+                <a:solidFill>
+                  <a:srgbClr val="6946AE"/>
+                </a:solidFill>
+              </a:rPr>
+              <a:t>A case study: spawn points placement</a:t>
+            </a:r>
+          </a:p>
+        </p:txBody>
+      </p:sp>
+      <p:sp>
+        <p:nvSpPr>
+          <p:cNvPr id="3" name="Segnaposto contenuto 2">
+            <a:extLst>
+              <a:ext uri="{FF2B5EF4-FFF2-40B4-BE49-F238E27FC236}">
+                <a16:creationId xmlns:a16="http://schemas.microsoft.com/office/drawing/2014/main" id="{09AAA263-8881-4E3A-A440-0EEDE3E55F74}"/>
+              </a:ext>
+            </a:extLst>
+          </p:cNvPr>
+          <p:cNvSpPr>
+            <a:spLocks noGrp="1"/>
+          </p:cNvSpPr>
+          <p:nvPr>
+            <p:ph idx="1"/>
+          </p:nvPr>
+        </p:nvSpPr>
+        <p:spPr>
+          <a:xfrm>
+            <a:off x="9253057" y="2094300"/>
+            <a:ext cx="1876558" cy="2058403"/>
+          </a:xfrm>
+        </p:spPr>
+        <p:txBody>
+          <a:bodyPr anchor="ctr"/>
+          <a:lstStyle/>
+          <a:p>
+            <a:pPr marL="0" indent="0" algn="ctr">
+              <a:buNone/>
+            </a:pPr>
+            <a:r>
+              <a:rPr lang="en-US" dirty="0"/>
+              <a:t>Heuristic</a:t>
+            </a:r>
+          </a:p>
+          <a:p>
+            <a:pPr marL="0" indent="0" algn="ctr">
+              <a:buNone/>
+            </a:pPr>
+            <a:r>
+              <a:rPr lang="en-US" dirty="0"/>
+              <a:t>placement</a:t>
+            </a:r>
+          </a:p>
+        </p:txBody>
+      </p:sp>
+      <p:pic>
+        <p:nvPicPr>
+          <p:cNvPr id="9" name="Immagine 8">
+            <a:extLst>
+              <a:ext uri="{FF2B5EF4-FFF2-40B4-BE49-F238E27FC236}">
+                <a16:creationId xmlns:a16="http://schemas.microsoft.com/office/drawing/2014/main" id="{B146BCA1-88AA-4BE7-983E-FBE9ADE58EE0}"/>
+              </a:ext>
+            </a:extLst>
+          </p:cNvPr>
+          <p:cNvPicPr>
+            <a:picLocks noChangeAspect="1"/>
+          </p:cNvPicPr>
+          <p:nvPr/>
+        </p:nvPicPr>
+        <p:blipFill>
+          <a:blip r:embed="rId2">
+            <a:extLst>
+              <a:ext uri="{28A0092B-C50C-407E-A947-70E740481C1C}">
+                <a14:useLocalDpi xmlns:a14="http://schemas.microsoft.com/office/drawing/2010/main" val="0"/>
+              </a:ext>
+            </a:extLst>
+          </a:blip>
+          <a:stretch>
+            <a:fillRect/>
+          </a:stretch>
+        </p:blipFill>
+        <p:spPr>
+          <a:xfrm>
+            <a:off x="1258878" y="2087584"/>
+            <a:ext cx="2097505" cy="2097505"/>
+          </a:xfrm>
+          <a:prstGeom prst="rect">
+            <a:avLst/>
+          </a:prstGeom>
+        </p:spPr>
+      </p:pic>
+      <p:pic>
+        <p:nvPicPr>
+          <p:cNvPr id="11" name="Immagine 10">
+            <a:extLst>
+              <a:ext uri="{FF2B5EF4-FFF2-40B4-BE49-F238E27FC236}">
+                <a16:creationId xmlns:a16="http://schemas.microsoft.com/office/drawing/2014/main" id="{FE2F7B20-AC5C-4C84-875E-68878B622298}"/>
+              </a:ext>
+            </a:extLst>
+          </p:cNvPr>
+          <p:cNvPicPr>
+            <a:picLocks noChangeAspect="1"/>
+          </p:cNvPicPr>
+          <p:nvPr/>
+        </p:nvPicPr>
+        <p:blipFill>
+          <a:blip r:embed="rId3">
+            <a:extLst>
+              <a:ext uri="{28A0092B-C50C-407E-A947-70E740481C1C}">
+                <a14:useLocalDpi xmlns:a14="http://schemas.microsoft.com/office/drawing/2010/main" val="0"/>
+              </a:ext>
+            </a:extLst>
+          </a:blip>
+          <a:stretch>
+            <a:fillRect/>
+          </a:stretch>
+        </p:blipFill>
+        <p:spPr>
+          <a:xfrm>
+            <a:off x="1258877" y="4254258"/>
+            <a:ext cx="2097505" cy="2097505"/>
+          </a:xfrm>
+          <a:prstGeom prst="rect">
+            <a:avLst/>
+          </a:prstGeom>
+        </p:spPr>
+      </p:pic>
+      <p:pic>
+        <p:nvPicPr>
+          <p:cNvPr id="13" name="Immagine 12">
+            <a:extLst>
+              <a:ext uri="{FF2B5EF4-FFF2-40B4-BE49-F238E27FC236}">
+                <a16:creationId xmlns:a16="http://schemas.microsoft.com/office/drawing/2014/main" id="{AF55931F-BBC0-4801-A42D-93F3D76B2FAA}"/>
+              </a:ext>
+            </a:extLst>
+          </p:cNvPr>
+          <p:cNvPicPr>
+            <a:picLocks noChangeAspect="1"/>
+          </p:cNvPicPr>
+          <p:nvPr/>
+        </p:nvPicPr>
+        <p:blipFill>
+          <a:blip r:embed="rId4">
+            <a:extLst>
+              <a:ext uri="{28A0092B-C50C-407E-A947-70E740481C1C}">
+                <a14:useLocalDpi xmlns:a14="http://schemas.microsoft.com/office/drawing/2010/main" val="0"/>
+              </a:ext>
+            </a:extLst>
+          </a:blip>
+          <a:stretch>
+            <a:fillRect/>
+          </a:stretch>
+        </p:blipFill>
+        <p:spPr>
+          <a:xfrm>
+            <a:off x="3944565" y="2087583"/>
+            <a:ext cx="2097505" cy="2097505"/>
+          </a:xfrm>
+          <a:prstGeom prst="rect">
+            <a:avLst/>
+          </a:prstGeom>
+        </p:spPr>
+      </p:pic>
+      <p:pic>
+        <p:nvPicPr>
+          <p:cNvPr id="15" name="Immagine 14">
+            <a:extLst>
+              <a:ext uri="{FF2B5EF4-FFF2-40B4-BE49-F238E27FC236}">
+                <a16:creationId xmlns:a16="http://schemas.microsoft.com/office/drawing/2014/main" id="{824646B4-A196-4139-93C4-2D4F3225A085}"/>
+              </a:ext>
+            </a:extLst>
+          </p:cNvPr>
+          <p:cNvPicPr>
+            <a:picLocks noChangeAspect="1"/>
+          </p:cNvPicPr>
+          <p:nvPr/>
+        </p:nvPicPr>
+        <p:blipFill>
+          <a:blip r:embed="rId5">
+            <a:extLst>
+              <a:ext uri="{28A0092B-C50C-407E-A947-70E740481C1C}">
+                <a14:useLocalDpi xmlns:a14="http://schemas.microsoft.com/office/drawing/2010/main" val="0"/>
+              </a:ext>
+            </a:extLst>
+          </a:blip>
+          <a:stretch>
+            <a:fillRect/>
+          </a:stretch>
+        </p:blipFill>
+        <p:spPr>
+          <a:xfrm>
+            <a:off x="3944565" y="4254257"/>
+            <a:ext cx="2097505" cy="2097505"/>
+          </a:xfrm>
+          <a:prstGeom prst="rect">
+            <a:avLst/>
+          </a:prstGeom>
+        </p:spPr>
+      </p:pic>
+      <p:pic>
+        <p:nvPicPr>
+          <p:cNvPr id="17" name="Immagine 16">
+            <a:extLst>
+              <a:ext uri="{FF2B5EF4-FFF2-40B4-BE49-F238E27FC236}">
+                <a16:creationId xmlns:a16="http://schemas.microsoft.com/office/drawing/2014/main" id="{C3810CF1-9321-4AC1-AA46-1A63B9F9DD7F}"/>
+              </a:ext>
+            </a:extLst>
+          </p:cNvPr>
+          <p:cNvPicPr>
+            <a:picLocks noChangeAspect="1"/>
+          </p:cNvPicPr>
+          <p:nvPr/>
+        </p:nvPicPr>
+        <p:blipFill>
+          <a:blip r:embed="rId6">
+            <a:extLst>
+              <a:ext uri="{28A0092B-C50C-407E-A947-70E740481C1C}">
+                <a14:useLocalDpi xmlns:a14="http://schemas.microsoft.com/office/drawing/2010/main" val="0"/>
+              </a:ext>
+            </a:extLst>
+          </a:blip>
+          <a:stretch>
+            <a:fillRect/>
+          </a:stretch>
+        </p:blipFill>
+        <p:spPr>
+          <a:xfrm>
+            <a:off x="6625413" y="2094300"/>
+            <a:ext cx="2097505" cy="2097505"/>
+          </a:xfrm>
+          <a:prstGeom prst="rect">
+            <a:avLst/>
+          </a:prstGeom>
+        </p:spPr>
+      </p:pic>
+      <p:pic>
+        <p:nvPicPr>
+          <p:cNvPr id="19" name="Immagine 18">
+            <a:extLst>
+              <a:ext uri="{FF2B5EF4-FFF2-40B4-BE49-F238E27FC236}">
+                <a16:creationId xmlns:a16="http://schemas.microsoft.com/office/drawing/2014/main" id="{6A97CE83-A603-4CFB-9120-A8EB9BAC0FF3}"/>
+              </a:ext>
+            </a:extLst>
+          </p:cNvPr>
+          <p:cNvPicPr>
+            <a:picLocks noChangeAspect="1"/>
+          </p:cNvPicPr>
+          <p:nvPr/>
+        </p:nvPicPr>
+        <p:blipFill>
+          <a:blip r:embed="rId7">
+            <a:extLst>
+              <a:ext uri="{28A0092B-C50C-407E-A947-70E740481C1C}">
+                <a14:useLocalDpi xmlns:a14="http://schemas.microsoft.com/office/drawing/2010/main" val="0"/>
+              </a:ext>
+            </a:extLst>
+          </a:blip>
+          <a:stretch>
+            <a:fillRect/>
+          </a:stretch>
+        </p:blipFill>
+        <p:spPr>
+          <a:xfrm>
+            <a:off x="6625413" y="4254257"/>
+            <a:ext cx="2097505" cy="2097505"/>
+          </a:xfrm>
+          <a:prstGeom prst="rect">
+            <a:avLst/>
+          </a:prstGeom>
+        </p:spPr>
+      </p:pic>
+      <p:sp>
+        <p:nvSpPr>
+          <p:cNvPr id="22" name="Segnaposto contenuto 2">
+            <a:extLst>
+              <a:ext uri="{FF2B5EF4-FFF2-40B4-BE49-F238E27FC236}">
+                <a16:creationId xmlns:a16="http://schemas.microsoft.com/office/drawing/2014/main" id="{E7BE4481-8A64-4BAF-AE76-F98A3ED969C3}"/>
+              </a:ext>
+            </a:extLst>
+          </p:cNvPr>
+          <p:cNvSpPr txBox="1">
+            <a:spLocks/>
+          </p:cNvSpPr>
+          <p:nvPr/>
+        </p:nvSpPr>
+        <p:spPr>
+          <a:xfrm>
+            <a:off x="9253057" y="4250625"/>
+            <a:ext cx="1876559" cy="2058403"/>
+          </a:xfrm>
+          <a:prstGeom prst="rect">
+            <a:avLst/>
+          </a:prstGeom>
+        </p:spPr>
+        <p:txBody>
+          <a:bodyPr vert="horz" lIns="91440" tIns="45720" rIns="91440" bIns="45720" rtlCol="0" anchor="ctr">
+            <a:normAutofit/>
+          </a:bodyPr>
+          <a:lstStyle>
+            <a:lvl1pPr marL="228600" indent="-228600" algn="l" defTabSz="914400" rtl="0" eaLnBrk="1" latinLnBrk="0" hangingPunct="1">
+              <a:lnSpc>
+                <a:spcPct val="90000"/>
+              </a:lnSpc>
+              <a:spcBef>
+                <a:spcPts val="1000"/>
+              </a:spcBef>
+              <a:buFont typeface="Arial" panose="020B0604020202020204" pitchFamily="34" charset="0"/>
+              <a:buChar char="•"/>
+              <a:defRPr sz="2800" kern="1200">
+                <a:solidFill>
+                  <a:schemeClr val="tx1"/>
+                </a:solidFill>
+                <a:latin typeface="+mn-lt"/>
+                <a:ea typeface="+mn-ea"/>
+                <a:cs typeface="+mn-cs"/>
+              </a:defRPr>
+            </a:lvl1pPr>
+            <a:lvl2pPr marL="685800" indent="-228600" algn="l" defTabSz="914400" rtl="0" eaLnBrk="1" latinLnBrk="0" hangingPunct="1">
+              <a:lnSpc>
+                <a:spcPct val="90000"/>
+              </a:lnSpc>
+              <a:spcBef>
+                <a:spcPts val="500"/>
+              </a:spcBef>
+              <a:buFont typeface="Arial" panose="020B0604020202020204" pitchFamily="34" charset="0"/>
+              <a:buChar char="•"/>
+              <a:defRPr sz="2400" kern="1200">
+                <a:solidFill>
+                  <a:schemeClr val="tx1"/>
+                </a:solidFill>
+                <a:latin typeface="+mn-lt"/>
+                <a:ea typeface="+mn-ea"/>
+                <a:cs typeface="+mn-cs"/>
+              </a:defRPr>
+            </a:lvl2pPr>
+            <a:lvl3pPr marL="1143000" indent="-228600" algn="l" defTabSz="914400" rtl="0" eaLnBrk="1" latinLnBrk="0" hangingPunct="1">
+              <a:lnSpc>
+                <a:spcPct val="90000"/>
+              </a:lnSpc>
+              <a:spcBef>
+                <a:spcPts val="500"/>
+              </a:spcBef>
+              <a:buFont typeface="Arial" panose="020B0604020202020204" pitchFamily="34" charset="0"/>
+              <a:buChar char="•"/>
+              <a:defRPr sz="2000" kern="1200">
+                <a:solidFill>
+                  <a:schemeClr val="tx1"/>
+                </a:solidFill>
+                <a:latin typeface="+mn-lt"/>
+                <a:ea typeface="+mn-ea"/>
+                <a:cs typeface="+mn-cs"/>
+              </a:defRPr>
+            </a:lvl3pPr>
+            <a:lvl4pPr marL="1600200" indent="-228600" algn="l" defTabSz="914400" rtl="0" eaLnBrk="1" latinLnBrk="0" hangingPunct="1">
+              <a:lnSpc>
+                <a:spcPct val="90000"/>
+              </a:lnSpc>
+              <a:spcBef>
+                <a:spcPts val="500"/>
+              </a:spcBef>
+              <a:buFont typeface="Arial" panose="020B0604020202020204" pitchFamily="34" charset="0"/>
+              <a:buChar char="•"/>
+              <a:defRPr sz="1800" kern="1200">
+                <a:solidFill>
+                  <a:schemeClr val="tx1"/>
+                </a:solidFill>
+                <a:latin typeface="+mn-lt"/>
+                <a:ea typeface="+mn-ea"/>
+                <a:cs typeface="+mn-cs"/>
+              </a:defRPr>
+            </a:lvl4pPr>
+            <a:lvl5pPr marL="2057400" indent="-228600" algn="l" defTabSz="914400" rtl="0" eaLnBrk="1" latinLnBrk="0" hangingPunct="1">
+              <a:lnSpc>
+                <a:spcPct val="90000"/>
+              </a:lnSpc>
+              <a:spcBef>
+                <a:spcPts val="500"/>
+              </a:spcBef>
+              <a:buFont typeface="Arial" panose="020B0604020202020204" pitchFamily="34" charset="0"/>
+              <a:buChar char="•"/>
+              <a:defRPr sz="1800" kern="1200">
+                <a:solidFill>
+                  <a:schemeClr val="tx1"/>
+                </a:solidFill>
+                <a:latin typeface="+mn-lt"/>
+                <a:ea typeface="+mn-ea"/>
+                <a:cs typeface="+mn-cs"/>
+              </a:defRPr>
+            </a:lvl5pPr>
+            <a:lvl6pPr marL="2514600" indent="-228600" algn="l" defTabSz="914400" rtl="0" eaLnBrk="1" latinLnBrk="0" hangingPunct="1">
+              <a:lnSpc>
+                <a:spcPct val="90000"/>
+              </a:lnSpc>
+              <a:spcBef>
+                <a:spcPts val="500"/>
+              </a:spcBef>
+              <a:buFont typeface="Arial" panose="020B0604020202020204" pitchFamily="34" charset="0"/>
+              <a:buChar char="•"/>
+              <a:defRPr sz="1800" kern="1200">
+                <a:solidFill>
+                  <a:schemeClr val="tx1"/>
+                </a:solidFill>
+                <a:latin typeface="+mn-lt"/>
+                <a:ea typeface="+mn-ea"/>
+                <a:cs typeface="+mn-cs"/>
+              </a:defRPr>
+            </a:lvl6pPr>
+            <a:lvl7pPr marL="2971800" indent="-228600" algn="l" defTabSz="914400" rtl="0" eaLnBrk="1" latinLnBrk="0" hangingPunct="1">
+              <a:lnSpc>
+                <a:spcPct val="90000"/>
+              </a:lnSpc>
+              <a:spcBef>
+                <a:spcPts val="500"/>
+              </a:spcBef>
+              <a:buFont typeface="Arial" panose="020B0604020202020204" pitchFamily="34" charset="0"/>
+              <a:buChar char="•"/>
+              <a:defRPr sz="1800" kern="1200">
+                <a:solidFill>
+                  <a:schemeClr val="tx1"/>
+                </a:solidFill>
+                <a:latin typeface="+mn-lt"/>
+                <a:ea typeface="+mn-ea"/>
+                <a:cs typeface="+mn-cs"/>
+              </a:defRPr>
+            </a:lvl7pPr>
+            <a:lvl8pPr marL="3429000" indent="-228600" algn="l" defTabSz="914400" rtl="0" eaLnBrk="1" latinLnBrk="0" hangingPunct="1">
+              <a:lnSpc>
+                <a:spcPct val="90000"/>
+              </a:lnSpc>
+              <a:spcBef>
+                <a:spcPts val="500"/>
+              </a:spcBef>
+              <a:buFont typeface="Arial" panose="020B0604020202020204" pitchFamily="34" charset="0"/>
+              <a:buChar char="•"/>
+              <a:defRPr sz="1800" kern="1200">
+                <a:solidFill>
+                  <a:schemeClr val="tx1"/>
+                </a:solidFill>
+                <a:latin typeface="+mn-lt"/>
+                <a:ea typeface="+mn-ea"/>
+                <a:cs typeface="+mn-cs"/>
+              </a:defRPr>
+            </a:lvl8pPr>
+            <a:lvl9pPr marL="3886200" indent="-228600" algn="l" defTabSz="914400" rtl="0" eaLnBrk="1" latinLnBrk="0" hangingPunct="1">
+              <a:lnSpc>
+                <a:spcPct val="90000"/>
+              </a:lnSpc>
+              <a:spcBef>
+                <a:spcPts val="500"/>
+              </a:spcBef>
+              <a:buFont typeface="Arial" panose="020B0604020202020204" pitchFamily="34" charset="0"/>
+              <a:buChar char="•"/>
+              <a:defRPr sz="1800" kern="1200">
+                <a:solidFill>
+                  <a:schemeClr val="tx1"/>
+                </a:solidFill>
+                <a:latin typeface="+mn-lt"/>
+                <a:ea typeface="+mn-ea"/>
+                <a:cs typeface="+mn-cs"/>
+              </a:defRPr>
+            </a:lvl9pPr>
+          </a:lstStyle>
+          <a:p>
+            <a:pPr marL="0" indent="0" algn="ctr">
+              <a:buFont typeface="Arial" panose="020B0604020202020204" pitchFamily="34" charset="0"/>
+              <a:buNone/>
+            </a:pPr>
+            <a:r>
+              <a:rPr lang="en-US" dirty="0"/>
+              <a:t>Uniform</a:t>
+            </a:r>
+          </a:p>
+          <a:p>
+            <a:pPr marL="0" indent="0" algn="ctr">
+              <a:buFont typeface="Arial" panose="020B0604020202020204" pitchFamily="34" charset="0"/>
+              <a:buNone/>
+            </a:pPr>
+            <a:r>
+              <a:rPr lang="en-US" dirty="0"/>
+              <a:t>placement</a:t>
+            </a:r>
+          </a:p>
+        </p:txBody>
+      </p:sp>
+      <p:sp>
+        <p:nvSpPr>
+          <p:cNvPr id="23" name="Segnaposto contenuto 2">
+            <a:extLst>
+              <a:ext uri="{FF2B5EF4-FFF2-40B4-BE49-F238E27FC236}">
+                <a16:creationId xmlns:a16="http://schemas.microsoft.com/office/drawing/2014/main" id="{746021A9-45E0-4ACE-B86B-1F31DBBAEF1E}"/>
+              </a:ext>
+            </a:extLst>
+          </p:cNvPr>
+          <p:cNvSpPr txBox="1">
+            <a:spLocks/>
+          </p:cNvSpPr>
+          <p:nvPr/>
+        </p:nvSpPr>
+        <p:spPr>
+          <a:xfrm>
+            <a:off x="1263184" y="1556288"/>
+            <a:ext cx="2097506" cy="538012"/>
+          </a:xfrm>
+          <a:prstGeom prst="rect">
+            <a:avLst/>
+          </a:prstGeom>
+        </p:spPr>
+        <p:txBody>
+          <a:bodyPr vert="horz" lIns="91440" tIns="45720" rIns="91440" bIns="45720" rtlCol="0" anchor="ctr">
+            <a:normAutofit/>
+          </a:bodyPr>
+          <a:lstStyle>
+            <a:lvl1pPr marL="228600" indent="-228600" algn="l" defTabSz="914400" rtl="0" eaLnBrk="1" latinLnBrk="0" hangingPunct="1">
+              <a:lnSpc>
+                <a:spcPct val="90000"/>
+              </a:lnSpc>
+              <a:spcBef>
+                <a:spcPts val="1000"/>
+              </a:spcBef>
+              <a:buFont typeface="Arial" panose="020B0604020202020204" pitchFamily="34" charset="0"/>
+              <a:buChar char="•"/>
+              <a:defRPr sz="2800" kern="1200">
+                <a:solidFill>
+                  <a:schemeClr val="tx1"/>
+                </a:solidFill>
+                <a:latin typeface="+mn-lt"/>
+                <a:ea typeface="+mn-ea"/>
+                <a:cs typeface="+mn-cs"/>
+              </a:defRPr>
+            </a:lvl1pPr>
+            <a:lvl2pPr marL="685800" indent="-228600" algn="l" defTabSz="914400" rtl="0" eaLnBrk="1" latinLnBrk="0" hangingPunct="1">
+              <a:lnSpc>
+                <a:spcPct val="90000"/>
+              </a:lnSpc>
+              <a:spcBef>
+                <a:spcPts val="500"/>
+              </a:spcBef>
+              <a:buFont typeface="Arial" panose="020B0604020202020204" pitchFamily="34" charset="0"/>
+              <a:buChar char="•"/>
+              <a:defRPr sz="2400" kern="1200">
+                <a:solidFill>
+                  <a:schemeClr val="tx1"/>
+                </a:solidFill>
+                <a:latin typeface="+mn-lt"/>
+                <a:ea typeface="+mn-ea"/>
+                <a:cs typeface="+mn-cs"/>
+              </a:defRPr>
+            </a:lvl2pPr>
+            <a:lvl3pPr marL="1143000" indent="-228600" algn="l" defTabSz="914400" rtl="0" eaLnBrk="1" latinLnBrk="0" hangingPunct="1">
+              <a:lnSpc>
+                <a:spcPct val="90000"/>
+              </a:lnSpc>
+              <a:spcBef>
+                <a:spcPts val="500"/>
+              </a:spcBef>
+              <a:buFont typeface="Arial" panose="020B0604020202020204" pitchFamily="34" charset="0"/>
+              <a:buChar char="•"/>
+              <a:defRPr sz="2000" kern="1200">
+                <a:solidFill>
+                  <a:schemeClr val="tx1"/>
+                </a:solidFill>
+                <a:latin typeface="+mn-lt"/>
+                <a:ea typeface="+mn-ea"/>
+                <a:cs typeface="+mn-cs"/>
+              </a:defRPr>
+            </a:lvl3pPr>
+            <a:lvl4pPr marL="1600200" indent="-228600" algn="l" defTabSz="914400" rtl="0" eaLnBrk="1" latinLnBrk="0" hangingPunct="1">
+              <a:lnSpc>
+                <a:spcPct val="90000"/>
+              </a:lnSpc>
+              <a:spcBef>
+                <a:spcPts val="500"/>
+              </a:spcBef>
+              <a:buFont typeface="Arial" panose="020B0604020202020204" pitchFamily="34" charset="0"/>
+              <a:buChar char="•"/>
+              <a:defRPr sz="1800" kern="1200">
+                <a:solidFill>
+                  <a:schemeClr val="tx1"/>
+                </a:solidFill>
+                <a:latin typeface="+mn-lt"/>
+                <a:ea typeface="+mn-ea"/>
+                <a:cs typeface="+mn-cs"/>
+              </a:defRPr>
+            </a:lvl4pPr>
+            <a:lvl5pPr marL="2057400" indent="-228600" algn="l" defTabSz="914400" rtl="0" eaLnBrk="1" latinLnBrk="0" hangingPunct="1">
+              <a:lnSpc>
+                <a:spcPct val="90000"/>
+              </a:lnSpc>
+              <a:spcBef>
+                <a:spcPts val="500"/>
+              </a:spcBef>
+              <a:buFont typeface="Arial" panose="020B0604020202020204" pitchFamily="34" charset="0"/>
+              <a:buChar char="•"/>
+              <a:defRPr sz="1800" kern="1200">
+                <a:solidFill>
+                  <a:schemeClr val="tx1"/>
+                </a:solidFill>
+                <a:latin typeface="+mn-lt"/>
+                <a:ea typeface="+mn-ea"/>
+                <a:cs typeface="+mn-cs"/>
+              </a:defRPr>
+            </a:lvl5pPr>
+            <a:lvl6pPr marL="2514600" indent="-228600" algn="l" defTabSz="914400" rtl="0" eaLnBrk="1" latinLnBrk="0" hangingPunct="1">
+              <a:lnSpc>
+                <a:spcPct val="90000"/>
+              </a:lnSpc>
+              <a:spcBef>
+                <a:spcPts val="500"/>
+              </a:spcBef>
+              <a:buFont typeface="Arial" panose="020B0604020202020204" pitchFamily="34" charset="0"/>
+              <a:buChar char="•"/>
+              <a:defRPr sz="1800" kern="1200">
+                <a:solidFill>
+                  <a:schemeClr val="tx1"/>
+                </a:solidFill>
+                <a:latin typeface="+mn-lt"/>
+                <a:ea typeface="+mn-ea"/>
+                <a:cs typeface="+mn-cs"/>
+              </a:defRPr>
+            </a:lvl6pPr>
+            <a:lvl7pPr marL="2971800" indent="-228600" algn="l" defTabSz="914400" rtl="0" eaLnBrk="1" latinLnBrk="0" hangingPunct="1">
+              <a:lnSpc>
+                <a:spcPct val="90000"/>
+              </a:lnSpc>
+              <a:spcBef>
+                <a:spcPts val="500"/>
+              </a:spcBef>
+              <a:buFont typeface="Arial" panose="020B0604020202020204" pitchFamily="34" charset="0"/>
+              <a:buChar char="•"/>
+              <a:defRPr sz="1800" kern="1200">
+                <a:solidFill>
+                  <a:schemeClr val="tx1"/>
+                </a:solidFill>
+                <a:latin typeface="+mn-lt"/>
+                <a:ea typeface="+mn-ea"/>
+                <a:cs typeface="+mn-cs"/>
+              </a:defRPr>
+            </a:lvl7pPr>
+            <a:lvl8pPr marL="3429000" indent="-228600" algn="l" defTabSz="914400" rtl="0" eaLnBrk="1" latinLnBrk="0" hangingPunct="1">
+              <a:lnSpc>
+                <a:spcPct val="90000"/>
+              </a:lnSpc>
+              <a:spcBef>
+                <a:spcPts val="500"/>
+              </a:spcBef>
+              <a:buFont typeface="Arial" panose="020B0604020202020204" pitchFamily="34" charset="0"/>
+              <a:buChar char="•"/>
+              <a:defRPr sz="1800" kern="1200">
+                <a:solidFill>
+                  <a:schemeClr val="tx1"/>
+                </a:solidFill>
+                <a:latin typeface="+mn-lt"/>
+                <a:ea typeface="+mn-ea"/>
+                <a:cs typeface="+mn-cs"/>
+              </a:defRPr>
+            </a:lvl8pPr>
+            <a:lvl9pPr marL="3886200" indent="-228600" algn="l" defTabSz="914400" rtl="0" eaLnBrk="1" latinLnBrk="0" hangingPunct="1">
+              <a:lnSpc>
+                <a:spcPct val="90000"/>
+              </a:lnSpc>
+              <a:spcBef>
+                <a:spcPts val="500"/>
+              </a:spcBef>
+              <a:buFont typeface="Arial" panose="020B0604020202020204" pitchFamily="34" charset="0"/>
+              <a:buChar char="•"/>
+              <a:defRPr sz="1800" kern="1200">
+                <a:solidFill>
+                  <a:schemeClr val="tx1"/>
+                </a:solidFill>
+                <a:latin typeface="+mn-lt"/>
+                <a:ea typeface="+mn-ea"/>
+                <a:cs typeface="+mn-cs"/>
+              </a:defRPr>
+            </a:lvl9pPr>
+          </a:lstStyle>
+          <a:p>
+            <a:pPr marL="0" indent="0" algn="ctr">
+              <a:buFont typeface="Arial" panose="020B0604020202020204" pitchFamily="34" charset="0"/>
+              <a:buNone/>
+            </a:pPr>
+            <a:r>
+              <a:rPr lang="en-US" dirty="0"/>
+              <a:t>Arena</a:t>
+            </a:r>
+          </a:p>
+        </p:txBody>
+      </p:sp>
+      <p:sp>
+        <p:nvSpPr>
+          <p:cNvPr id="25" name="Segnaposto contenuto 2">
+            <a:extLst>
+              <a:ext uri="{FF2B5EF4-FFF2-40B4-BE49-F238E27FC236}">
+                <a16:creationId xmlns:a16="http://schemas.microsoft.com/office/drawing/2014/main" id="{2F274C7D-24A5-496C-890C-B0635B705110}"/>
+              </a:ext>
+            </a:extLst>
+          </p:cNvPr>
+          <p:cNvSpPr txBox="1">
+            <a:spLocks/>
+          </p:cNvSpPr>
+          <p:nvPr/>
+        </p:nvSpPr>
+        <p:spPr>
+          <a:xfrm>
+            <a:off x="3944564" y="1556288"/>
+            <a:ext cx="2097506" cy="538012"/>
+          </a:xfrm>
+          <a:prstGeom prst="rect">
+            <a:avLst/>
+          </a:prstGeom>
+        </p:spPr>
+        <p:txBody>
+          <a:bodyPr vert="horz" lIns="91440" tIns="45720" rIns="91440" bIns="45720" rtlCol="0" anchor="ctr">
+            <a:normAutofit/>
+          </a:bodyPr>
+          <a:lstStyle>
+            <a:lvl1pPr marL="228600" indent="-228600" algn="l" defTabSz="914400" rtl="0" eaLnBrk="1" latinLnBrk="0" hangingPunct="1">
+              <a:lnSpc>
+                <a:spcPct val="90000"/>
+              </a:lnSpc>
+              <a:spcBef>
+                <a:spcPts val="1000"/>
+              </a:spcBef>
+              <a:buFont typeface="Arial" panose="020B0604020202020204" pitchFamily="34" charset="0"/>
+              <a:buChar char="•"/>
+              <a:defRPr sz="2800" kern="1200">
+                <a:solidFill>
+                  <a:schemeClr val="tx1"/>
+                </a:solidFill>
+                <a:latin typeface="+mn-lt"/>
+                <a:ea typeface="+mn-ea"/>
+                <a:cs typeface="+mn-cs"/>
+              </a:defRPr>
+            </a:lvl1pPr>
+            <a:lvl2pPr marL="685800" indent="-228600" algn="l" defTabSz="914400" rtl="0" eaLnBrk="1" latinLnBrk="0" hangingPunct="1">
+              <a:lnSpc>
+                <a:spcPct val="90000"/>
+              </a:lnSpc>
+              <a:spcBef>
+                <a:spcPts val="500"/>
+              </a:spcBef>
+              <a:buFont typeface="Arial" panose="020B0604020202020204" pitchFamily="34" charset="0"/>
+              <a:buChar char="•"/>
+              <a:defRPr sz="2400" kern="1200">
+                <a:solidFill>
+                  <a:schemeClr val="tx1"/>
+                </a:solidFill>
+                <a:latin typeface="+mn-lt"/>
+                <a:ea typeface="+mn-ea"/>
+                <a:cs typeface="+mn-cs"/>
+              </a:defRPr>
+            </a:lvl2pPr>
+            <a:lvl3pPr marL="1143000" indent="-228600" algn="l" defTabSz="914400" rtl="0" eaLnBrk="1" latinLnBrk="0" hangingPunct="1">
+              <a:lnSpc>
+                <a:spcPct val="90000"/>
+              </a:lnSpc>
+              <a:spcBef>
+                <a:spcPts val="500"/>
+              </a:spcBef>
+              <a:buFont typeface="Arial" panose="020B0604020202020204" pitchFamily="34" charset="0"/>
+              <a:buChar char="•"/>
+              <a:defRPr sz="2000" kern="1200">
+                <a:solidFill>
+                  <a:schemeClr val="tx1"/>
+                </a:solidFill>
+                <a:latin typeface="+mn-lt"/>
+                <a:ea typeface="+mn-ea"/>
+                <a:cs typeface="+mn-cs"/>
+              </a:defRPr>
+            </a:lvl3pPr>
+            <a:lvl4pPr marL="1600200" indent="-228600" algn="l" defTabSz="914400" rtl="0" eaLnBrk="1" latinLnBrk="0" hangingPunct="1">
+              <a:lnSpc>
+                <a:spcPct val="90000"/>
+              </a:lnSpc>
+              <a:spcBef>
+                <a:spcPts val="500"/>
+              </a:spcBef>
+              <a:buFont typeface="Arial" panose="020B0604020202020204" pitchFamily="34" charset="0"/>
+              <a:buChar char="•"/>
+              <a:defRPr sz="1800" kern="1200">
+                <a:solidFill>
+                  <a:schemeClr val="tx1"/>
+                </a:solidFill>
+                <a:latin typeface="+mn-lt"/>
+                <a:ea typeface="+mn-ea"/>
+                <a:cs typeface="+mn-cs"/>
+              </a:defRPr>
+            </a:lvl4pPr>
+            <a:lvl5pPr marL="2057400" indent="-228600" algn="l" defTabSz="914400" rtl="0" eaLnBrk="1" latinLnBrk="0" hangingPunct="1">
+              <a:lnSpc>
+                <a:spcPct val="90000"/>
+              </a:lnSpc>
+              <a:spcBef>
+                <a:spcPts val="500"/>
+              </a:spcBef>
+              <a:buFont typeface="Arial" panose="020B0604020202020204" pitchFamily="34" charset="0"/>
+              <a:buChar char="•"/>
+              <a:defRPr sz="1800" kern="1200">
+                <a:solidFill>
+                  <a:schemeClr val="tx1"/>
+                </a:solidFill>
+                <a:latin typeface="+mn-lt"/>
+                <a:ea typeface="+mn-ea"/>
+                <a:cs typeface="+mn-cs"/>
+              </a:defRPr>
+            </a:lvl5pPr>
+            <a:lvl6pPr marL="2514600" indent="-228600" algn="l" defTabSz="914400" rtl="0" eaLnBrk="1" latinLnBrk="0" hangingPunct="1">
+              <a:lnSpc>
+                <a:spcPct val="90000"/>
+              </a:lnSpc>
+              <a:spcBef>
+                <a:spcPts val="500"/>
+              </a:spcBef>
+              <a:buFont typeface="Arial" panose="020B0604020202020204" pitchFamily="34" charset="0"/>
+              <a:buChar char="•"/>
+              <a:defRPr sz="1800" kern="1200">
+                <a:solidFill>
+                  <a:schemeClr val="tx1"/>
+                </a:solidFill>
+                <a:latin typeface="+mn-lt"/>
+                <a:ea typeface="+mn-ea"/>
+                <a:cs typeface="+mn-cs"/>
+              </a:defRPr>
+            </a:lvl6pPr>
+            <a:lvl7pPr marL="2971800" indent="-228600" algn="l" defTabSz="914400" rtl="0" eaLnBrk="1" latinLnBrk="0" hangingPunct="1">
+              <a:lnSpc>
+                <a:spcPct val="90000"/>
+              </a:lnSpc>
+              <a:spcBef>
+                <a:spcPts val="500"/>
+              </a:spcBef>
+              <a:buFont typeface="Arial" panose="020B0604020202020204" pitchFamily="34" charset="0"/>
+              <a:buChar char="•"/>
+              <a:defRPr sz="1800" kern="1200">
+                <a:solidFill>
+                  <a:schemeClr val="tx1"/>
+                </a:solidFill>
+                <a:latin typeface="+mn-lt"/>
+                <a:ea typeface="+mn-ea"/>
+                <a:cs typeface="+mn-cs"/>
+              </a:defRPr>
+            </a:lvl7pPr>
+            <a:lvl8pPr marL="3429000" indent="-228600" algn="l" defTabSz="914400" rtl="0" eaLnBrk="1" latinLnBrk="0" hangingPunct="1">
+              <a:lnSpc>
+                <a:spcPct val="90000"/>
+              </a:lnSpc>
+              <a:spcBef>
+                <a:spcPts val="500"/>
+              </a:spcBef>
+              <a:buFont typeface="Arial" panose="020B0604020202020204" pitchFamily="34" charset="0"/>
+              <a:buChar char="•"/>
+              <a:defRPr sz="1800" kern="1200">
+                <a:solidFill>
+                  <a:schemeClr val="tx1"/>
+                </a:solidFill>
+                <a:latin typeface="+mn-lt"/>
+                <a:ea typeface="+mn-ea"/>
+                <a:cs typeface="+mn-cs"/>
+              </a:defRPr>
+            </a:lvl8pPr>
+            <a:lvl9pPr marL="3886200" indent="-228600" algn="l" defTabSz="914400" rtl="0" eaLnBrk="1" latinLnBrk="0" hangingPunct="1">
+              <a:lnSpc>
+                <a:spcPct val="90000"/>
+              </a:lnSpc>
+              <a:spcBef>
+                <a:spcPts val="500"/>
+              </a:spcBef>
+              <a:buFont typeface="Arial" panose="020B0604020202020204" pitchFamily="34" charset="0"/>
+              <a:buChar char="•"/>
+              <a:defRPr sz="1800" kern="1200">
+                <a:solidFill>
+                  <a:schemeClr val="tx1"/>
+                </a:solidFill>
+                <a:latin typeface="+mn-lt"/>
+                <a:ea typeface="+mn-ea"/>
+                <a:cs typeface="+mn-cs"/>
+              </a:defRPr>
+            </a:lvl9pPr>
+          </a:lstStyle>
+          <a:p>
+            <a:pPr marL="0" indent="0" algn="ctr">
+              <a:buFont typeface="Arial" panose="020B0604020202020204" pitchFamily="34" charset="0"/>
+              <a:buNone/>
+            </a:pPr>
+            <a:r>
+              <a:rPr lang="en-US" dirty="0"/>
+              <a:t>Corridors</a:t>
+            </a:r>
+          </a:p>
+        </p:txBody>
+      </p:sp>
+      <p:sp>
+        <p:nvSpPr>
+          <p:cNvPr id="26" name="Segnaposto contenuto 2">
+            <a:extLst>
+              <a:ext uri="{FF2B5EF4-FFF2-40B4-BE49-F238E27FC236}">
+                <a16:creationId xmlns:a16="http://schemas.microsoft.com/office/drawing/2014/main" id="{3CD59A89-04DB-4844-A6E0-BA182390CBF0}"/>
+              </a:ext>
+            </a:extLst>
+          </p:cNvPr>
+          <p:cNvSpPr txBox="1">
+            <a:spLocks/>
+          </p:cNvSpPr>
+          <p:nvPr/>
+        </p:nvSpPr>
+        <p:spPr>
+          <a:xfrm>
+            <a:off x="6625413" y="1556288"/>
+            <a:ext cx="2097506" cy="538012"/>
+          </a:xfrm>
+          <a:prstGeom prst="rect">
+            <a:avLst/>
+          </a:prstGeom>
+        </p:spPr>
+        <p:txBody>
+          <a:bodyPr vert="horz" lIns="91440" tIns="45720" rIns="91440" bIns="45720" rtlCol="0" anchor="ctr">
+            <a:normAutofit/>
+          </a:bodyPr>
+          <a:lstStyle>
+            <a:lvl1pPr marL="228600" indent="-228600" algn="l" defTabSz="914400" rtl="0" eaLnBrk="1" latinLnBrk="0" hangingPunct="1">
+              <a:lnSpc>
+                <a:spcPct val="90000"/>
+              </a:lnSpc>
+              <a:spcBef>
+                <a:spcPts val="1000"/>
+              </a:spcBef>
+              <a:buFont typeface="Arial" panose="020B0604020202020204" pitchFamily="34" charset="0"/>
+              <a:buChar char="•"/>
+              <a:defRPr sz="2800" kern="1200">
+                <a:solidFill>
+                  <a:schemeClr val="tx1"/>
+                </a:solidFill>
+                <a:latin typeface="+mn-lt"/>
+                <a:ea typeface="+mn-ea"/>
+                <a:cs typeface="+mn-cs"/>
+              </a:defRPr>
+            </a:lvl1pPr>
+            <a:lvl2pPr marL="685800" indent="-228600" algn="l" defTabSz="914400" rtl="0" eaLnBrk="1" latinLnBrk="0" hangingPunct="1">
+              <a:lnSpc>
+                <a:spcPct val="90000"/>
+              </a:lnSpc>
+              <a:spcBef>
+                <a:spcPts val="500"/>
+              </a:spcBef>
+              <a:buFont typeface="Arial" panose="020B0604020202020204" pitchFamily="34" charset="0"/>
+              <a:buChar char="•"/>
+              <a:defRPr sz="2400" kern="1200">
+                <a:solidFill>
+                  <a:schemeClr val="tx1"/>
+                </a:solidFill>
+                <a:latin typeface="+mn-lt"/>
+                <a:ea typeface="+mn-ea"/>
+                <a:cs typeface="+mn-cs"/>
+              </a:defRPr>
+            </a:lvl2pPr>
+            <a:lvl3pPr marL="1143000" indent="-228600" algn="l" defTabSz="914400" rtl="0" eaLnBrk="1" latinLnBrk="0" hangingPunct="1">
+              <a:lnSpc>
+                <a:spcPct val="90000"/>
+              </a:lnSpc>
+              <a:spcBef>
+                <a:spcPts val="500"/>
+              </a:spcBef>
+              <a:buFont typeface="Arial" panose="020B0604020202020204" pitchFamily="34" charset="0"/>
+              <a:buChar char="•"/>
+              <a:defRPr sz="2000" kern="1200">
+                <a:solidFill>
+                  <a:schemeClr val="tx1"/>
+                </a:solidFill>
+                <a:latin typeface="+mn-lt"/>
+                <a:ea typeface="+mn-ea"/>
+                <a:cs typeface="+mn-cs"/>
+              </a:defRPr>
+            </a:lvl3pPr>
+            <a:lvl4pPr marL="1600200" indent="-228600" algn="l" defTabSz="914400" rtl="0" eaLnBrk="1" latinLnBrk="0" hangingPunct="1">
+              <a:lnSpc>
+                <a:spcPct val="90000"/>
+              </a:lnSpc>
+              <a:spcBef>
+                <a:spcPts val="500"/>
+              </a:spcBef>
+              <a:buFont typeface="Arial" panose="020B0604020202020204" pitchFamily="34" charset="0"/>
+              <a:buChar char="•"/>
+              <a:defRPr sz="1800" kern="1200">
+                <a:solidFill>
+                  <a:schemeClr val="tx1"/>
+                </a:solidFill>
+                <a:latin typeface="+mn-lt"/>
+                <a:ea typeface="+mn-ea"/>
+                <a:cs typeface="+mn-cs"/>
+              </a:defRPr>
+            </a:lvl4pPr>
+            <a:lvl5pPr marL="2057400" indent="-228600" algn="l" defTabSz="914400" rtl="0" eaLnBrk="1" latinLnBrk="0" hangingPunct="1">
+              <a:lnSpc>
+                <a:spcPct val="90000"/>
+              </a:lnSpc>
+              <a:spcBef>
+                <a:spcPts val="500"/>
+              </a:spcBef>
+              <a:buFont typeface="Arial" panose="020B0604020202020204" pitchFamily="34" charset="0"/>
+              <a:buChar char="•"/>
+              <a:defRPr sz="1800" kern="1200">
+                <a:solidFill>
+                  <a:schemeClr val="tx1"/>
+                </a:solidFill>
+                <a:latin typeface="+mn-lt"/>
+                <a:ea typeface="+mn-ea"/>
+                <a:cs typeface="+mn-cs"/>
+              </a:defRPr>
+            </a:lvl5pPr>
+            <a:lvl6pPr marL="2514600" indent="-228600" algn="l" defTabSz="914400" rtl="0" eaLnBrk="1" latinLnBrk="0" hangingPunct="1">
+              <a:lnSpc>
+                <a:spcPct val="90000"/>
+              </a:lnSpc>
+              <a:spcBef>
+                <a:spcPts val="500"/>
+              </a:spcBef>
+              <a:buFont typeface="Arial" panose="020B0604020202020204" pitchFamily="34" charset="0"/>
+              <a:buChar char="•"/>
+              <a:defRPr sz="1800" kern="1200">
+                <a:solidFill>
+                  <a:schemeClr val="tx1"/>
+                </a:solidFill>
+                <a:latin typeface="+mn-lt"/>
+                <a:ea typeface="+mn-ea"/>
+                <a:cs typeface="+mn-cs"/>
+              </a:defRPr>
+            </a:lvl6pPr>
+            <a:lvl7pPr marL="2971800" indent="-228600" algn="l" defTabSz="914400" rtl="0" eaLnBrk="1" latinLnBrk="0" hangingPunct="1">
+              <a:lnSpc>
+                <a:spcPct val="90000"/>
+              </a:lnSpc>
+              <a:spcBef>
+                <a:spcPts val="500"/>
+              </a:spcBef>
+              <a:buFont typeface="Arial" panose="020B0604020202020204" pitchFamily="34" charset="0"/>
+              <a:buChar char="•"/>
+              <a:defRPr sz="1800" kern="1200">
+                <a:solidFill>
+                  <a:schemeClr val="tx1"/>
+                </a:solidFill>
+                <a:latin typeface="+mn-lt"/>
+                <a:ea typeface="+mn-ea"/>
+                <a:cs typeface="+mn-cs"/>
+              </a:defRPr>
+            </a:lvl7pPr>
+            <a:lvl8pPr marL="3429000" indent="-228600" algn="l" defTabSz="914400" rtl="0" eaLnBrk="1" latinLnBrk="0" hangingPunct="1">
+              <a:lnSpc>
+                <a:spcPct val="90000"/>
+              </a:lnSpc>
+              <a:spcBef>
+                <a:spcPts val="500"/>
+              </a:spcBef>
+              <a:buFont typeface="Arial" panose="020B0604020202020204" pitchFamily="34" charset="0"/>
+              <a:buChar char="•"/>
+              <a:defRPr sz="1800" kern="1200">
+                <a:solidFill>
+                  <a:schemeClr val="tx1"/>
+                </a:solidFill>
+                <a:latin typeface="+mn-lt"/>
+                <a:ea typeface="+mn-ea"/>
+                <a:cs typeface="+mn-cs"/>
+              </a:defRPr>
+            </a:lvl8pPr>
+            <a:lvl9pPr marL="3886200" indent="-228600" algn="l" defTabSz="914400" rtl="0" eaLnBrk="1" latinLnBrk="0" hangingPunct="1">
+              <a:lnSpc>
+                <a:spcPct val="90000"/>
+              </a:lnSpc>
+              <a:spcBef>
+                <a:spcPts val="500"/>
+              </a:spcBef>
+              <a:buFont typeface="Arial" panose="020B0604020202020204" pitchFamily="34" charset="0"/>
+              <a:buChar char="•"/>
+              <a:defRPr sz="1800" kern="1200">
+                <a:solidFill>
+                  <a:schemeClr val="tx1"/>
+                </a:solidFill>
+                <a:latin typeface="+mn-lt"/>
+                <a:ea typeface="+mn-ea"/>
+                <a:cs typeface="+mn-cs"/>
+              </a:defRPr>
+            </a:lvl9pPr>
+          </a:lstStyle>
+          <a:p>
+            <a:pPr marL="0" indent="0" algn="ctr">
+              <a:buFont typeface="Arial" panose="020B0604020202020204" pitchFamily="34" charset="0"/>
+              <a:buNone/>
+            </a:pPr>
+            <a:r>
+              <a:rPr lang="en-US" dirty="0"/>
+              <a:t>Intense</a:t>
+            </a:r>
+          </a:p>
+        </p:txBody>
+      </p:sp>
+    </p:spTree>
+    <p:extLst>
+      <p:ext uri="{BB962C8B-B14F-4D97-AF65-F5344CB8AC3E}">
+        <p14:creationId xmlns:p14="http://schemas.microsoft.com/office/powerpoint/2010/main" val="2893572906"/>
+      </p:ext>
+    </p:extLst>
+  </p:cSld>
+  <p:clrMapOvr>
+    <a:masterClrMapping/>
+  </p:clrMapOvr>
+</p:sld>
+</file>
+
+<file path=ppt/slides/slide17.xml><?xml version="1.0" encoding="utf-8"?>
+<p:sld xmlns:a="http://schemas.openxmlformats.org/drawingml/2006/main" xmlns:r="http://schemas.openxmlformats.org/officeDocument/2006/relationships" xmlns:p="http://schemas.openxmlformats.org/presentationml/2006/main">
+  <p:cSld>
+    <p:bg>
+      <p:bgPr>
+        <a:solidFill>
+          <a:schemeClr val="bg1">
+            <a:lumMod val="85000"/>
+            <a:lumOff val="15000"/>
+          </a:schemeClr>
+        </a:solidFill>
+        <a:effectLst/>
+      </p:bgPr>
+    </p:bg>
+    <p:spTree>
+      <p:nvGrpSpPr>
+        <p:cNvPr id="1" name=""/>
+        <p:cNvGrpSpPr/>
+        <p:nvPr/>
+      </p:nvGrpSpPr>
+      <p:grpSpPr>
+        <a:xfrm>
+          <a:off x="0" y="0"/>
+          <a:ext cx="0" cy="0"/>
+          <a:chOff x="0" y="0"/>
+          <a:chExt cx="0" cy="0"/>
+        </a:xfrm>
+      </p:grpSpPr>
+      <p:sp>
+        <p:nvSpPr>
+          <p:cNvPr id="2" name="Titolo 1">
+            <a:extLst>
+              <a:ext uri="{FF2B5EF4-FFF2-40B4-BE49-F238E27FC236}">
+                <a16:creationId xmlns:a16="http://schemas.microsoft.com/office/drawing/2014/main" id="{BF19EB7B-A764-4A30-A087-BA041EB836D9}"/>
+              </a:ext>
+            </a:extLst>
+          </p:cNvPr>
+          <p:cNvSpPr>
+            <a:spLocks noGrp="1"/>
+          </p:cNvSpPr>
+          <p:nvPr>
+            <p:ph type="title"/>
+          </p:nvPr>
+        </p:nvSpPr>
+        <p:spPr/>
+        <p:txBody>
+          <a:bodyPr/>
+          <a:lstStyle/>
+          <a:p>
+            <a:pPr algn="ctr"/>
+            <a:r>
+              <a:rPr lang="en-US" b="1" dirty="0">
+                <a:solidFill>
+                  <a:srgbClr val="6946AE"/>
+                </a:solidFill>
+              </a:rPr>
+              <a:t>Experimental results</a:t>
+            </a:r>
+          </a:p>
+        </p:txBody>
+      </p:sp>
+      <p:sp>
+        <p:nvSpPr>
+          <p:cNvPr id="5" name="Rettangolo 4">
+            <a:extLst>
+              <a:ext uri="{FF2B5EF4-FFF2-40B4-BE49-F238E27FC236}">
+                <a16:creationId xmlns:a16="http://schemas.microsoft.com/office/drawing/2014/main" id="{594D4035-7A15-43E0-B8ED-26BD9DA6D09C}"/>
+              </a:ext>
+            </a:extLst>
+          </p:cNvPr>
+          <p:cNvSpPr/>
+          <p:nvPr/>
+        </p:nvSpPr>
+        <p:spPr>
+          <a:xfrm>
+            <a:off x="0" y="1933575"/>
+            <a:ext cx="12192000" cy="4924425"/>
+          </a:xfrm>
+          <a:prstGeom prst="rect">
+            <a:avLst/>
+          </a:prstGeom>
+          <a:solidFill>
+            <a:schemeClr val="tx1"/>
+          </a:solidFill>
+          <a:ln>
+            <a:solidFill>
+              <a:schemeClr val="tx1"/>
+            </a:solidFill>
+          </a:ln>
+        </p:spPr>
+        <p:style>
+          <a:lnRef idx="2">
+            <a:schemeClr val="accent1">
+              <a:shade val="50000"/>
+            </a:schemeClr>
+          </a:lnRef>
+          <a:fillRef idx="1">
+            <a:schemeClr val="accent1"/>
+          </a:fillRef>
+          <a:effectRef idx="0">
+            <a:schemeClr val="accent1"/>
+          </a:effectRef>
+          <a:fontRef idx="minor">
+            <a:schemeClr val="lt1"/>
+          </a:fontRef>
+        </p:style>
+        <p:txBody>
+          <a:bodyPr rtlCol="0" anchor="ctr"/>
+          <a:lstStyle/>
+          <a:p>
+            <a:pPr algn="ctr"/>
+            <a:endParaRPr lang="en-US" dirty="0">
+              <a:solidFill>
+                <a:schemeClr val="bg1">
+                  <a:lumMod val="85000"/>
+                  <a:lumOff val="15000"/>
+                </a:schemeClr>
+              </a:solidFill>
+            </a:endParaRPr>
+          </a:p>
+        </p:txBody>
+      </p:sp>
+      <p:pic>
+        <p:nvPicPr>
+          <p:cNvPr id="4" name="Immagine 3" descr="Immagine che contiene mappa, testo&#10;&#10;Descrizione generata con affidabilità elevata">
+            <a:extLst>
+              <a:ext uri="{FF2B5EF4-FFF2-40B4-BE49-F238E27FC236}">
+                <a16:creationId xmlns:a16="http://schemas.microsoft.com/office/drawing/2014/main" id="{B578E1F7-4614-41D8-B941-D03A2366A1BF}"/>
+              </a:ext>
+            </a:extLst>
+          </p:cNvPr>
+          <p:cNvPicPr>
+            <a:picLocks noChangeAspect="1"/>
+          </p:cNvPicPr>
+          <p:nvPr/>
+        </p:nvPicPr>
+        <p:blipFill>
+          <a:blip r:embed="rId2">
+            <a:extLst>
+              <a:ext uri="{28A0092B-C50C-407E-A947-70E740481C1C}">
+                <a14:useLocalDpi xmlns:a14="http://schemas.microsoft.com/office/drawing/2010/main" val="0"/>
+              </a:ext>
+            </a:extLst>
+          </a:blip>
+          <a:stretch>
+            <a:fillRect/>
+          </a:stretch>
+        </p:blipFill>
+        <p:spPr>
+          <a:xfrm>
+            <a:off x="9689872" y="1973086"/>
+            <a:ext cx="2502128" cy="2502128"/>
+          </a:xfrm>
+          <a:prstGeom prst="rect">
+            <a:avLst/>
+          </a:prstGeom>
+        </p:spPr>
+      </p:pic>
+      <p:pic>
+        <p:nvPicPr>
+          <p:cNvPr id="8" name="Immagine 7" descr="Immagine che contiene testo&#10;&#10;Descrizione generata con affidabilità elevata">
+            <a:extLst>
+              <a:ext uri="{FF2B5EF4-FFF2-40B4-BE49-F238E27FC236}">
+                <a16:creationId xmlns:a16="http://schemas.microsoft.com/office/drawing/2014/main" id="{45F3E354-EFD5-49CB-81B3-AAE35BDDB7DF}"/>
+              </a:ext>
+            </a:extLst>
+          </p:cNvPr>
+          <p:cNvPicPr>
+            <a:picLocks noChangeAspect="1"/>
+          </p:cNvPicPr>
+          <p:nvPr/>
+        </p:nvPicPr>
+        <p:blipFill>
+          <a:blip r:embed="rId3">
+            <a:extLst>
+              <a:ext uri="{28A0092B-C50C-407E-A947-70E740481C1C}">
+                <a14:useLocalDpi xmlns:a14="http://schemas.microsoft.com/office/drawing/2010/main" val="0"/>
+              </a:ext>
+            </a:extLst>
+          </a:blip>
+          <a:stretch>
+            <a:fillRect/>
+          </a:stretch>
+        </p:blipFill>
+        <p:spPr>
+          <a:xfrm>
+            <a:off x="6958737" y="1933575"/>
+            <a:ext cx="2502128" cy="2502128"/>
+          </a:xfrm>
+          <a:prstGeom prst="rect">
+            <a:avLst/>
+          </a:prstGeom>
+        </p:spPr>
+      </p:pic>
+      <p:pic>
+        <p:nvPicPr>
+          <p:cNvPr id="11" name="Immagine 10">
+            <a:extLst>
+              <a:ext uri="{FF2B5EF4-FFF2-40B4-BE49-F238E27FC236}">
+                <a16:creationId xmlns:a16="http://schemas.microsoft.com/office/drawing/2014/main" id="{CE3069CE-36F5-4B56-A36C-5FE6BDB86C49}"/>
+              </a:ext>
+            </a:extLst>
+          </p:cNvPr>
+          <p:cNvPicPr>
+            <a:picLocks noChangeAspect="1"/>
+          </p:cNvPicPr>
+          <p:nvPr/>
+        </p:nvPicPr>
+        <p:blipFill>
+          <a:blip r:embed="rId4">
+            <a:extLst>
+              <a:ext uri="{28A0092B-C50C-407E-A947-70E740481C1C}">
+                <a14:useLocalDpi xmlns:a14="http://schemas.microsoft.com/office/drawing/2010/main" val="0"/>
+              </a:ext>
+            </a:extLst>
+          </a:blip>
+          <a:stretch>
+            <a:fillRect/>
+          </a:stretch>
+        </p:blipFill>
+        <p:spPr>
+          <a:xfrm>
+            <a:off x="6958737" y="4355872"/>
+            <a:ext cx="2502128" cy="2502128"/>
+          </a:xfrm>
+          <a:prstGeom prst="rect">
+            <a:avLst/>
+          </a:prstGeom>
+        </p:spPr>
+      </p:pic>
+      <p:pic>
+        <p:nvPicPr>
+          <p:cNvPr id="13" name="Immagine 12" descr="Immagine che contiene testo&#10;&#10;Descrizione generata con affidabilità molto elevata">
+            <a:extLst>
+              <a:ext uri="{FF2B5EF4-FFF2-40B4-BE49-F238E27FC236}">
+                <a16:creationId xmlns:a16="http://schemas.microsoft.com/office/drawing/2014/main" id="{4C839DBB-6BA9-46E7-835C-F7BCD6790494}"/>
+              </a:ext>
+            </a:extLst>
+          </p:cNvPr>
+          <p:cNvPicPr>
+            <a:picLocks noChangeAspect="1"/>
+          </p:cNvPicPr>
+          <p:nvPr/>
+        </p:nvPicPr>
+        <p:blipFill>
+          <a:blip r:embed="rId5">
+            <a:extLst>
+              <a:ext uri="{28A0092B-C50C-407E-A947-70E740481C1C}">
+                <a14:useLocalDpi xmlns:a14="http://schemas.microsoft.com/office/drawing/2010/main" val="0"/>
+              </a:ext>
+            </a:extLst>
+          </a:blip>
+          <a:stretch>
+            <a:fillRect/>
+          </a:stretch>
+        </p:blipFill>
+        <p:spPr>
+          <a:xfrm>
+            <a:off x="9689872" y="4395787"/>
+            <a:ext cx="2441247" cy="2441247"/>
+          </a:xfrm>
+          <a:prstGeom prst="rect">
+            <a:avLst/>
+          </a:prstGeom>
+        </p:spPr>
+      </p:pic>
+      <mc:AlternateContent xmlns:mc="http://schemas.openxmlformats.org/markup-compatibility/2006">
+        <mc:Choice xmlns:a14="http://schemas.microsoft.com/office/drawing/2010/main" Requires="a14">
+          <p:sp>
+            <p:nvSpPr>
+              <p:cNvPr id="15" name="CasellaDiTesto 14">
+                <a:extLst>
+                  <a:ext uri="{FF2B5EF4-FFF2-40B4-BE49-F238E27FC236}">
+                    <a16:creationId xmlns:a16="http://schemas.microsoft.com/office/drawing/2014/main" id="{E5FBEA03-4FBD-4D13-BABC-E2BF70A62627}"/>
+                  </a:ext>
+                </a:extLst>
+              </p:cNvPr>
+              <p:cNvSpPr txBox="1"/>
+              <p:nvPr/>
+            </p:nvSpPr>
+            <p:spPr>
+              <a:xfrm>
+                <a:off x="60880" y="2364461"/>
+                <a:ext cx="6836975" cy="4008149"/>
+              </a:xfrm>
+              <a:prstGeom prst="rect">
+                <a:avLst/>
+              </a:prstGeom>
+              <a:noFill/>
+            </p:spPr>
+            <p:txBody>
+              <a:bodyPr wrap="square" rtlCol="0" anchor="ctr">
+                <a:spAutoFit/>
+              </a:bodyPr>
+              <a:lstStyle/>
+              <a:p>
+                <a:r>
+                  <a:rPr lang="en-US" sz="2800" dirty="0">
+                    <a:solidFill>
+                      <a:schemeClr val="bg1">
+                        <a:lumMod val="85000"/>
+                        <a:lumOff val="15000"/>
+                      </a:schemeClr>
+                    </a:solidFill>
+                  </a:rPr>
+                  <a:t>Spawn points placed with the heuristic approach proved harder to find than the ones placed with the uniform approach.</a:t>
+                </a:r>
+              </a:p>
+              <a:p>
+                <a:endParaRPr lang="en-US" sz="2800" dirty="0">
+                  <a:solidFill>
+                    <a:schemeClr val="bg1">
+                      <a:lumMod val="85000"/>
+                      <a:lumOff val="15000"/>
+                    </a:schemeClr>
+                  </a:solidFill>
+                </a:endParaRPr>
+              </a:p>
+              <a:p>
+                <a:r>
+                  <a:rPr lang="en-US" sz="2800" dirty="0" err="1">
+                    <a:solidFill>
+                      <a:schemeClr val="bg1">
+                        <a:lumMod val="85000"/>
+                        <a:lumOff val="15000"/>
+                      </a:schemeClr>
+                    </a:solidFill>
+                  </a:rPr>
+                  <a:t>AvgKillTime</a:t>
+                </a:r>
+                <a:r>
+                  <a:rPr lang="en-US" sz="2800" dirty="0">
+                    <a:solidFill>
+                      <a:schemeClr val="bg1">
+                        <a:lumMod val="85000"/>
+                        <a:lumOff val="15000"/>
+                      </a:schemeClr>
+                    </a:solidFill>
+                  </a:rPr>
+                  <a:t>: 26% higher for uniform approach with </a:t>
+                </a:r>
+                <a14:m>
+                  <m:oMath xmlns:m="http://schemas.openxmlformats.org/officeDocument/2006/math">
+                    <m:sSub>
+                      <m:sSubPr>
+                        <m:ctrlPr>
+                          <a:rPr lang="it-IT" sz="2800" b="0" i="1" smtClean="0">
+                            <a:solidFill>
+                              <a:schemeClr val="bg1">
+                                <a:lumMod val="85000"/>
+                                <a:lumOff val="15000"/>
+                              </a:schemeClr>
+                            </a:solidFill>
+                            <a:latin typeface="Cambria Math" panose="02040503050406030204" pitchFamily="18" charset="0"/>
+                            <a:ea typeface="Cambria Math" panose="02040503050406030204" pitchFamily="18" charset="0"/>
+                          </a:rPr>
+                        </m:ctrlPr>
+                      </m:sSubPr>
+                      <m:e>
+                        <m:r>
+                          <a:rPr lang="en-US" sz="2800" i="1" smtClean="0">
+                            <a:solidFill>
+                              <a:schemeClr val="bg1">
+                                <a:lumMod val="85000"/>
+                                <a:lumOff val="15000"/>
+                              </a:schemeClr>
+                            </a:solidFill>
+                            <a:latin typeface="Cambria Math" panose="02040503050406030204" pitchFamily="18" charset="0"/>
+                            <a:ea typeface="Cambria Math" panose="02040503050406030204" pitchFamily="18" charset="0"/>
+                          </a:rPr>
+                          <m:t>𝛼</m:t>
+                        </m:r>
+                      </m:e>
+                      <m:sub>
+                        <m:r>
+                          <a:rPr lang="it-IT" sz="2800" b="0" i="1" smtClean="0">
+                            <a:solidFill>
+                              <a:schemeClr val="bg1">
+                                <a:lumMod val="85000"/>
+                                <a:lumOff val="15000"/>
+                              </a:schemeClr>
+                            </a:solidFill>
+                            <a:latin typeface="Cambria Math" panose="02040503050406030204" pitchFamily="18" charset="0"/>
+                            <a:ea typeface="Cambria Math" panose="02040503050406030204" pitchFamily="18" charset="0"/>
+                          </a:rPr>
+                          <m:t>𝑊𝑖𝑙𝑐𝑜𝑥𝑜𝑛</m:t>
+                        </m:r>
+                        <m:r>
+                          <a:rPr lang="it-IT" sz="2800" b="0" i="1" smtClean="0">
+                            <a:solidFill>
+                              <a:schemeClr val="bg1">
+                                <a:lumMod val="85000"/>
+                                <a:lumOff val="15000"/>
+                              </a:schemeClr>
+                            </a:solidFill>
+                            <a:latin typeface="Cambria Math" panose="02040503050406030204" pitchFamily="18" charset="0"/>
+                            <a:ea typeface="Cambria Math" panose="02040503050406030204" pitchFamily="18" charset="0"/>
+                          </a:rPr>
+                          <m:t>,   </m:t>
+                        </m:r>
+                        <m:r>
+                          <a:rPr lang="it-IT" sz="2800" b="0" i="1" smtClean="0">
+                            <a:solidFill>
+                              <a:schemeClr val="bg1">
+                                <a:lumMod val="85000"/>
+                                <a:lumOff val="15000"/>
+                              </a:schemeClr>
+                            </a:solidFill>
+                            <a:latin typeface="Cambria Math" panose="02040503050406030204" pitchFamily="18" charset="0"/>
+                            <a:ea typeface="Cambria Math" panose="02040503050406030204" pitchFamily="18" charset="0"/>
+                          </a:rPr>
+                          <m:t>𝑜𝑛𝑒</m:t>
+                        </m:r>
+                        <m:r>
+                          <a:rPr lang="it-IT" sz="2800" b="0" i="1" smtClean="0">
+                            <a:solidFill>
+                              <a:schemeClr val="bg1">
+                                <a:lumMod val="85000"/>
+                                <a:lumOff val="15000"/>
+                              </a:schemeClr>
+                            </a:solidFill>
+                            <a:latin typeface="Cambria Math" panose="02040503050406030204" pitchFamily="18" charset="0"/>
+                            <a:ea typeface="Cambria Math" panose="02040503050406030204" pitchFamily="18" charset="0"/>
+                          </a:rPr>
+                          <m:t> </m:t>
+                        </m:r>
+                        <m:r>
+                          <a:rPr lang="it-IT" sz="2800" b="0" i="1" smtClean="0">
+                            <a:solidFill>
+                              <a:schemeClr val="bg1">
+                                <a:lumMod val="85000"/>
+                                <a:lumOff val="15000"/>
+                              </a:schemeClr>
+                            </a:solidFill>
+                            <a:latin typeface="Cambria Math" panose="02040503050406030204" pitchFamily="18" charset="0"/>
+                            <a:ea typeface="Cambria Math" panose="02040503050406030204" pitchFamily="18" charset="0"/>
+                          </a:rPr>
+                          <m:t>𝑡𝑖𝑙𝑒𝑑</m:t>
+                        </m:r>
+                      </m:sub>
+                    </m:sSub>
+                    <m:r>
+                      <a:rPr lang="it-IT" sz="2800" b="0" i="1" smtClean="0">
+                        <a:solidFill>
+                          <a:schemeClr val="bg1">
+                            <a:lumMod val="85000"/>
+                            <a:lumOff val="15000"/>
+                          </a:schemeClr>
+                        </a:solidFill>
+                        <a:latin typeface="Cambria Math" panose="02040503050406030204" pitchFamily="18" charset="0"/>
+                        <a:ea typeface="Cambria Math" panose="02040503050406030204" pitchFamily="18" charset="0"/>
+                      </a:rPr>
+                      <m:t>=0.00203</m:t>
+                    </m:r>
+                  </m:oMath>
+                </a14:m>
+                <a:endParaRPr lang="en-US" sz="2800" dirty="0">
+                  <a:solidFill>
+                    <a:schemeClr val="bg1">
+                      <a:lumMod val="85000"/>
+                      <a:lumOff val="15000"/>
+                    </a:schemeClr>
+                  </a:solidFill>
+                </a:endParaRPr>
+              </a:p>
+              <a:p>
+                <a:endParaRPr lang="en-US" sz="2800" dirty="0">
+                  <a:solidFill>
+                    <a:schemeClr val="bg1">
+                      <a:lumMod val="85000"/>
+                      <a:lumOff val="15000"/>
+                    </a:schemeClr>
+                  </a:solidFill>
+                </a:endParaRPr>
+              </a:p>
+              <a:p>
+                <a:r>
+                  <a:rPr lang="en-US" sz="2800" dirty="0" err="1">
+                    <a:solidFill>
+                      <a:schemeClr val="bg1">
+                        <a:lumMod val="85000"/>
+                        <a:lumOff val="15000"/>
+                      </a:schemeClr>
+                    </a:solidFill>
+                  </a:rPr>
+                  <a:t>AvgKillDistance</a:t>
+                </a:r>
+                <a:r>
+                  <a:rPr lang="en-US" sz="2800" dirty="0">
+                    <a:solidFill>
+                      <a:schemeClr val="bg1">
+                        <a:lumMod val="85000"/>
+                        <a:lumOff val="15000"/>
+                      </a:schemeClr>
+                    </a:solidFill>
+                  </a:rPr>
+                  <a:t>: 21% higher for uniform approach with </a:t>
+                </a:r>
+                <a14:m>
+                  <m:oMath xmlns:m="http://schemas.openxmlformats.org/officeDocument/2006/math">
+                    <m:sSub>
+                      <m:sSubPr>
+                        <m:ctrlPr>
+                          <a:rPr lang="it-IT" sz="2800" i="1">
+                            <a:solidFill>
+                              <a:schemeClr val="bg1">
+                                <a:lumMod val="85000"/>
+                                <a:lumOff val="15000"/>
+                              </a:schemeClr>
+                            </a:solidFill>
+                            <a:latin typeface="Cambria Math" panose="02040503050406030204" pitchFamily="18" charset="0"/>
+                            <a:ea typeface="Cambria Math" panose="02040503050406030204" pitchFamily="18" charset="0"/>
+                          </a:rPr>
+                        </m:ctrlPr>
+                      </m:sSubPr>
+                      <m:e>
+                        <m:r>
+                          <a:rPr lang="en-US" sz="2800" i="1">
+                            <a:solidFill>
+                              <a:schemeClr val="bg1">
+                                <a:lumMod val="85000"/>
+                                <a:lumOff val="15000"/>
+                              </a:schemeClr>
+                            </a:solidFill>
+                            <a:latin typeface="Cambria Math" panose="02040503050406030204" pitchFamily="18" charset="0"/>
+                            <a:ea typeface="Cambria Math" panose="02040503050406030204" pitchFamily="18" charset="0"/>
+                          </a:rPr>
+                          <m:t>𝛼</m:t>
+                        </m:r>
+                      </m:e>
+                      <m:sub>
+                        <m:r>
+                          <a:rPr lang="it-IT" sz="2800" i="1">
+                            <a:solidFill>
+                              <a:schemeClr val="bg1">
+                                <a:lumMod val="85000"/>
+                                <a:lumOff val="15000"/>
+                              </a:schemeClr>
+                            </a:solidFill>
+                            <a:latin typeface="Cambria Math" panose="02040503050406030204" pitchFamily="18" charset="0"/>
+                            <a:ea typeface="Cambria Math" panose="02040503050406030204" pitchFamily="18" charset="0"/>
+                          </a:rPr>
+                          <m:t>𝑊𝑖𝑙𝑐𝑜𝑥𝑜𝑛</m:t>
+                        </m:r>
+                        <m:r>
+                          <a:rPr lang="it-IT" sz="2800" i="1">
+                            <a:solidFill>
+                              <a:schemeClr val="bg1">
+                                <a:lumMod val="85000"/>
+                                <a:lumOff val="15000"/>
+                              </a:schemeClr>
+                            </a:solidFill>
+                            <a:latin typeface="Cambria Math" panose="02040503050406030204" pitchFamily="18" charset="0"/>
+                            <a:ea typeface="Cambria Math" panose="02040503050406030204" pitchFamily="18" charset="0"/>
+                          </a:rPr>
+                          <m:t>,   </m:t>
+                        </m:r>
+                        <m:r>
+                          <a:rPr lang="it-IT" sz="2800" i="1">
+                            <a:solidFill>
+                              <a:schemeClr val="bg1">
+                                <a:lumMod val="85000"/>
+                                <a:lumOff val="15000"/>
+                              </a:schemeClr>
+                            </a:solidFill>
+                            <a:latin typeface="Cambria Math" panose="02040503050406030204" pitchFamily="18" charset="0"/>
+                            <a:ea typeface="Cambria Math" panose="02040503050406030204" pitchFamily="18" charset="0"/>
+                          </a:rPr>
+                          <m:t>𝑜𝑛𝑒</m:t>
+                        </m:r>
+                        <m:r>
+                          <a:rPr lang="it-IT" sz="2800" i="1">
+                            <a:solidFill>
+                              <a:schemeClr val="bg1">
+                                <a:lumMod val="85000"/>
+                                <a:lumOff val="15000"/>
+                              </a:schemeClr>
+                            </a:solidFill>
+                            <a:latin typeface="Cambria Math" panose="02040503050406030204" pitchFamily="18" charset="0"/>
+                            <a:ea typeface="Cambria Math" panose="02040503050406030204" pitchFamily="18" charset="0"/>
+                          </a:rPr>
+                          <m:t> </m:t>
+                        </m:r>
+                        <m:r>
+                          <a:rPr lang="it-IT" sz="2800" i="1">
+                            <a:solidFill>
+                              <a:schemeClr val="bg1">
+                                <a:lumMod val="85000"/>
+                                <a:lumOff val="15000"/>
+                              </a:schemeClr>
+                            </a:solidFill>
+                            <a:latin typeface="Cambria Math" panose="02040503050406030204" pitchFamily="18" charset="0"/>
+                            <a:ea typeface="Cambria Math" panose="02040503050406030204" pitchFamily="18" charset="0"/>
+                          </a:rPr>
+                          <m:t>𝑡𝑖𝑙𝑒𝑑</m:t>
+                        </m:r>
+                      </m:sub>
+                    </m:sSub>
+                    <m:r>
+                      <a:rPr lang="it-IT" sz="2800" i="1">
+                        <a:solidFill>
+                          <a:schemeClr val="bg1">
+                            <a:lumMod val="85000"/>
+                            <a:lumOff val="15000"/>
+                          </a:schemeClr>
+                        </a:solidFill>
+                        <a:latin typeface="Cambria Math" panose="02040503050406030204" pitchFamily="18" charset="0"/>
+                        <a:ea typeface="Cambria Math" panose="02040503050406030204" pitchFamily="18" charset="0"/>
+                      </a:rPr>
+                      <m:t>=0.0</m:t>
+                    </m:r>
+                    <m:r>
+                      <a:rPr lang="it-IT" sz="2800" b="0" i="1" smtClean="0">
+                        <a:solidFill>
+                          <a:schemeClr val="bg1">
+                            <a:lumMod val="85000"/>
+                            <a:lumOff val="15000"/>
+                          </a:schemeClr>
+                        </a:solidFill>
+                        <a:latin typeface="Cambria Math" panose="02040503050406030204" pitchFamily="18" charset="0"/>
+                        <a:ea typeface="Cambria Math" panose="02040503050406030204" pitchFamily="18" charset="0"/>
+                      </a:rPr>
+                      <m:t>1243</m:t>
+                    </m:r>
+                  </m:oMath>
+                </a14:m>
+                <a:endParaRPr lang="en-US" sz="2800" dirty="0">
+                  <a:solidFill>
+                    <a:schemeClr val="bg1">
+                      <a:lumMod val="85000"/>
+                      <a:lumOff val="15000"/>
+                    </a:schemeClr>
+                  </a:solidFill>
+                </a:endParaRPr>
+              </a:p>
+            </p:txBody>
+          </p:sp>
+        </mc:Choice>
+        <mc:Fallback>
+          <p:sp>
+            <p:nvSpPr>
+              <p:cNvPr id="15" name="CasellaDiTesto 14">
+                <a:extLst>
+                  <a:ext uri="{FF2B5EF4-FFF2-40B4-BE49-F238E27FC236}">
+                    <a16:creationId xmlns:a16="http://schemas.microsoft.com/office/drawing/2014/main" id="{E5FBEA03-4FBD-4D13-BABC-E2BF70A62627}"/>
+                  </a:ext>
+                </a:extLst>
+              </p:cNvPr>
+              <p:cNvSpPr txBox="1">
+                <a:spLocks noRot="1" noChangeAspect="1" noMove="1" noResize="1" noEditPoints="1" noAdjustHandles="1" noChangeArrowheads="1" noChangeShapeType="1" noTextEdit="1"/>
+              </p:cNvSpPr>
+              <p:nvPr/>
+            </p:nvSpPr>
+            <p:spPr>
+              <a:xfrm>
+                <a:off x="60880" y="2364461"/>
+                <a:ext cx="6836975" cy="4008149"/>
+              </a:xfrm>
+              <a:prstGeom prst="rect">
+                <a:avLst/>
+              </a:prstGeom>
+              <a:blipFill>
+                <a:blip r:embed="rId6"/>
+                <a:stretch>
+                  <a:fillRect l="-1872" t="-913" r="-2496" b="-3653"/>
+                </a:stretch>
+              </a:blipFill>
+            </p:spPr>
+            <p:txBody>
+              <a:bodyPr/>
+              <a:lstStyle/>
+              <a:p>
+                <a:r>
+                  <a:rPr lang="en-US">
+                    <a:noFill/>
+                  </a:rPr>
+                  <a:t> </a:t>
+                </a:r>
+              </a:p>
+            </p:txBody>
+          </p:sp>
+        </mc:Fallback>
+      </mc:AlternateContent>
+    </p:spTree>
+    <p:extLst>
+      <p:ext uri="{BB962C8B-B14F-4D97-AF65-F5344CB8AC3E}">
+        <p14:creationId xmlns:p14="http://schemas.microsoft.com/office/powerpoint/2010/main" val="321182458"/>
+      </p:ext>
+    </p:extLst>
+  </p:cSld>
+  <p:clrMapOvr>
+    <a:masterClrMapping/>
+  </p:clrMapOvr>
+</p:sld>
+</file>
+
+<file path=ppt/slides/slide18.xml><?xml version="1.0" encoding="utf-8"?>
+<p:sld xmlns:a="http://schemas.openxmlformats.org/drawingml/2006/main" xmlns:r="http://schemas.openxmlformats.org/officeDocument/2006/relationships" xmlns:p="http://schemas.openxmlformats.org/presentationml/2006/main">
+  <p:cSld>
+    <p:bg>
+      <p:bgPr>
+        <a:solidFill>
+          <a:schemeClr val="bg1">
+            <a:lumMod val="85000"/>
+            <a:lumOff val="15000"/>
+          </a:schemeClr>
+        </a:solidFill>
+        <a:effectLst/>
+      </p:bgPr>
+    </p:bg>
+    <p:spTree>
+      <p:nvGrpSpPr>
+        <p:cNvPr id="1" name=""/>
+        <p:cNvGrpSpPr/>
+        <p:nvPr/>
+      </p:nvGrpSpPr>
+      <p:grpSpPr>
+        <a:xfrm>
+          <a:off x="0" y="0"/>
+          <a:ext cx="0" cy="0"/>
+          <a:chOff x="0" y="0"/>
+          <a:chExt cx="0" cy="0"/>
+        </a:xfrm>
+      </p:grpSpPr>
+      <p:sp>
+        <p:nvSpPr>
+          <p:cNvPr id="14" name="Rettangolo 13">
+            <a:extLst>
+              <a:ext uri="{FF2B5EF4-FFF2-40B4-BE49-F238E27FC236}">
+                <a16:creationId xmlns:a16="http://schemas.microsoft.com/office/drawing/2014/main" id="{63091153-CA18-45A4-8A0A-3773E84521A9}"/>
+              </a:ext>
+            </a:extLst>
+          </p:cNvPr>
+          <p:cNvSpPr/>
+          <p:nvPr/>
+        </p:nvSpPr>
+        <p:spPr>
+          <a:xfrm>
+            <a:off x="0" y="1933575"/>
+            <a:ext cx="12192000" cy="4924425"/>
+          </a:xfrm>
+          <a:prstGeom prst="rect">
+            <a:avLst/>
+          </a:prstGeom>
+          <a:solidFill>
+            <a:schemeClr val="tx1"/>
+          </a:solidFill>
+          <a:ln>
+            <a:solidFill>
+              <a:schemeClr val="tx1"/>
+            </a:solidFill>
+          </a:ln>
+        </p:spPr>
+        <p:style>
+          <a:lnRef idx="2">
+            <a:schemeClr val="accent1">
+              <a:shade val="50000"/>
+            </a:schemeClr>
+          </a:lnRef>
+          <a:fillRef idx="1">
+            <a:schemeClr val="accent1"/>
+          </a:fillRef>
+          <a:effectRef idx="0">
+            <a:schemeClr val="accent1"/>
+          </a:effectRef>
+          <a:fontRef idx="minor">
+            <a:schemeClr val="lt1"/>
+          </a:fontRef>
+        </p:style>
+        <p:txBody>
+          <a:bodyPr rtlCol="0" anchor="ctr"/>
+          <a:lstStyle/>
+          <a:p>
+            <a:pPr algn="ctr"/>
+            <a:endParaRPr lang="en-US"/>
+          </a:p>
+        </p:txBody>
+      </p:sp>
+      <p:sp>
+        <p:nvSpPr>
+          <p:cNvPr id="2" name="Titolo 1">
+            <a:extLst>
+              <a:ext uri="{FF2B5EF4-FFF2-40B4-BE49-F238E27FC236}">
+                <a16:creationId xmlns:a16="http://schemas.microsoft.com/office/drawing/2014/main" id="{1FD68351-8EAA-4773-B59B-AACD8F0BC14E}"/>
+              </a:ext>
+            </a:extLst>
+          </p:cNvPr>
+          <p:cNvSpPr>
+            <a:spLocks noGrp="1"/>
+          </p:cNvSpPr>
+          <p:nvPr>
+            <p:ph type="title"/>
+          </p:nvPr>
+        </p:nvSpPr>
+        <p:spPr/>
+        <p:txBody>
+          <a:bodyPr/>
+          <a:lstStyle/>
+          <a:p>
+            <a:pPr algn="ctr"/>
+            <a:r>
+              <a:rPr lang="en-US" b="1" dirty="0">
+                <a:solidFill>
+                  <a:srgbClr val="6946AE"/>
+                </a:solidFill>
+              </a:rPr>
+              <a:t>Experimental results</a:t>
+            </a:r>
+          </a:p>
+        </p:txBody>
+      </p:sp>
+      <p:sp>
+        <p:nvSpPr>
+          <p:cNvPr id="3" name="Segnaposto contenuto 2">
+            <a:extLst>
+              <a:ext uri="{FF2B5EF4-FFF2-40B4-BE49-F238E27FC236}">
+                <a16:creationId xmlns:a16="http://schemas.microsoft.com/office/drawing/2014/main" id="{09AAA263-8881-4E3A-A440-0EEDE3E55F74}"/>
+              </a:ext>
+            </a:extLst>
+          </p:cNvPr>
+          <p:cNvSpPr>
+            <a:spLocks noGrp="1"/>
+          </p:cNvSpPr>
+          <p:nvPr>
+            <p:ph idx="1"/>
+          </p:nvPr>
+        </p:nvSpPr>
+        <p:spPr>
+          <a:xfrm>
+            <a:off x="9253057" y="2297375"/>
+            <a:ext cx="1876558" cy="2058403"/>
+          </a:xfrm>
+        </p:spPr>
+        <p:txBody>
+          <a:bodyPr anchor="ctr"/>
+          <a:lstStyle/>
+          <a:p>
+            <a:pPr marL="0" indent="0" algn="ctr">
+              <a:buNone/>
+            </a:pPr>
+            <a:r>
+              <a:rPr lang="en-US" dirty="0">
+                <a:solidFill>
+                  <a:schemeClr val="bg1">
+                    <a:lumMod val="85000"/>
+                    <a:lumOff val="15000"/>
+                  </a:schemeClr>
+                </a:solidFill>
+              </a:rPr>
+              <a:t>Heuristic</a:t>
+            </a:r>
+          </a:p>
+          <a:p>
+            <a:pPr marL="0" indent="0" algn="ctr">
+              <a:buNone/>
+            </a:pPr>
+            <a:r>
+              <a:rPr lang="en-US" dirty="0">
+                <a:solidFill>
+                  <a:schemeClr val="bg1">
+                    <a:lumMod val="85000"/>
+                    <a:lumOff val="15000"/>
+                  </a:schemeClr>
+                </a:solidFill>
+              </a:rPr>
+              <a:t>placement</a:t>
+            </a:r>
+          </a:p>
+        </p:txBody>
+      </p:sp>
+      <p:sp>
+        <p:nvSpPr>
+          <p:cNvPr id="22" name="Segnaposto contenuto 2">
+            <a:extLst>
+              <a:ext uri="{FF2B5EF4-FFF2-40B4-BE49-F238E27FC236}">
+                <a16:creationId xmlns:a16="http://schemas.microsoft.com/office/drawing/2014/main" id="{E7BE4481-8A64-4BAF-AE76-F98A3ED969C3}"/>
+              </a:ext>
+            </a:extLst>
+          </p:cNvPr>
+          <p:cNvSpPr txBox="1">
+            <a:spLocks/>
+          </p:cNvSpPr>
+          <p:nvPr/>
+        </p:nvSpPr>
+        <p:spPr>
+          <a:xfrm>
+            <a:off x="9253057" y="4496434"/>
+            <a:ext cx="1876559" cy="2058403"/>
+          </a:xfrm>
+          <a:prstGeom prst="rect">
+            <a:avLst/>
+          </a:prstGeom>
+        </p:spPr>
+        <p:txBody>
+          <a:bodyPr vert="horz" lIns="91440" tIns="45720" rIns="91440" bIns="45720" rtlCol="0" anchor="ctr">
+            <a:normAutofit/>
+          </a:bodyPr>
+          <a:lstStyle>
+            <a:lvl1pPr marL="228600" indent="-228600" algn="l" defTabSz="914400" rtl="0" eaLnBrk="1" latinLnBrk="0" hangingPunct="1">
+              <a:lnSpc>
+                <a:spcPct val="90000"/>
+              </a:lnSpc>
+              <a:spcBef>
+                <a:spcPts val="1000"/>
+              </a:spcBef>
+              <a:buFont typeface="Arial" panose="020B0604020202020204" pitchFamily="34" charset="0"/>
+              <a:buChar char="•"/>
+              <a:defRPr sz="2800" kern="1200">
+                <a:solidFill>
+                  <a:schemeClr val="tx1"/>
+                </a:solidFill>
+                <a:latin typeface="+mn-lt"/>
+                <a:ea typeface="+mn-ea"/>
+                <a:cs typeface="+mn-cs"/>
+              </a:defRPr>
+            </a:lvl1pPr>
+            <a:lvl2pPr marL="685800" indent="-228600" algn="l" defTabSz="914400" rtl="0" eaLnBrk="1" latinLnBrk="0" hangingPunct="1">
+              <a:lnSpc>
+                <a:spcPct val="90000"/>
+              </a:lnSpc>
+              <a:spcBef>
+                <a:spcPts val="500"/>
+              </a:spcBef>
+              <a:buFont typeface="Arial" panose="020B0604020202020204" pitchFamily="34" charset="0"/>
+              <a:buChar char="•"/>
+              <a:defRPr sz="2400" kern="1200">
+                <a:solidFill>
+                  <a:schemeClr val="tx1"/>
+                </a:solidFill>
+                <a:latin typeface="+mn-lt"/>
+                <a:ea typeface="+mn-ea"/>
+                <a:cs typeface="+mn-cs"/>
+              </a:defRPr>
+            </a:lvl2pPr>
+            <a:lvl3pPr marL="1143000" indent="-228600" algn="l" defTabSz="914400" rtl="0" eaLnBrk="1" latinLnBrk="0" hangingPunct="1">
+              <a:lnSpc>
+                <a:spcPct val="90000"/>
+              </a:lnSpc>
+              <a:spcBef>
+                <a:spcPts val="500"/>
+              </a:spcBef>
+              <a:buFont typeface="Arial" panose="020B0604020202020204" pitchFamily="34" charset="0"/>
+              <a:buChar char="•"/>
+              <a:defRPr sz="2000" kern="1200">
+                <a:solidFill>
+                  <a:schemeClr val="tx1"/>
+                </a:solidFill>
+                <a:latin typeface="+mn-lt"/>
+                <a:ea typeface="+mn-ea"/>
+                <a:cs typeface="+mn-cs"/>
+              </a:defRPr>
+            </a:lvl3pPr>
+            <a:lvl4pPr marL="1600200" indent="-228600" algn="l" defTabSz="914400" rtl="0" eaLnBrk="1" latinLnBrk="0" hangingPunct="1">
+              <a:lnSpc>
+                <a:spcPct val="90000"/>
+              </a:lnSpc>
+              <a:spcBef>
+                <a:spcPts val="500"/>
+              </a:spcBef>
+              <a:buFont typeface="Arial" panose="020B0604020202020204" pitchFamily="34" charset="0"/>
+              <a:buChar char="•"/>
+              <a:defRPr sz="1800" kern="1200">
+                <a:solidFill>
+                  <a:schemeClr val="tx1"/>
+                </a:solidFill>
+                <a:latin typeface="+mn-lt"/>
+                <a:ea typeface="+mn-ea"/>
+                <a:cs typeface="+mn-cs"/>
+              </a:defRPr>
+            </a:lvl4pPr>
+            <a:lvl5pPr marL="2057400" indent="-228600" algn="l" defTabSz="914400" rtl="0" eaLnBrk="1" latinLnBrk="0" hangingPunct="1">
+              <a:lnSpc>
+                <a:spcPct val="90000"/>
+              </a:lnSpc>
+              <a:spcBef>
+                <a:spcPts val="500"/>
+              </a:spcBef>
+              <a:buFont typeface="Arial" panose="020B0604020202020204" pitchFamily="34" charset="0"/>
+              <a:buChar char="•"/>
+              <a:defRPr sz="1800" kern="1200">
+                <a:solidFill>
+                  <a:schemeClr val="tx1"/>
+                </a:solidFill>
+                <a:latin typeface="+mn-lt"/>
+                <a:ea typeface="+mn-ea"/>
+                <a:cs typeface="+mn-cs"/>
+              </a:defRPr>
+            </a:lvl5pPr>
+            <a:lvl6pPr marL="2514600" indent="-228600" algn="l" defTabSz="914400" rtl="0" eaLnBrk="1" latinLnBrk="0" hangingPunct="1">
+              <a:lnSpc>
+                <a:spcPct val="90000"/>
+              </a:lnSpc>
+              <a:spcBef>
+                <a:spcPts val="500"/>
+              </a:spcBef>
+              <a:buFont typeface="Arial" panose="020B0604020202020204" pitchFamily="34" charset="0"/>
+              <a:buChar char="•"/>
+              <a:defRPr sz="1800" kern="1200">
+                <a:solidFill>
+                  <a:schemeClr val="tx1"/>
+                </a:solidFill>
+                <a:latin typeface="+mn-lt"/>
+                <a:ea typeface="+mn-ea"/>
+                <a:cs typeface="+mn-cs"/>
+              </a:defRPr>
+            </a:lvl6pPr>
+            <a:lvl7pPr marL="2971800" indent="-228600" algn="l" defTabSz="914400" rtl="0" eaLnBrk="1" latinLnBrk="0" hangingPunct="1">
+              <a:lnSpc>
+                <a:spcPct val="90000"/>
+              </a:lnSpc>
+              <a:spcBef>
+                <a:spcPts val="500"/>
+              </a:spcBef>
+              <a:buFont typeface="Arial" panose="020B0604020202020204" pitchFamily="34" charset="0"/>
+              <a:buChar char="•"/>
+              <a:defRPr sz="1800" kern="1200">
+                <a:solidFill>
+                  <a:schemeClr val="tx1"/>
+                </a:solidFill>
+                <a:latin typeface="+mn-lt"/>
+                <a:ea typeface="+mn-ea"/>
+                <a:cs typeface="+mn-cs"/>
+              </a:defRPr>
+            </a:lvl7pPr>
+            <a:lvl8pPr marL="3429000" indent="-228600" algn="l" defTabSz="914400" rtl="0" eaLnBrk="1" latinLnBrk="0" hangingPunct="1">
+              <a:lnSpc>
+                <a:spcPct val="90000"/>
+              </a:lnSpc>
+              <a:spcBef>
+                <a:spcPts val="500"/>
+              </a:spcBef>
+              <a:buFont typeface="Arial" panose="020B0604020202020204" pitchFamily="34" charset="0"/>
+              <a:buChar char="•"/>
+              <a:defRPr sz="1800" kern="1200">
+                <a:solidFill>
+                  <a:schemeClr val="tx1"/>
+                </a:solidFill>
+                <a:latin typeface="+mn-lt"/>
+                <a:ea typeface="+mn-ea"/>
+                <a:cs typeface="+mn-cs"/>
+              </a:defRPr>
+            </a:lvl8pPr>
+            <a:lvl9pPr marL="3886200" indent="-228600" algn="l" defTabSz="914400" rtl="0" eaLnBrk="1" latinLnBrk="0" hangingPunct="1">
+              <a:lnSpc>
+                <a:spcPct val="90000"/>
+              </a:lnSpc>
+              <a:spcBef>
+                <a:spcPts val="500"/>
+              </a:spcBef>
+              <a:buFont typeface="Arial" panose="020B0604020202020204" pitchFamily="34" charset="0"/>
+              <a:buChar char="•"/>
+              <a:defRPr sz="1800" kern="1200">
+                <a:solidFill>
+                  <a:schemeClr val="tx1"/>
+                </a:solidFill>
+                <a:latin typeface="+mn-lt"/>
+                <a:ea typeface="+mn-ea"/>
+                <a:cs typeface="+mn-cs"/>
+              </a:defRPr>
+            </a:lvl9pPr>
+          </a:lstStyle>
+          <a:p>
+            <a:pPr marL="0" indent="0" algn="ctr">
+              <a:buFont typeface="Arial" panose="020B0604020202020204" pitchFamily="34" charset="0"/>
+              <a:buNone/>
+            </a:pPr>
+            <a:r>
+              <a:rPr lang="en-US" dirty="0">
+                <a:solidFill>
+                  <a:schemeClr val="bg1">
+                    <a:lumMod val="85000"/>
+                    <a:lumOff val="15000"/>
+                  </a:schemeClr>
+                </a:solidFill>
+              </a:rPr>
+              <a:t>Uniform</a:t>
+            </a:r>
+          </a:p>
+          <a:p>
+            <a:pPr marL="0" indent="0" algn="ctr">
+              <a:buFont typeface="Arial" panose="020B0604020202020204" pitchFamily="34" charset="0"/>
+              <a:buNone/>
+            </a:pPr>
+            <a:r>
+              <a:rPr lang="en-US" dirty="0">
+                <a:solidFill>
+                  <a:schemeClr val="bg1">
+                    <a:lumMod val="85000"/>
+                    <a:lumOff val="15000"/>
+                  </a:schemeClr>
+                </a:solidFill>
+              </a:rPr>
+              <a:t>placement</a:t>
+            </a:r>
+          </a:p>
+        </p:txBody>
+      </p:sp>
+      <p:pic>
+        <p:nvPicPr>
+          <p:cNvPr id="5" name="Immagine 4" descr="Immagine che contiene oggetto, orologio&#10;&#10;Descrizione generata con affidabilità molto elevata">
+            <a:extLst>
+              <a:ext uri="{FF2B5EF4-FFF2-40B4-BE49-F238E27FC236}">
+                <a16:creationId xmlns:a16="http://schemas.microsoft.com/office/drawing/2014/main" id="{86D6D7BE-B999-40C9-B083-72F09C7ED6FF}"/>
+              </a:ext>
+            </a:extLst>
+          </p:cNvPr>
+          <p:cNvPicPr>
+            <a:picLocks noChangeAspect="1"/>
+          </p:cNvPicPr>
+          <p:nvPr/>
+        </p:nvPicPr>
+        <p:blipFill>
+          <a:blip r:embed="rId2">
+            <a:extLst>
+              <a:ext uri="{28A0092B-C50C-407E-A947-70E740481C1C}">
+                <a14:useLocalDpi xmlns:a14="http://schemas.microsoft.com/office/drawing/2010/main" val="0"/>
+              </a:ext>
+            </a:extLst>
+          </a:blip>
+          <a:stretch>
+            <a:fillRect/>
+          </a:stretch>
+        </p:blipFill>
+        <p:spPr>
+          <a:xfrm>
+            <a:off x="1263715" y="2297373"/>
+            <a:ext cx="2097505" cy="2097505"/>
+          </a:xfrm>
+          <a:prstGeom prst="rect">
+            <a:avLst/>
+          </a:prstGeom>
+        </p:spPr>
+      </p:pic>
+      <p:pic>
+        <p:nvPicPr>
+          <p:cNvPr id="10" name="Immagine 9" descr="Immagine che contiene oggetto, orologio&#10;&#10;Descrizione generata con affidabilità molto elevata">
+            <a:extLst>
+              <a:ext uri="{FF2B5EF4-FFF2-40B4-BE49-F238E27FC236}">
+                <a16:creationId xmlns:a16="http://schemas.microsoft.com/office/drawing/2014/main" id="{02B6F949-4108-4F4B-A647-0699BA604EB1}"/>
+              </a:ext>
+            </a:extLst>
+          </p:cNvPr>
+          <p:cNvPicPr>
+            <a:picLocks noChangeAspect="1"/>
+          </p:cNvPicPr>
+          <p:nvPr/>
+        </p:nvPicPr>
+        <p:blipFill>
+          <a:blip r:embed="rId3">
+            <a:extLst>
+              <a:ext uri="{28A0092B-C50C-407E-A947-70E740481C1C}">
+                <a14:useLocalDpi xmlns:a14="http://schemas.microsoft.com/office/drawing/2010/main" val="0"/>
+              </a:ext>
+            </a:extLst>
+          </a:blip>
+          <a:stretch>
+            <a:fillRect/>
+          </a:stretch>
+        </p:blipFill>
+        <p:spPr>
+          <a:xfrm>
+            <a:off x="3944564" y="2277823"/>
+            <a:ext cx="2097505" cy="2097505"/>
+          </a:xfrm>
+          <a:prstGeom prst="rect">
+            <a:avLst/>
+          </a:prstGeom>
+        </p:spPr>
+      </p:pic>
+      <p:pic>
+        <p:nvPicPr>
+          <p:cNvPr id="20" name="Immagine 19" descr="Immagine che contiene oggetto, orologio&#10;&#10;Descrizione generata con affidabilità elevata">
+            <a:extLst>
+              <a:ext uri="{FF2B5EF4-FFF2-40B4-BE49-F238E27FC236}">
+                <a16:creationId xmlns:a16="http://schemas.microsoft.com/office/drawing/2014/main" id="{813A8397-DF85-45BC-8758-4CED81677C4E}"/>
+              </a:ext>
+            </a:extLst>
+          </p:cNvPr>
+          <p:cNvPicPr>
+            <a:picLocks noChangeAspect="1"/>
+          </p:cNvPicPr>
+          <p:nvPr/>
+        </p:nvPicPr>
+        <p:blipFill>
+          <a:blip r:embed="rId4">
+            <a:extLst>
+              <a:ext uri="{28A0092B-C50C-407E-A947-70E740481C1C}">
+                <a14:useLocalDpi xmlns:a14="http://schemas.microsoft.com/office/drawing/2010/main" val="0"/>
+              </a:ext>
+            </a:extLst>
+          </a:blip>
+          <a:stretch>
+            <a:fillRect/>
+          </a:stretch>
+        </p:blipFill>
+        <p:spPr>
+          <a:xfrm>
+            <a:off x="6625413" y="2297373"/>
+            <a:ext cx="2097505" cy="2097505"/>
+          </a:xfrm>
+          <a:prstGeom prst="rect">
+            <a:avLst/>
+          </a:prstGeom>
+        </p:spPr>
+      </p:pic>
+      <p:pic>
+        <p:nvPicPr>
+          <p:cNvPr id="28" name="Immagine 27" descr="Immagine che contiene oggetto, orologio&#10;&#10;Descrizione generata con affidabilità molto elevata">
+            <a:extLst>
+              <a:ext uri="{FF2B5EF4-FFF2-40B4-BE49-F238E27FC236}">
+                <a16:creationId xmlns:a16="http://schemas.microsoft.com/office/drawing/2014/main" id="{E6613971-225B-46D5-BB5B-7C9248F28BE9}"/>
+              </a:ext>
+            </a:extLst>
+          </p:cNvPr>
+          <p:cNvPicPr>
+            <a:picLocks noChangeAspect="1"/>
+          </p:cNvPicPr>
+          <p:nvPr/>
+        </p:nvPicPr>
+        <p:blipFill>
+          <a:blip r:embed="rId5">
+            <a:extLst>
+              <a:ext uri="{28A0092B-C50C-407E-A947-70E740481C1C}">
+                <a14:useLocalDpi xmlns:a14="http://schemas.microsoft.com/office/drawing/2010/main" val="0"/>
+              </a:ext>
+            </a:extLst>
+          </a:blip>
+          <a:stretch>
+            <a:fillRect/>
+          </a:stretch>
+        </p:blipFill>
+        <p:spPr>
+          <a:xfrm>
+            <a:off x="3944564" y="4457332"/>
+            <a:ext cx="2097505" cy="2097505"/>
+          </a:xfrm>
+          <a:prstGeom prst="rect">
+            <a:avLst/>
+          </a:prstGeom>
+        </p:spPr>
+      </p:pic>
+      <p:pic>
+        <p:nvPicPr>
+          <p:cNvPr id="32" name="Immagine 31" descr="Immagine che contiene oggetto, orologio&#10;&#10;Descrizione generata con affidabilità molto elevata">
+            <a:extLst>
+              <a:ext uri="{FF2B5EF4-FFF2-40B4-BE49-F238E27FC236}">
+                <a16:creationId xmlns:a16="http://schemas.microsoft.com/office/drawing/2014/main" id="{E314F6F6-6D63-4231-8840-8F7383257231}"/>
+              </a:ext>
+            </a:extLst>
+          </p:cNvPr>
+          <p:cNvPicPr>
+            <a:picLocks noChangeAspect="1"/>
+          </p:cNvPicPr>
+          <p:nvPr/>
+        </p:nvPicPr>
+        <p:blipFill>
+          <a:blip r:embed="rId6">
+            <a:extLst>
+              <a:ext uri="{28A0092B-C50C-407E-A947-70E740481C1C}">
+                <a14:useLocalDpi xmlns:a14="http://schemas.microsoft.com/office/drawing/2010/main" val="0"/>
+              </a:ext>
+            </a:extLst>
+          </a:blip>
+          <a:stretch>
+            <a:fillRect/>
+          </a:stretch>
+        </p:blipFill>
+        <p:spPr>
+          <a:xfrm>
+            <a:off x="6625413" y="4457331"/>
+            <a:ext cx="2097505" cy="2097505"/>
+          </a:xfrm>
+          <a:prstGeom prst="rect">
+            <a:avLst/>
+          </a:prstGeom>
+        </p:spPr>
+      </p:pic>
+      <p:pic>
+        <p:nvPicPr>
+          <p:cNvPr id="34" name="Immagine 33" descr="Immagine che contiene oggetto, orologio&#10;&#10;Descrizione generata con affidabilità molto elevata">
+            <a:extLst>
+              <a:ext uri="{FF2B5EF4-FFF2-40B4-BE49-F238E27FC236}">
+                <a16:creationId xmlns:a16="http://schemas.microsoft.com/office/drawing/2014/main" id="{DEC575AA-BACA-4937-B352-DC52C5CDAF89}"/>
+              </a:ext>
+            </a:extLst>
+          </p:cNvPr>
+          <p:cNvPicPr>
+            <a:picLocks noChangeAspect="1"/>
+          </p:cNvPicPr>
+          <p:nvPr/>
+        </p:nvPicPr>
+        <p:blipFill>
+          <a:blip r:embed="rId7">
+            <a:extLst>
+              <a:ext uri="{28A0092B-C50C-407E-A947-70E740481C1C}">
+                <a14:useLocalDpi xmlns:a14="http://schemas.microsoft.com/office/drawing/2010/main" val="0"/>
+              </a:ext>
+            </a:extLst>
+          </a:blip>
+          <a:stretch>
+            <a:fillRect/>
+          </a:stretch>
+        </p:blipFill>
+        <p:spPr>
+          <a:xfrm>
+            <a:off x="1263714" y="4457332"/>
+            <a:ext cx="2097505" cy="2097505"/>
+          </a:xfrm>
+          <a:prstGeom prst="rect">
+            <a:avLst/>
+          </a:prstGeom>
+        </p:spPr>
+      </p:pic>
+    </p:spTree>
+    <p:extLst>
+      <p:ext uri="{BB962C8B-B14F-4D97-AF65-F5344CB8AC3E}">
+        <p14:creationId xmlns:p14="http://schemas.microsoft.com/office/powerpoint/2010/main" val="3943190821"/>
+      </p:ext>
+    </p:extLst>
+  </p:cSld>
+  <p:clrMapOvr>
+    <a:masterClrMapping/>
+  </p:clrMapOvr>
+</p:sld>
+</file>
+
+<file path=ppt/slides/slide19.xml><?xml version="1.0" encoding="utf-8"?>
+<p:sld xmlns:a="http://schemas.openxmlformats.org/drawingml/2006/main" xmlns:r="http://schemas.openxmlformats.org/officeDocument/2006/relationships" xmlns:p="http://schemas.openxmlformats.org/presentationml/2006/main">
+  <p:cSld>
+    <p:bg>
+      <p:bgPr>
+        <a:solidFill>
+          <a:schemeClr val="bg1">
+            <a:lumMod val="85000"/>
+            <a:lumOff val="15000"/>
+          </a:schemeClr>
+        </a:solidFill>
+        <a:effectLst/>
+      </p:bgPr>
+    </p:bg>
+    <p:spTree>
+      <p:nvGrpSpPr>
+        <p:cNvPr id="1" name=""/>
+        <p:cNvGrpSpPr/>
+        <p:nvPr/>
+      </p:nvGrpSpPr>
+      <p:grpSpPr>
+        <a:xfrm>
+          <a:off x="0" y="0"/>
+          <a:ext cx="0" cy="0"/>
+          <a:chOff x="0" y="0"/>
+          <a:chExt cx="0" cy="0"/>
+        </a:xfrm>
+      </p:grpSpPr>
+      <p:sp>
+        <p:nvSpPr>
+          <p:cNvPr id="2" name="Titolo 1">
+            <a:extLst>
+              <a:ext uri="{FF2B5EF4-FFF2-40B4-BE49-F238E27FC236}">
+                <a16:creationId xmlns:a16="http://schemas.microsoft.com/office/drawing/2014/main" id="{70EA4E8E-9991-4768-9335-0FE5E2A5AACA}"/>
+              </a:ext>
+            </a:extLst>
+          </p:cNvPr>
+          <p:cNvSpPr>
+            <a:spLocks noGrp="1"/>
+          </p:cNvSpPr>
+          <p:nvPr>
+            <p:ph type="title"/>
+          </p:nvPr>
+        </p:nvSpPr>
+        <p:spPr/>
+        <p:txBody>
+          <a:bodyPr/>
+          <a:lstStyle/>
+          <a:p>
+            <a:pPr algn="ctr"/>
+            <a:r>
+              <a:rPr lang="en-US" b="1" dirty="0">
+                <a:solidFill>
+                  <a:srgbClr val="6946AE"/>
+                </a:solidFill>
+              </a:rPr>
+              <a:t>Conclusions</a:t>
+            </a:r>
+          </a:p>
+        </p:txBody>
+      </p:sp>
+      <p:sp>
+        <p:nvSpPr>
+          <p:cNvPr id="3" name="Segnaposto contenuto 2">
+            <a:extLst>
+              <a:ext uri="{FF2B5EF4-FFF2-40B4-BE49-F238E27FC236}">
+                <a16:creationId xmlns:a16="http://schemas.microsoft.com/office/drawing/2014/main" id="{11FAC0A7-99B3-48B4-8E71-42429A58787F}"/>
+              </a:ext>
+            </a:extLst>
+          </p:cNvPr>
+          <p:cNvSpPr>
+            <a:spLocks noGrp="1"/>
+          </p:cNvSpPr>
+          <p:nvPr>
+            <p:ph idx="1"/>
+          </p:nvPr>
+        </p:nvSpPr>
+        <p:spPr>
+          <a:xfrm>
+            <a:off x="838200" y="2286000"/>
+            <a:ext cx="10515600" cy="3637722"/>
+          </a:xfrm>
+        </p:spPr>
+        <p:txBody>
+          <a:bodyPr>
+            <a:normAutofit lnSpcReduction="10000"/>
+          </a:bodyPr>
+          <a:lstStyle/>
+          <a:p>
+            <a:pPr marL="0" indent="0" algn="ctr">
+              <a:buNone/>
+            </a:pPr>
+            <a:r>
+              <a:rPr lang="en-US" dirty="0"/>
+              <a:t>The framework is effective in collecting data.</a:t>
+            </a:r>
+          </a:p>
+          <a:p>
+            <a:pPr marL="0" indent="0" algn="ctr">
+              <a:buNone/>
+            </a:pPr>
+            <a:endParaRPr lang="en-US" dirty="0"/>
+          </a:p>
+          <a:p>
+            <a:pPr marL="0" indent="0" algn="ctr">
+              <a:buNone/>
+            </a:pPr>
+            <a:r>
+              <a:rPr lang="en-US" dirty="0"/>
+              <a:t>Graph Theory  allows a new and interesting approach to level design analysis.</a:t>
+            </a:r>
+          </a:p>
+          <a:p>
+            <a:pPr marL="0" indent="0" algn="ctr">
+              <a:buNone/>
+            </a:pPr>
+            <a:endParaRPr lang="en-US" dirty="0"/>
+          </a:p>
+          <a:p>
+            <a:pPr marL="0" indent="0" algn="ctr">
+              <a:buNone/>
+            </a:pPr>
+            <a:r>
+              <a:rPr lang="en-US" dirty="0"/>
+              <a:t>Heuristic placement based on Graph Theory allows to effectively place game elements  considering their features and the topology of the map.</a:t>
+            </a:r>
+          </a:p>
+        </p:txBody>
+      </p:sp>
+    </p:spTree>
+    <p:extLst>
+      <p:ext uri="{BB962C8B-B14F-4D97-AF65-F5344CB8AC3E}">
+        <p14:creationId xmlns:p14="http://schemas.microsoft.com/office/powerpoint/2010/main" val="3095849632"/>
       </p:ext>
     </p:extLst>
   </p:cSld>
@@ -4506,6 +8232,237 @@
     <p:extLst>
       <p:ext uri="{BB962C8B-B14F-4D97-AF65-F5344CB8AC3E}">
         <p14:creationId xmlns:p14="http://schemas.microsoft.com/office/powerpoint/2010/main" val="209797317"/>
+      </p:ext>
+    </p:extLst>
+  </p:cSld>
+  <p:clrMapOvr>
+    <a:masterClrMapping/>
+  </p:clrMapOvr>
+</p:sld>
+</file>
+
+<file path=ppt/slides/slide20.xml><?xml version="1.0" encoding="utf-8"?>
+<p:sld xmlns:a="http://schemas.openxmlformats.org/drawingml/2006/main" xmlns:r="http://schemas.openxmlformats.org/officeDocument/2006/relationships" xmlns:p="http://schemas.openxmlformats.org/presentationml/2006/main">
+  <p:cSld>
+    <p:bg>
+      <p:bgPr>
+        <a:solidFill>
+          <a:schemeClr val="bg1">
+            <a:lumMod val="85000"/>
+            <a:lumOff val="15000"/>
+          </a:schemeClr>
+        </a:solidFill>
+        <a:effectLst/>
+      </p:bgPr>
+    </p:bg>
+    <p:spTree>
+      <p:nvGrpSpPr>
+        <p:cNvPr id="1" name=""/>
+        <p:cNvGrpSpPr/>
+        <p:nvPr/>
+      </p:nvGrpSpPr>
+      <p:grpSpPr>
+        <a:xfrm>
+          <a:off x="0" y="0"/>
+          <a:ext cx="0" cy="0"/>
+          <a:chOff x="0" y="0"/>
+          <a:chExt cx="0" cy="0"/>
+        </a:xfrm>
+      </p:grpSpPr>
+      <p:sp>
+        <p:nvSpPr>
+          <p:cNvPr id="2" name="Titolo 1">
+            <a:extLst>
+              <a:ext uri="{FF2B5EF4-FFF2-40B4-BE49-F238E27FC236}">
+                <a16:creationId xmlns:a16="http://schemas.microsoft.com/office/drawing/2014/main" id="{70EA4E8E-9991-4768-9335-0FE5E2A5AACA}"/>
+              </a:ext>
+            </a:extLst>
+          </p:cNvPr>
+          <p:cNvSpPr>
+            <a:spLocks noGrp="1"/>
+          </p:cNvSpPr>
+          <p:nvPr>
+            <p:ph type="title"/>
+          </p:nvPr>
+        </p:nvSpPr>
+        <p:spPr/>
+        <p:txBody>
+          <a:bodyPr/>
+          <a:lstStyle/>
+          <a:p>
+            <a:pPr algn="ctr"/>
+            <a:r>
+              <a:rPr lang="en-US" b="1" dirty="0">
+                <a:solidFill>
+                  <a:srgbClr val="6946AE"/>
+                </a:solidFill>
+              </a:rPr>
+              <a:t>Future developments</a:t>
+            </a:r>
+          </a:p>
+        </p:txBody>
+      </p:sp>
+      <p:sp>
+        <p:nvSpPr>
+          <p:cNvPr id="3" name="Segnaposto contenuto 2">
+            <a:extLst>
+              <a:ext uri="{FF2B5EF4-FFF2-40B4-BE49-F238E27FC236}">
+                <a16:creationId xmlns:a16="http://schemas.microsoft.com/office/drawing/2014/main" id="{11FAC0A7-99B3-48B4-8E71-42429A58787F}"/>
+              </a:ext>
+            </a:extLst>
+          </p:cNvPr>
+          <p:cNvSpPr>
+            <a:spLocks noGrp="1"/>
+          </p:cNvSpPr>
+          <p:nvPr>
+            <p:ph idx="1"/>
+          </p:nvPr>
+        </p:nvSpPr>
+        <p:spPr>
+          <a:xfrm>
+            <a:off x="838200" y="2632841"/>
+            <a:ext cx="10515600" cy="3290880"/>
+          </a:xfrm>
+        </p:spPr>
+        <p:txBody>
+          <a:bodyPr>
+            <a:normAutofit/>
+          </a:bodyPr>
+          <a:lstStyle/>
+          <a:p>
+            <a:pPr marL="0" indent="0" algn="ctr">
+              <a:buNone/>
+            </a:pPr>
+            <a:r>
+              <a:rPr lang="en-US" dirty="0"/>
+              <a:t>Multiplayer and AI support.</a:t>
+            </a:r>
+          </a:p>
+          <a:p>
+            <a:pPr marL="0" indent="0" algn="ctr">
+              <a:buNone/>
+            </a:pPr>
+            <a:endParaRPr lang="en-US" dirty="0"/>
+          </a:p>
+          <a:p>
+            <a:pPr marL="0" indent="0" algn="ctr">
+              <a:buNone/>
+            </a:pPr>
+            <a:r>
+              <a:rPr lang="en-US" dirty="0"/>
+              <a:t>Heuristics for weapon placement.</a:t>
+            </a:r>
+          </a:p>
+          <a:p>
+            <a:pPr marL="0" indent="0" algn="ctr">
+              <a:buNone/>
+            </a:pPr>
+            <a:endParaRPr lang="en-US" dirty="0"/>
+          </a:p>
+          <a:p>
+            <a:pPr marL="0" indent="0" algn="ctr">
+              <a:buNone/>
+            </a:pPr>
+            <a:r>
+              <a:rPr lang="en-US" dirty="0"/>
+              <a:t>Design pattern analysis.</a:t>
+            </a:r>
+          </a:p>
+          <a:p>
+            <a:pPr marL="0" indent="0" algn="ctr">
+              <a:buNone/>
+            </a:pPr>
+            <a:endParaRPr lang="en-US" dirty="0"/>
+          </a:p>
+          <a:p>
+            <a:pPr marL="0" indent="0" algn="ctr">
+              <a:buNone/>
+            </a:pPr>
+            <a:endParaRPr lang="en-US" dirty="0"/>
+          </a:p>
+        </p:txBody>
+      </p:sp>
+    </p:spTree>
+    <p:extLst>
+      <p:ext uri="{BB962C8B-B14F-4D97-AF65-F5344CB8AC3E}">
+        <p14:creationId xmlns:p14="http://schemas.microsoft.com/office/powerpoint/2010/main" val="3873959738"/>
+      </p:ext>
+    </p:extLst>
+  </p:cSld>
+  <p:clrMapOvr>
+    <a:masterClrMapping/>
+  </p:clrMapOvr>
+</p:sld>
+</file>
+
+<file path=ppt/slides/slide21.xml><?xml version="1.0" encoding="utf-8"?>
+<p:sld xmlns:a="http://schemas.openxmlformats.org/drawingml/2006/main" xmlns:r="http://schemas.openxmlformats.org/officeDocument/2006/relationships" xmlns:p="http://schemas.openxmlformats.org/presentationml/2006/main">
+  <p:cSld>
+    <p:bg>
+      <p:bgPr>
+        <a:solidFill>
+          <a:schemeClr val="bg1">
+            <a:lumMod val="85000"/>
+            <a:lumOff val="15000"/>
+          </a:schemeClr>
+        </a:solidFill>
+        <a:effectLst/>
+      </p:bgPr>
+    </p:bg>
+    <p:spTree>
+      <p:nvGrpSpPr>
+        <p:cNvPr id="1" name=""/>
+        <p:cNvGrpSpPr/>
+        <p:nvPr/>
+      </p:nvGrpSpPr>
+      <p:grpSpPr>
+        <a:xfrm>
+          <a:off x="0" y="0"/>
+          <a:ext cx="0" cy="0"/>
+          <a:chOff x="0" y="0"/>
+          <a:chExt cx="0" cy="0"/>
+        </a:xfrm>
+      </p:grpSpPr>
+      <p:sp>
+        <p:nvSpPr>
+          <p:cNvPr id="2" name="Titolo 1">
+            <a:extLst>
+              <a:ext uri="{FF2B5EF4-FFF2-40B4-BE49-F238E27FC236}">
+                <a16:creationId xmlns:a16="http://schemas.microsoft.com/office/drawing/2014/main" id="{98ECE0EF-0647-46C4-9F78-AE8F80064791}"/>
+              </a:ext>
+            </a:extLst>
+          </p:cNvPr>
+          <p:cNvSpPr>
+            <a:spLocks noGrp="1"/>
+          </p:cNvSpPr>
+          <p:nvPr>
+            <p:ph type="title"/>
+          </p:nvPr>
+        </p:nvSpPr>
+        <p:spPr>
+          <a:xfrm>
+            <a:off x="838200" y="2766218"/>
+            <a:ext cx="10515600" cy="1325563"/>
+          </a:xfrm>
+        </p:spPr>
+        <p:txBody>
+          <a:bodyPr>
+            <a:normAutofit/>
+          </a:bodyPr>
+          <a:lstStyle/>
+          <a:p>
+            <a:pPr algn="ctr"/>
+            <a:r>
+              <a:rPr lang="en-US" sz="5800" b="1" dirty="0"/>
+              <a:t>Thank you for your attention!</a:t>
+            </a:r>
+          </a:p>
+        </p:txBody>
+      </p:sp>
+    </p:spTree>
+    <p:extLst>
+      <p:ext uri="{BB962C8B-B14F-4D97-AF65-F5344CB8AC3E}">
+        <p14:creationId xmlns:p14="http://schemas.microsoft.com/office/powerpoint/2010/main" val="1281305204"/>
       </p:ext>
     </p:extLst>
   </p:cSld>
@@ -4670,41 +8627,30 @@
         </p:nvSpPr>
         <p:spPr>
           <a:xfrm>
-            <a:off x="838200" y="1825625"/>
-            <a:ext cx="10515600" cy="4098097"/>
+            <a:off x="838200" y="2128344"/>
+            <a:ext cx="10515600" cy="3795377"/>
           </a:xfrm>
         </p:spPr>
         <p:txBody>
           <a:bodyPr>
-            <a:normAutofit lnSpcReduction="10000"/>
+            <a:normAutofit/>
           </a:bodyPr>
           <a:lstStyle/>
           <a:p>
-            <a:pPr marL="0" indent="0">
+            <a:pPr marL="0" indent="0" algn="ctr">
               <a:buNone/>
             </a:pPr>
             <a:r>
               <a:rPr lang="en-US" dirty="0"/>
-              <a:t>Two main fields:</a:t>
-            </a:r>
-          </a:p>
-          <a:p>
-            <a:r>
-              <a:rPr lang="en-US" dirty="0"/>
-              <a:t>Formalization of the discipline</a:t>
-            </a:r>
-          </a:p>
-          <a:p>
-            <a:r>
-              <a:rPr lang="en-US" dirty="0"/>
-              <a:t>Support to the design process</a:t>
-            </a:r>
-          </a:p>
-          <a:p>
+              <a:t>Two main fields: formalization of the discipline and support to the design process</a:t>
+            </a:r>
+          </a:p>
+          <a:p>
+            <a:pPr algn="ctr"/>
             <a:endParaRPr lang="en-US" dirty="0"/>
           </a:p>
           <a:p>
-            <a:pPr marL="0" indent="0">
+            <a:pPr marL="0" indent="0" algn="ctr">
               <a:buNone/>
             </a:pPr>
             <a:r>
@@ -4713,13 +8659,13 @@
             </a:r>
           </a:p>
           <a:p>
-            <a:pPr marL="0" indent="0">
+            <a:pPr marL="0" indent="0" algn="ctr">
               <a:buNone/>
             </a:pPr>
             <a:endParaRPr lang="en-US" dirty="0"/>
           </a:p>
           <a:p>
-            <a:pPr marL="0" indent="0">
+            <a:pPr marL="0" indent="0" algn="ctr">
               <a:buNone/>
             </a:pPr>
             <a:r>
@@ -4827,8 +8773,8 @@
         </p:nvSpPr>
         <p:spPr>
           <a:xfrm>
-            <a:off x="838200" y="2523743"/>
-            <a:ext cx="10515600" cy="3399979"/>
+            <a:off x="838200" y="2605547"/>
+            <a:ext cx="10515600" cy="3318175"/>
           </a:xfrm>
         </p:spPr>
         <p:txBody>

--- a/Presentation/An Online Framework for User-Based Analysis of Maps in First Person Shooters.pptx
+++ b/Presentation/An Online Framework for User-Based Analysis of Maps in First Person Shooters.pptx
@@ -292,7 +292,7 @@
           <a:p>
             <a:fld id="{5F76D81D-3FF9-41F0-AB11-400DB62E379A}" type="datetimeFigureOut">
               <a:rPr lang="it-IT" smtClean="0"/>
-              <a:t>11/04/2018</a:t>
+              <a:t>12/04/2018</a:t>
             </a:fld>
             <a:endParaRPr lang="it-IT"/>
           </a:p>
@@ -462,7 +462,7 @@
           <a:p>
             <a:fld id="{5F76D81D-3FF9-41F0-AB11-400DB62E379A}" type="datetimeFigureOut">
               <a:rPr lang="it-IT" smtClean="0"/>
-              <a:t>11/04/2018</a:t>
+              <a:t>12/04/2018</a:t>
             </a:fld>
             <a:endParaRPr lang="it-IT"/>
           </a:p>
@@ -642,7 +642,7 @@
           <a:p>
             <a:fld id="{5F76D81D-3FF9-41F0-AB11-400DB62E379A}" type="datetimeFigureOut">
               <a:rPr lang="it-IT" smtClean="0"/>
-              <a:t>11/04/2018</a:t>
+              <a:t>12/04/2018</a:t>
             </a:fld>
             <a:endParaRPr lang="it-IT"/>
           </a:p>
@@ -812,7 +812,7 @@
           <a:p>
             <a:fld id="{5F76D81D-3FF9-41F0-AB11-400DB62E379A}" type="datetimeFigureOut">
               <a:rPr lang="it-IT" smtClean="0"/>
-              <a:t>11/04/2018</a:t>
+              <a:t>12/04/2018</a:t>
             </a:fld>
             <a:endParaRPr lang="it-IT"/>
           </a:p>
@@ -1058,7 +1058,7 @@
           <a:p>
             <a:fld id="{5F76D81D-3FF9-41F0-AB11-400DB62E379A}" type="datetimeFigureOut">
               <a:rPr lang="it-IT" smtClean="0"/>
-              <a:t>11/04/2018</a:t>
+              <a:t>12/04/2018</a:t>
             </a:fld>
             <a:endParaRPr lang="it-IT"/>
           </a:p>
@@ -1290,7 +1290,7 @@
           <a:p>
             <a:fld id="{5F76D81D-3FF9-41F0-AB11-400DB62E379A}" type="datetimeFigureOut">
               <a:rPr lang="it-IT" smtClean="0"/>
-              <a:t>11/04/2018</a:t>
+              <a:t>12/04/2018</a:t>
             </a:fld>
             <a:endParaRPr lang="it-IT"/>
           </a:p>
@@ -1657,7 +1657,7 @@
           <a:p>
             <a:fld id="{5F76D81D-3FF9-41F0-AB11-400DB62E379A}" type="datetimeFigureOut">
               <a:rPr lang="it-IT" smtClean="0"/>
-              <a:t>11/04/2018</a:t>
+              <a:t>12/04/2018</a:t>
             </a:fld>
             <a:endParaRPr lang="it-IT"/>
           </a:p>
@@ -1775,7 +1775,7 @@
           <a:p>
             <a:fld id="{5F76D81D-3FF9-41F0-AB11-400DB62E379A}" type="datetimeFigureOut">
               <a:rPr lang="it-IT" smtClean="0"/>
-              <a:t>11/04/2018</a:t>
+              <a:t>12/04/2018</a:t>
             </a:fld>
             <a:endParaRPr lang="it-IT"/>
           </a:p>
@@ -1870,7 +1870,7 @@
           <a:p>
             <a:fld id="{5F76D81D-3FF9-41F0-AB11-400DB62E379A}" type="datetimeFigureOut">
               <a:rPr lang="it-IT" smtClean="0"/>
-              <a:t>11/04/2018</a:t>
+              <a:t>12/04/2018</a:t>
             </a:fld>
             <a:endParaRPr lang="it-IT"/>
           </a:p>
@@ -2147,7 +2147,7 @@
           <a:p>
             <a:fld id="{5F76D81D-3FF9-41F0-AB11-400DB62E379A}" type="datetimeFigureOut">
               <a:rPr lang="it-IT" smtClean="0"/>
-              <a:t>11/04/2018</a:t>
+              <a:t>12/04/2018</a:t>
             </a:fld>
             <a:endParaRPr lang="it-IT"/>
           </a:p>
@@ -2404,7 +2404,7 @@
           <a:p>
             <a:fld id="{5F76D81D-3FF9-41F0-AB11-400DB62E379A}" type="datetimeFigureOut">
               <a:rPr lang="it-IT" smtClean="0"/>
-              <a:t>11/04/2018</a:t>
+              <a:t>12/04/2018</a:t>
             </a:fld>
             <a:endParaRPr lang="it-IT"/>
           </a:p>
@@ -2617,7 +2617,7 @@
           <a:p>
             <a:fld id="{5F76D81D-3FF9-41F0-AB11-400DB62E379A}" type="datetimeFigureOut">
               <a:rPr lang="it-IT" smtClean="0"/>
-              <a:t>11/04/2018</a:t>
+              <a:t>12/04/2018</a:t>
             </a:fld>
             <a:endParaRPr lang="it-IT"/>
           </a:p>
@@ -4463,8 +4463,8 @@
           </a:p>
         </p:txBody>
       </p:sp>
-      <mc:AlternateContent xmlns:mc="http://schemas.openxmlformats.org/markup-compatibility/2006">
-        <mc:Choice xmlns:a14="http://schemas.microsoft.com/office/drawing/2010/main" Requires="a14">
+      <mc:AlternateContent xmlns:mc="http://schemas.openxmlformats.org/markup-compatibility/2006" xmlns:a14="http://schemas.microsoft.com/office/drawing/2010/main">
+        <mc:Choice Requires="a14">
           <p:sp>
             <p:nvSpPr>
               <p:cNvPr id="15" name="Segnaposto contenuto 14">
@@ -5228,14 +5228,7 @@
                                   <a:latin typeface="Cambria Math" panose="02040503050406030204" pitchFamily="18" charset="0"/>
                                   <a:ea typeface="Cambria Math" panose="02040503050406030204" pitchFamily="18" charset="0"/>
                                 </a:rPr>
-                                <m:t>))</m:t>
-                              </m:r>
-                              <m:r>
-                                <a:rPr lang="it-IT" i="1">
-                                  <a:latin typeface="Cambria Math" panose="02040503050406030204" pitchFamily="18" charset="0"/>
-                                  <a:ea typeface="Cambria Math" panose="02040503050406030204" pitchFamily="18" charset="0"/>
-                                </a:rPr>
-                                <m:t>)</m:t>
+                                <m:t>)))</m:t>
                               </m:r>
                             </m:e>
                           </m:func>
@@ -5261,7 +5254,7 @@
             </p:txBody>
           </p:sp>
         </mc:Choice>
-        <mc:Fallback>
+        <mc:Fallback xmlns="">
           <p:sp>
             <p:nvSpPr>
               <p:cNvPr id="15" name="Segnaposto contenuto 14">
@@ -5315,11 +5308,11 @@
   <p:clrMapOvr>
     <a:masterClrMapping/>
   </p:clrMapOvr>
-  <mc:AlternateContent xmlns:mc="http://schemas.openxmlformats.org/markup-compatibility/2006">
-    <mc:Choice xmlns:p14="http://schemas.microsoft.com/office/powerpoint/2010/main" Requires="p14">
+  <mc:AlternateContent xmlns:mc="http://schemas.openxmlformats.org/markup-compatibility/2006" xmlns:p14="http://schemas.microsoft.com/office/powerpoint/2010/main">
+    <mc:Choice Requires="p14">
       <p:transition p14:dur="10"/>
     </mc:Choice>
-    <mc:Fallback>
+    <mc:Fallback xmlns="">
       <p:transition/>
     </mc:Fallback>
   </mc:AlternateContent>
@@ -6749,8 +6742,8 @@
           </a:prstGeom>
         </p:spPr>
       </p:pic>
-      <mc:AlternateContent xmlns:mc="http://schemas.openxmlformats.org/markup-compatibility/2006">
-        <mc:Choice xmlns:a14="http://schemas.microsoft.com/office/drawing/2010/main" Requires="a14">
+      <mc:AlternateContent xmlns:mc="http://schemas.openxmlformats.org/markup-compatibility/2006" xmlns:a14="http://schemas.microsoft.com/office/drawing/2010/main">
+        <mc:Choice Requires="a14">
           <p:sp>
             <p:nvSpPr>
               <p:cNvPr id="15" name="CasellaDiTesto 14">
@@ -7121,7 +7114,7 @@
             </p:txBody>
           </p:sp>
         </mc:Choice>
-        <mc:Fallback>
+        <mc:Fallback xmlns="">
           <p:sp>
             <p:nvSpPr>
               <p:cNvPr id="15" name="CasellaDiTesto 14">
@@ -7918,7 +7911,7 @@
             </a:pPr>
             <a:r>
               <a:rPr lang="en-US" dirty="0"/>
-              <a:t>Graph Theory  allows a new and interesting approach to level design analysis.</a:t>
+              <a:t>Graph Theory  allows a new and interesting approach to Level Design analysis.</a:t>
             </a:r>
           </a:p>
           <a:p>
@@ -8002,52 +7995,12 @@
           <a:p>
             <a:pPr algn="ctr"/>
             <a:r>
-              <a:rPr lang="en-US" b="1" dirty="0">
-                <a:solidFill>
-                  <a:srgbClr val="6946AE"/>
-                </a:solidFill>
-              </a:rPr>
-              <a:t>What</a:t>
-            </a:r>
-            <a:r>
               <a:rPr lang="it-IT" b="1" dirty="0">
                 <a:solidFill>
                   <a:srgbClr val="6946AE"/>
                 </a:solidFill>
               </a:rPr>
-              <a:t> </a:t>
-            </a:r>
-            <a:r>
-              <a:rPr lang="en-US" b="1" dirty="0">
-                <a:solidFill>
-                  <a:srgbClr val="6946AE"/>
-                </a:solidFill>
-              </a:rPr>
-              <a:t>makes</a:t>
-            </a:r>
-            <a:r>
-              <a:rPr lang="it-IT" b="1" dirty="0">
-                <a:solidFill>
-                  <a:srgbClr val="6946AE"/>
-                </a:solidFill>
-              </a:rPr>
-              <a:t> a video game </a:t>
-            </a:r>
-            <a:r>
-              <a:rPr lang="en-US" b="1" dirty="0">
-                <a:solidFill>
-                  <a:srgbClr val="6946AE"/>
-                </a:solidFill>
-              </a:rPr>
-              <a:t>good</a:t>
-            </a:r>
-            <a:r>
-              <a:rPr lang="it-IT" b="1" dirty="0">
-                <a:solidFill>
-                  <a:srgbClr val="6946AE"/>
-                </a:solidFill>
-              </a:rPr>
-              <a:t>?</a:t>
+              <a:t>Level Design</a:t>
             </a:r>
           </a:p>
         </p:txBody>
@@ -8084,20 +8037,16 @@
               <a:buNone/>
             </a:pPr>
             <a:r>
+              <a:rPr lang="it-IT" dirty="0"/>
+              <a:t>Video games are </a:t>
+            </a:r>
+            <a:r>
               <a:rPr lang="en-US" dirty="0"/>
-              <a:t>Visuals</a:t>
+              <a:t>interactive</a:t>
             </a:r>
             <a:r>
               <a:rPr lang="it-IT" dirty="0"/>
-              <a:t>, narrative and </a:t>
-            </a:r>
-            <a:r>
-              <a:rPr lang="en-US" dirty="0"/>
-              <a:t>gameplay</a:t>
-            </a:r>
-            <a:r>
-              <a:rPr lang="it-IT" dirty="0"/>
-              <a:t>.</a:t>
+              <a:t> products.</a:t>
             </a:r>
           </a:p>
           <a:p>

--- a/Presentation/An Online Framework for User-Based Analysis of Maps in First Person Shooters.pptx
+++ b/Presentation/An Online Framework for User-Based Analysis of Maps in First Person Shooters.pptx
@@ -4,20 +4,23 @@
   <p:sldMasterIdLst>
     <p:sldMasterId id="2147483744" r:id="rId1"/>
   </p:sldMasterIdLst>
+  <p:notesMasterIdLst>
+    <p:notesMasterId r:id="rId23"/>
+  </p:notesMasterIdLst>
   <p:sldIdLst>
     <p:sldId id="256" r:id="rId2"/>
     <p:sldId id="257" r:id="rId3"/>
     <p:sldId id="258" r:id="rId4"/>
     <p:sldId id="259" r:id="rId5"/>
-    <p:sldId id="260" r:id="rId6"/>
-    <p:sldId id="261" r:id="rId7"/>
-    <p:sldId id="262" r:id="rId8"/>
-    <p:sldId id="264" r:id="rId9"/>
-    <p:sldId id="266" r:id="rId10"/>
-    <p:sldId id="267" r:id="rId11"/>
-    <p:sldId id="268" r:id="rId12"/>
-    <p:sldId id="271" r:id="rId13"/>
-    <p:sldId id="270" r:id="rId14"/>
+    <p:sldId id="282" r:id="rId6"/>
+    <p:sldId id="284" r:id="rId7"/>
+    <p:sldId id="261" r:id="rId8"/>
+    <p:sldId id="262" r:id="rId9"/>
+    <p:sldId id="264" r:id="rId10"/>
+    <p:sldId id="266" r:id="rId11"/>
+    <p:sldId id="267" r:id="rId12"/>
+    <p:sldId id="268" r:id="rId13"/>
+    <p:sldId id="271" r:id="rId14"/>
     <p:sldId id="272" r:id="rId15"/>
     <p:sldId id="273" r:id="rId16"/>
     <p:sldId id="274" r:id="rId17"/>
@@ -133,7 +136,8 @@
             <p14:sldId id="257"/>
             <p14:sldId id="258"/>
             <p14:sldId id="259"/>
-            <p14:sldId id="260"/>
+            <p14:sldId id="282"/>
+            <p14:sldId id="284"/>
             <p14:sldId id="261"/>
             <p14:sldId id="262"/>
             <p14:sldId id="264"/>
@@ -141,7 +145,6 @@
             <p14:sldId id="267"/>
             <p14:sldId id="268"/>
             <p14:sldId id="271"/>
-            <p14:sldId id="270"/>
             <p14:sldId id="272"/>
             <p14:sldId id="273"/>
             <p14:sldId id="274"/>
@@ -159,6 +162,1801 @@
     </p:ext>
   </p:extLst>
 </p:presentation>
+</file>
+
+<file path=ppt/notesMasters/notesMaster1.xml><?xml version="1.0" encoding="utf-8"?>
+<p:notesMaster xmlns:a="http://schemas.openxmlformats.org/drawingml/2006/main" xmlns:r="http://schemas.openxmlformats.org/officeDocument/2006/relationships" xmlns:p="http://schemas.openxmlformats.org/presentationml/2006/main">
+  <p:cSld>
+    <p:bg>
+      <p:bgRef idx="1001">
+        <a:schemeClr val="bg1"/>
+      </p:bgRef>
+    </p:bg>
+    <p:spTree>
+      <p:nvGrpSpPr>
+        <p:cNvPr id="1" name=""/>
+        <p:cNvGrpSpPr/>
+        <p:nvPr/>
+      </p:nvGrpSpPr>
+      <p:grpSpPr>
+        <a:xfrm>
+          <a:off x="0" y="0"/>
+          <a:ext cx="0" cy="0"/>
+          <a:chOff x="0" y="0"/>
+          <a:chExt cx="0" cy="0"/>
+        </a:xfrm>
+      </p:grpSpPr>
+      <p:sp>
+        <p:nvSpPr>
+          <p:cNvPr id="2" name="Segnaposto intestazione 1"/>
+          <p:cNvSpPr>
+            <a:spLocks noGrp="1"/>
+          </p:cNvSpPr>
+          <p:nvPr>
+            <p:ph type="hdr" sz="quarter"/>
+          </p:nvPr>
+        </p:nvSpPr>
+        <p:spPr>
+          <a:xfrm>
+            <a:off x="0" y="0"/>
+            <a:ext cx="2971800" cy="458788"/>
+          </a:xfrm>
+          <a:prstGeom prst="rect">
+            <a:avLst/>
+          </a:prstGeom>
+        </p:spPr>
+        <p:txBody>
+          <a:bodyPr vert="horz" lIns="91440" tIns="45720" rIns="91440" bIns="45720" rtlCol="0"/>
+          <a:lstStyle>
+            <a:lvl1pPr algn="l">
+              <a:defRPr sz="1200"/>
+            </a:lvl1pPr>
+          </a:lstStyle>
+          <a:p>
+            <a:endParaRPr lang="en-US"/>
+          </a:p>
+        </p:txBody>
+      </p:sp>
+      <p:sp>
+        <p:nvSpPr>
+          <p:cNvPr id="3" name="Segnaposto data 2"/>
+          <p:cNvSpPr>
+            <a:spLocks noGrp="1"/>
+          </p:cNvSpPr>
+          <p:nvPr>
+            <p:ph type="dt" idx="1"/>
+          </p:nvPr>
+        </p:nvSpPr>
+        <p:spPr>
+          <a:xfrm>
+            <a:off x="3884613" y="0"/>
+            <a:ext cx="2971800" cy="458788"/>
+          </a:xfrm>
+          <a:prstGeom prst="rect">
+            <a:avLst/>
+          </a:prstGeom>
+        </p:spPr>
+        <p:txBody>
+          <a:bodyPr vert="horz" lIns="91440" tIns="45720" rIns="91440" bIns="45720" rtlCol="0"/>
+          <a:lstStyle>
+            <a:lvl1pPr algn="r">
+              <a:defRPr sz="1200"/>
+            </a:lvl1pPr>
+          </a:lstStyle>
+          <a:p>
+            <a:fld id="{64B299D4-7916-499C-93E8-778D6020E6CB}" type="datetimeFigureOut">
+              <a:rPr lang="en-US" smtClean="0"/>
+              <a:t>4/14/2018</a:t>
+            </a:fld>
+            <a:endParaRPr lang="en-US"/>
+          </a:p>
+        </p:txBody>
+      </p:sp>
+      <p:sp>
+        <p:nvSpPr>
+          <p:cNvPr id="4" name="Segnaposto immagine diapositiva 3"/>
+          <p:cNvSpPr>
+            <a:spLocks noGrp="1" noRot="1" noChangeAspect="1"/>
+          </p:cNvSpPr>
+          <p:nvPr>
+            <p:ph type="sldImg" idx="2"/>
+          </p:nvPr>
+        </p:nvSpPr>
+        <p:spPr>
+          <a:xfrm>
+            <a:off x="685800" y="1143000"/>
+            <a:ext cx="5486400" cy="3086100"/>
+          </a:xfrm>
+          <a:prstGeom prst="rect">
+            <a:avLst/>
+          </a:prstGeom>
+          <a:noFill/>
+          <a:ln w="12700">
+            <a:solidFill>
+              <a:prstClr val="black"/>
+            </a:solidFill>
+          </a:ln>
+        </p:spPr>
+        <p:txBody>
+          <a:bodyPr vert="horz" lIns="91440" tIns="45720" rIns="91440" bIns="45720" rtlCol="0" anchor="ctr"/>
+          <a:lstStyle/>
+          <a:p>
+            <a:endParaRPr lang="en-US"/>
+          </a:p>
+        </p:txBody>
+      </p:sp>
+      <p:sp>
+        <p:nvSpPr>
+          <p:cNvPr id="5" name="Segnaposto note 4"/>
+          <p:cNvSpPr>
+            <a:spLocks noGrp="1"/>
+          </p:cNvSpPr>
+          <p:nvPr>
+            <p:ph type="body" sz="quarter" idx="3"/>
+          </p:nvPr>
+        </p:nvSpPr>
+        <p:spPr>
+          <a:xfrm>
+            <a:off x="685800" y="4400550"/>
+            <a:ext cx="5486400" cy="3600450"/>
+          </a:xfrm>
+          <a:prstGeom prst="rect">
+            <a:avLst/>
+          </a:prstGeom>
+        </p:spPr>
+        <p:txBody>
+          <a:bodyPr vert="horz" lIns="91440" tIns="45720" rIns="91440" bIns="45720" rtlCol="0"/>
+          <a:lstStyle/>
+          <a:p>
+            <a:pPr lvl="0"/>
+            <a:r>
+              <a:rPr lang="it-IT"/>
+              <a:t>Modifica gli stili del testo dello schema</a:t>
+            </a:r>
+          </a:p>
+          <a:p>
+            <a:pPr lvl="1"/>
+            <a:r>
+              <a:rPr lang="it-IT"/>
+              <a:t>Secondo livello</a:t>
+            </a:r>
+          </a:p>
+          <a:p>
+            <a:pPr lvl="2"/>
+            <a:r>
+              <a:rPr lang="it-IT"/>
+              <a:t>Terzo livello</a:t>
+            </a:r>
+          </a:p>
+          <a:p>
+            <a:pPr lvl="3"/>
+            <a:r>
+              <a:rPr lang="it-IT"/>
+              <a:t>Quarto livello</a:t>
+            </a:r>
+          </a:p>
+          <a:p>
+            <a:pPr lvl="4"/>
+            <a:r>
+              <a:rPr lang="it-IT"/>
+              <a:t>Quinto livello</a:t>
+            </a:r>
+            <a:endParaRPr lang="en-US"/>
+          </a:p>
+        </p:txBody>
+      </p:sp>
+      <p:sp>
+        <p:nvSpPr>
+          <p:cNvPr id="6" name="Segnaposto piè di pagina 5"/>
+          <p:cNvSpPr>
+            <a:spLocks noGrp="1"/>
+          </p:cNvSpPr>
+          <p:nvPr>
+            <p:ph type="ftr" sz="quarter" idx="4"/>
+          </p:nvPr>
+        </p:nvSpPr>
+        <p:spPr>
+          <a:xfrm>
+            <a:off x="0" y="8685213"/>
+            <a:ext cx="2971800" cy="458787"/>
+          </a:xfrm>
+          <a:prstGeom prst="rect">
+            <a:avLst/>
+          </a:prstGeom>
+        </p:spPr>
+        <p:txBody>
+          <a:bodyPr vert="horz" lIns="91440" tIns="45720" rIns="91440" bIns="45720" rtlCol="0" anchor="b"/>
+          <a:lstStyle>
+            <a:lvl1pPr algn="l">
+              <a:defRPr sz="1200"/>
+            </a:lvl1pPr>
+          </a:lstStyle>
+          <a:p>
+            <a:endParaRPr lang="en-US"/>
+          </a:p>
+        </p:txBody>
+      </p:sp>
+      <p:sp>
+        <p:nvSpPr>
+          <p:cNvPr id="7" name="Segnaposto numero diapositiva 6"/>
+          <p:cNvSpPr>
+            <a:spLocks noGrp="1"/>
+          </p:cNvSpPr>
+          <p:nvPr>
+            <p:ph type="sldNum" sz="quarter" idx="5"/>
+          </p:nvPr>
+        </p:nvSpPr>
+        <p:spPr>
+          <a:xfrm>
+            <a:off x="3884613" y="8685213"/>
+            <a:ext cx="2971800" cy="458787"/>
+          </a:xfrm>
+          <a:prstGeom prst="rect">
+            <a:avLst/>
+          </a:prstGeom>
+        </p:spPr>
+        <p:txBody>
+          <a:bodyPr vert="horz" lIns="91440" tIns="45720" rIns="91440" bIns="45720" rtlCol="0" anchor="b"/>
+          <a:lstStyle>
+            <a:lvl1pPr algn="r">
+              <a:defRPr sz="1200"/>
+            </a:lvl1pPr>
+          </a:lstStyle>
+          <a:p>
+            <a:fld id="{F175F7AF-20DA-47B4-85AF-7E82E732B5D2}" type="slidenum">
+              <a:rPr lang="en-US" smtClean="0"/>
+              <a:t>‹N›</a:t>
+            </a:fld>
+            <a:endParaRPr lang="en-US"/>
+          </a:p>
+        </p:txBody>
+      </p:sp>
+    </p:spTree>
+    <p:extLst>
+      <p:ext uri="{BB962C8B-B14F-4D97-AF65-F5344CB8AC3E}">
+        <p14:creationId xmlns:p14="http://schemas.microsoft.com/office/powerpoint/2010/main" val="2559280897"/>
+      </p:ext>
+    </p:extLst>
+  </p:cSld>
+  <p:clrMap bg1="lt1" tx1="dk1" bg2="lt2" tx2="dk2" accent1="accent1" accent2="accent2" accent3="accent3" accent4="accent4" accent5="accent5" accent6="accent6" hlink="hlink" folHlink="folHlink"/>
+  <p:notesStyle>
+    <a:lvl1pPr marL="0" algn="l" defTabSz="914400" rtl="0" eaLnBrk="1" latinLnBrk="0" hangingPunct="1">
+      <a:defRPr sz="1200" kern="1200">
+        <a:solidFill>
+          <a:schemeClr val="tx1"/>
+        </a:solidFill>
+        <a:latin typeface="+mn-lt"/>
+        <a:ea typeface="+mn-ea"/>
+        <a:cs typeface="+mn-cs"/>
+      </a:defRPr>
+    </a:lvl1pPr>
+    <a:lvl2pPr marL="457200" algn="l" defTabSz="914400" rtl="0" eaLnBrk="1" latinLnBrk="0" hangingPunct="1">
+      <a:defRPr sz="1200" kern="1200">
+        <a:solidFill>
+          <a:schemeClr val="tx1"/>
+        </a:solidFill>
+        <a:latin typeface="+mn-lt"/>
+        <a:ea typeface="+mn-ea"/>
+        <a:cs typeface="+mn-cs"/>
+      </a:defRPr>
+    </a:lvl2pPr>
+    <a:lvl3pPr marL="914400" algn="l" defTabSz="914400" rtl="0" eaLnBrk="1" latinLnBrk="0" hangingPunct="1">
+      <a:defRPr sz="1200" kern="1200">
+        <a:solidFill>
+          <a:schemeClr val="tx1"/>
+        </a:solidFill>
+        <a:latin typeface="+mn-lt"/>
+        <a:ea typeface="+mn-ea"/>
+        <a:cs typeface="+mn-cs"/>
+      </a:defRPr>
+    </a:lvl3pPr>
+    <a:lvl4pPr marL="1371600" algn="l" defTabSz="914400" rtl="0" eaLnBrk="1" latinLnBrk="0" hangingPunct="1">
+      <a:defRPr sz="1200" kern="1200">
+        <a:solidFill>
+          <a:schemeClr val="tx1"/>
+        </a:solidFill>
+        <a:latin typeface="+mn-lt"/>
+        <a:ea typeface="+mn-ea"/>
+        <a:cs typeface="+mn-cs"/>
+      </a:defRPr>
+    </a:lvl4pPr>
+    <a:lvl5pPr marL="1828800" algn="l" defTabSz="914400" rtl="0" eaLnBrk="1" latinLnBrk="0" hangingPunct="1">
+      <a:defRPr sz="1200" kern="1200">
+        <a:solidFill>
+          <a:schemeClr val="tx1"/>
+        </a:solidFill>
+        <a:latin typeface="+mn-lt"/>
+        <a:ea typeface="+mn-ea"/>
+        <a:cs typeface="+mn-cs"/>
+      </a:defRPr>
+    </a:lvl5pPr>
+    <a:lvl6pPr marL="2286000" algn="l" defTabSz="914400" rtl="0" eaLnBrk="1" latinLnBrk="0" hangingPunct="1">
+      <a:defRPr sz="1200" kern="1200">
+        <a:solidFill>
+          <a:schemeClr val="tx1"/>
+        </a:solidFill>
+        <a:latin typeface="+mn-lt"/>
+        <a:ea typeface="+mn-ea"/>
+        <a:cs typeface="+mn-cs"/>
+      </a:defRPr>
+    </a:lvl6pPr>
+    <a:lvl7pPr marL="2743200" algn="l" defTabSz="914400" rtl="0" eaLnBrk="1" latinLnBrk="0" hangingPunct="1">
+      <a:defRPr sz="1200" kern="1200">
+        <a:solidFill>
+          <a:schemeClr val="tx1"/>
+        </a:solidFill>
+        <a:latin typeface="+mn-lt"/>
+        <a:ea typeface="+mn-ea"/>
+        <a:cs typeface="+mn-cs"/>
+      </a:defRPr>
+    </a:lvl7pPr>
+    <a:lvl8pPr marL="3200400" algn="l" defTabSz="914400" rtl="0" eaLnBrk="1" latinLnBrk="0" hangingPunct="1">
+      <a:defRPr sz="1200" kern="1200">
+        <a:solidFill>
+          <a:schemeClr val="tx1"/>
+        </a:solidFill>
+        <a:latin typeface="+mn-lt"/>
+        <a:ea typeface="+mn-ea"/>
+        <a:cs typeface="+mn-cs"/>
+      </a:defRPr>
+    </a:lvl8pPr>
+    <a:lvl9pPr marL="3657600" algn="l" defTabSz="914400" rtl="0" eaLnBrk="1" latinLnBrk="0" hangingPunct="1">
+      <a:defRPr sz="1200" kern="1200">
+        <a:solidFill>
+          <a:schemeClr val="tx1"/>
+        </a:solidFill>
+        <a:latin typeface="+mn-lt"/>
+        <a:ea typeface="+mn-ea"/>
+        <a:cs typeface="+mn-cs"/>
+      </a:defRPr>
+    </a:lvl9pPr>
+  </p:notesStyle>
+</p:notesMaster>
+</file>
+
+<file path=ppt/notesSlides/notesSlide1.xml><?xml version="1.0" encoding="utf-8"?>
+<p:notes xmlns:a="http://schemas.openxmlformats.org/drawingml/2006/main" xmlns:r="http://schemas.openxmlformats.org/officeDocument/2006/relationships" xmlns:p="http://schemas.openxmlformats.org/presentationml/2006/main">
+  <p:cSld>
+    <p:spTree>
+      <p:nvGrpSpPr>
+        <p:cNvPr id="1" name=""/>
+        <p:cNvGrpSpPr/>
+        <p:nvPr/>
+      </p:nvGrpSpPr>
+      <p:grpSpPr>
+        <a:xfrm>
+          <a:off x="0" y="0"/>
+          <a:ext cx="0" cy="0"/>
+          <a:chOff x="0" y="0"/>
+          <a:chExt cx="0" cy="0"/>
+        </a:xfrm>
+      </p:grpSpPr>
+      <p:sp>
+        <p:nvSpPr>
+          <p:cNvPr id="2" name="Segnaposto immagine diapositiva 1"/>
+          <p:cNvSpPr>
+            <a:spLocks noGrp="1" noRot="1" noChangeAspect="1"/>
+          </p:cNvSpPr>
+          <p:nvPr>
+            <p:ph type="sldImg"/>
+          </p:nvPr>
+        </p:nvSpPr>
+        <p:spPr/>
+      </p:sp>
+      <p:sp>
+        <p:nvSpPr>
+          <p:cNvPr id="3" name="Segnaposto note 2"/>
+          <p:cNvSpPr>
+            <a:spLocks noGrp="1"/>
+          </p:cNvSpPr>
+          <p:nvPr>
+            <p:ph type="body" idx="1"/>
+          </p:nvPr>
+        </p:nvSpPr>
+        <p:spPr/>
+        <p:txBody>
+          <a:bodyPr/>
+          <a:lstStyle/>
+          <a:p>
+            <a:r>
+              <a:rPr lang="en-US" dirty="0"/>
+              <a:t>Memorize the introduction to thesis. Something like: “Buongiorno, </a:t>
+            </a:r>
+            <a:r>
+              <a:rPr lang="en-US" dirty="0" err="1"/>
+              <a:t>sono</a:t>
+            </a:r>
+            <a:r>
+              <a:rPr lang="en-US" dirty="0"/>
+              <a:t> Marco Ballabio e vi </a:t>
+            </a:r>
+            <a:r>
+              <a:rPr lang="en-US" dirty="0" err="1"/>
+              <a:t>presento</a:t>
+            </a:r>
+            <a:r>
+              <a:rPr lang="en-US" dirty="0"/>
+              <a:t> </a:t>
+            </a:r>
+            <a:r>
+              <a:rPr lang="en-US" dirty="0" err="1"/>
+              <a:t>il</a:t>
+            </a:r>
+            <a:r>
+              <a:rPr lang="en-US" dirty="0"/>
+              <a:t> </a:t>
+            </a:r>
+            <a:r>
+              <a:rPr lang="en-US" dirty="0" err="1"/>
+              <a:t>mio</a:t>
+            </a:r>
+            <a:r>
+              <a:rPr lang="en-US" dirty="0"/>
+              <a:t> </a:t>
+            </a:r>
+            <a:r>
+              <a:rPr lang="en-US" dirty="0" err="1"/>
+              <a:t>lavoro</a:t>
+            </a:r>
+            <a:r>
+              <a:rPr lang="en-US" dirty="0"/>
+              <a:t> di </a:t>
+            </a:r>
+            <a:r>
+              <a:rPr lang="en-US" dirty="0" err="1"/>
+              <a:t>tesi</a:t>
+            </a:r>
+            <a:r>
+              <a:rPr lang="en-US" dirty="0"/>
+              <a:t>”.</a:t>
+            </a:r>
+          </a:p>
+        </p:txBody>
+      </p:sp>
+      <p:sp>
+        <p:nvSpPr>
+          <p:cNvPr id="4" name="Segnaposto numero diapositiva 3"/>
+          <p:cNvSpPr>
+            <a:spLocks noGrp="1"/>
+          </p:cNvSpPr>
+          <p:nvPr>
+            <p:ph type="sldNum" sz="quarter" idx="10"/>
+          </p:nvPr>
+        </p:nvSpPr>
+        <p:spPr/>
+        <p:txBody>
+          <a:bodyPr/>
+          <a:lstStyle/>
+          <a:p>
+            <a:fld id="{F175F7AF-20DA-47B4-85AF-7E82E732B5D2}" type="slidenum">
+              <a:rPr lang="en-US" smtClean="0"/>
+              <a:t>1</a:t>
+            </a:fld>
+            <a:endParaRPr lang="en-US"/>
+          </a:p>
+        </p:txBody>
+      </p:sp>
+    </p:spTree>
+    <p:extLst>
+      <p:ext uri="{BB962C8B-B14F-4D97-AF65-F5344CB8AC3E}">
+        <p14:creationId xmlns:p14="http://schemas.microsoft.com/office/powerpoint/2010/main" val="294816849"/>
+      </p:ext>
+    </p:extLst>
+  </p:cSld>
+  <p:clrMapOvr>
+    <a:masterClrMapping/>
+  </p:clrMapOvr>
+</p:notes>
+</file>
+
+<file path=ppt/notesSlides/notesSlide2.xml><?xml version="1.0" encoding="utf-8"?>
+<p:notes xmlns:a="http://schemas.openxmlformats.org/drawingml/2006/main" xmlns:r="http://schemas.openxmlformats.org/officeDocument/2006/relationships" xmlns:p="http://schemas.openxmlformats.org/presentationml/2006/main">
+  <p:cSld>
+    <p:spTree>
+      <p:nvGrpSpPr>
+        <p:cNvPr id="1" name=""/>
+        <p:cNvGrpSpPr/>
+        <p:nvPr/>
+      </p:nvGrpSpPr>
+      <p:grpSpPr>
+        <a:xfrm>
+          <a:off x="0" y="0"/>
+          <a:ext cx="0" cy="0"/>
+          <a:chOff x="0" y="0"/>
+          <a:chExt cx="0" cy="0"/>
+        </a:xfrm>
+      </p:grpSpPr>
+      <p:sp>
+        <p:nvSpPr>
+          <p:cNvPr id="2" name="Segnaposto immagine diapositiva 1"/>
+          <p:cNvSpPr>
+            <a:spLocks noGrp="1" noRot="1" noChangeAspect="1"/>
+          </p:cNvSpPr>
+          <p:nvPr>
+            <p:ph type="sldImg"/>
+          </p:nvPr>
+        </p:nvSpPr>
+        <p:spPr/>
+      </p:sp>
+      <p:sp>
+        <p:nvSpPr>
+          <p:cNvPr id="3" name="Segnaposto note 2"/>
+          <p:cNvSpPr>
+            <a:spLocks noGrp="1"/>
+          </p:cNvSpPr>
+          <p:nvPr>
+            <p:ph type="body" idx="1"/>
+          </p:nvPr>
+        </p:nvSpPr>
+        <p:spPr/>
+        <p:txBody>
+          <a:bodyPr/>
+          <a:lstStyle/>
+          <a:p>
+            <a:r>
+              <a:rPr lang="en-US" dirty="0"/>
+              <a:t>“Il Game Design </a:t>
+            </a:r>
+            <a:r>
+              <a:rPr lang="en-US" dirty="0" err="1"/>
+              <a:t>definisce</a:t>
+            </a:r>
+            <a:r>
+              <a:rPr lang="en-US" dirty="0"/>
+              <a:t> </a:t>
+            </a:r>
+            <a:r>
+              <a:rPr lang="en-US" dirty="0" err="1"/>
+              <a:t>l’esperienza</a:t>
+            </a:r>
+            <a:r>
+              <a:rPr lang="en-US" dirty="0"/>
+              <a:t> di </a:t>
+            </a:r>
+            <a:r>
+              <a:rPr lang="en-US" dirty="0" err="1"/>
+              <a:t>gioco</a:t>
+            </a:r>
+            <a:r>
+              <a:rPr lang="en-US" dirty="0"/>
+              <a:t> </a:t>
+            </a:r>
+            <a:r>
+              <a:rPr lang="en-US" dirty="0" err="1"/>
+              <a:t>tracciando</a:t>
+            </a:r>
+            <a:r>
+              <a:rPr lang="en-US" dirty="0"/>
+              <a:t> le </a:t>
+            </a:r>
+            <a:r>
+              <a:rPr lang="en-US" dirty="0" err="1"/>
+              <a:t>regole</a:t>
+            </a:r>
+            <a:r>
+              <a:rPr lang="en-US" dirty="0"/>
+              <a:t> e le </a:t>
+            </a:r>
+            <a:r>
+              <a:rPr lang="en-US" dirty="0" err="1"/>
+              <a:t>meccaniche</a:t>
+            </a:r>
+            <a:r>
+              <a:rPr lang="en-US" dirty="0"/>
+              <a:t> </a:t>
+            </a:r>
+            <a:r>
+              <a:rPr lang="en-US" dirty="0" err="1"/>
+              <a:t>principali</a:t>
+            </a:r>
+            <a:r>
+              <a:rPr lang="en-US" dirty="0"/>
+              <a:t> con cui </a:t>
+            </a:r>
+            <a:r>
+              <a:rPr lang="en-US" dirty="0" err="1"/>
+              <a:t>si</a:t>
+            </a:r>
+            <a:r>
+              <a:rPr lang="en-US" dirty="0"/>
+              <a:t> </a:t>
+            </a:r>
+            <a:r>
+              <a:rPr lang="en-US" dirty="0" err="1"/>
+              <a:t>interfacciera</a:t>
+            </a:r>
+            <a:r>
+              <a:rPr lang="en-US" dirty="0"/>
+              <a:t> </a:t>
+            </a:r>
+            <a:r>
+              <a:rPr lang="en-US" dirty="0" err="1"/>
+              <a:t>il</a:t>
+            </a:r>
+            <a:r>
+              <a:rPr lang="en-US" dirty="0"/>
+              <a:t> </a:t>
+            </a:r>
+            <a:r>
+              <a:rPr lang="en-US" dirty="0" err="1"/>
+              <a:t>giocatore</a:t>
+            </a:r>
+            <a:r>
+              <a:rPr lang="en-US" dirty="0"/>
+              <a:t>. </a:t>
+            </a:r>
+            <a:r>
+              <a:rPr lang="en-US" dirty="0" err="1"/>
+              <a:t>Quanto</a:t>
+            </a:r>
+            <a:r>
+              <a:rPr lang="en-US" dirty="0"/>
+              <a:t> </a:t>
+            </a:r>
+            <a:r>
+              <a:rPr lang="en-US" dirty="0" err="1"/>
+              <a:t>definito</a:t>
+            </a:r>
+            <a:r>
+              <a:rPr lang="en-US" dirty="0"/>
+              <a:t> dal Game Design </a:t>
+            </a:r>
+            <a:r>
+              <a:rPr lang="en-US" dirty="0" err="1"/>
+              <a:t>si</a:t>
+            </a:r>
+            <a:r>
+              <a:rPr lang="en-US" dirty="0"/>
+              <a:t> </a:t>
+            </a:r>
+            <a:r>
+              <a:rPr lang="en-US" dirty="0" err="1"/>
+              <a:t>rispecchia</a:t>
+            </a:r>
+            <a:r>
+              <a:rPr lang="en-US" dirty="0"/>
+              <a:t> </a:t>
+            </a:r>
+            <a:r>
+              <a:rPr lang="en-US" dirty="0" err="1"/>
+              <a:t>nel</a:t>
+            </a:r>
+            <a:r>
+              <a:rPr lang="en-US" dirty="0"/>
+              <a:t> Level Design, </a:t>
+            </a:r>
+            <a:r>
+              <a:rPr lang="en-US" dirty="0" err="1"/>
+              <a:t>che</a:t>
+            </a:r>
+            <a:r>
+              <a:rPr lang="en-US" dirty="0"/>
+              <a:t> </a:t>
+            </a:r>
+            <a:r>
+              <a:rPr lang="en-US" dirty="0" err="1"/>
+              <a:t>tramite</a:t>
+            </a:r>
+            <a:r>
+              <a:rPr lang="en-US" dirty="0"/>
+              <a:t> la </a:t>
+            </a:r>
+            <a:r>
+              <a:rPr lang="en-US" dirty="0" err="1"/>
+              <a:t>creazione</a:t>
+            </a:r>
+            <a:r>
+              <a:rPr lang="en-US" dirty="0"/>
+              <a:t> del </a:t>
+            </a:r>
+            <a:r>
+              <a:rPr lang="en-US" dirty="0" err="1"/>
+              <a:t>mondo</a:t>
+            </a:r>
+            <a:r>
+              <a:rPr lang="en-US" dirty="0"/>
+              <a:t> di </a:t>
+            </a:r>
+            <a:r>
+              <a:rPr lang="en-US" dirty="0" err="1"/>
+              <a:t>gioco</a:t>
+            </a:r>
+            <a:r>
+              <a:rPr lang="en-US" dirty="0"/>
+              <a:t> </a:t>
+            </a:r>
+            <a:r>
+              <a:rPr lang="en-US" dirty="0" err="1"/>
+              <a:t>permette</a:t>
+            </a:r>
+            <a:r>
+              <a:rPr lang="en-US" dirty="0"/>
+              <a:t> di </a:t>
+            </a:r>
+            <a:r>
+              <a:rPr lang="en-US" dirty="0" err="1"/>
+              <a:t>concretizzare</a:t>
+            </a:r>
+            <a:r>
+              <a:rPr lang="en-US" dirty="0"/>
+              <a:t> </a:t>
+            </a:r>
+            <a:r>
+              <a:rPr lang="en-US" dirty="0" err="1"/>
+              <a:t>queste</a:t>
+            </a:r>
+            <a:r>
+              <a:rPr lang="en-US" dirty="0"/>
+              <a:t> </a:t>
+            </a:r>
+            <a:r>
+              <a:rPr lang="en-US" dirty="0" err="1"/>
+              <a:t>dinamiche</a:t>
+            </a:r>
+            <a:r>
+              <a:rPr lang="en-US" dirty="0"/>
+              <a:t>. </a:t>
+            </a:r>
+            <a:r>
+              <a:rPr lang="en-US" dirty="0" err="1"/>
+              <a:t>Infine</a:t>
+            </a:r>
+            <a:r>
+              <a:rPr lang="en-US" dirty="0"/>
+              <a:t> </a:t>
+            </a:r>
+            <a:r>
+              <a:rPr lang="en-US" dirty="0" err="1"/>
+              <a:t>dall’interazione</a:t>
+            </a:r>
+            <a:r>
+              <a:rPr lang="en-US" dirty="0"/>
+              <a:t> del </a:t>
+            </a:r>
+            <a:r>
+              <a:rPr lang="en-US" dirty="0" err="1"/>
+              <a:t>giocatore</a:t>
+            </a:r>
+            <a:r>
+              <a:rPr lang="en-US" dirty="0"/>
+              <a:t> con </a:t>
+            </a:r>
+            <a:r>
+              <a:rPr lang="en-US" dirty="0" err="1"/>
+              <a:t>il</a:t>
+            </a:r>
+            <a:r>
+              <a:rPr lang="en-US" dirty="0"/>
+              <a:t> </a:t>
+            </a:r>
+            <a:r>
+              <a:rPr lang="en-US" dirty="0" err="1"/>
+              <a:t>mondo</a:t>
+            </a:r>
+            <a:r>
+              <a:rPr lang="en-US" dirty="0"/>
+              <a:t> di </a:t>
+            </a:r>
+            <a:r>
+              <a:rPr lang="en-US" dirty="0" err="1"/>
+              <a:t>gioco</a:t>
+            </a:r>
+            <a:r>
+              <a:rPr lang="en-US" dirty="0"/>
+              <a:t> </a:t>
+            </a:r>
+            <a:r>
+              <a:rPr lang="en-US" dirty="0" err="1"/>
+              <a:t>nasce</a:t>
+            </a:r>
+            <a:r>
+              <a:rPr lang="en-US" dirty="0"/>
+              <a:t> </a:t>
+            </a:r>
+            <a:r>
+              <a:rPr lang="en-US" dirty="0" err="1"/>
+              <a:t>il</a:t>
+            </a:r>
+            <a:r>
+              <a:rPr lang="en-US" dirty="0"/>
+              <a:t> gameplay.”</a:t>
+            </a:r>
+          </a:p>
+        </p:txBody>
+      </p:sp>
+      <p:sp>
+        <p:nvSpPr>
+          <p:cNvPr id="4" name="Segnaposto numero diapositiva 3"/>
+          <p:cNvSpPr>
+            <a:spLocks noGrp="1"/>
+          </p:cNvSpPr>
+          <p:nvPr>
+            <p:ph type="sldNum" sz="quarter" idx="10"/>
+          </p:nvPr>
+        </p:nvSpPr>
+        <p:spPr/>
+        <p:txBody>
+          <a:bodyPr/>
+          <a:lstStyle/>
+          <a:p>
+            <a:fld id="{F175F7AF-20DA-47B4-85AF-7E82E732B5D2}" type="slidenum">
+              <a:rPr lang="en-US" smtClean="0"/>
+              <a:t>2</a:t>
+            </a:fld>
+            <a:endParaRPr lang="en-US"/>
+          </a:p>
+        </p:txBody>
+      </p:sp>
+    </p:spTree>
+    <p:extLst>
+      <p:ext uri="{BB962C8B-B14F-4D97-AF65-F5344CB8AC3E}">
+        <p14:creationId xmlns:p14="http://schemas.microsoft.com/office/powerpoint/2010/main" val="2364564274"/>
+      </p:ext>
+    </p:extLst>
+  </p:cSld>
+  <p:clrMapOvr>
+    <a:masterClrMapping/>
+  </p:clrMapOvr>
+</p:notes>
+</file>
+
+<file path=ppt/notesSlides/notesSlide3.xml><?xml version="1.0" encoding="utf-8"?>
+<p:notes xmlns:a="http://schemas.openxmlformats.org/drawingml/2006/main" xmlns:r="http://schemas.openxmlformats.org/officeDocument/2006/relationships" xmlns:p="http://schemas.openxmlformats.org/presentationml/2006/main">
+  <p:cSld>
+    <p:spTree>
+      <p:nvGrpSpPr>
+        <p:cNvPr id="1" name=""/>
+        <p:cNvGrpSpPr/>
+        <p:nvPr/>
+      </p:nvGrpSpPr>
+      <p:grpSpPr>
+        <a:xfrm>
+          <a:off x="0" y="0"/>
+          <a:ext cx="0" cy="0"/>
+          <a:chOff x="0" y="0"/>
+          <a:chExt cx="0" cy="0"/>
+        </a:xfrm>
+      </p:grpSpPr>
+      <p:sp>
+        <p:nvSpPr>
+          <p:cNvPr id="2" name="Segnaposto immagine diapositiva 1"/>
+          <p:cNvSpPr>
+            <a:spLocks noGrp="1" noRot="1" noChangeAspect="1"/>
+          </p:cNvSpPr>
+          <p:nvPr>
+            <p:ph type="sldImg"/>
+          </p:nvPr>
+        </p:nvSpPr>
+        <p:spPr/>
+      </p:sp>
+      <p:sp>
+        <p:nvSpPr>
+          <p:cNvPr id="3" name="Segnaposto note 2"/>
+          <p:cNvSpPr>
+            <a:spLocks noGrp="1"/>
+          </p:cNvSpPr>
+          <p:nvPr>
+            <p:ph type="body" idx="1"/>
+          </p:nvPr>
+        </p:nvSpPr>
+        <p:spPr/>
+        <p:txBody>
+          <a:bodyPr/>
+          <a:lstStyle/>
+          <a:p>
+            <a:r>
+              <a:rPr lang="en-US" dirty="0"/>
+              <a:t>“In </a:t>
+            </a:r>
+            <a:r>
+              <a:rPr lang="en-US" dirty="0" err="1"/>
+              <a:t>questa</a:t>
+            </a:r>
+            <a:r>
+              <a:rPr lang="en-US" dirty="0"/>
+              <a:t> </a:t>
+            </a:r>
+            <a:r>
+              <a:rPr lang="en-US" dirty="0" err="1"/>
+              <a:t>tesi</a:t>
+            </a:r>
+            <a:r>
+              <a:rPr lang="en-US" dirty="0"/>
+              <a:t> ci </a:t>
+            </a:r>
+            <a:r>
+              <a:rPr lang="en-US" dirty="0" err="1"/>
+              <a:t>conetriamo</a:t>
+            </a:r>
+            <a:r>
+              <a:rPr lang="en-US" dirty="0"/>
+              <a:t> </a:t>
+            </a:r>
+            <a:r>
+              <a:rPr lang="en-US" dirty="0" err="1"/>
+              <a:t>sul</a:t>
+            </a:r>
+            <a:r>
+              <a:rPr lang="en-US" dirty="0"/>
+              <a:t> </a:t>
+            </a:r>
+            <a:r>
+              <a:rPr lang="en-US" dirty="0" err="1"/>
+              <a:t>genere</a:t>
+            </a:r>
+            <a:r>
+              <a:rPr lang="en-US" dirty="0"/>
+              <a:t> </a:t>
+            </a:r>
+            <a:r>
+              <a:rPr lang="en-US" dirty="0" err="1"/>
+              <a:t>degli</a:t>
+            </a:r>
+            <a:r>
+              <a:rPr lang="en-US" dirty="0"/>
+              <a:t> </a:t>
+            </a:r>
+            <a:r>
+              <a:rPr lang="en-US" dirty="0" err="1"/>
+              <a:t>Sparatutto</a:t>
+            </a:r>
+            <a:r>
+              <a:rPr lang="en-US" dirty="0"/>
+              <a:t> in Prima Persona. [BREVE SPIEGAZIONE] In </a:t>
+            </a:r>
+            <a:r>
+              <a:rPr lang="en-US" dirty="0" err="1"/>
+              <a:t>particolare</a:t>
+            </a:r>
+            <a:r>
+              <a:rPr lang="en-US" dirty="0"/>
+              <a:t> ci </a:t>
+            </a:r>
+            <a:r>
+              <a:rPr lang="en-US" dirty="0" err="1"/>
+              <a:t>concentriamo</a:t>
+            </a:r>
+            <a:r>
+              <a:rPr lang="en-US" dirty="0"/>
+              <a:t> </a:t>
+            </a:r>
+            <a:r>
+              <a:rPr lang="en-US" dirty="0" err="1"/>
+              <a:t>sugli</a:t>
+            </a:r>
+            <a:r>
+              <a:rPr lang="en-US" dirty="0"/>
+              <a:t> FPS di </a:t>
+            </a:r>
+            <a:r>
+              <a:rPr lang="en-US" dirty="0" err="1"/>
+              <a:t>tipo</a:t>
+            </a:r>
+            <a:r>
+              <a:rPr lang="en-US" dirty="0"/>
+              <a:t> competitive. [BREVE SPIEGAZIONE] </a:t>
+            </a:r>
+            <a:r>
+              <a:rPr lang="en-US" dirty="0" err="1"/>
+              <a:t>Quello</a:t>
+            </a:r>
+            <a:r>
+              <a:rPr lang="en-US" dirty="0"/>
+              <a:t> </a:t>
+            </a:r>
+            <a:r>
+              <a:rPr lang="en-US" dirty="0" err="1"/>
+              <a:t>che</a:t>
+            </a:r>
+            <a:r>
+              <a:rPr lang="en-US" dirty="0"/>
+              <a:t> </a:t>
+            </a:r>
+            <a:r>
+              <a:rPr lang="en-US" dirty="0" err="1"/>
+              <a:t>potete</a:t>
+            </a:r>
+            <a:r>
+              <a:rPr lang="en-US" dirty="0"/>
+              <a:t> </a:t>
+            </a:r>
+            <a:r>
+              <a:rPr lang="en-US" dirty="0" err="1"/>
+              <a:t>vedere</a:t>
+            </a:r>
+            <a:r>
+              <a:rPr lang="en-US" dirty="0"/>
+              <a:t> è </a:t>
+            </a:r>
+            <a:r>
+              <a:rPr lang="en-US" dirty="0" err="1"/>
+              <a:t>il</a:t>
+            </a:r>
+            <a:r>
+              <a:rPr lang="en-US" dirty="0"/>
+              <a:t> </a:t>
+            </a:r>
+            <a:r>
+              <a:rPr lang="en-US" dirty="0" err="1"/>
+              <a:t>gioco</a:t>
+            </a:r>
+            <a:r>
+              <a:rPr lang="en-US" dirty="0"/>
+              <a:t> </a:t>
+            </a:r>
+            <a:r>
+              <a:rPr lang="en-US" dirty="0" err="1"/>
+              <a:t>che</a:t>
+            </a:r>
+            <a:r>
+              <a:rPr lang="en-US" dirty="0"/>
+              <a:t> fa </a:t>
+            </a:r>
+            <a:r>
+              <a:rPr lang="en-US" dirty="0" err="1"/>
+              <a:t>parte</a:t>
+            </a:r>
+            <a:r>
+              <a:rPr lang="en-US" dirty="0"/>
+              <a:t> del framework </a:t>
+            </a:r>
+            <a:r>
+              <a:rPr lang="en-US" dirty="0" err="1"/>
+              <a:t>che</a:t>
+            </a:r>
+            <a:r>
+              <a:rPr lang="en-US" dirty="0"/>
+              <a:t> </a:t>
+            </a:r>
+            <a:r>
+              <a:rPr lang="en-US" dirty="0" err="1"/>
+              <a:t>abbiamo</a:t>
+            </a:r>
+            <a:r>
+              <a:rPr lang="en-US" dirty="0"/>
+              <a:t> </a:t>
+            </a:r>
+            <a:r>
+              <a:rPr lang="en-US" dirty="0" err="1"/>
+              <a:t>sviluppato</a:t>
+            </a:r>
+            <a:r>
+              <a:rPr lang="en-US" dirty="0"/>
+              <a:t> e </a:t>
+            </a:r>
+            <a:r>
+              <a:rPr lang="en-US" dirty="0" err="1"/>
+              <a:t>che</a:t>
+            </a:r>
+            <a:r>
+              <a:rPr lang="en-US" dirty="0"/>
+              <a:t> vi </a:t>
+            </a:r>
+            <a:r>
+              <a:rPr lang="en-US" dirty="0" err="1"/>
+              <a:t>mostrerò</a:t>
+            </a:r>
+            <a:r>
+              <a:rPr lang="en-US" dirty="0"/>
+              <a:t> a breve.”</a:t>
+            </a:r>
+          </a:p>
+        </p:txBody>
+      </p:sp>
+      <p:sp>
+        <p:nvSpPr>
+          <p:cNvPr id="4" name="Segnaposto numero diapositiva 3"/>
+          <p:cNvSpPr>
+            <a:spLocks noGrp="1"/>
+          </p:cNvSpPr>
+          <p:nvPr>
+            <p:ph type="sldNum" sz="quarter" idx="10"/>
+          </p:nvPr>
+        </p:nvSpPr>
+        <p:spPr/>
+        <p:txBody>
+          <a:bodyPr/>
+          <a:lstStyle/>
+          <a:p>
+            <a:fld id="{F175F7AF-20DA-47B4-85AF-7E82E732B5D2}" type="slidenum">
+              <a:rPr lang="en-US" smtClean="0"/>
+              <a:t>3</a:t>
+            </a:fld>
+            <a:endParaRPr lang="en-US"/>
+          </a:p>
+        </p:txBody>
+      </p:sp>
+    </p:spTree>
+    <p:extLst>
+      <p:ext uri="{BB962C8B-B14F-4D97-AF65-F5344CB8AC3E}">
+        <p14:creationId xmlns:p14="http://schemas.microsoft.com/office/powerpoint/2010/main" val="1131185475"/>
+      </p:ext>
+    </p:extLst>
+  </p:cSld>
+  <p:clrMapOvr>
+    <a:masterClrMapping/>
+  </p:clrMapOvr>
+</p:notes>
+</file>
+
+<file path=ppt/notesSlides/notesSlide4.xml><?xml version="1.0" encoding="utf-8"?>
+<p:notes xmlns:a="http://schemas.openxmlformats.org/drawingml/2006/main" xmlns:r="http://schemas.openxmlformats.org/officeDocument/2006/relationships" xmlns:p="http://schemas.openxmlformats.org/presentationml/2006/main">
+  <p:cSld>
+    <p:spTree>
+      <p:nvGrpSpPr>
+        <p:cNvPr id="1" name=""/>
+        <p:cNvGrpSpPr/>
+        <p:nvPr/>
+      </p:nvGrpSpPr>
+      <p:grpSpPr>
+        <a:xfrm>
+          <a:off x="0" y="0"/>
+          <a:ext cx="0" cy="0"/>
+          <a:chOff x="0" y="0"/>
+          <a:chExt cx="0" cy="0"/>
+        </a:xfrm>
+      </p:grpSpPr>
+      <p:sp>
+        <p:nvSpPr>
+          <p:cNvPr id="2" name="Segnaposto immagine diapositiva 1"/>
+          <p:cNvSpPr>
+            <a:spLocks noGrp="1" noRot="1" noChangeAspect="1"/>
+          </p:cNvSpPr>
+          <p:nvPr>
+            <p:ph type="sldImg"/>
+          </p:nvPr>
+        </p:nvSpPr>
+        <p:spPr/>
+      </p:sp>
+      <p:sp>
+        <p:nvSpPr>
+          <p:cNvPr id="3" name="Segnaposto note 2"/>
+          <p:cNvSpPr>
+            <a:spLocks noGrp="1"/>
+          </p:cNvSpPr>
+          <p:nvPr>
+            <p:ph type="body" idx="1"/>
+          </p:nvPr>
+        </p:nvSpPr>
+        <p:spPr/>
+        <p:txBody>
+          <a:bodyPr/>
+          <a:lstStyle/>
+          <a:p>
+            <a:r>
+              <a:rPr lang="en-US" dirty="0"/>
+              <a:t>“Il level design non è </a:t>
+            </a:r>
+            <a:r>
+              <a:rPr lang="en-US" dirty="0" err="1"/>
+              <a:t>formalizzato</a:t>
+            </a:r>
+            <a:r>
+              <a:rPr lang="en-US" dirty="0"/>
+              <a:t> in </a:t>
+            </a:r>
+            <a:r>
+              <a:rPr lang="en-US" dirty="0" err="1"/>
+              <a:t>ambito</a:t>
+            </a:r>
+            <a:r>
+              <a:rPr lang="en-US" dirty="0"/>
+              <a:t> industrial, ma </a:t>
+            </a:r>
+            <a:r>
+              <a:rPr lang="en-US" dirty="0" err="1"/>
+              <a:t>si</a:t>
+            </a:r>
+            <a:r>
+              <a:rPr lang="en-US" dirty="0"/>
+              <a:t> </a:t>
+            </a:r>
+            <a:r>
+              <a:rPr lang="en-US" dirty="0" err="1"/>
+              <a:t>basa</a:t>
+            </a:r>
+            <a:r>
+              <a:rPr lang="en-US" dirty="0"/>
+              <a:t> </a:t>
+            </a:r>
+            <a:r>
+              <a:rPr lang="en-US" dirty="0" err="1"/>
+              <a:t>invece</a:t>
+            </a:r>
+            <a:r>
+              <a:rPr lang="en-US" dirty="0"/>
+              <a:t> </a:t>
+            </a:r>
+            <a:r>
+              <a:rPr lang="en-US" dirty="0" err="1"/>
+              <a:t>sull’esperienza</a:t>
+            </a:r>
+            <a:r>
+              <a:rPr lang="en-US" dirty="0"/>
+              <a:t> e </a:t>
+            </a:r>
+            <a:r>
+              <a:rPr lang="en-US" dirty="0" err="1"/>
+              <a:t>su</a:t>
+            </a:r>
+            <a:r>
+              <a:rPr lang="en-US" dirty="0"/>
+              <a:t> </a:t>
+            </a:r>
+            <a:r>
+              <a:rPr lang="en-US" dirty="0" err="1"/>
+              <a:t>regole</a:t>
+            </a:r>
+            <a:r>
+              <a:rPr lang="en-US" dirty="0"/>
+              <a:t> </a:t>
+            </a:r>
+            <a:r>
+              <a:rPr lang="en-US" dirty="0" err="1"/>
+              <a:t>empiriche</a:t>
+            </a:r>
+            <a:r>
+              <a:rPr lang="en-US" dirty="0"/>
+              <a:t>. La ricercar </a:t>
+            </a:r>
+            <a:r>
+              <a:rPr lang="en-US" dirty="0" err="1"/>
+              <a:t>tenta</a:t>
+            </a:r>
+            <a:r>
+              <a:rPr lang="en-US" dirty="0"/>
+              <a:t> di </a:t>
+            </a:r>
+            <a:r>
+              <a:rPr lang="en-US" dirty="0" err="1"/>
+              <a:t>formalizzarlo</a:t>
+            </a:r>
+            <a:r>
+              <a:rPr lang="en-US" dirty="0"/>
+              <a:t> e di </a:t>
+            </a:r>
+            <a:r>
+              <a:rPr lang="en-US" dirty="0" err="1"/>
+              <a:t>assisterlo</a:t>
+            </a:r>
+            <a:r>
+              <a:rPr lang="en-US" dirty="0"/>
+              <a:t>.”</a:t>
+            </a:r>
+          </a:p>
+        </p:txBody>
+      </p:sp>
+      <p:sp>
+        <p:nvSpPr>
+          <p:cNvPr id="4" name="Segnaposto numero diapositiva 3"/>
+          <p:cNvSpPr>
+            <a:spLocks noGrp="1"/>
+          </p:cNvSpPr>
+          <p:nvPr>
+            <p:ph type="sldNum" sz="quarter" idx="10"/>
+          </p:nvPr>
+        </p:nvSpPr>
+        <p:spPr/>
+        <p:txBody>
+          <a:bodyPr/>
+          <a:lstStyle/>
+          <a:p>
+            <a:fld id="{F175F7AF-20DA-47B4-85AF-7E82E732B5D2}" type="slidenum">
+              <a:rPr lang="en-US" smtClean="0"/>
+              <a:t>4</a:t>
+            </a:fld>
+            <a:endParaRPr lang="en-US"/>
+          </a:p>
+        </p:txBody>
+      </p:sp>
+    </p:spTree>
+    <p:extLst>
+      <p:ext uri="{BB962C8B-B14F-4D97-AF65-F5344CB8AC3E}">
+        <p14:creationId xmlns:p14="http://schemas.microsoft.com/office/powerpoint/2010/main" val="2322686228"/>
+      </p:ext>
+    </p:extLst>
+  </p:cSld>
+  <p:clrMapOvr>
+    <a:masterClrMapping/>
+  </p:clrMapOvr>
+</p:notes>
+</file>
+
+<file path=ppt/notesSlides/notesSlide5.xml><?xml version="1.0" encoding="utf-8"?>
+<p:notes xmlns:a="http://schemas.openxmlformats.org/drawingml/2006/main" xmlns:r="http://schemas.openxmlformats.org/officeDocument/2006/relationships" xmlns:p="http://schemas.openxmlformats.org/presentationml/2006/main">
+  <p:cSld>
+    <p:spTree>
+      <p:nvGrpSpPr>
+        <p:cNvPr id="1" name=""/>
+        <p:cNvGrpSpPr/>
+        <p:nvPr/>
+      </p:nvGrpSpPr>
+      <p:grpSpPr>
+        <a:xfrm>
+          <a:off x="0" y="0"/>
+          <a:ext cx="0" cy="0"/>
+          <a:chOff x="0" y="0"/>
+          <a:chExt cx="0" cy="0"/>
+        </a:xfrm>
+      </p:grpSpPr>
+      <p:sp>
+        <p:nvSpPr>
+          <p:cNvPr id="2" name="Segnaposto immagine diapositiva 1"/>
+          <p:cNvSpPr>
+            <a:spLocks noGrp="1" noRot="1" noChangeAspect="1"/>
+          </p:cNvSpPr>
+          <p:nvPr>
+            <p:ph type="sldImg"/>
+          </p:nvPr>
+        </p:nvSpPr>
+        <p:spPr/>
+      </p:sp>
+      <p:sp>
+        <p:nvSpPr>
+          <p:cNvPr id="3" name="Segnaposto note 2"/>
+          <p:cNvSpPr>
+            <a:spLocks noGrp="1"/>
+          </p:cNvSpPr>
+          <p:nvPr>
+            <p:ph type="body" idx="1"/>
+          </p:nvPr>
+        </p:nvSpPr>
+        <p:spPr/>
+        <p:txBody>
+          <a:bodyPr/>
+          <a:lstStyle/>
+          <a:p>
+            <a:r>
+              <a:rPr lang="en-US" dirty="0"/>
+              <a:t>“Il level design non è </a:t>
+            </a:r>
+            <a:r>
+              <a:rPr lang="en-US" dirty="0" err="1"/>
+              <a:t>formalizzato</a:t>
+            </a:r>
+            <a:r>
+              <a:rPr lang="en-US" dirty="0"/>
+              <a:t> in </a:t>
+            </a:r>
+            <a:r>
+              <a:rPr lang="en-US" dirty="0" err="1"/>
+              <a:t>ambito</a:t>
+            </a:r>
+            <a:r>
+              <a:rPr lang="en-US" dirty="0"/>
+              <a:t> industrial, ma </a:t>
+            </a:r>
+            <a:r>
+              <a:rPr lang="en-US" dirty="0" err="1"/>
+              <a:t>si</a:t>
+            </a:r>
+            <a:r>
+              <a:rPr lang="en-US" dirty="0"/>
+              <a:t> </a:t>
+            </a:r>
+            <a:r>
+              <a:rPr lang="en-US" dirty="0" err="1"/>
+              <a:t>basa</a:t>
+            </a:r>
+            <a:r>
+              <a:rPr lang="en-US" dirty="0"/>
+              <a:t> </a:t>
+            </a:r>
+            <a:r>
+              <a:rPr lang="en-US" dirty="0" err="1"/>
+              <a:t>invece</a:t>
+            </a:r>
+            <a:r>
+              <a:rPr lang="en-US" dirty="0"/>
+              <a:t> </a:t>
+            </a:r>
+            <a:r>
+              <a:rPr lang="en-US" dirty="0" err="1"/>
+              <a:t>sull’esperienza</a:t>
+            </a:r>
+            <a:r>
+              <a:rPr lang="en-US" dirty="0"/>
+              <a:t> e </a:t>
+            </a:r>
+            <a:r>
+              <a:rPr lang="en-US" dirty="0" err="1"/>
+              <a:t>su</a:t>
+            </a:r>
+            <a:r>
+              <a:rPr lang="en-US" dirty="0"/>
+              <a:t> </a:t>
+            </a:r>
+            <a:r>
+              <a:rPr lang="en-US" dirty="0" err="1"/>
+              <a:t>regole</a:t>
+            </a:r>
+            <a:r>
+              <a:rPr lang="en-US" dirty="0"/>
+              <a:t> </a:t>
+            </a:r>
+            <a:r>
+              <a:rPr lang="en-US" dirty="0" err="1"/>
+              <a:t>empiriche</a:t>
+            </a:r>
+            <a:r>
+              <a:rPr lang="en-US" dirty="0"/>
+              <a:t>. La ricercar </a:t>
+            </a:r>
+            <a:r>
+              <a:rPr lang="en-US" dirty="0" err="1"/>
+              <a:t>tenta</a:t>
+            </a:r>
+            <a:r>
+              <a:rPr lang="en-US" dirty="0"/>
+              <a:t> di </a:t>
+            </a:r>
+            <a:r>
+              <a:rPr lang="en-US" dirty="0" err="1"/>
+              <a:t>formalizzarlo</a:t>
+            </a:r>
+            <a:r>
+              <a:rPr lang="en-US" dirty="0"/>
+              <a:t> e di </a:t>
+            </a:r>
+            <a:r>
+              <a:rPr lang="en-US" dirty="0" err="1"/>
+              <a:t>assisterlo</a:t>
+            </a:r>
+            <a:r>
+              <a:rPr lang="en-US" dirty="0"/>
+              <a:t>.”</a:t>
+            </a:r>
+          </a:p>
+        </p:txBody>
+      </p:sp>
+      <p:sp>
+        <p:nvSpPr>
+          <p:cNvPr id="4" name="Segnaposto numero diapositiva 3"/>
+          <p:cNvSpPr>
+            <a:spLocks noGrp="1"/>
+          </p:cNvSpPr>
+          <p:nvPr>
+            <p:ph type="sldNum" sz="quarter" idx="10"/>
+          </p:nvPr>
+        </p:nvSpPr>
+        <p:spPr/>
+        <p:txBody>
+          <a:bodyPr/>
+          <a:lstStyle/>
+          <a:p>
+            <a:fld id="{F175F7AF-20DA-47B4-85AF-7E82E732B5D2}" type="slidenum">
+              <a:rPr lang="en-US" smtClean="0"/>
+              <a:t>5</a:t>
+            </a:fld>
+            <a:endParaRPr lang="en-US"/>
+          </a:p>
+        </p:txBody>
+      </p:sp>
+    </p:spTree>
+    <p:extLst>
+      <p:ext uri="{BB962C8B-B14F-4D97-AF65-F5344CB8AC3E}">
+        <p14:creationId xmlns:p14="http://schemas.microsoft.com/office/powerpoint/2010/main" val="4264153248"/>
+      </p:ext>
+    </p:extLst>
+  </p:cSld>
+  <p:clrMapOvr>
+    <a:masterClrMapping/>
+  </p:clrMapOvr>
+</p:notes>
+</file>
+
+<file path=ppt/notesSlides/notesSlide6.xml><?xml version="1.0" encoding="utf-8"?>
+<p:notes xmlns:a="http://schemas.openxmlformats.org/drawingml/2006/main" xmlns:r="http://schemas.openxmlformats.org/officeDocument/2006/relationships" xmlns:p="http://schemas.openxmlformats.org/presentationml/2006/main">
+  <p:cSld>
+    <p:spTree>
+      <p:nvGrpSpPr>
+        <p:cNvPr id="1" name=""/>
+        <p:cNvGrpSpPr/>
+        <p:nvPr/>
+      </p:nvGrpSpPr>
+      <p:grpSpPr>
+        <a:xfrm>
+          <a:off x="0" y="0"/>
+          <a:ext cx="0" cy="0"/>
+          <a:chOff x="0" y="0"/>
+          <a:chExt cx="0" cy="0"/>
+        </a:xfrm>
+      </p:grpSpPr>
+      <p:sp>
+        <p:nvSpPr>
+          <p:cNvPr id="2" name="Segnaposto immagine diapositiva 1"/>
+          <p:cNvSpPr>
+            <a:spLocks noGrp="1" noRot="1" noChangeAspect="1"/>
+          </p:cNvSpPr>
+          <p:nvPr>
+            <p:ph type="sldImg"/>
+          </p:nvPr>
+        </p:nvSpPr>
+        <p:spPr/>
+      </p:sp>
+      <p:sp>
+        <p:nvSpPr>
+          <p:cNvPr id="3" name="Segnaposto note 2"/>
+          <p:cNvSpPr>
+            <a:spLocks noGrp="1"/>
+          </p:cNvSpPr>
+          <p:nvPr>
+            <p:ph type="body" idx="1"/>
+          </p:nvPr>
+        </p:nvSpPr>
+        <p:spPr/>
+        <p:txBody>
+          <a:bodyPr/>
+          <a:lstStyle/>
+          <a:p>
+            <a:endParaRPr lang="en-US" dirty="0"/>
+          </a:p>
+        </p:txBody>
+      </p:sp>
+      <p:sp>
+        <p:nvSpPr>
+          <p:cNvPr id="4" name="Segnaposto numero diapositiva 3"/>
+          <p:cNvSpPr>
+            <a:spLocks noGrp="1"/>
+          </p:cNvSpPr>
+          <p:nvPr>
+            <p:ph type="sldNum" sz="quarter" idx="10"/>
+          </p:nvPr>
+        </p:nvSpPr>
+        <p:spPr/>
+        <p:txBody>
+          <a:bodyPr/>
+          <a:lstStyle/>
+          <a:p>
+            <a:fld id="{F175F7AF-20DA-47B4-85AF-7E82E732B5D2}" type="slidenum">
+              <a:rPr lang="en-US" smtClean="0"/>
+              <a:t>6</a:t>
+            </a:fld>
+            <a:endParaRPr lang="en-US"/>
+          </a:p>
+        </p:txBody>
+      </p:sp>
+    </p:spTree>
+    <p:extLst>
+      <p:ext uri="{BB962C8B-B14F-4D97-AF65-F5344CB8AC3E}">
+        <p14:creationId xmlns:p14="http://schemas.microsoft.com/office/powerpoint/2010/main" val="3323852308"/>
+      </p:ext>
+    </p:extLst>
+  </p:cSld>
+  <p:clrMapOvr>
+    <a:masterClrMapping/>
+  </p:clrMapOvr>
+</p:notes>
+</file>
+
+<file path=ppt/notesSlides/notesSlide7.xml><?xml version="1.0" encoding="utf-8"?>
+<p:notes xmlns:a="http://schemas.openxmlformats.org/drawingml/2006/main" xmlns:r="http://schemas.openxmlformats.org/officeDocument/2006/relationships" xmlns:p="http://schemas.openxmlformats.org/presentationml/2006/main">
+  <p:cSld>
+    <p:spTree>
+      <p:nvGrpSpPr>
+        <p:cNvPr id="1" name=""/>
+        <p:cNvGrpSpPr/>
+        <p:nvPr/>
+      </p:nvGrpSpPr>
+      <p:grpSpPr>
+        <a:xfrm>
+          <a:off x="0" y="0"/>
+          <a:ext cx="0" cy="0"/>
+          <a:chOff x="0" y="0"/>
+          <a:chExt cx="0" cy="0"/>
+        </a:xfrm>
+      </p:grpSpPr>
+      <p:sp>
+        <p:nvSpPr>
+          <p:cNvPr id="2" name="Segnaposto immagine diapositiva 1"/>
+          <p:cNvSpPr>
+            <a:spLocks noGrp="1" noRot="1" noChangeAspect="1"/>
+          </p:cNvSpPr>
+          <p:nvPr>
+            <p:ph type="sldImg"/>
+          </p:nvPr>
+        </p:nvSpPr>
+        <p:spPr/>
+      </p:sp>
+      <p:sp>
+        <p:nvSpPr>
+          <p:cNvPr id="3" name="Segnaposto note 2"/>
+          <p:cNvSpPr>
+            <a:spLocks noGrp="1"/>
+          </p:cNvSpPr>
+          <p:nvPr>
+            <p:ph type="body" idx="1"/>
+          </p:nvPr>
+        </p:nvSpPr>
+        <p:spPr/>
+        <p:txBody>
+          <a:bodyPr/>
+          <a:lstStyle/>
+          <a:p>
+            <a:r>
+              <a:rPr lang="en-US" dirty="0"/>
+              <a:t>“Il framework </a:t>
+            </a:r>
+            <a:r>
+              <a:rPr lang="en-US" dirty="0" err="1"/>
+              <a:t>supporta</a:t>
+            </a:r>
+            <a:r>
+              <a:rPr lang="en-US" dirty="0"/>
+              <a:t> </a:t>
+            </a:r>
+            <a:r>
+              <a:rPr lang="en-US" dirty="0" err="1"/>
+              <a:t>anche</a:t>
+            </a:r>
+            <a:r>
+              <a:rPr lang="en-US" dirty="0"/>
+              <a:t> le </a:t>
+            </a:r>
+            <a:r>
+              <a:rPr lang="en-US" dirty="0" err="1"/>
+              <a:t>mappe</a:t>
+            </a:r>
+            <a:r>
+              <a:rPr lang="en-US" dirty="0"/>
+              <a:t> multi </a:t>
+            </a:r>
+            <a:r>
+              <a:rPr lang="en-US" dirty="0" err="1"/>
+              <a:t>livello</a:t>
+            </a:r>
+            <a:r>
+              <a:rPr lang="en-US" dirty="0"/>
+              <a:t>, generate </a:t>
+            </a:r>
+            <a:r>
+              <a:rPr lang="en-US" dirty="0" err="1"/>
+              <a:t>combinando</a:t>
+            </a:r>
+            <a:r>
+              <a:rPr lang="en-US" dirty="0"/>
+              <a:t> </a:t>
+            </a:r>
+            <a:r>
+              <a:rPr lang="en-US" dirty="0" err="1"/>
+              <a:t>livelli</a:t>
+            </a:r>
+            <a:r>
+              <a:rPr lang="en-US" dirty="0"/>
+              <a:t> </a:t>
+            </a:r>
+            <a:r>
+              <a:rPr lang="en-US" dirty="0" err="1"/>
+              <a:t>singoli</a:t>
+            </a:r>
+            <a:r>
+              <a:rPr lang="en-US" dirty="0"/>
+              <a:t>.” [ESSERE BREVI]</a:t>
+            </a:r>
+          </a:p>
+        </p:txBody>
+      </p:sp>
+      <p:sp>
+        <p:nvSpPr>
+          <p:cNvPr id="4" name="Segnaposto numero diapositiva 3"/>
+          <p:cNvSpPr>
+            <a:spLocks noGrp="1"/>
+          </p:cNvSpPr>
+          <p:nvPr>
+            <p:ph type="sldNum" sz="quarter" idx="10"/>
+          </p:nvPr>
+        </p:nvSpPr>
+        <p:spPr/>
+        <p:txBody>
+          <a:bodyPr/>
+          <a:lstStyle/>
+          <a:p>
+            <a:fld id="{F175F7AF-20DA-47B4-85AF-7E82E732B5D2}" type="slidenum">
+              <a:rPr lang="en-US" smtClean="0"/>
+              <a:t>8</a:t>
+            </a:fld>
+            <a:endParaRPr lang="en-US"/>
+          </a:p>
+        </p:txBody>
+      </p:sp>
+    </p:spTree>
+    <p:extLst>
+      <p:ext uri="{BB962C8B-B14F-4D97-AF65-F5344CB8AC3E}">
+        <p14:creationId xmlns:p14="http://schemas.microsoft.com/office/powerpoint/2010/main" val="1927981861"/>
+      </p:ext>
+    </p:extLst>
+  </p:cSld>
+  <p:clrMapOvr>
+    <a:masterClrMapping/>
+  </p:clrMapOvr>
+</p:notes>
+</file>
+
+<file path=ppt/notesSlides/notesSlide8.xml><?xml version="1.0" encoding="utf-8"?>
+<p:notes xmlns:a="http://schemas.openxmlformats.org/drawingml/2006/main" xmlns:r="http://schemas.openxmlformats.org/officeDocument/2006/relationships" xmlns:p="http://schemas.openxmlformats.org/presentationml/2006/main">
+  <p:cSld>
+    <p:spTree>
+      <p:nvGrpSpPr>
+        <p:cNvPr id="1" name=""/>
+        <p:cNvGrpSpPr/>
+        <p:nvPr/>
+      </p:nvGrpSpPr>
+      <p:grpSpPr>
+        <a:xfrm>
+          <a:off x="0" y="0"/>
+          <a:ext cx="0" cy="0"/>
+          <a:chOff x="0" y="0"/>
+          <a:chExt cx="0" cy="0"/>
+        </a:xfrm>
+      </p:grpSpPr>
+      <p:sp>
+        <p:nvSpPr>
+          <p:cNvPr id="2" name="Segnaposto immagine diapositiva 1"/>
+          <p:cNvSpPr>
+            <a:spLocks noGrp="1" noRot="1" noChangeAspect="1"/>
+          </p:cNvSpPr>
+          <p:nvPr>
+            <p:ph type="sldImg"/>
+          </p:nvPr>
+        </p:nvSpPr>
+        <p:spPr/>
+      </p:sp>
+      <p:sp>
+        <p:nvSpPr>
+          <p:cNvPr id="3" name="Segnaposto note 2"/>
+          <p:cNvSpPr>
+            <a:spLocks noGrp="1"/>
+          </p:cNvSpPr>
+          <p:nvPr>
+            <p:ph type="body" idx="1"/>
+          </p:nvPr>
+        </p:nvSpPr>
+        <p:spPr/>
+        <p:txBody>
+          <a:bodyPr/>
+          <a:lstStyle/>
+          <a:p>
+            <a:r>
+              <a:rPr lang="en-US" dirty="0"/>
+              <a:t>[BREVE]</a:t>
+            </a:r>
+          </a:p>
+        </p:txBody>
+      </p:sp>
+      <p:sp>
+        <p:nvSpPr>
+          <p:cNvPr id="4" name="Segnaposto numero diapositiva 3"/>
+          <p:cNvSpPr>
+            <a:spLocks noGrp="1"/>
+          </p:cNvSpPr>
+          <p:nvPr>
+            <p:ph type="sldNum" sz="quarter" idx="10"/>
+          </p:nvPr>
+        </p:nvSpPr>
+        <p:spPr/>
+        <p:txBody>
+          <a:bodyPr/>
+          <a:lstStyle/>
+          <a:p>
+            <a:fld id="{F175F7AF-20DA-47B4-85AF-7E82E732B5D2}" type="slidenum">
+              <a:rPr lang="en-US" smtClean="0"/>
+              <a:t>13</a:t>
+            </a:fld>
+            <a:endParaRPr lang="en-US"/>
+          </a:p>
+        </p:txBody>
+      </p:sp>
+    </p:spTree>
+    <p:extLst>
+      <p:ext uri="{BB962C8B-B14F-4D97-AF65-F5344CB8AC3E}">
+        <p14:creationId xmlns:p14="http://schemas.microsoft.com/office/powerpoint/2010/main" val="2701950855"/>
+      </p:ext>
+    </p:extLst>
+  </p:cSld>
+  <p:clrMapOvr>
+    <a:masterClrMapping/>
+  </p:clrMapOvr>
+</p:notes>
 </file>
 
 <file path=ppt/slideLayouts/slideLayout1.xml><?xml version="1.0" encoding="utf-8"?>
@@ -292,7 +2090,7 @@
           <a:p>
             <a:fld id="{5F76D81D-3FF9-41F0-AB11-400DB62E379A}" type="datetimeFigureOut">
               <a:rPr lang="it-IT" smtClean="0"/>
-              <a:t>12/04/2018</a:t>
+              <a:t>14/04/2018</a:t>
             </a:fld>
             <a:endParaRPr lang="it-IT"/>
           </a:p>
@@ -462,7 +2260,7 @@
           <a:p>
             <a:fld id="{5F76D81D-3FF9-41F0-AB11-400DB62E379A}" type="datetimeFigureOut">
               <a:rPr lang="it-IT" smtClean="0"/>
-              <a:t>12/04/2018</a:t>
+              <a:t>14/04/2018</a:t>
             </a:fld>
             <a:endParaRPr lang="it-IT"/>
           </a:p>
@@ -642,7 +2440,7 @@
           <a:p>
             <a:fld id="{5F76D81D-3FF9-41F0-AB11-400DB62E379A}" type="datetimeFigureOut">
               <a:rPr lang="it-IT" smtClean="0"/>
-              <a:t>12/04/2018</a:t>
+              <a:t>14/04/2018</a:t>
             </a:fld>
             <a:endParaRPr lang="it-IT"/>
           </a:p>
@@ -812,7 +2610,7 @@
           <a:p>
             <a:fld id="{5F76D81D-3FF9-41F0-AB11-400DB62E379A}" type="datetimeFigureOut">
               <a:rPr lang="it-IT" smtClean="0"/>
-              <a:t>12/04/2018</a:t>
+              <a:t>14/04/2018</a:t>
             </a:fld>
             <a:endParaRPr lang="it-IT"/>
           </a:p>
@@ -1058,7 +2856,7 @@
           <a:p>
             <a:fld id="{5F76D81D-3FF9-41F0-AB11-400DB62E379A}" type="datetimeFigureOut">
               <a:rPr lang="it-IT" smtClean="0"/>
-              <a:t>12/04/2018</a:t>
+              <a:t>14/04/2018</a:t>
             </a:fld>
             <a:endParaRPr lang="it-IT"/>
           </a:p>
@@ -1290,7 +3088,7 @@
           <a:p>
             <a:fld id="{5F76D81D-3FF9-41F0-AB11-400DB62E379A}" type="datetimeFigureOut">
               <a:rPr lang="it-IT" smtClean="0"/>
-              <a:t>12/04/2018</a:t>
+              <a:t>14/04/2018</a:t>
             </a:fld>
             <a:endParaRPr lang="it-IT"/>
           </a:p>
@@ -1657,7 +3455,7 @@
           <a:p>
             <a:fld id="{5F76D81D-3FF9-41F0-AB11-400DB62E379A}" type="datetimeFigureOut">
               <a:rPr lang="it-IT" smtClean="0"/>
-              <a:t>12/04/2018</a:t>
+              <a:t>14/04/2018</a:t>
             </a:fld>
             <a:endParaRPr lang="it-IT"/>
           </a:p>
@@ -1775,7 +3573,7 @@
           <a:p>
             <a:fld id="{5F76D81D-3FF9-41F0-AB11-400DB62E379A}" type="datetimeFigureOut">
               <a:rPr lang="it-IT" smtClean="0"/>
-              <a:t>12/04/2018</a:t>
+              <a:t>14/04/2018</a:t>
             </a:fld>
             <a:endParaRPr lang="it-IT"/>
           </a:p>
@@ -1870,7 +3668,7 @@
           <a:p>
             <a:fld id="{5F76D81D-3FF9-41F0-AB11-400DB62E379A}" type="datetimeFigureOut">
               <a:rPr lang="it-IT" smtClean="0"/>
-              <a:t>12/04/2018</a:t>
+              <a:t>14/04/2018</a:t>
             </a:fld>
             <a:endParaRPr lang="it-IT"/>
           </a:p>
@@ -2147,7 +3945,7 @@
           <a:p>
             <a:fld id="{5F76D81D-3FF9-41F0-AB11-400DB62E379A}" type="datetimeFigureOut">
               <a:rPr lang="it-IT" smtClean="0"/>
-              <a:t>12/04/2018</a:t>
+              <a:t>14/04/2018</a:t>
             </a:fld>
             <a:endParaRPr lang="it-IT"/>
           </a:p>
@@ -2404,7 +4202,7 @@
           <a:p>
             <a:fld id="{5F76D81D-3FF9-41F0-AB11-400DB62E379A}" type="datetimeFigureOut">
               <a:rPr lang="it-IT" smtClean="0"/>
-              <a:t>12/04/2018</a:t>
+              <a:t>14/04/2018</a:t>
             </a:fld>
             <a:endParaRPr lang="it-IT"/>
           </a:p>
@@ -2617,7 +4415,7 @@
           <a:p>
             <a:fld id="{5F76D81D-3FF9-41F0-AB11-400DB62E379A}" type="datetimeFigureOut">
               <a:rPr lang="it-IT" smtClean="0"/>
-              <a:t>12/04/2018</a:t>
+              <a:t>14/04/2018</a:t>
             </a:fld>
             <a:endParaRPr lang="it-IT"/>
           </a:p>
@@ -3051,30 +4849,30 @@
         </p:nvSpPr>
         <p:spPr>
           <a:xfrm>
-            <a:off x="1523999" y="3608294"/>
-            <a:ext cx="9144000" cy="2534477"/>
+            <a:off x="1075678" y="3621134"/>
+            <a:ext cx="10040644" cy="1460855"/>
           </a:xfrm>
         </p:spPr>
         <p:txBody>
-          <a:bodyPr>
-            <a:normAutofit/>
+          <a:bodyPr anchor="t">
+            <a:noAutofit/>
           </a:bodyPr>
           <a:lstStyle/>
           <a:p>
             <a:r>
-              <a:rPr lang="en-US" sz="5800" b="1" dirty="0"/>
+              <a:rPr lang="en-US" sz="4800" b="1" dirty="0"/>
               <a:t>An Online Framework for User-Based Analysis of Maps in First Person Shooters</a:t>
             </a:r>
-            <a:endParaRPr lang="it-IT" sz="5800" b="1" dirty="0"/>
+            <a:endParaRPr lang="it-IT" sz="4800" b="1" dirty="0"/>
           </a:p>
         </p:txBody>
       </p:sp>
       <p:pic>
         <p:nvPicPr>
-          <p:cNvPr id="18" name="Immagine 17">
+          <p:cNvPr id="5" name="Immagine 4">
             <a:extLst>
               <a:ext uri="{FF2B5EF4-FFF2-40B4-BE49-F238E27FC236}">
-                <a16:creationId xmlns:a16="http://schemas.microsoft.com/office/drawing/2014/main" id="{B14A8057-E81D-46C0-B4D9-61AE359E8EE8}"/>
+                <a16:creationId xmlns:a16="http://schemas.microsoft.com/office/drawing/2014/main" id="{084D47E6-32A2-4237-B6BF-B2A4D809B454}"/>
               </a:ext>
             </a:extLst>
           </p:cNvPr>
@@ -3084,7 +4882,7 @@
           <p:nvPr/>
         </p:nvPicPr>
         <p:blipFill>
-          <a:blip r:embed="rId2">
+          <a:blip r:embed="rId3">
             <a:extLst>
               <a:ext uri="{28A0092B-C50C-407E-A947-70E740481C1C}">
                 <a14:useLocalDpi xmlns:a14="http://schemas.microsoft.com/office/drawing/2010/main" val="0"/>
@@ -3097,14 +4895,50 @@
         </p:blipFill>
         <p:spPr>
           <a:xfrm>
-            <a:off x="4793978" y="715229"/>
-            <a:ext cx="2604043" cy="2604043"/>
+            <a:off x="4793977" y="632822"/>
+            <a:ext cx="2604044" cy="2604044"/>
           </a:xfrm>
           <a:prstGeom prst="rect">
             <a:avLst/>
           </a:prstGeom>
         </p:spPr>
       </p:pic>
+      <p:sp>
+        <p:nvSpPr>
+          <p:cNvPr id="6" name="CasellaDiTesto 5">
+            <a:extLst>
+              <a:ext uri="{FF2B5EF4-FFF2-40B4-BE49-F238E27FC236}">
+                <a16:creationId xmlns:a16="http://schemas.microsoft.com/office/drawing/2014/main" id="{0C789129-534F-41F7-968F-E70BA814FCD3}"/>
+              </a:ext>
+            </a:extLst>
+          </p:cNvPr>
+          <p:cNvSpPr txBox="1"/>
+          <p:nvPr/>
+        </p:nvSpPr>
+        <p:spPr>
+          <a:xfrm>
+            <a:off x="1523999" y="5301083"/>
+            <a:ext cx="9144000" cy="553998"/>
+          </a:xfrm>
+          <a:prstGeom prst="rect">
+            <a:avLst/>
+          </a:prstGeom>
+          <a:noFill/>
+        </p:spPr>
+        <p:txBody>
+          <a:bodyPr wrap="square" rtlCol="0">
+            <a:spAutoFit/>
+          </a:bodyPr>
+          <a:lstStyle/>
+          <a:p>
+            <a:pPr algn="ctr"/>
+            <a:r>
+              <a:rPr lang="en-US" sz="3000" dirty="0"/>
+              <a:t>Marco Ballabio</a:t>
+            </a:r>
+          </a:p>
+        </p:txBody>
+      </p:sp>
     </p:spTree>
     <p:extLst>
       <p:ext uri="{BB962C8B-B14F-4D97-AF65-F5344CB8AC3E}">
@@ -3171,7 +5005,7 @@
             <a:r>
               <a:rPr lang="en-US" b="1" dirty="0">
                 <a:solidFill>
-                  <a:srgbClr val="6946AE"/>
+                  <a:srgbClr val="ECDB43"/>
                 </a:solidFill>
               </a:rPr>
               <a:t>Graphs for single-level maps</a:t>
@@ -3314,7 +5148,7 @@
                   </a:schemeClr>
                 </a:solidFill>
               </a:rPr>
-              <a:t>Rooms and game elements graph</a:t>
+              <a:t>Tiles graph</a:t>
             </a:r>
           </a:p>
         </p:txBody>
@@ -3357,10 +5191,10 @@
       </p:pic>
       <p:pic>
         <p:nvPicPr>
-          <p:cNvPr id="6" name="Immagine 5" descr="Immagine che contiene cielo, barca, esterni&#10;&#10;Descrizione generata con affidabilità elevata">
+          <p:cNvPr id="7" name="Immagine 6" descr="Immagine che contiene orologio&#10;&#10;Descrizione generata con affidabilità elevata">
             <a:extLst>
               <a:ext uri="{FF2B5EF4-FFF2-40B4-BE49-F238E27FC236}">
-                <a16:creationId xmlns:a16="http://schemas.microsoft.com/office/drawing/2014/main" id="{CE50A505-0B5E-44D4-A6D7-AF5A1D5E838D}"/>
+                <a16:creationId xmlns:a16="http://schemas.microsoft.com/office/drawing/2014/main" id="{54D6CAF1-211E-47D2-8C86-5D916DCFB0D3}"/>
               </a:ext>
             </a:extLst>
           </p:cNvPr>
@@ -3383,8 +5217,8 @@
         </p:blipFill>
         <p:spPr>
           <a:xfrm>
-            <a:off x="7264863" y="2663563"/>
-            <a:ext cx="3513008" cy="2947124"/>
+            <a:off x="7071366" y="2579517"/>
+            <a:ext cx="3900002" cy="3115216"/>
           </a:xfrm>
           <a:prstGeom prst="rect">
             <a:avLst/>
@@ -3394,7 +5228,7 @@
     </p:spTree>
     <p:extLst>
       <p:ext uri="{BB962C8B-B14F-4D97-AF65-F5344CB8AC3E}">
-        <p14:creationId xmlns:p14="http://schemas.microsoft.com/office/powerpoint/2010/main" val="1420281165"/>
+        <p14:creationId xmlns:p14="http://schemas.microsoft.com/office/powerpoint/2010/main" val="3819609844"/>
       </p:ext>
     </p:extLst>
   </p:cSld>
@@ -3457,7 +5291,7 @@
             <a:r>
               <a:rPr lang="en-US" b="1" dirty="0">
                 <a:solidFill>
-                  <a:srgbClr val="6946AE"/>
+                  <a:srgbClr val="ECDB43"/>
                 </a:solidFill>
               </a:rPr>
               <a:t>Graphs for single-level maps</a:t>
@@ -3600,7 +5434,7 @@
                   </a:schemeClr>
                 </a:solidFill>
               </a:rPr>
-              <a:t>Visibility graph</a:t>
+              <a:t>Rooms and game elements graph</a:t>
             </a:r>
           </a:p>
         </p:txBody>
@@ -3643,10 +5477,10 @@
       </p:pic>
       <p:pic>
         <p:nvPicPr>
-          <p:cNvPr id="6" name="Immagine 5" descr="Immagine che contiene testo&#10;&#10;Descrizione generata con affidabilità molto elevata">
+          <p:cNvPr id="6" name="Immagine 5" descr="Immagine che contiene cielo, barca, esterni&#10;&#10;Descrizione generata con affidabilità elevata">
             <a:extLst>
               <a:ext uri="{FF2B5EF4-FFF2-40B4-BE49-F238E27FC236}">
-                <a16:creationId xmlns:a16="http://schemas.microsoft.com/office/drawing/2014/main" id="{6F4C7B72-6C01-4E76-8596-E0D60B2C7F8B}"/>
+                <a16:creationId xmlns:a16="http://schemas.microsoft.com/office/drawing/2014/main" id="{CE50A505-0B5E-44D4-A6D7-AF5A1D5E838D}"/>
               </a:ext>
             </a:extLst>
           </p:cNvPr>
@@ -3669,8 +5503,8 @@
         </p:blipFill>
         <p:spPr>
           <a:xfrm>
-            <a:off x="7020975" y="2536811"/>
-            <a:ext cx="4000784" cy="3200627"/>
+            <a:off x="7264863" y="2663563"/>
+            <a:ext cx="3513008" cy="2947124"/>
           </a:xfrm>
           <a:prstGeom prst="rect">
             <a:avLst/>
@@ -3680,7 +5514,7 @@
     </p:spTree>
     <p:extLst>
       <p:ext uri="{BB962C8B-B14F-4D97-AF65-F5344CB8AC3E}">
-        <p14:creationId xmlns:p14="http://schemas.microsoft.com/office/powerpoint/2010/main" val="3845901731"/>
+        <p14:creationId xmlns:p14="http://schemas.microsoft.com/office/powerpoint/2010/main" val="1420281165"/>
       </p:ext>
     </p:extLst>
   </p:cSld>
@@ -3743,10 +5577,10 @@
             <a:r>
               <a:rPr lang="en-US" b="1" dirty="0">
                 <a:solidFill>
-                  <a:srgbClr val="6946AE"/>
+                  <a:srgbClr val="ECDB43"/>
                 </a:solidFill>
               </a:rPr>
-              <a:t>Graphs for multi-level maps</a:t>
+              <a:t>Graphs for single-level maps</a:t>
             </a:r>
           </a:p>
         </p:txBody>
@@ -3886,17 +5720,17 @@
                   </a:schemeClr>
                 </a:solidFill>
               </a:rPr>
-              <a:t>Tiles graph</a:t>
+              <a:t>Visibility graph</a:t>
             </a:r>
           </a:p>
         </p:txBody>
       </p:sp>
       <p:pic>
         <p:nvPicPr>
-          <p:cNvPr id="10" name="Immagine 9">
+          <p:cNvPr id="4" name="Immagine 3">
             <a:extLst>
               <a:ext uri="{FF2B5EF4-FFF2-40B4-BE49-F238E27FC236}">
-                <a16:creationId xmlns:a16="http://schemas.microsoft.com/office/drawing/2014/main" id="{B3155B43-30C6-442F-80EC-F724CF908EF6}"/>
+                <a16:creationId xmlns:a16="http://schemas.microsoft.com/office/drawing/2014/main" id="{6AE46109-DB5E-457A-9F2E-95827107D02D}"/>
               </a:ext>
             </a:extLst>
           </p:cNvPr>
@@ -3919,8 +5753,8 @@
         </p:blipFill>
         <p:spPr>
           <a:xfrm>
-            <a:off x="1276511" y="2460169"/>
-            <a:ext cx="3788244" cy="3350264"/>
+            <a:off x="1093697" y="2461994"/>
+            <a:ext cx="4153873" cy="3350263"/>
           </a:xfrm>
           <a:prstGeom prst="rect">
             <a:avLst/>
@@ -3929,10 +5763,10 @@
       </p:pic>
       <p:pic>
         <p:nvPicPr>
-          <p:cNvPr id="8" name="Immagine 7">
+          <p:cNvPr id="6" name="Immagine 5" descr="Immagine che contiene testo&#10;&#10;Descrizione generata con affidabilità molto elevata">
             <a:extLst>
               <a:ext uri="{FF2B5EF4-FFF2-40B4-BE49-F238E27FC236}">
-                <a16:creationId xmlns:a16="http://schemas.microsoft.com/office/drawing/2014/main" id="{BC333B69-A9C7-4B06-AEA6-DDD8F806CA08}"/>
+                <a16:creationId xmlns:a16="http://schemas.microsoft.com/office/drawing/2014/main" id="{6F4C7B72-6C01-4E76-8596-E0D60B2C7F8B}"/>
               </a:ext>
             </a:extLst>
           </p:cNvPr>
@@ -3955,8 +5789,8 @@
         </p:blipFill>
         <p:spPr>
           <a:xfrm>
-            <a:off x="7118859" y="2460169"/>
-            <a:ext cx="3796630" cy="3350263"/>
+            <a:off x="7020975" y="2536811"/>
+            <a:ext cx="4000784" cy="3200627"/>
           </a:xfrm>
           <a:prstGeom prst="rect">
             <a:avLst/>
@@ -3966,7 +5800,7 @@
     </p:spTree>
     <p:extLst>
       <p:ext uri="{BB962C8B-B14F-4D97-AF65-F5344CB8AC3E}">
-        <p14:creationId xmlns:p14="http://schemas.microsoft.com/office/powerpoint/2010/main" val="2033219961"/>
+        <p14:creationId xmlns:p14="http://schemas.microsoft.com/office/powerpoint/2010/main" val="3845901731"/>
       </p:ext>
     </p:extLst>
   </p:cSld>
@@ -4029,7 +5863,7 @@
             <a:r>
               <a:rPr lang="en-US" b="1" dirty="0">
                 <a:solidFill>
-                  <a:srgbClr val="6946AE"/>
+                  <a:srgbClr val="ECDB43"/>
                 </a:solidFill>
               </a:rPr>
               <a:t>Graphs for multi-level maps</a:t>
@@ -4105,8 +5939,8 @@
         </p:nvSpPr>
         <p:spPr>
           <a:xfrm>
-            <a:off x="664369" y="5937620"/>
-            <a:ext cx="5012531" cy="523220"/>
+            <a:off x="705556" y="5430427"/>
+            <a:ext cx="3043850" cy="523220"/>
           </a:xfrm>
           <a:prstGeom prst="rect">
             <a:avLst/>
@@ -4148,8 +5982,8 @@
         </p:nvSpPr>
         <p:spPr>
           <a:xfrm>
-            <a:off x="6428184" y="5937620"/>
-            <a:ext cx="5012531" cy="523220"/>
+            <a:off x="4636538" y="5430427"/>
+            <a:ext cx="3043850" cy="523220"/>
           </a:xfrm>
           <a:prstGeom prst="rect">
             <a:avLst/>
@@ -4172,47 +6006,11 @@
                   </a:schemeClr>
                 </a:solidFill>
               </a:rPr>
-              <a:t>Rooms and game elements graph</a:t>
-            </a:r>
-          </a:p>
-        </p:txBody>
-      </p:sp>
-      <p:pic>
-        <p:nvPicPr>
-          <p:cNvPr id="7" name="Immagine 6" descr="Immagine che contiene cielo, esterni&#10;&#10;Descrizione generata con affidabilità molto elevata">
-            <a:extLst>
-              <a:ext uri="{FF2B5EF4-FFF2-40B4-BE49-F238E27FC236}">
-                <a16:creationId xmlns:a16="http://schemas.microsoft.com/office/drawing/2014/main" id="{2218EB64-652F-4CF0-96B6-86336C73BB65}"/>
-              </a:ext>
-            </a:extLst>
-          </p:cNvPr>
-          <p:cNvPicPr>
-            <a:picLocks noChangeAspect="1"/>
-          </p:cNvPicPr>
-          <p:nvPr/>
-        </p:nvPicPr>
-        <p:blipFill>
-          <a:blip r:embed="rId2">
-            <a:extLst>
-              <a:ext uri="{28A0092B-C50C-407E-A947-70E740481C1C}">
-                <a14:useLocalDpi xmlns:a14="http://schemas.microsoft.com/office/drawing/2010/main" val="0"/>
-              </a:ext>
-            </a:extLst>
-          </a:blip>
-          <a:stretch>
-            <a:fillRect/>
-          </a:stretch>
-        </p:blipFill>
-        <p:spPr>
-          <a:xfrm>
-            <a:off x="7443260" y="2710408"/>
-            <a:ext cx="3156213" cy="2849785"/>
-          </a:xfrm>
-          <a:prstGeom prst="rect">
-            <a:avLst/>
-          </a:prstGeom>
-        </p:spPr>
-      </p:pic>
+              <a:t>Tiles graph</a:t>
+            </a:r>
+          </a:p>
+        </p:txBody>
+      </p:sp>
       <p:pic>
         <p:nvPicPr>
           <p:cNvPr id="10" name="Immagine 9">
@@ -4241,18 +6039,133 @@
         </p:blipFill>
         <p:spPr>
           <a:xfrm>
-            <a:off x="1276511" y="2460169"/>
-            <a:ext cx="3788244" cy="3350264"/>
+            <a:off x="705556" y="2720736"/>
+            <a:ext cx="3043850" cy="2691934"/>
           </a:xfrm>
           <a:prstGeom prst="rect">
             <a:avLst/>
           </a:prstGeom>
         </p:spPr>
       </p:pic>
+      <p:pic>
+        <p:nvPicPr>
+          <p:cNvPr id="8" name="Immagine 7">
+            <a:extLst>
+              <a:ext uri="{FF2B5EF4-FFF2-40B4-BE49-F238E27FC236}">
+                <a16:creationId xmlns:a16="http://schemas.microsoft.com/office/drawing/2014/main" id="{BC333B69-A9C7-4B06-AEA6-DDD8F806CA08}"/>
+              </a:ext>
+            </a:extLst>
+          </p:cNvPr>
+          <p:cNvPicPr>
+            <a:picLocks noChangeAspect="1"/>
+          </p:cNvPicPr>
+          <p:nvPr/>
+        </p:nvPicPr>
+        <p:blipFill>
+          <a:blip r:embed="rId4">
+            <a:extLst>
+              <a:ext uri="{28A0092B-C50C-407E-A947-70E740481C1C}">
+                <a14:useLocalDpi xmlns:a14="http://schemas.microsoft.com/office/drawing/2010/main" val="0"/>
+              </a:ext>
+            </a:extLst>
+          </a:blip>
+          <a:stretch>
+            <a:fillRect/>
+          </a:stretch>
+        </p:blipFill>
+        <p:spPr>
+          <a:xfrm>
+            <a:off x="4636538" y="2680518"/>
+            <a:ext cx="3043850" cy="2685986"/>
+          </a:xfrm>
+          <a:prstGeom prst="rect">
+            <a:avLst/>
+          </a:prstGeom>
+        </p:spPr>
+      </p:pic>
+      <p:pic>
+        <p:nvPicPr>
+          <p:cNvPr id="9" name="Immagine 8" descr="Immagine che contiene cielo, esterni&#10;&#10;Descrizione generata con affidabilità molto elevata">
+            <a:extLst>
+              <a:ext uri="{FF2B5EF4-FFF2-40B4-BE49-F238E27FC236}">
+                <a16:creationId xmlns:a16="http://schemas.microsoft.com/office/drawing/2014/main" id="{0E87895E-B67B-41BF-B7AD-DC7C00C3D122}"/>
+              </a:ext>
+            </a:extLst>
+          </p:cNvPr>
+          <p:cNvPicPr>
+            <a:picLocks noChangeAspect="1"/>
+          </p:cNvPicPr>
+          <p:nvPr/>
+        </p:nvPicPr>
+        <p:blipFill>
+          <a:blip r:embed="rId5">
+            <a:extLst>
+              <a:ext uri="{28A0092B-C50C-407E-A947-70E740481C1C}">
+                <a14:useLocalDpi xmlns:a14="http://schemas.microsoft.com/office/drawing/2010/main" val="0"/>
+              </a:ext>
+            </a:extLst>
+          </a:blip>
+          <a:stretch>
+            <a:fillRect/>
+          </a:stretch>
+        </p:blipFill>
+        <p:spPr>
+          <a:xfrm>
+            <a:off x="8505057" y="2674571"/>
+            <a:ext cx="2981387" cy="2691933"/>
+          </a:xfrm>
+          <a:prstGeom prst="rect">
+            <a:avLst/>
+          </a:prstGeom>
+        </p:spPr>
+      </p:pic>
+      <p:sp>
+        <p:nvSpPr>
+          <p:cNvPr id="11" name="CasellaDiTesto 10">
+            <a:extLst>
+              <a:ext uri="{FF2B5EF4-FFF2-40B4-BE49-F238E27FC236}">
+                <a16:creationId xmlns:a16="http://schemas.microsoft.com/office/drawing/2014/main" id="{3574140B-2726-4C7C-BBCF-8B84B9DEA089}"/>
+              </a:ext>
+            </a:extLst>
+          </p:cNvPr>
+          <p:cNvSpPr txBox="1"/>
+          <p:nvPr/>
+        </p:nvSpPr>
+        <p:spPr>
+          <a:xfrm>
+            <a:off x="8505056" y="5412670"/>
+            <a:ext cx="2981387" cy="954107"/>
+          </a:xfrm>
+          <a:prstGeom prst="rect">
+            <a:avLst/>
+          </a:prstGeom>
+          <a:noFill/>
+        </p:spPr>
+        <p:txBody>
+          <a:bodyPr wrap="square" rtlCol="0">
+            <a:spAutoFit/>
+          </a:bodyPr>
+          <a:lstStyle/>
+          <a:p>
+            <a:pPr algn="ctr"/>
+            <a:r>
+              <a:rPr lang="en-US" sz="2800" dirty="0">
+                <a:solidFill>
+                  <a:schemeClr val="bg1">
+                    <a:lumMod val="85000"/>
+                    <a:lumOff val="15000"/>
+                  </a:schemeClr>
+                </a:solidFill>
+              </a:rPr>
+              <a:t>Rooms and game elements graph</a:t>
+            </a:r>
+          </a:p>
+        </p:txBody>
+      </p:sp>
     </p:spTree>
     <p:extLst>
       <p:ext uri="{BB962C8B-B14F-4D97-AF65-F5344CB8AC3E}">
-        <p14:creationId xmlns:p14="http://schemas.microsoft.com/office/powerpoint/2010/main" val="3069097862"/>
+        <p14:creationId xmlns:p14="http://schemas.microsoft.com/office/powerpoint/2010/main" val="2033219961"/>
       </p:ext>
     </p:extLst>
   </p:cSld>
@@ -4315,7 +6228,7 @@
             <a:r>
               <a:rPr lang="en-US" b="1" dirty="0">
                 <a:solidFill>
-                  <a:srgbClr val="6946AE"/>
+                  <a:srgbClr val="ECDB43"/>
                 </a:solidFill>
               </a:rPr>
               <a:t>Placement of game elements on the map</a:t>
@@ -4455,7 +6368,7 @@
             <a:r>
               <a:rPr lang="en-US" b="1" dirty="0">
                 <a:solidFill>
-                  <a:srgbClr val="6946AE"/>
+                  <a:srgbClr val="ECDB43"/>
                 </a:solidFill>
               </a:rPr>
               <a:t>Selection by heuristic</a:t>
@@ -5372,7 +7285,7 @@
             <a:r>
               <a:rPr lang="en-US" b="1" dirty="0">
                 <a:solidFill>
-                  <a:srgbClr val="6946AE"/>
+                  <a:srgbClr val="ECDB43"/>
                 </a:solidFill>
               </a:rPr>
               <a:t>A case study: spawn points placement</a:t>
@@ -6529,7 +8442,7 @@
             <a:r>
               <a:rPr lang="en-US" b="1" dirty="0">
                 <a:solidFill>
-                  <a:srgbClr val="6946AE"/>
+                  <a:srgbClr val="ECDB43"/>
                 </a:solidFill>
               </a:rPr>
               <a:t>Experimental results</a:t>
@@ -6537,211 +8450,6 @@
           </a:p>
         </p:txBody>
       </p:sp>
-      <p:sp>
-        <p:nvSpPr>
-          <p:cNvPr id="5" name="Rettangolo 4">
-            <a:extLst>
-              <a:ext uri="{FF2B5EF4-FFF2-40B4-BE49-F238E27FC236}">
-                <a16:creationId xmlns:a16="http://schemas.microsoft.com/office/drawing/2014/main" id="{594D4035-7A15-43E0-B8ED-26BD9DA6D09C}"/>
-              </a:ext>
-            </a:extLst>
-          </p:cNvPr>
-          <p:cNvSpPr/>
-          <p:nvPr/>
-        </p:nvSpPr>
-        <p:spPr>
-          <a:xfrm>
-            <a:off x="0" y="1933575"/>
-            <a:ext cx="12192000" cy="4924425"/>
-          </a:xfrm>
-          <a:prstGeom prst="rect">
-            <a:avLst/>
-          </a:prstGeom>
-          <a:solidFill>
-            <a:schemeClr val="tx1"/>
-          </a:solidFill>
-          <a:ln>
-            <a:solidFill>
-              <a:schemeClr val="tx1"/>
-            </a:solidFill>
-          </a:ln>
-        </p:spPr>
-        <p:style>
-          <a:lnRef idx="2">
-            <a:schemeClr val="accent1">
-              <a:shade val="50000"/>
-            </a:schemeClr>
-          </a:lnRef>
-          <a:fillRef idx="1">
-            <a:schemeClr val="accent1"/>
-          </a:fillRef>
-          <a:effectRef idx="0">
-            <a:schemeClr val="accent1"/>
-          </a:effectRef>
-          <a:fontRef idx="minor">
-            <a:schemeClr val="lt1"/>
-          </a:fontRef>
-        </p:style>
-        <p:txBody>
-          <a:bodyPr rtlCol="0" anchor="ctr"/>
-          <a:lstStyle/>
-          <a:p>
-            <a:pPr algn="ctr"/>
-            <a:endParaRPr lang="en-US" dirty="0">
-              <a:solidFill>
-                <a:schemeClr val="bg1">
-                  <a:lumMod val="85000"/>
-                  <a:lumOff val="15000"/>
-                </a:schemeClr>
-              </a:solidFill>
-            </a:endParaRPr>
-          </a:p>
-        </p:txBody>
-      </p:sp>
-      <p:pic>
-        <p:nvPicPr>
-          <p:cNvPr id="4" name="Immagine 3" descr="Immagine che contiene mappa, testo&#10;&#10;Descrizione generata con affidabilità elevata">
-            <a:extLst>
-              <a:ext uri="{FF2B5EF4-FFF2-40B4-BE49-F238E27FC236}">
-                <a16:creationId xmlns:a16="http://schemas.microsoft.com/office/drawing/2014/main" id="{B578E1F7-4614-41D8-B941-D03A2366A1BF}"/>
-              </a:ext>
-            </a:extLst>
-          </p:cNvPr>
-          <p:cNvPicPr>
-            <a:picLocks noChangeAspect="1"/>
-          </p:cNvPicPr>
-          <p:nvPr/>
-        </p:nvPicPr>
-        <p:blipFill>
-          <a:blip r:embed="rId2">
-            <a:extLst>
-              <a:ext uri="{28A0092B-C50C-407E-A947-70E740481C1C}">
-                <a14:useLocalDpi xmlns:a14="http://schemas.microsoft.com/office/drawing/2010/main" val="0"/>
-              </a:ext>
-            </a:extLst>
-          </a:blip>
-          <a:stretch>
-            <a:fillRect/>
-          </a:stretch>
-        </p:blipFill>
-        <p:spPr>
-          <a:xfrm>
-            <a:off x="9689872" y="1973086"/>
-            <a:ext cx="2502128" cy="2502128"/>
-          </a:xfrm>
-          <a:prstGeom prst="rect">
-            <a:avLst/>
-          </a:prstGeom>
-        </p:spPr>
-      </p:pic>
-      <p:pic>
-        <p:nvPicPr>
-          <p:cNvPr id="8" name="Immagine 7" descr="Immagine che contiene testo&#10;&#10;Descrizione generata con affidabilità elevata">
-            <a:extLst>
-              <a:ext uri="{FF2B5EF4-FFF2-40B4-BE49-F238E27FC236}">
-                <a16:creationId xmlns:a16="http://schemas.microsoft.com/office/drawing/2014/main" id="{45F3E354-EFD5-49CB-81B3-AAE35BDDB7DF}"/>
-              </a:ext>
-            </a:extLst>
-          </p:cNvPr>
-          <p:cNvPicPr>
-            <a:picLocks noChangeAspect="1"/>
-          </p:cNvPicPr>
-          <p:nvPr/>
-        </p:nvPicPr>
-        <p:blipFill>
-          <a:blip r:embed="rId3">
-            <a:extLst>
-              <a:ext uri="{28A0092B-C50C-407E-A947-70E740481C1C}">
-                <a14:useLocalDpi xmlns:a14="http://schemas.microsoft.com/office/drawing/2010/main" val="0"/>
-              </a:ext>
-            </a:extLst>
-          </a:blip>
-          <a:stretch>
-            <a:fillRect/>
-          </a:stretch>
-        </p:blipFill>
-        <p:spPr>
-          <a:xfrm>
-            <a:off x="6958737" y="1933575"/>
-            <a:ext cx="2502128" cy="2502128"/>
-          </a:xfrm>
-          <a:prstGeom prst="rect">
-            <a:avLst/>
-          </a:prstGeom>
-        </p:spPr>
-      </p:pic>
-      <p:pic>
-        <p:nvPicPr>
-          <p:cNvPr id="11" name="Immagine 10">
-            <a:extLst>
-              <a:ext uri="{FF2B5EF4-FFF2-40B4-BE49-F238E27FC236}">
-                <a16:creationId xmlns:a16="http://schemas.microsoft.com/office/drawing/2014/main" id="{CE3069CE-36F5-4B56-A36C-5FE6BDB86C49}"/>
-              </a:ext>
-            </a:extLst>
-          </p:cNvPr>
-          <p:cNvPicPr>
-            <a:picLocks noChangeAspect="1"/>
-          </p:cNvPicPr>
-          <p:nvPr/>
-        </p:nvPicPr>
-        <p:blipFill>
-          <a:blip r:embed="rId4">
-            <a:extLst>
-              <a:ext uri="{28A0092B-C50C-407E-A947-70E740481C1C}">
-                <a14:useLocalDpi xmlns:a14="http://schemas.microsoft.com/office/drawing/2010/main" val="0"/>
-              </a:ext>
-            </a:extLst>
-          </a:blip>
-          <a:stretch>
-            <a:fillRect/>
-          </a:stretch>
-        </p:blipFill>
-        <p:spPr>
-          <a:xfrm>
-            <a:off x="6958737" y="4355872"/>
-            <a:ext cx="2502128" cy="2502128"/>
-          </a:xfrm>
-          <a:prstGeom prst="rect">
-            <a:avLst/>
-          </a:prstGeom>
-        </p:spPr>
-      </p:pic>
-      <p:pic>
-        <p:nvPicPr>
-          <p:cNvPr id="13" name="Immagine 12" descr="Immagine che contiene testo&#10;&#10;Descrizione generata con affidabilità molto elevata">
-            <a:extLst>
-              <a:ext uri="{FF2B5EF4-FFF2-40B4-BE49-F238E27FC236}">
-                <a16:creationId xmlns:a16="http://schemas.microsoft.com/office/drawing/2014/main" id="{4C839DBB-6BA9-46E7-835C-F7BCD6790494}"/>
-              </a:ext>
-            </a:extLst>
-          </p:cNvPr>
-          <p:cNvPicPr>
-            <a:picLocks noChangeAspect="1"/>
-          </p:cNvPicPr>
-          <p:nvPr/>
-        </p:nvPicPr>
-        <p:blipFill>
-          <a:blip r:embed="rId5">
-            <a:extLst>
-              <a:ext uri="{28A0092B-C50C-407E-A947-70E740481C1C}">
-                <a14:useLocalDpi xmlns:a14="http://schemas.microsoft.com/office/drawing/2010/main" val="0"/>
-              </a:ext>
-            </a:extLst>
-          </a:blip>
-          <a:stretch>
-            <a:fillRect/>
-          </a:stretch>
-        </p:blipFill>
-        <p:spPr>
-          <a:xfrm>
-            <a:off x="9689872" y="4395787"/>
-            <a:ext cx="2441247" cy="2441247"/>
-          </a:xfrm>
-          <a:prstGeom prst="rect">
-            <a:avLst/>
-          </a:prstGeom>
-        </p:spPr>
-      </p:pic>
       <mc:AlternateContent xmlns:mc="http://schemas.openxmlformats.org/markup-compatibility/2006" xmlns:a14="http://schemas.microsoft.com/office/drawing/2010/main">
         <mc:Choice Requires="a14">
           <p:sp>
@@ -6758,8 +8466,8 @@
             </p:nvSpPr>
             <p:spPr>
               <a:xfrm>
-                <a:off x="60880" y="2364461"/>
-                <a:ext cx="6836975" cy="4008149"/>
+                <a:off x="60880" y="3010791"/>
+                <a:ext cx="6836975" cy="2715487"/>
               </a:xfrm>
               <a:prstGeom prst="rect">
                 <a:avLst/>
@@ -6772,50 +8480,20 @@
               </a:bodyPr>
               <a:lstStyle/>
               <a:p>
-                <a:r>
-                  <a:rPr lang="en-US" sz="2800" dirty="0">
-                    <a:solidFill>
-                      <a:schemeClr val="bg1">
-                        <a:lumMod val="85000"/>
-                        <a:lumOff val="15000"/>
-                      </a:schemeClr>
-                    </a:solidFill>
-                  </a:rPr>
-                  <a:t>Spawn points placed with the heuristic approach proved harder to find than the ones placed with the uniform approach.</a:t>
-                </a:r>
-              </a:p>
-              <a:p>
                 <a:endParaRPr lang="en-US" sz="2800" dirty="0">
                   <a:solidFill>
-                    <a:schemeClr val="bg1">
-                      <a:lumMod val="85000"/>
-                      <a:lumOff val="15000"/>
-                    </a:schemeClr>
+                    <a:schemeClr val="tx1"/>
                   </a:solidFill>
                 </a:endParaRPr>
               </a:p>
               <a:p>
                 <a:r>
-                  <a:rPr lang="en-US" sz="2800" dirty="0" err="1">
+                  <a:rPr lang="en-US" sz="2800" dirty="0">
                     <a:solidFill>
-                      <a:schemeClr val="bg1">
-                        <a:lumMod val="85000"/>
-                        <a:lumOff val="15000"/>
-                      </a:schemeClr>
+                      <a:schemeClr val="tx1"/>
                     </a:solidFill>
                   </a:rPr>
-                  <a:t>AvgKillTime</a:t>
-                </a:r>
-                <a:r>
-                  <a:rPr lang="en-US" sz="2800" dirty="0">
-                    <a:solidFill>
-                      <a:schemeClr val="bg1">
-                        <a:lumMod val="85000"/>
-                        <a:lumOff val="15000"/>
-                      </a:schemeClr>
-                    </a:solidFill>
-                  </a:rPr>
-                  <a:t>: 26% higher for uniform approach with </a:t>
+                  <a:t>Time between kills 26% higher for uniform approach with </a:t>
                 </a:r>
                 <a14:m>
                   <m:oMath xmlns:m="http://schemas.openxmlformats.org/officeDocument/2006/math">
@@ -6824,10 +8502,7 @@
                         <m:ctrlPr>
                           <a:rPr lang="it-IT" sz="2800" b="0" i="1" smtClean="0">
                             <a:solidFill>
-                              <a:schemeClr val="bg1">
-                                <a:lumMod val="85000"/>
-                                <a:lumOff val="15000"/>
-                              </a:schemeClr>
+                              <a:schemeClr val="tx1"/>
                             </a:solidFill>
                             <a:latin typeface="Cambria Math" panose="02040503050406030204" pitchFamily="18" charset="0"/>
                             <a:ea typeface="Cambria Math" panose="02040503050406030204" pitchFamily="18" charset="0"/>
@@ -6838,10 +8513,7 @@
                         <m:r>
                           <a:rPr lang="en-US" sz="2800" i="1" smtClean="0">
                             <a:solidFill>
-                              <a:schemeClr val="bg1">
-                                <a:lumMod val="85000"/>
-                                <a:lumOff val="15000"/>
-                              </a:schemeClr>
+                              <a:schemeClr val="tx1"/>
                             </a:solidFill>
                             <a:latin typeface="Cambria Math" panose="02040503050406030204" pitchFamily="18" charset="0"/>
                             <a:ea typeface="Cambria Math" panose="02040503050406030204" pitchFamily="18" charset="0"/>
@@ -6853,10 +8525,7 @@
                         <m:r>
                           <a:rPr lang="it-IT" sz="2800" b="0" i="1" smtClean="0">
                             <a:solidFill>
-                              <a:schemeClr val="bg1">
-                                <a:lumMod val="85000"/>
-                                <a:lumOff val="15000"/>
-                              </a:schemeClr>
+                              <a:schemeClr val="tx1"/>
                             </a:solidFill>
                             <a:latin typeface="Cambria Math" panose="02040503050406030204" pitchFamily="18" charset="0"/>
                             <a:ea typeface="Cambria Math" panose="02040503050406030204" pitchFamily="18" charset="0"/>
@@ -6866,10 +8535,7 @@
                         <m:r>
                           <a:rPr lang="it-IT" sz="2800" b="0" i="1" smtClean="0">
                             <a:solidFill>
-                              <a:schemeClr val="bg1">
-                                <a:lumMod val="85000"/>
-                                <a:lumOff val="15000"/>
-                              </a:schemeClr>
+                              <a:schemeClr val="tx1"/>
                             </a:solidFill>
                             <a:latin typeface="Cambria Math" panose="02040503050406030204" pitchFamily="18" charset="0"/>
                             <a:ea typeface="Cambria Math" panose="02040503050406030204" pitchFamily="18" charset="0"/>
@@ -6879,10 +8545,7 @@
                         <m:r>
                           <a:rPr lang="it-IT" sz="2800" b="0" i="1" smtClean="0">
                             <a:solidFill>
-                              <a:schemeClr val="bg1">
-                                <a:lumMod val="85000"/>
-                                <a:lumOff val="15000"/>
-                              </a:schemeClr>
+                              <a:schemeClr val="tx1"/>
                             </a:solidFill>
                             <a:latin typeface="Cambria Math" panose="02040503050406030204" pitchFamily="18" charset="0"/>
                             <a:ea typeface="Cambria Math" panose="02040503050406030204" pitchFamily="18" charset="0"/>
@@ -6892,10 +8555,7 @@
                         <m:r>
                           <a:rPr lang="it-IT" sz="2800" b="0" i="1" smtClean="0">
                             <a:solidFill>
-                              <a:schemeClr val="bg1">
-                                <a:lumMod val="85000"/>
-                                <a:lumOff val="15000"/>
-                              </a:schemeClr>
+                              <a:schemeClr val="tx1"/>
                             </a:solidFill>
                             <a:latin typeface="Cambria Math" panose="02040503050406030204" pitchFamily="18" charset="0"/>
                             <a:ea typeface="Cambria Math" panose="02040503050406030204" pitchFamily="18" charset="0"/>
@@ -6905,10 +8565,7 @@
                         <m:r>
                           <a:rPr lang="it-IT" sz="2800" b="0" i="1" smtClean="0">
                             <a:solidFill>
-                              <a:schemeClr val="bg1">
-                                <a:lumMod val="85000"/>
-                                <a:lumOff val="15000"/>
-                              </a:schemeClr>
+                              <a:schemeClr val="tx1"/>
                             </a:solidFill>
                             <a:latin typeface="Cambria Math" panose="02040503050406030204" pitchFamily="18" charset="0"/>
                             <a:ea typeface="Cambria Math" panose="02040503050406030204" pitchFamily="18" charset="0"/>
@@ -6920,10 +8577,7 @@
                     <m:r>
                       <a:rPr lang="it-IT" sz="2800" b="0" i="1" smtClean="0">
                         <a:solidFill>
-                          <a:schemeClr val="bg1">
-                            <a:lumMod val="85000"/>
-                            <a:lumOff val="15000"/>
-                          </a:schemeClr>
+                          <a:schemeClr val="tx1"/>
                         </a:solidFill>
                         <a:latin typeface="Cambria Math" panose="02040503050406030204" pitchFamily="18" charset="0"/>
                         <a:ea typeface="Cambria Math" panose="02040503050406030204" pitchFamily="18" charset="0"/>
@@ -6934,45 +8588,25 @@
                 </a14:m>
                 <a:endParaRPr lang="en-US" sz="2800" dirty="0">
                   <a:solidFill>
-                    <a:schemeClr val="bg1">
-                      <a:lumMod val="85000"/>
-                      <a:lumOff val="15000"/>
-                    </a:schemeClr>
+                    <a:schemeClr val="tx1"/>
                   </a:solidFill>
                 </a:endParaRPr>
               </a:p>
               <a:p>
                 <a:endParaRPr lang="en-US" sz="2800" dirty="0">
                   <a:solidFill>
-                    <a:schemeClr val="bg1">
-                      <a:lumMod val="85000"/>
-                      <a:lumOff val="15000"/>
-                    </a:schemeClr>
+                    <a:schemeClr val="tx1"/>
                   </a:solidFill>
                 </a:endParaRPr>
               </a:p>
               <a:p>
                 <a:r>
-                  <a:rPr lang="en-US" sz="2800" dirty="0" err="1">
+                  <a:rPr lang="en-US" sz="2800" dirty="0">
                     <a:solidFill>
-                      <a:schemeClr val="bg1">
-                        <a:lumMod val="85000"/>
-                        <a:lumOff val="15000"/>
-                      </a:schemeClr>
+                      <a:schemeClr val="tx1"/>
                     </a:solidFill>
                   </a:rPr>
-                  <a:t>AvgKillDistance</a:t>
-                </a:r>
-                <a:r>
-                  <a:rPr lang="en-US" sz="2800" dirty="0">
-                    <a:solidFill>
-                      <a:schemeClr val="bg1">
-                        <a:lumMod val="85000"/>
-                        <a:lumOff val="15000"/>
-                      </a:schemeClr>
-                    </a:solidFill>
-                  </a:rPr>
-                  <a:t>: 21% higher for uniform approach with </a:t>
+                  <a:t>Average Kill Distance: 21% higher for uniform approach with </a:t>
                 </a:r>
                 <a14:m>
                   <m:oMath xmlns:m="http://schemas.openxmlformats.org/officeDocument/2006/math">
@@ -6981,10 +8615,7 @@
                         <m:ctrlPr>
                           <a:rPr lang="it-IT" sz="2800" i="1">
                             <a:solidFill>
-                              <a:schemeClr val="bg1">
-                                <a:lumMod val="85000"/>
-                                <a:lumOff val="15000"/>
-                              </a:schemeClr>
+                              <a:schemeClr val="tx1"/>
                             </a:solidFill>
                             <a:latin typeface="Cambria Math" panose="02040503050406030204" pitchFamily="18" charset="0"/>
                             <a:ea typeface="Cambria Math" panose="02040503050406030204" pitchFamily="18" charset="0"/>
@@ -6995,10 +8626,7 @@
                         <m:r>
                           <a:rPr lang="en-US" sz="2800" i="1">
                             <a:solidFill>
-                              <a:schemeClr val="bg1">
-                                <a:lumMod val="85000"/>
-                                <a:lumOff val="15000"/>
-                              </a:schemeClr>
+                              <a:schemeClr val="tx1"/>
                             </a:solidFill>
                             <a:latin typeface="Cambria Math" panose="02040503050406030204" pitchFamily="18" charset="0"/>
                             <a:ea typeface="Cambria Math" panose="02040503050406030204" pitchFamily="18" charset="0"/>
@@ -7010,10 +8638,7 @@
                         <m:r>
                           <a:rPr lang="it-IT" sz="2800" i="1">
                             <a:solidFill>
-                              <a:schemeClr val="bg1">
-                                <a:lumMod val="85000"/>
-                                <a:lumOff val="15000"/>
-                              </a:schemeClr>
+                              <a:schemeClr val="tx1"/>
                             </a:solidFill>
                             <a:latin typeface="Cambria Math" panose="02040503050406030204" pitchFamily="18" charset="0"/>
                             <a:ea typeface="Cambria Math" panose="02040503050406030204" pitchFamily="18" charset="0"/>
@@ -7023,10 +8648,7 @@
                         <m:r>
                           <a:rPr lang="it-IT" sz="2800" i="1">
                             <a:solidFill>
-                              <a:schemeClr val="bg1">
-                                <a:lumMod val="85000"/>
-                                <a:lumOff val="15000"/>
-                              </a:schemeClr>
+                              <a:schemeClr val="tx1"/>
                             </a:solidFill>
                             <a:latin typeface="Cambria Math" panose="02040503050406030204" pitchFamily="18" charset="0"/>
                             <a:ea typeface="Cambria Math" panose="02040503050406030204" pitchFamily="18" charset="0"/>
@@ -7036,10 +8658,7 @@
                         <m:r>
                           <a:rPr lang="it-IT" sz="2800" i="1">
                             <a:solidFill>
-                              <a:schemeClr val="bg1">
-                                <a:lumMod val="85000"/>
-                                <a:lumOff val="15000"/>
-                              </a:schemeClr>
+                              <a:schemeClr val="tx1"/>
                             </a:solidFill>
                             <a:latin typeface="Cambria Math" panose="02040503050406030204" pitchFamily="18" charset="0"/>
                             <a:ea typeface="Cambria Math" panose="02040503050406030204" pitchFamily="18" charset="0"/>
@@ -7049,10 +8668,7 @@
                         <m:r>
                           <a:rPr lang="it-IT" sz="2800" i="1">
                             <a:solidFill>
-                              <a:schemeClr val="bg1">
-                                <a:lumMod val="85000"/>
-                                <a:lumOff val="15000"/>
-                              </a:schemeClr>
+                              <a:schemeClr val="tx1"/>
                             </a:solidFill>
                             <a:latin typeface="Cambria Math" panose="02040503050406030204" pitchFamily="18" charset="0"/>
                             <a:ea typeface="Cambria Math" panose="02040503050406030204" pitchFamily="18" charset="0"/>
@@ -7062,10 +8678,7 @@
                         <m:r>
                           <a:rPr lang="it-IT" sz="2800" i="1">
                             <a:solidFill>
-                              <a:schemeClr val="bg1">
-                                <a:lumMod val="85000"/>
-                                <a:lumOff val="15000"/>
-                              </a:schemeClr>
+                              <a:schemeClr val="tx1"/>
                             </a:solidFill>
                             <a:latin typeface="Cambria Math" panose="02040503050406030204" pitchFamily="18" charset="0"/>
                             <a:ea typeface="Cambria Math" panose="02040503050406030204" pitchFamily="18" charset="0"/>
@@ -7077,10 +8690,7 @@
                     <m:r>
                       <a:rPr lang="it-IT" sz="2800" i="1">
                         <a:solidFill>
-                          <a:schemeClr val="bg1">
-                            <a:lumMod val="85000"/>
-                            <a:lumOff val="15000"/>
-                          </a:schemeClr>
+                          <a:schemeClr val="tx1"/>
                         </a:solidFill>
                         <a:latin typeface="Cambria Math" panose="02040503050406030204" pitchFamily="18" charset="0"/>
                         <a:ea typeface="Cambria Math" panose="02040503050406030204" pitchFamily="18" charset="0"/>
@@ -7090,10 +8700,7 @@
                     <m:r>
                       <a:rPr lang="it-IT" sz="2800" b="0" i="1" smtClean="0">
                         <a:solidFill>
-                          <a:schemeClr val="bg1">
-                            <a:lumMod val="85000"/>
-                            <a:lumOff val="15000"/>
-                          </a:schemeClr>
+                          <a:schemeClr val="tx1"/>
                         </a:solidFill>
                         <a:latin typeface="Cambria Math" panose="02040503050406030204" pitchFamily="18" charset="0"/>
                         <a:ea typeface="Cambria Math" panose="02040503050406030204" pitchFamily="18" charset="0"/>
@@ -7104,10 +8711,7 @@
                 </a14:m>
                 <a:endParaRPr lang="en-US" sz="2800" dirty="0">
                   <a:solidFill>
-                    <a:schemeClr val="bg1">
-                      <a:lumMod val="85000"/>
-                      <a:lumOff val="15000"/>
-                    </a:schemeClr>
+                    <a:schemeClr val="tx1"/>
                   </a:solidFill>
                 </a:endParaRPr>
               </a:p>
@@ -7131,16 +8735,16 @@
             </p:nvSpPr>
             <p:spPr>
               <a:xfrm>
-                <a:off x="60880" y="2364461"/>
-                <a:ext cx="6836975" cy="4008149"/>
+                <a:off x="60880" y="3010791"/>
+                <a:ext cx="6836975" cy="2715487"/>
               </a:xfrm>
               <a:prstGeom prst="rect">
                 <a:avLst/>
               </a:prstGeom>
               <a:blipFill>
-                <a:blip r:embed="rId6"/>
+                <a:blip r:embed="rId2"/>
                 <a:stretch>
-                  <a:fillRect l="-1872" t="-913" r="-2496" b="-3653"/>
+                  <a:fillRect l="-1872" r="-713" b="-5618"/>
                 </a:stretch>
               </a:blipFill>
             </p:spPr>
@@ -7279,7 +8883,7 @@
             <a:r>
               <a:rPr lang="en-US" b="1" dirty="0">
                 <a:solidFill>
-                  <a:srgbClr val="6946AE"/>
+                  <a:srgbClr val="ECDB43"/>
                 </a:solidFill>
               </a:rPr>
               <a:t>Experimental results</a:t>
@@ -7855,7 +9459,7 @@
             <a:r>
               <a:rPr lang="en-US" b="1" dirty="0">
                 <a:solidFill>
-                  <a:srgbClr val="6946AE"/>
+                  <a:srgbClr val="ECDB43"/>
                 </a:solidFill>
               </a:rPr>
               <a:t>Conclusions</a:t>
@@ -7997,7 +9601,7 @@
             <a:r>
               <a:rPr lang="it-IT" b="1" dirty="0">
                 <a:solidFill>
-                  <a:srgbClr val="6946AE"/>
+                  <a:srgbClr val="ECDB43"/>
                 </a:solidFill>
               </a:rPr>
               <a:t>Level Design</a:t>
@@ -8023,13 +9627,13 @@
         </p:nvSpPr>
         <p:spPr>
           <a:xfrm>
-            <a:off x="838200" y="2336800"/>
-            <a:ext cx="10515600" cy="3286123"/>
+            <a:off x="838200" y="2150710"/>
+            <a:ext cx="10515600" cy="3787979"/>
           </a:xfrm>
         </p:spPr>
         <p:txBody>
           <a:bodyPr>
-            <a:normAutofit lnSpcReduction="10000"/>
+            <a:normAutofit/>
           </a:bodyPr>
           <a:lstStyle/>
           <a:p>
@@ -8101,10 +9705,10 @@
       </p:sp>
       <p:pic>
         <p:nvPicPr>
-          <p:cNvPr id="10" name="Elemento grafico 9" descr="Freccia linea: diritta">
+          <p:cNvPr id="12" name="Elemento grafico 11" descr="Freccia linea: diritta">
             <a:extLst>
               <a:ext uri="{FF2B5EF4-FFF2-40B4-BE49-F238E27FC236}">
-                <a16:creationId xmlns:a16="http://schemas.microsoft.com/office/drawing/2014/main" id="{BCF74162-1ABE-40E2-A9E2-4247EEDF3611}"/>
+                <a16:creationId xmlns:a16="http://schemas.microsoft.com/office/drawing/2014/main" id="{B865DDF9-5D02-4AED-9DC4-77A3D2167771}"/>
               </a:ext>
             </a:extLst>
           </p:cNvPr>
@@ -8114,13 +9718,13 @@
           <p:nvPr/>
         </p:nvPicPr>
         <p:blipFill>
-          <a:blip r:embed="rId2">
+          <a:blip r:embed="rId3">
             <a:extLst>
               <a:ext uri="{28A0092B-C50C-407E-A947-70E740481C1C}">
                 <a14:useLocalDpi xmlns:a14="http://schemas.microsoft.com/office/drawing/2010/main" val="0"/>
               </a:ext>
               <a:ext uri="{96DAC541-7B7A-43D3-8B79-37D633B846F1}">
-                <asvg:svgBlip xmlns:asvg="http://schemas.microsoft.com/office/drawing/2016/SVG/main" r:embed="rId3"/>
+                <asvg:svgBlip xmlns:asvg="http://schemas.microsoft.com/office/drawing/2016/SVG/main" r:embed="rId4"/>
               </a:ext>
             </a:extLst>
           </a:blip>
@@ -8130,8 +9734,8 @@
         </p:blipFill>
         <p:spPr>
           <a:xfrm rot="16200000">
-            <a:off x="5842000" y="4664102"/>
-            <a:ext cx="508000" cy="508000"/>
+            <a:off x="5860287" y="3678033"/>
+            <a:ext cx="471433" cy="508000"/>
           </a:xfrm>
           <a:prstGeom prst="rect">
             <a:avLst/>
@@ -8140,10 +9744,10 @@
       </p:pic>
       <p:pic>
         <p:nvPicPr>
-          <p:cNvPr id="12" name="Elemento grafico 11" descr="Freccia linea: diritta">
+          <p:cNvPr id="6" name="Elemento grafico 5" descr="Freccia linea: diritta">
             <a:extLst>
               <a:ext uri="{FF2B5EF4-FFF2-40B4-BE49-F238E27FC236}">
-                <a16:creationId xmlns:a16="http://schemas.microsoft.com/office/drawing/2014/main" id="{B865DDF9-5D02-4AED-9DC4-77A3D2167771}"/>
+                <a16:creationId xmlns:a16="http://schemas.microsoft.com/office/drawing/2014/main" id="{3B37D7DB-5168-4FC9-82C6-041EA094B558}"/>
               </a:ext>
             </a:extLst>
           </p:cNvPr>
@@ -8153,13 +9757,13 @@
           <p:nvPr/>
         </p:nvPicPr>
         <p:blipFill>
-          <a:blip r:embed="rId2">
+          <a:blip r:embed="rId3">
             <a:extLst>
               <a:ext uri="{28A0092B-C50C-407E-A947-70E740481C1C}">
                 <a14:useLocalDpi xmlns:a14="http://schemas.microsoft.com/office/drawing/2010/main" val="0"/>
               </a:ext>
               <a:ext uri="{96DAC541-7B7A-43D3-8B79-37D633B846F1}">
-                <asvg:svgBlip xmlns:asvg="http://schemas.microsoft.com/office/drawing/2016/SVG/main" r:embed="rId3"/>
+                <asvg:svgBlip xmlns:asvg="http://schemas.microsoft.com/office/drawing/2016/SVG/main" r:embed="rId4"/>
               </a:ext>
             </a:extLst>
           </a:blip>
@@ -8169,8 +9773,8 @@
         </p:blipFill>
         <p:spPr>
           <a:xfrm rot="16200000">
-            <a:off x="5842000" y="3705281"/>
-            <a:ext cx="508000" cy="508000"/>
+            <a:off x="5857114" y="4687934"/>
+            <a:ext cx="471431" cy="508000"/>
           </a:xfrm>
           <a:prstGeom prst="rect">
             <a:avLst/>
@@ -8243,7 +9847,7 @@
             <a:r>
               <a:rPr lang="en-US" b="1" dirty="0">
                 <a:solidFill>
-                  <a:srgbClr val="6946AE"/>
+                  <a:srgbClr val="ECDB43"/>
                 </a:solidFill>
               </a:rPr>
               <a:t>Future developments</a:t>
@@ -8451,10 +10055,10 @@
       </p:grpSpPr>
       <p:pic>
         <p:nvPicPr>
-          <p:cNvPr id="5" name="Segnaposto contenuto 4">
+          <p:cNvPr id="6" name="Segnaposto contenuto 5">
             <a:extLst>
               <a:ext uri="{FF2B5EF4-FFF2-40B4-BE49-F238E27FC236}">
-                <a16:creationId xmlns:a16="http://schemas.microsoft.com/office/drawing/2014/main" id="{6CED8E20-F1E5-44D8-8454-ADC36F46DF89}"/>
+                <a16:creationId xmlns:a16="http://schemas.microsoft.com/office/drawing/2014/main" id="{734E41DA-CFD2-412E-9590-01878CE44EFB}"/>
               </a:ext>
             </a:extLst>
           </p:cNvPr>
@@ -8466,7 +10070,7 @@
           </p:nvPr>
         </p:nvPicPr>
         <p:blipFill>
-          <a:blip r:embed="rId2">
+          <a:blip r:embed="rId3">
             <a:extLst>
               <a:ext uri="{28A0092B-C50C-407E-A947-70E740481C1C}">
                 <a14:useLocalDpi xmlns:a14="http://schemas.microsoft.com/office/drawing/2010/main" val="0"/>
@@ -8480,7 +10084,7 @@
         <p:spPr>
           <a:xfrm>
             <a:off x="0" y="0"/>
-            <a:ext cx="12192000" cy="6858001"/>
+            <a:ext cx="12192000" cy="6858000"/>
           </a:xfrm>
         </p:spPr>
       </p:pic>
@@ -8550,7 +10154,7 @@
             <a:r>
               <a:rPr lang="en-US" b="1" dirty="0">
                 <a:solidFill>
-                  <a:srgbClr val="6946AE"/>
+                  <a:srgbClr val="ECDB43"/>
                 </a:solidFill>
               </a:rPr>
               <a:t>Research in Level Design</a:t>
@@ -8576,8 +10180,8 @@
         </p:nvSpPr>
         <p:spPr>
           <a:xfrm>
-            <a:off x="838200" y="2128344"/>
-            <a:ext cx="10515600" cy="3795377"/>
+            <a:off x="838200" y="2807522"/>
+            <a:ext cx="10515600" cy="2285171"/>
           </a:xfrm>
         </p:spPr>
         <p:txBody>
@@ -8591,20 +10195,7 @@
             </a:pPr>
             <a:r>
               <a:rPr lang="en-US" dirty="0"/>
-              <a:t>Two main fields: formalization of the discipline and support to the design process</a:t>
-            </a:r>
-          </a:p>
-          <a:p>
-            <a:pPr algn="ctr"/>
-            <a:endParaRPr lang="en-US" dirty="0"/>
-          </a:p>
-          <a:p>
-            <a:pPr marL="0" indent="0" algn="ctr">
-              <a:buNone/>
-            </a:pPr>
-            <a:r>
-              <a:rPr lang="en-US" dirty="0"/>
-              <a:t>Many works use Procedural Content Generation to support the design process.</a:t>
+              <a:t>By the industry, Level Design is considered more as an art than a science.</a:t>
             </a:r>
           </a:p>
           <a:p>
@@ -8619,14 +10210,8 @@
             </a:pPr>
             <a:r>
               <a:rPr lang="en-US" dirty="0"/>
-              <a:t>The majority of these works are based on data collected from simulations.</a:t>
-            </a:r>
-          </a:p>
-          <a:p>
-            <a:pPr marL="0" indent="0" algn="ctr">
-              <a:buNone/>
-            </a:pPr>
-            <a:endParaRPr lang="en-US" dirty="0"/>
+              <a:t>Academic research aims at formalizing the discipline and at supporting the design process.</a:t>
+            </a:r>
           </a:p>
         </p:txBody>
       </p:sp>
@@ -8687,7 +10272,12 @@
             <p:ph type="title"/>
           </p:nvPr>
         </p:nvSpPr>
-        <p:spPr/>
+        <p:spPr>
+          <a:xfrm>
+            <a:off x="738648" y="365125"/>
+            <a:ext cx="10714703" cy="1325563"/>
+          </a:xfrm>
+        </p:spPr>
         <p:txBody>
           <a:bodyPr/>
           <a:lstStyle/>
@@ -8696,10 +10286,10 @@
             <a:r>
               <a:rPr lang="en-US" b="1" dirty="0">
                 <a:solidFill>
-                  <a:srgbClr val="6946AE"/>
+                  <a:srgbClr val="ECDB43"/>
                 </a:solidFill>
               </a:rPr>
-              <a:t>Map design and generation framework</a:t>
+              <a:t>Map design and analysis framework</a:t>
             </a:r>
           </a:p>
         </p:txBody>
@@ -8722,13 +10312,14 @@
         </p:nvSpPr>
         <p:spPr>
           <a:xfrm>
-            <a:off x="838200" y="2605547"/>
-            <a:ext cx="10515600" cy="3318175"/>
+            <a:off x="517421" y="2119264"/>
+            <a:ext cx="11157155" cy="3848915"/>
           </a:xfrm>
+          <a:noFill/>
         </p:spPr>
         <p:txBody>
           <a:bodyPr>
-            <a:normAutofit/>
+            <a:normAutofit lnSpcReduction="10000"/>
           </a:bodyPr>
           <a:lstStyle/>
           <a:p>
@@ -8737,7 +10328,7 @@
             </a:pPr>
             <a:r>
               <a:rPr lang="en-US" dirty="0"/>
-              <a:t>Developed to be modular, parametric and online.</a:t>
+              <a:t>We developed a framework to assist research in this field.</a:t>
             </a:r>
           </a:p>
           <a:p>
@@ -8752,7 +10343,34 @@
             </a:pPr>
             <a:r>
               <a:rPr lang="en-US" dirty="0"/>
-              <a:t>Broad support to existing formats.</a:t>
+              <a:t>Features of the framework:</a:t>
+            </a:r>
+          </a:p>
+          <a:p>
+            <a:pPr marL="0" indent="0" algn="ctr">
+              <a:buNone/>
+            </a:pPr>
+            <a:r>
+              <a:rPr lang="en-US" dirty="0"/>
+              <a:t>Map import and generation.</a:t>
+            </a:r>
+          </a:p>
+          <a:p>
+            <a:pPr marL="0" indent="0" algn="ctr">
+              <a:buNone/>
+            </a:pPr>
+            <a:r>
+              <a:rPr lang="en-US" dirty="0"/>
+              <a:t>Map analysis via graphs. </a:t>
+            </a:r>
+          </a:p>
+          <a:p>
+            <a:pPr marL="0" indent="0" algn="ctr">
+              <a:buNone/>
+            </a:pPr>
+            <a:r>
+              <a:rPr lang="en-US" dirty="0"/>
+              <a:t>Collection of data from real users.</a:t>
             </a:r>
           </a:p>
           <a:p>
@@ -8767,7 +10385,7 @@
             </a:pPr>
             <a:r>
               <a:rPr lang="en-US" dirty="0"/>
-              <a:t>Easy deployment of browser playable experiments.</a:t>
+              <a:t>To test the maps, the framework includes a game with various game modes.</a:t>
             </a:r>
           </a:p>
         </p:txBody>
@@ -8775,7 +10393,7 @@
     </p:spTree>
     <p:extLst>
       <p:ext uri="{BB962C8B-B14F-4D97-AF65-F5344CB8AC3E}">
-        <p14:creationId xmlns:p14="http://schemas.microsoft.com/office/powerpoint/2010/main" val="996828452"/>
+        <p14:creationId xmlns:p14="http://schemas.microsoft.com/office/powerpoint/2010/main" val="3675017094"/>
       </p:ext>
     </p:extLst>
   </p:cSld>
@@ -8818,7 +10436,7 @@
           <p:cNvPr id="2" name="Titolo 1">
             <a:extLst>
               <a:ext uri="{FF2B5EF4-FFF2-40B4-BE49-F238E27FC236}">
-                <a16:creationId xmlns:a16="http://schemas.microsoft.com/office/drawing/2014/main" id="{E99AF1D0-E9FC-4C90-AB85-32798651A082}"/>
+                <a16:creationId xmlns:a16="http://schemas.microsoft.com/office/drawing/2014/main" id="{70EA4E8E-9991-4768-9335-0FE5E2A5AACA}"/>
               </a:ext>
             </a:extLst>
           </p:cNvPr>
@@ -8838,55 +10456,59 @@
             <a:r>
               <a:rPr lang="en-US" b="1" dirty="0">
                 <a:solidFill>
-                  <a:srgbClr val="6946AE"/>
+                  <a:srgbClr val="ECDB43"/>
                 </a:solidFill>
               </a:rPr>
-              <a:t>Map generation</a:t>
-            </a:r>
-          </a:p>
-        </p:txBody>
-      </p:sp>
-      <p:pic>
-        <p:nvPicPr>
-          <p:cNvPr id="5" name="Segnaposto contenuto 4">
+              <a:t>Map representation</a:t>
+            </a:r>
+          </a:p>
+        </p:txBody>
+      </p:sp>
+      <p:sp>
+        <p:nvSpPr>
+          <p:cNvPr id="3" name="Segnaposto contenuto 2">
             <a:extLst>
               <a:ext uri="{FF2B5EF4-FFF2-40B4-BE49-F238E27FC236}">
-                <a16:creationId xmlns:a16="http://schemas.microsoft.com/office/drawing/2014/main" id="{3676F5D7-9F48-4671-9D0B-D4E656A80EF2}"/>
+                <a16:creationId xmlns:a16="http://schemas.microsoft.com/office/drawing/2014/main" id="{11FAC0A7-99B3-48B4-8E71-42429A58787F}"/>
               </a:ext>
             </a:extLst>
           </p:cNvPr>
-          <p:cNvPicPr>
-            <a:picLocks noGrp="1" noChangeAspect="1"/>
-          </p:cNvPicPr>
+          <p:cNvSpPr>
+            <a:spLocks noGrp="1"/>
+          </p:cNvSpPr>
           <p:nvPr>
             <p:ph idx="1"/>
           </p:nvPr>
-        </p:nvPicPr>
-        <p:blipFill>
-          <a:blip r:embed="rId2">
-            <a:extLst>
-              <a:ext uri="{28A0092B-C50C-407E-A947-70E740481C1C}">
-                <a14:useLocalDpi xmlns:a14="http://schemas.microsoft.com/office/drawing/2010/main" val="0"/>
-              </a:ext>
-            </a:extLst>
-          </a:blip>
-          <a:stretch>
-            <a:fillRect/>
-          </a:stretch>
-        </p:blipFill>
+        </p:nvSpPr>
         <p:spPr>
           <a:xfrm>
-            <a:off x="838201" y="2126106"/>
-            <a:ext cx="2977897" cy="2977897"/>
+            <a:off x="838200" y="1802818"/>
+            <a:ext cx="10515600" cy="515780"/>
           </a:xfrm>
+          <a:noFill/>
         </p:spPr>
-      </p:pic>
+        <p:txBody>
+          <a:bodyPr>
+            <a:normAutofit/>
+          </a:bodyPr>
+          <a:lstStyle/>
+          <a:p>
+            <a:pPr marL="0" indent="0" algn="ctr">
+              <a:buNone/>
+            </a:pPr>
+            <a:r>
+              <a:rPr lang="en-US" dirty="0"/>
+              <a:t>The framework can import and export maps in two formats.</a:t>
+            </a:r>
+          </a:p>
+        </p:txBody>
+      </p:sp>
       <p:pic>
         <p:nvPicPr>
           <p:cNvPr id="7" name="Immagine 6">
             <a:extLst>
               <a:ext uri="{FF2B5EF4-FFF2-40B4-BE49-F238E27FC236}">
-                <a16:creationId xmlns:a16="http://schemas.microsoft.com/office/drawing/2014/main" id="{8D2294D3-A397-4D16-8115-3DB676F7BB99}"/>
+                <a16:creationId xmlns:a16="http://schemas.microsoft.com/office/drawing/2014/main" id="{10B43019-2450-4D7A-8AF9-6502884F1786}"/>
               </a:ext>
             </a:extLst>
           </p:cNvPr>
@@ -8896,21 +10518,15 @@
           <p:nvPr/>
         </p:nvPicPr>
         <p:blipFill>
-          <a:blip r:embed="rId3">
-            <a:extLst>
-              <a:ext uri="{28A0092B-C50C-407E-A947-70E740481C1C}">
-                <a14:useLocalDpi xmlns:a14="http://schemas.microsoft.com/office/drawing/2010/main" val="0"/>
-              </a:ext>
-            </a:extLst>
-          </a:blip>
+          <a:blip r:embed="rId3"/>
           <a:stretch>
             <a:fillRect/>
           </a:stretch>
         </p:blipFill>
         <p:spPr>
           <a:xfrm>
-            <a:off x="8375903" y="2126105"/>
-            <a:ext cx="2977898" cy="2977898"/>
+            <a:off x="2058300" y="2733329"/>
+            <a:ext cx="1648727" cy="2581385"/>
           </a:xfrm>
           <a:prstGeom prst="rect">
             <a:avLst/>
@@ -8922,7 +10538,7 @@
           <p:cNvPr id="9" name="Immagine 8">
             <a:extLst>
               <a:ext uri="{FF2B5EF4-FFF2-40B4-BE49-F238E27FC236}">
-                <a16:creationId xmlns:a16="http://schemas.microsoft.com/office/drawing/2014/main" id="{748B88B6-986D-400B-981A-4BB0148B0B2B}"/>
+                <a16:creationId xmlns:a16="http://schemas.microsoft.com/office/drawing/2014/main" id="{A24B2997-4511-48D3-ACB2-1BF75D82C9FB}"/>
               </a:ext>
             </a:extLst>
           </p:cNvPr>
@@ -8932,43 +10548,129 @@
           <p:nvPr/>
         </p:nvPicPr>
         <p:blipFill>
-          <a:blip r:embed="rId4">
-            <a:extLst>
-              <a:ext uri="{28A0092B-C50C-407E-A947-70E740481C1C}">
-                <a14:useLocalDpi xmlns:a14="http://schemas.microsoft.com/office/drawing/2010/main" val="0"/>
-              </a:ext>
-            </a:extLst>
-          </a:blip>
+          <a:blip r:embed="rId4"/>
           <a:stretch>
             <a:fillRect/>
           </a:stretch>
         </p:blipFill>
         <p:spPr>
           <a:xfrm>
-            <a:off x="4571087" y="2126105"/>
-            <a:ext cx="3049826" cy="2977897"/>
+            <a:off x="8484972" y="3641739"/>
+            <a:ext cx="2049678" cy="764563"/>
           </a:xfrm>
           <a:prstGeom prst="rect">
             <a:avLst/>
           </a:prstGeom>
         </p:spPr>
       </p:pic>
-      <p:sp>
-        <p:nvSpPr>
-          <p:cNvPr id="11" name="CasellaDiTesto 10">
+      <p:cxnSp>
+        <p:nvCxnSpPr>
+          <p:cNvPr id="16" name="Connettore 2 15">
             <a:extLst>
               <a:ext uri="{FF2B5EF4-FFF2-40B4-BE49-F238E27FC236}">
-                <a16:creationId xmlns:a16="http://schemas.microsoft.com/office/drawing/2014/main" id="{79ABCE26-44B0-492F-8E63-DCEEB2FA6BFA}"/>
+                <a16:creationId xmlns:a16="http://schemas.microsoft.com/office/drawing/2014/main" id="{C5A35739-0821-4429-A850-1DDF03D800FA}"/>
               </a:ext>
             </a:extLst>
           </p:cNvPr>
-          <p:cNvSpPr txBox="1"/>
+          <p:cNvCxnSpPr>
+            <a:cxnSpLocks/>
+          </p:cNvCxnSpPr>
+          <p:nvPr/>
+        </p:nvCxnSpPr>
+        <p:spPr>
+          <a:xfrm flipV="1">
+            <a:off x="4007998" y="4024020"/>
+            <a:ext cx="666750" cy="1"/>
+          </a:xfrm>
+          <a:prstGeom prst="straightConnector1">
+            <a:avLst/>
+          </a:prstGeom>
+          <a:ln>
+            <a:solidFill>
+              <a:schemeClr val="tx1"/>
+            </a:solidFill>
+            <a:headEnd type="triangle"/>
+            <a:tailEnd type="triangle"/>
+          </a:ln>
+        </p:spPr>
+        <p:style>
+          <a:lnRef idx="3">
+            <a:schemeClr val="dk1"/>
+          </a:lnRef>
+          <a:fillRef idx="0">
+            <a:schemeClr val="dk1"/>
+          </a:fillRef>
+          <a:effectRef idx="2">
+            <a:schemeClr val="dk1"/>
+          </a:effectRef>
+          <a:fontRef idx="minor">
+            <a:schemeClr val="tx1"/>
+          </a:fontRef>
+        </p:style>
+      </p:cxnSp>
+      <p:cxnSp>
+        <p:nvCxnSpPr>
+          <p:cNvPr id="18" name="Connettore 2 17">
+            <a:extLst>
+              <a:ext uri="{FF2B5EF4-FFF2-40B4-BE49-F238E27FC236}">
+                <a16:creationId xmlns:a16="http://schemas.microsoft.com/office/drawing/2014/main" id="{AC2EE901-5276-4168-9A43-F2EEEE7F76B2}"/>
+              </a:ext>
+            </a:extLst>
+          </p:cNvPr>
+          <p:cNvCxnSpPr>
+            <a:cxnSpLocks/>
+          </p:cNvCxnSpPr>
+          <p:nvPr/>
+        </p:nvCxnSpPr>
+        <p:spPr>
+          <a:xfrm flipV="1">
+            <a:off x="7517251" y="4024020"/>
+            <a:ext cx="666750" cy="1"/>
+          </a:xfrm>
+          <a:prstGeom prst="straightConnector1">
+            <a:avLst/>
+          </a:prstGeom>
+          <a:ln>
+            <a:solidFill>
+              <a:schemeClr val="tx1"/>
+            </a:solidFill>
+            <a:headEnd type="triangle"/>
+            <a:tailEnd type="triangle"/>
+          </a:ln>
+        </p:spPr>
+        <p:style>
+          <a:lnRef idx="3">
+            <a:schemeClr val="dk1"/>
+          </a:lnRef>
+          <a:fillRef idx="0">
+            <a:schemeClr val="dk1"/>
+          </a:fillRef>
+          <a:effectRef idx="2">
+            <a:schemeClr val="dk1"/>
+          </a:effectRef>
+          <a:fontRef idx="minor">
+            <a:schemeClr val="tx1"/>
+          </a:fontRef>
+        </p:style>
+      </p:cxnSp>
+      <p:sp>
+        <p:nvSpPr>
+          <p:cNvPr id="19" name="Segnaposto contenuto 2">
+            <a:extLst>
+              <a:ext uri="{FF2B5EF4-FFF2-40B4-BE49-F238E27FC236}">
+                <a16:creationId xmlns:a16="http://schemas.microsoft.com/office/drawing/2014/main" id="{889AF69F-B287-4F9E-A99C-2B9C53809AD8}"/>
+              </a:ext>
+            </a:extLst>
+          </p:cNvPr>
+          <p:cNvSpPr txBox="1">
+            <a:spLocks/>
+          </p:cNvSpPr>
           <p:nvPr/>
         </p:nvSpPr>
         <p:spPr>
           <a:xfrm>
-            <a:off x="838200" y="5230657"/>
-            <a:ext cx="2977897" cy="523220"/>
+            <a:off x="2058300" y="5619348"/>
+            <a:ext cx="1648727" cy="515780"/>
           </a:xfrm>
           <a:prstGeom prst="rect">
             <a:avLst/>
@@ -8976,262 +10678,8 @@
           <a:noFill/>
         </p:spPr>
         <p:txBody>
-          <a:bodyPr wrap="square" rtlCol="0">
-            <a:spAutoFit/>
-          </a:bodyPr>
-          <a:lstStyle/>
-          <a:p>
-            <a:pPr algn="ctr"/>
-            <a:r>
-              <a:rPr lang="en-US" sz="2800" dirty="0"/>
-              <a:t>Cellular generator</a:t>
-            </a:r>
-          </a:p>
-        </p:txBody>
-      </p:sp>
-      <p:sp>
-        <p:nvSpPr>
-          <p:cNvPr id="12" name="CasellaDiTesto 11">
-            <a:extLst>
-              <a:ext uri="{FF2B5EF4-FFF2-40B4-BE49-F238E27FC236}">
-                <a16:creationId xmlns:a16="http://schemas.microsoft.com/office/drawing/2014/main" id="{CB7DA647-965C-4ABB-AF40-01C3074D2FAD}"/>
-              </a:ext>
-            </a:extLst>
-          </p:cNvPr>
-          <p:cNvSpPr txBox="1"/>
-          <p:nvPr/>
-        </p:nvSpPr>
-        <p:spPr>
-          <a:xfrm>
-            <a:off x="4506229" y="5230657"/>
-            <a:ext cx="2977897" cy="523220"/>
-          </a:xfrm>
-          <a:prstGeom prst="rect">
-            <a:avLst/>
-          </a:prstGeom>
-          <a:noFill/>
-        </p:spPr>
-        <p:txBody>
-          <a:bodyPr wrap="square" rtlCol="0">
-            <a:spAutoFit/>
-          </a:bodyPr>
-          <a:lstStyle/>
-          <a:p>
-            <a:pPr algn="ctr"/>
-            <a:r>
-              <a:rPr lang="en-US" sz="2800" dirty="0"/>
-              <a:t>Divisive generator</a:t>
-            </a:r>
-          </a:p>
-        </p:txBody>
-      </p:sp>
-      <p:sp>
-        <p:nvSpPr>
-          <p:cNvPr id="13" name="CasellaDiTesto 12">
-            <a:extLst>
-              <a:ext uri="{FF2B5EF4-FFF2-40B4-BE49-F238E27FC236}">
-                <a16:creationId xmlns:a16="http://schemas.microsoft.com/office/drawing/2014/main" id="{BE913CE5-F493-466F-BC29-29DA71E5206A}"/>
-              </a:ext>
-            </a:extLst>
-          </p:cNvPr>
-          <p:cNvSpPr txBox="1"/>
-          <p:nvPr/>
-        </p:nvSpPr>
-        <p:spPr>
-          <a:xfrm>
-            <a:off x="8375903" y="5230657"/>
-            <a:ext cx="2977897" cy="523220"/>
-          </a:xfrm>
-          <a:prstGeom prst="rect">
-            <a:avLst/>
-          </a:prstGeom>
-          <a:noFill/>
-        </p:spPr>
-        <p:txBody>
-          <a:bodyPr wrap="square" rtlCol="0">
-            <a:spAutoFit/>
-          </a:bodyPr>
-          <a:lstStyle/>
-          <a:p>
-            <a:pPr algn="ctr"/>
-            <a:r>
-              <a:rPr lang="en-US" sz="2800" dirty="0"/>
-              <a:t>Digger generator</a:t>
-            </a:r>
-          </a:p>
-        </p:txBody>
-      </p:sp>
-    </p:spTree>
-    <p:extLst>
-      <p:ext uri="{BB962C8B-B14F-4D97-AF65-F5344CB8AC3E}">
-        <p14:creationId xmlns:p14="http://schemas.microsoft.com/office/powerpoint/2010/main" val="3595517753"/>
-      </p:ext>
-    </p:extLst>
-  </p:cSld>
-  <p:clrMapOvr>
-    <a:masterClrMapping/>
-  </p:clrMapOvr>
-</p:sld>
-</file>
-
-<file path=ppt/slides/slide7.xml><?xml version="1.0" encoding="utf-8"?>
-<p:sld xmlns:a="http://schemas.openxmlformats.org/drawingml/2006/main" xmlns:r="http://schemas.openxmlformats.org/officeDocument/2006/relationships" xmlns:p="http://schemas.openxmlformats.org/presentationml/2006/main">
-  <p:cSld>
-    <p:bg>
-      <p:bgPr>
-        <a:solidFill>
-          <a:schemeClr val="bg1">
-            <a:lumMod val="85000"/>
-            <a:lumOff val="15000"/>
-          </a:schemeClr>
-        </a:solidFill>
-        <a:effectLst/>
-      </p:bgPr>
-    </p:bg>
-    <p:spTree>
-      <p:nvGrpSpPr>
-        <p:cNvPr id="1" name=""/>
-        <p:cNvGrpSpPr/>
-        <p:nvPr/>
-      </p:nvGrpSpPr>
-      <p:grpSpPr>
-        <a:xfrm>
-          <a:off x="0" y="0"/>
-          <a:ext cx="0" cy="0"/>
-          <a:chOff x="0" y="0"/>
-          <a:chExt cx="0" cy="0"/>
-        </a:xfrm>
-      </p:grpSpPr>
-      <p:sp>
-        <p:nvSpPr>
-          <p:cNvPr id="2" name="Titolo 1">
-            <a:extLst>
-              <a:ext uri="{FF2B5EF4-FFF2-40B4-BE49-F238E27FC236}">
-                <a16:creationId xmlns:a16="http://schemas.microsoft.com/office/drawing/2014/main" id="{DD3BD1D8-D153-48A3-A620-7D1E0531154E}"/>
-              </a:ext>
-            </a:extLst>
-          </p:cNvPr>
-          <p:cNvSpPr>
-            <a:spLocks noGrp="1"/>
-          </p:cNvSpPr>
-          <p:nvPr>
-            <p:ph type="title"/>
-          </p:nvPr>
-        </p:nvSpPr>
-        <p:spPr/>
-        <p:txBody>
-          <a:bodyPr/>
-          <a:lstStyle/>
-          <a:p>
-            <a:pPr algn="ctr"/>
-            <a:r>
-              <a:rPr lang="en-US" b="1" dirty="0">
-                <a:solidFill>
-                  <a:srgbClr val="6946AE"/>
-                </a:solidFill>
-              </a:rPr>
-              <a:t>Multi-level maps</a:t>
-            </a:r>
-          </a:p>
-        </p:txBody>
-      </p:sp>
-      <p:pic>
-        <p:nvPicPr>
-          <p:cNvPr id="18" name="Segnaposto contenuto 17">
-            <a:extLst>
-              <a:ext uri="{FF2B5EF4-FFF2-40B4-BE49-F238E27FC236}">
-                <a16:creationId xmlns:a16="http://schemas.microsoft.com/office/drawing/2014/main" id="{150E73F4-A700-48B6-A458-9A0C82CE62AC}"/>
-              </a:ext>
-            </a:extLst>
-          </p:cNvPr>
-          <p:cNvPicPr>
-            <a:picLocks noGrp="1" noChangeAspect="1"/>
-          </p:cNvPicPr>
-          <p:nvPr>
-            <p:ph idx="1"/>
-          </p:nvPr>
-        </p:nvPicPr>
-        <p:blipFill>
-          <a:blip r:embed="rId2">
-            <a:extLst>
-              <a:ext uri="{28A0092B-C50C-407E-A947-70E740481C1C}">
-                <a14:useLocalDpi xmlns:a14="http://schemas.microsoft.com/office/drawing/2010/main" val="0"/>
-              </a:ext>
-            </a:extLst>
-          </a:blip>
-          <a:stretch>
-            <a:fillRect/>
-          </a:stretch>
-        </p:blipFill>
-        <p:spPr>
-          <a:xfrm>
-            <a:off x="5592067" y="2779435"/>
-            <a:ext cx="5257800" cy="3278830"/>
-          </a:xfrm>
-        </p:spPr>
-      </p:pic>
-      <p:pic>
-        <p:nvPicPr>
-          <p:cNvPr id="20" name="Immagine 19">
-            <a:extLst>
-              <a:ext uri="{FF2B5EF4-FFF2-40B4-BE49-F238E27FC236}">
-                <a16:creationId xmlns:a16="http://schemas.microsoft.com/office/drawing/2014/main" id="{EBD9B6C5-246C-4FDE-8083-635DCC2BDD96}"/>
-              </a:ext>
-            </a:extLst>
-          </p:cNvPr>
-          <p:cNvPicPr>
-            <a:picLocks noChangeAspect="1"/>
-          </p:cNvPicPr>
-          <p:nvPr/>
-        </p:nvPicPr>
-        <p:blipFill>
-          <a:blip r:embed="rId3">
-            <a:extLst>
-              <a:ext uri="{28A0092B-C50C-407E-A947-70E740481C1C}">
-                <a14:useLocalDpi xmlns:a14="http://schemas.microsoft.com/office/drawing/2010/main" val="0"/>
-              </a:ext>
-            </a:extLst>
-          </a:blip>
-          <a:stretch>
-            <a:fillRect/>
-          </a:stretch>
-        </p:blipFill>
-        <p:spPr>
-          <a:xfrm>
-            <a:off x="1680461" y="2879680"/>
-            <a:ext cx="3078339" cy="3078339"/>
-          </a:xfrm>
-          <a:prstGeom prst="rect">
-            <a:avLst/>
-          </a:prstGeom>
-        </p:spPr>
-      </p:pic>
-      <p:sp>
-        <p:nvSpPr>
-          <p:cNvPr id="21" name="Segnaposto contenuto 2">
-            <a:extLst>
-              <a:ext uri="{FF2B5EF4-FFF2-40B4-BE49-F238E27FC236}">
-                <a16:creationId xmlns:a16="http://schemas.microsoft.com/office/drawing/2014/main" id="{24208F23-6D18-40E8-8824-7799CA0D07D7}"/>
-              </a:ext>
-            </a:extLst>
-          </p:cNvPr>
-          <p:cNvSpPr txBox="1">
-            <a:spLocks/>
-          </p:cNvSpPr>
-          <p:nvPr/>
-        </p:nvSpPr>
-        <p:spPr>
-          <a:xfrm>
-            <a:off x="838200" y="1900659"/>
-            <a:ext cx="10515600" cy="668805"/>
-          </a:xfrm>
-          <a:prstGeom prst="rect">
-            <a:avLst/>
-          </a:prstGeom>
-        </p:spPr>
-        <p:txBody>
           <a:bodyPr vert="horz" lIns="91440" tIns="45720" rIns="91440" bIns="45720" rtlCol="0">
-            <a:normAutofit fontScale="92500"/>
+            <a:normAutofit/>
           </a:bodyPr>
           <a:lstStyle>
             <a:lvl1pPr marL="228600" indent="-228600" algn="l" defTabSz="914400" rtl="0" eaLnBrk="1" latinLnBrk="0" hangingPunct="1">
@@ -9404,15 +10852,590 @@
             </a:pPr>
             <a:r>
               <a:rPr lang="en-US" dirty="0"/>
-              <a:t>More complex multi-level maps than the ones produced in previous works.</a:t>
-            </a:r>
-          </a:p>
-        </p:txBody>
-      </p:sp>
+              <a:t>Matrix</a:t>
+            </a:r>
+          </a:p>
+          <a:p>
+            <a:pPr marL="0" indent="0" algn="ctr">
+              <a:buFont typeface="Arial" panose="020B0604020202020204" pitchFamily="34" charset="0"/>
+              <a:buNone/>
+            </a:pPr>
+            <a:endParaRPr lang="en-US" dirty="0"/>
+          </a:p>
+        </p:txBody>
+      </p:sp>
+      <p:sp>
+        <p:nvSpPr>
+          <p:cNvPr id="20" name="Segnaposto contenuto 2">
+            <a:extLst>
+              <a:ext uri="{FF2B5EF4-FFF2-40B4-BE49-F238E27FC236}">
+                <a16:creationId xmlns:a16="http://schemas.microsoft.com/office/drawing/2014/main" id="{366F4124-F356-4076-B226-CDDECEEA7223}"/>
+              </a:ext>
+            </a:extLst>
+          </p:cNvPr>
+          <p:cNvSpPr txBox="1">
+            <a:spLocks/>
+          </p:cNvSpPr>
+          <p:nvPr/>
+        </p:nvSpPr>
+        <p:spPr>
+          <a:xfrm>
+            <a:off x="8685447" y="5628471"/>
+            <a:ext cx="1648727" cy="515780"/>
+          </a:xfrm>
+          <a:prstGeom prst="rect">
+            <a:avLst/>
+          </a:prstGeom>
+          <a:noFill/>
+        </p:spPr>
+        <p:txBody>
+          <a:bodyPr vert="horz" lIns="91440" tIns="45720" rIns="91440" bIns="45720" rtlCol="0">
+            <a:noAutofit/>
+          </a:bodyPr>
+          <a:lstStyle>
+            <a:lvl1pPr marL="228600" indent="-228600" algn="l" defTabSz="914400" rtl="0" eaLnBrk="1" latinLnBrk="0" hangingPunct="1">
+              <a:lnSpc>
+                <a:spcPct val="90000"/>
+              </a:lnSpc>
+              <a:spcBef>
+                <a:spcPts val="1000"/>
+              </a:spcBef>
+              <a:buFont typeface="Arial" panose="020B0604020202020204" pitchFamily="34" charset="0"/>
+              <a:buChar char="•"/>
+              <a:defRPr sz="2800" kern="1200">
+                <a:solidFill>
+                  <a:schemeClr val="tx1"/>
+                </a:solidFill>
+                <a:latin typeface="+mn-lt"/>
+                <a:ea typeface="+mn-ea"/>
+                <a:cs typeface="+mn-cs"/>
+              </a:defRPr>
+            </a:lvl1pPr>
+            <a:lvl2pPr marL="685800" indent="-228600" algn="l" defTabSz="914400" rtl="0" eaLnBrk="1" latinLnBrk="0" hangingPunct="1">
+              <a:lnSpc>
+                <a:spcPct val="90000"/>
+              </a:lnSpc>
+              <a:spcBef>
+                <a:spcPts val="500"/>
+              </a:spcBef>
+              <a:buFont typeface="Arial" panose="020B0604020202020204" pitchFamily="34" charset="0"/>
+              <a:buChar char="•"/>
+              <a:defRPr sz="2400" kern="1200">
+                <a:solidFill>
+                  <a:schemeClr val="tx1"/>
+                </a:solidFill>
+                <a:latin typeface="+mn-lt"/>
+                <a:ea typeface="+mn-ea"/>
+                <a:cs typeface="+mn-cs"/>
+              </a:defRPr>
+            </a:lvl2pPr>
+            <a:lvl3pPr marL="1143000" indent="-228600" algn="l" defTabSz="914400" rtl="0" eaLnBrk="1" latinLnBrk="0" hangingPunct="1">
+              <a:lnSpc>
+                <a:spcPct val="90000"/>
+              </a:lnSpc>
+              <a:spcBef>
+                <a:spcPts val="500"/>
+              </a:spcBef>
+              <a:buFont typeface="Arial" panose="020B0604020202020204" pitchFamily="34" charset="0"/>
+              <a:buChar char="•"/>
+              <a:defRPr sz="2000" kern="1200">
+                <a:solidFill>
+                  <a:schemeClr val="tx1"/>
+                </a:solidFill>
+                <a:latin typeface="+mn-lt"/>
+                <a:ea typeface="+mn-ea"/>
+                <a:cs typeface="+mn-cs"/>
+              </a:defRPr>
+            </a:lvl3pPr>
+            <a:lvl4pPr marL="1600200" indent="-228600" algn="l" defTabSz="914400" rtl="0" eaLnBrk="1" latinLnBrk="0" hangingPunct="1">
+              <a:lnSpc>
+                <a:spcPct val="90000"/>
+              </a:lnSpc>
+              <a:spcBef>
+                <a:spcPts val="500"/>
+              </a:spcBef>
+              <a:buFont typeface="Arial" panose="020B0604020202020204" pitchFamily="34" charset="0"/>
+              <a:buChar char="•"/>
+              <a:defRPr sz="1800" kern="1200">
+                <a:solidFill>
+                  <a:schemeClr val="tx1"/>
+                </a:solidFill>
+                <a:latin typeface="+mn-lt"/>
+                <a:ea typeface="+mn-ea"/>
+                <a:cs typeface="+mn-cs"/>
+              </a:defRPr>
+            </a:lvl4pPr>
+            <a:lvl5pPr marL="2057400" indent="-228600" algn="l" defTabSz="914400" rtl="0" eaLnBrk="1" latinLnBrk="0" hangingPunct="1">
+              <a:lnSpc>
+                <a:spcPct val="90000"/>
+              </a:lnSpc>
+              <a:spcBef>
+                <a:spcPts val="500"/>
+              </a:spcBef>
+              <a:buFont typeface="Arial" panose="020B0604020202020204" pitchFamily="34" charset="0"/>
+              <a:buChar char="•"/>
+              <a:defRPr sz="1800" kern="1200">
+                <a:solidFill>
+                  <a:schemeClr val="tx1"/>
+                </a:solidFill>
+                <a:latin typeface="+mn-lt"/>
+                <a:ea typeface="+mn-ea"/>
+                <a:cs typeface="+mn-cs"/>
+              </a:defRPr>
+            </a:lvl5pPr>
+            <a:lvl6pPr marL="2514600" indent="-228600" algn="l" defTabSz="914400" rtl="0" eaLnBrk="1" latinLnBrk="0" hangingPunct="1">
+              <a:lnSpc>
+                <a:spcPct val="90000"/>
+              </a:lnSpc>
+              <a:spcBef>
+                <a:spcPts val="500"/>
+              </a:spcBef>
+              <a:buFont typeface="Arial" panose="020B0604020202020204" pitchFamily="34" charset="0"/>
+              <a:buChar char="•"/>
+              <a:defRPr sz="1800" kern="1200">
+                <a:solidFill>
+                  <a:schemeClr val="tx1"/>
+                </a:solidFill>
+                <a:latin typeface="+mn-lt"/>
+                <a:ea typeface="+mn-ea"/>
+                <a:cs typeface="+mn-cs"/>
+              </a:defRPr>
+            </a:lvl6pPr>
+            <a:lvl7pPr marL="2971800" indent="-228600" algn="l" defTabSz="914400" rtl="0" eaLnBrk="1" latinLnBrk="0" hangingPunct="1">
+              <a:lnSpc>
+                <a:spcPct val="90000"/>
+              </a:lnSpc>
+              <a:spcBef>
+                <a:spcPts val="500"/>
+              </a:spcBef>
+              <a:buFont typeface="Arial" panose="020B0604020202020204" pitchFamily="34" charset="0"/>
+              <a:buChar char="•"/>
+              <a:defRPr sz="1800" kern="1200">
+                <a:solidFill>
+                  <a:schemeClr val="tx1"/>
+                </a:solidFill>
+                <a:latin typeface="+mn-lt"/>
+                <a:ea typeface="+mn-ea"/>
+                <a:cs typeface="+mn-cs"/>
+              </a:defRPr>
+            </a:lvl7pPr>
+            <a:lvl8pPr marL="3429000" indent="-228600" algn="l" defTabSz="914400" rtl="0" eaLnBrk="1" latinLnBrk="0" hangingPunct="1">
+              <a:lnSpc>
+                <a:spcPct val="90000"/>
+              </a:lnSpc>
+              <a:spcBef>
+                <a:spcPts val="500"/>
+              </a:spcBef>
+              <a:buFont typeface="Arial" panose="020B0604020202020204" pitchFamily="34" charset="0"/>
+              <a:buChar char="•"/>
+              <a:defRPr sz="1800" kern="1200">
+                <a:solidFill>
+                  <a:schemeClr val="tx1"/>
+                </a:solidFill>
+                <a:latin typeface="+mn-lt"/>
+                <a:ea typeface="+mn-ea"/>
+                <a:cs typeface="+mn-cs"/>
+              </a:defRPr>
+            </a:lvl8pPr>
+            <a:lvl9pPr marL="3886200" indent="-228600" algn="l" defTabSz="914400" rtl="0" eaLnBrk="1" latinLnBrk="0" hangingPunct="1">
+              <a:lnSpc>
+                <a:spcPct val="90000"/>
+              </a:lnSpc>
+              <a:spcBef>
+                <a:spcPts val="500"/>
+              </a:spcBef>
+              <a:buFont typeface="Arial" panose="020B0604020202020204" pitchFamily="34" charset="0"/>
+              <a:buChar char="•"/>
+              <a:defRPr sz="1800" kern="1200">
+                <a:solidFill>
+                  <a:schemeClr val="tx1"/>
+                </a:solidFill>
+                <a:latin typeface="+mn-lt"/>
+                <a:ea typeface="+mn-ea"/>
+                <a:cs typeface="+mn-cs"/>
+              </a:defRPr>
+            </a:lvl9pPr>
+          </a:lstStyle>
+          <a:p>
+            <a:pPr marL="0" indent="0" algn="ctr">
+              <a:buFont typeface="Arial" panose="020B0604020202020204" pitchFamily="34" charset="0"/>
+              <a:buNone/>
+            </a:pPr>
+            <a:r>
+              <a:rPr lang="en-US" dirty="0"/>
+              <a:t>Rooms</a:t>
+            </a:r>
+          </a:p>
+        </p:txBody>
+      </p:sp>
+      <p:pic>
+        <p:nvPicPr>
+          <p:cNvPr id="22" name="Immagine 21">
+            <a:extLst>
+              <a:ext uri="{FF2B5EF4-FFF2-40B4-BE49-F238E27FC236}">
+                <a16:creationId xmlns:a16="http://schemas.microsoft.com/office/drawing/2014/main" id="{EE647D90-6F3B-4E5F-B20D-4C18C02CD443}"/>
+              </a:ext>
+            </a:extLst>
+          </p:cNvPr>
+          <p:cNvPicPr>
+            <a:picLocks noChangeAspect="1"/>
+          </p:cNvPicPr>
+          <p:nvPr/>
+        </p:nvPicPr>
+        <p:blipFill>
+          <a:blip r:embed="rId5">
+            <a:extLst>
+              <a:ext uri="{28A0092B-C50C-407E-A947-70E740481C1C}">
+                <a14:useLocalDpi xmlns:a14="http://schemas.microsoft.com/office/drawing/2010/main" val="0"/>
+              </a:ext>
+            </a:extLst>
+          </a:blip>
+          <a:stretch>
+            <a:fillRect/>
+          </a:stretch>
+        </p:blipFill>
+        <p:spPr>
+          <a:xfrm>
+            <a:off x="4971368" y="2777974"/>
+            <a:ext cx="2244912" cy="2581386"/>
+          </a:xfrm>
+          <a:prstGeom prst="rect">
+            <a:avLst/>
+          </a:prstGeom>
+        </p:spPr>
+      </p:pic>
     </p:spTree>
     <p:extLst>
       <p:ext uri="{BB962C8B-B14F-4D97-AF65-F5344CB8AC3E}">
-        <p14:creationId xmlns:p14="http://schemas.microsoft.com/office/powerpoint/2010/main" val="2043183670"/>
+        <p14:creationId xmlns:p14="http://schemas.microsoft.com/office/powerpoint/2010/main" val="1429344920"/>
+      </p:ext>
+    </p:extLst>
+  </p:cSld>
+  <p:clrMapOvr>
+    <a:masterClrMapping/>
+  </p:clrMapOvr>
+</p:sld>
+</file>
+
+<file path=ppt/slides/slide7.xml><?xml version="1.0" encoding="utf-8"?>
+<p:sld xmlns:a="http://schemas.openxmlformats.org/drawingml/2006/main" xmlns:r="http://schemas.openxmlformats.org/officeDocument/2006/relationships" xmlns:p="http://schemas.openxmlformats.org/presentationml/2006/main">
+  <p:cSld>
+    <p:bg>
+      <p:bgPr>
+        <a:solidFill>
+          <a:schemeClr val="bg1">
+            <a:lumMod val="85000"/>
+            <a:lumOff val="15000"/>
+          </a:schemeClr>
+        </a:solidFill>
+        <a:effectLst/>
+      </p:bgPr>
+    </p:bg>
+    <p:spTree>
+      <p:nvGrpSpPr>
+        <p:cNvPr id="1" name=""/>
+        <p:cNvGrpSpPr/>
+        <p:nvPr/>
+      </p:nvGrpSpPr>
+      <p:grpSpPr>
+        <a:xfrm>
+          <a:off x="0" y="0"/>
+          <a:ext cx="0" cy="0"/>
+          <a:chOff x="0" y="0"/>
+          <a:chExt cx="0" cy="0"/>
+        </a:xfrm>
+      </p:grpSpPr>
+      <p:sp>
+        <p:nvSpPr>
+          <p:cNvPr id="2" name="Titolo 1">
+            <a:extLst>
+              <a:ext uri="{FF2B5EF4-FFF2-40B4-BE49-F238E27FC236}">
+                <a16:creationId xmlns:a16="http://schemas.microsoft.com/office/drawing/2014/main" id="{E99AF1D0-E9FC-4C90-AB85-32798651A082}"/>
+              </a:ext>
+            </a:extLst>
+          </p:cNvPr>
+          <p:cNvSpPr>
+            <a:spLocks noGrp="1"/>
+          </p:cNvSpPr>
+          <p:nvPr>
+            <p:ph type="title"/>
+          </p:nvPr>
+        </p:nvSpPr>
+        <p:spPr/>
+        <p:txBody>
+          <a:bodyPr/>
+          <a:lstStyle/>
+          <a:p>
+            <a:pPr algn="ctr"/>
+            <a:r>
+              <a:rPr lang="en-US" b="1" dirty="0">
+                <a:solidFill>
+                  <a:srgbClr val="ECDB43"/>
+                </a:solidFill>
+              </a:rPr>
+              <a:t>Map generation (single-level)</a:t>
+            </a:r>
+          </a:p>
+        </p:txBody>
+      </p:sp>
+      <p:pic>
+        <p:nvPicPr>
+          <p:cNvPr id="5" name="Segnaposto contenuto 4">
+            <a:extLst>
+              <a:ext uri="{FF2B5EF4-FFF2-40B4-BE49-F238E27FC236}">
+                <a16:creationId xmlns:a16="http://schemas.microsoft.com/office/drawing/2014/main" id="{3676F5D7-9F48-4671-9D0B-D4E656A80EF2}"/>
+              </a:ext>
+            </a:extLst>
+          </p:cNvPr>
+          <p:cNvPicPr>
+            <a:picLocks noGrp="1" noChangeAspect="1"/>
+          </p:cNvPicPr>
+          <p:nvPr>
+            <p:ph idx="1"/>
+          </p:nvPr>
+        </p:nvPicPr>
+        <p:blipFill>
+          <a:blip r:embed="rId2">
+            <a:extLst>
+              <a:ext uri="{28A0092B-C50C-407E-A947-70E740481C1C}">
+                <a14:useLocalDpi xmlns:a14="http://schemas.microsoft.com/office/drawing/2010/main" val="0"/>
+              </a:ext>
+            </a:extLst>
+          </a:blip>
+          <a:stretch>
+            <a:fillRect/>
+          </a:stretch>
+        </p:blipFill>
+        <p:spPr>
+          <a:xfrm>
+            <a:off x="838201" y="2126106"/>
+            <a:ext cx="2977897" cy="2977897"/>
+          </a:xfrm>
+        </p:spPr>
+      </p:pic>
+      <p:pic>
+        <p:nvPicPr>
+          <p:cNvPr id="7" name="Immagine 6">
+            <a:extLst>
+              <a:ext uri="{FF2B5EF4-FFF2-40B4-BE49-F238E27FC236}">
+                <a16:creationId xmlns:a16="http://schemas.microsoft.com/office/drawing/2014/main" id="{8D2294D3-A397-4D16-8115-3DB676F7BB99}"/>
+              </a:ext>
+            </a:extLst>
+          </p:cNvPr>
+          <p:cNvPicPr>
+            <a:picLocks noChangeAspect="1"/>
+          </p:cNvPicPr>
+          <p:nvPr/>
+        </p:nvPicPr>
+        <p:blipFill>
+          <a:blip r:embed="rId3">
+            <a:extLst>
+              <a:ext uri="{28A0092B-C50C-407E-A947-70E740481C1C}">
+                <a14:useLocalDpi xmlns:a14="http://schemas.microsoft.com/office/drawing/2010/main" val="0"/>
+              </a:ext>
+            </a:extLst>
+          </a:blip>
+          <a:stretch>
+            <a:fillRect/>
+          </a:stretch>
+        </p:blipFill>
+        <p:spPr>
+          <a:xfrm>
+            <a:off x="8375903" y="2126105"/>
+            <a:ext cx="2977898" cy="2977898"/>
+          </a:xfrm>
+          <a:prstGeom prst="rect">
+            <a:avLst/>
+          </a:prstGeom>
+        </p:spPr>
+      </p:pic>
+      <p:pic>
+        <p:nvPicPr>
+          <p:cNvPr id="9" name="Immagine 8">
+            <a:extLst>
+              <a:ext uri="{FF2B5EF4-FFF2-40B4-BE49-F238E27FC236}">
+                <a16:creationId xmlns:a16="http://schemas.microsoft.com/office/drawing/2014/main" id="{748B88B6-986D-400B-981A-4BB0148B0B2B}"/>
+              </a:ext>
+            </a:extLst>
+          </p:cNvPr>
+          <p:cNvPicPr>
+            <a:picLocks noChangeAspect="1"/>
+          </p:cNvPicPr>
+          <p:nvPr/>
+        </p:nvPicPr>
+        <p:blipFill>
+          <a:blip r:embed="rId4">
+            <a:extLst>
+              <a:ext uri="{28A0092B-C50C-407E-A947-70E740481C1C}">
+                <a14:useLocalDpi xmlns:a14="http://schemas.microsoft.com/office/drawing/2010/main" val="0"/>
+              </a:ext>
+            </a:extLst>
+          </a:blip>
+          <a:stretch>
+            <a:fillRect/>
+          </a:stretch>
+        </p:blipFill>
+        <p:spPr>
+          <a:xfrm>
+            <a:off x="4571087" y="2126105"/>
+            <a:ext cx="3049826" cy="2977897"/>
+          </a:xfrm>
+          <a:prstGeom prst="rect">
+            <a:avLst/>
+          </a:prstGeom>
+        </p:spPr>
+      </p:pic>
+      <p:sp>
+        <p:nvSpPr>
+          <p:cNvPr id="11" name="CasellaDiTesto 10">
+            <a:extLst>
+              <a:ext uri="{FF2B5EF4-FFF2-40B4-BE49-F238E27FC236}">
+                <a16:creationId xmlns:a16="http://schemas.microsoft.com/office/drawing/2014/main" id="{79ABCE26-44B0-492F-8E63-DCEEB2FA6BFA}"/>
+              </a:ext>
+            </a:extLst>
+          </p:cNvPr>
+          <p:cNvSpPr txBox="1"/>
+          <p:nvPr/>
+        </p:nvSpPr>
+        <p:spPr>
+          <a:xfrm>
+            <a:off x="838200" y="5230657"/>
+            <a:ext cx="2977897" cy="523220"/>
+          </a:xfrm>
+          <a:prstGeom prst="rect">
+            <a:avLst/>
+          </a:prstGeom>
+          <a:noFill/>
+        </p:spPr>
+        <p:txBody>
+          <a:bodyPr wrap="square" rtlCol="0">
+            <a:spAutoFit/>
+          </a:bodyPr>
+          <a:lstStyle/>
+          <a:p>
+            <a:pPr algn="ctr"/>
+            <a:r>
+              <a:rPr lang="en-US" sz="2800" dirty="0"/>
+              <a:t>Cellular generator</a:t>
+            </a:r>
+          </a:p>
+        </p:txBody>
+      </p:sp>
+      <p:sp>
+        <p:nvSpPr>
+          <p:cNvPr id="12" name="CasellaDiTesto 11">
+            <a:extLst>
+              <a:ext uri="{FF2B5EF4-FFF2-40B4-BE49-F238E27FC236}">
+                <a16:creationId xmlns:a16="http://schemas.microsoft.com/office/drawing/2014/main" id="{CB7DA647-965C-4ABB-AF40-01C3074D2FAD}"/>
+              </a:ext>
+            </a:extLst>
+          </p:cNvPr>
+          <p:cNvSpPr txBox="1"/>
+          <p:nvPr/>
+        </p:nvSpPr>
+        <p:spPr>
+          <a:xfrm>
+            <a:off x="4506229" y="5230657"/>
+            <a:ext cx="2977897" cy="523220"/>
+          </a:xfrm>
+          <a:prstGeom prst="rect">
+            <a:avLst/>
+          </a:prstGeom>
+          <a:noFill/>
+        </p:spPr>
+        <p:txBody>
+          <a:bodyPr wrap="square" rtlCol="0">
+            <a:spAutoFit/>
+          </a:bodyPr>
+          <a:lstStyle/>
+          <a:p>
+            <a:pPr algn="ctr"/>
+            <a:r>
+              <a:rPr lang="en-US" sz="2800" dirty="0"/>
+              <a:t>Divisive generator</a:t>
+            </a:r>
+          </a:p>
+        </p:txBody>
+      </p:sp>
+      <p:sp>
+        <p:nvSpPr>
+          <p:cNvPr id="13" name="CasellaDiTesto 12">
+            <a:extLst>
+              <a:ext uri="{FF2B5EF4-FFF2-40B4-BE49-F238E27FC236}">
+                <a16:creationId xmlns:a16="http://schemas.microsoft.com/office/drawing/2014/main" id="{BE913CE5-F493-466F-BC29-29DA71E5206A}"/>
+              </a:ext>
+            </a:extLst>
+          </p:cNvPr>
+          <p:cNvSpPr txBox="1"/>
+          <p:nvPr/>
+        </p:nvSpPr>
+        <p:spPr>
+          <a:xfrm>
+            <a:off x="8375903" y="5230657"/>
+            <a:ext cx="2977897" cy="523220"/>
+          </a:xfrm>
+          <a:prstGeom prst="rect">
+            <a:avLst/>
+          </a:prstGeom>
+          <a:noFill/>
+        </p:spPr>
+        <p:txBody>
+          <a:bodyPr wrap="square" rtlCol="0">
+            <a:spAutoFit/>
+          </a:bodyPr>
+          <a:lstStyle/>
+          <a:p>
+            <a:pPr algn="ctr"/>
+            <a:r>
+              <a:rPr lang="en-US" sz="2800" dirty="0"/>
+              <a:t>Digger generator</a:t>
+            </a:r>
+          </a:p>
+        </p:txBody>
+      </p:sp>
+      <p:pic>
+        <p:nvPicPr>
+          <p:cNvPr id="10" name="Elemento grafico 9" descr="Freccia linea: diritta">
+            <a:extLst>
+              <a:ext uri="{FF2B5EF4-FFF2-40B4-BE49-F238E27FC236}">
+                <a16:creationId xmlns:a16="http://schemas.microsoft.com/office/drawing/2014/main" id="{8492E71A-96B9-44BE-B728-DFFAD44AF866}"/>
+              </a:ext>
+            </a:extLst>
+          </p:cNvPr>
+          <p:cNvPicPr>
+            <a:picLocks noChangeAspect="1"/>
+          </p:cNvPicPr>
+          <p:nvPr/>
+        </p:nvPicPr>
+        <p:blipFill>
+          <a:blip r:embed="rId5">
+            <a:extLst>
+              <a:ext uri="{28A0092B-C50C-407E-A947-70E740481C1C}">
+                <a14:useLocalDpi xmlns:a14="http://schemas.microsoft.com/office/drawing/2010/main" val="0"/>
+              </a:ext>
+              <a:ext uri="{96DAC541-7B7A-43D3-8B79-37D633B846F1}">
+                <asvg:svgBlip xmlns:asvg="http://schemas.microsoft.com/office/drawing/2016/SVG/main" r:embed="rId6"/>
+              </a:ext>
+            </a:extLst>
+          </a:blip>
+          <a:stretch>
+            <a:fillRect/>
+          </a:stretch>
+        </p:blipFill>
+        <p:spPr>
+          <a:xfrm rot="16200000">
+            <a:off x="5860284" y="3686997"/>
+            <a:ext cx="471431" cy="508000"/>
+          </a:xfrm>
+          <a:prstGeom prst="rect">
+            <a:avLst/>
+          </a:prstGeom>
+        </p:spPr>
+      </p:pic>
+    </p:spTree>
+    <p:extLst>
+      <p:ext uri="{BB962C8B-B14F-4D97-AF65-F5344CB8AC3E}">
+        <p14:creationId xmlns:p14="http://schemas.microsoft.com/office/powerpoint/2010/main" val="3595517753"/>
       </p:ext>
     </p:extLst>
   </p:cSld>
@@ -9455,7 +11478,7 @@
           <p:cNvPr id="2" name="Titolo 1">
             <a:extLst>
               <a:ext uri="{FF2B5EF4-FFF2-40B4-BE49-F238E27FC236}">
-                <a16:creationId xmlns:a16="http://schemas.microsoft.com/office/drawing/2014/main" id="{BF19EB7B-A764-4A30-A087-BA041EB836D9}"/>
+                <a16:creationId xmlns:a16="http://schemas.microsoft.com/office/drawing/2014/main" id="{DD3BD1D8-D153-48A3-A620-7D1E0531154E}"/>
               </a:ext>
             </a:extLst>
           </p:cNvPr>
@@ -9475,84 +11498,89 @@
             <a:r>
               <a:rPr lang="en-US" b="1" dirty="0">
                 <a:solidFill>
-                  <a:srgbClr val="6946AE"/>
+                  <a:srgbClr val="ECDB43"/>
                 </a:solidFill>
               </a:rPr>
-              <a:t>Graph-based map analysis</a:t>
-            </a:r>
-          </a:p>
-        </p:txBody>
-      </p:sp>
-      <p:sp>
-        <p:nvSpPr>
-          <p:cNvPr id="15" name="Segnaposto contenuto 14">
+              <a:t>Map generation (multi-level)</a:t>
+            </a:r>
+          </a:p>
+        </p:txBody>
+      </p:sp>
+      <p:pic>
+        <p:nvPicPr>
+          <p:cNvPr id="18" name="Segnaposto contenuto 17">
             <a:extLst>
               <a:ext uri="{FF2B5EF4-FFF2-40B4-BE49-F238E27FC236}">
-                <a16:creationId xmlns:a16="http://schemas.microsoft.com/office/drawing/2014/main" id="{7B36C9DA-C83C-477E-A8A9-D33246C1F0CA}"/>
+                <a16:creationId xmlns:a16="http://schemas.microsoft.com/office/drawing/2014/main" id="{150E73F4-A700-48B6-A458-9A0C82CE62AC}"/>
               </a:ext>
             </a:extLst>
           </p:cNvPr>
-          <p:cNvSpPr>
-            <a:spLocks noGrp="1"/>
-          </p:cNvSpPr>
+          <p:cNvPicPr>
+            <a:picLocks noGrp="1" noChangeAspect="1"/>
+          </p:cNvPicPr>
           <p:nvPr>
             <p:ph idx="1"/>
           </p:nvPr>
-        </p:nvSpPr>
+        </p:nvPicPr>
+        <p:blipFill>
+          <a:blip r:embed="rId3">
+            <a:extLst>
+              <a:ext uri="{28A0092B-C50C-407E-A947-70E740481C1C}">
+                <a14:useLocalDpi xmlns:a14="http://schemas.microsoft.com/office/drawing/2010/main" val="0"/>
+              </a:ext>
+            </a:extLst>
+          </a:blip>
+          <a:stretch>
+            <a:fillRect/>
+          </a:stretch>
+        </p:blipFill>
         <p:spPr>
           <a:xfrm>
-            <a:off x="838200" y="2497015"/>
-            <a:ext cx="10515600" cy="3679948"/>
+            <a:off x="5325737" y="2125234"/>
+            <a:ext cx="5815739" cy="3626767"/>
           </a:xfrm>
         </p:spPr>
-        <p:txBody>
-          <a:bodyPr/>
-          <a:lstStyle/>
-          <a:p>
-            <a:pPr marL="0" indent="0" algn="ctr">
-              <a:buNone/>
-            </a:pPr>
-            <a:r>
-              <a:rPr lang="en-US" dirty="0"/>
-              <a:t>Generate different graphs highlighting different features of the map.</a:t>
-            </a:r>
-          </a:p>
-          <a:p>
-            <a:pPr marL="0" indent="0" algn="ctr">
-              <a:buNone/>
-            </a:pPr>
-            <a:endParaRPr lang="en-US" dirty="0"/>
-          </a:p>
-          <a:p>
-            <a:pPr marL="0" indent="0" algn="ctr">
-              <a:buNone/>
-            </a:pPr>
-            <a:r>
-              <a:rPr lang="en-US" dirty="0"/>
-              <a:t>Extract layout information using Graph-Theory metrics.</a:t>
-            </a:r>
-          </a:p>
-          <a:p>
-            <a:pPr marL="0" indent="0" algn="ctr">
-              <a:buNone/>
-            </a:pPr>
-            <a:endParaRPr lang="en-US" dirty="0"/>
-          </a:p>
-          <a:p>
-            <a:pPr marL="0" indent="0" algn="ctr">
-              <a:buNone/>
-            </a:pPr>
-            <a:r>
-              <a:rPr lang="en-US" dirty="0"/>
-              <a:t>Use this information to analyze the map or to place game elements.</a:t>
-            </a:r>
-          </a:p>
-        </p:txBody>
-      </p:sp>
+      </p:pic>
+      <p:pic>
+        <p:nvPicPr>
+          <p:cNvPr id="20" name="Immagine 19">
+            <a:extLst>
+              <a:ext uri="{FF2B5EF4-FFF2-40B4-BE49-F238E27FC236}">
+                <a16:creationId xmlns:a16="http://schemas.microsoft.com/office/drawing/2014/main" id="{EBD9B6C5-246C-4FDE-8083-635DCC2BDD96}"/>
+              </a:ext>
+            </a:extLst>
+          </p:cNvPr>
+          <p:cNvPicPr>
+            <a:picLocks noChangeAspect="1"/>
+          </p:cNvPicPr>
+          <p:nvPr/>
+        </p:nvPicPr>
+        <p:blipFill>
+          <a:blip r:embed="rId4">
+            <a:extLst>
+              <a:ext uri="{28A0092B-C50C-407E-A947-70E740481C1C}">
+                <a14:useLocalDpi xmlns:a14="http://schemas.microsoft.com/office/drawing/2010/main" val="0"/>
+              </a:ext>
+            </a:extLst>
+          </a:blip>
+          <a:stretch>
+            <a:fillRect/>
+          </a:stretch>
+        </p:blipFill>
+        <p:spPr>
+          <a:xfrm>
+            <a:off x="1441142" y="2288173"/>
+            <a:ext cx="3300888" cy="3300888"/>
+          </a:xfrm>
+          <a:prstGeom prst="rect">
+            <a:avLst/>
+          </a:prstGeom>
+        </p:spPr>
+      </p:pic>
     </p:spTree>
     <p:extLst>
       <p:ext uri="{BB962C8B-B14F-4D97-AF65-F5344CB8AC3E}">
-        <p14:creationId xmlns:p14="http://schemas.microsoft.com/office/powerpoint/2010/main" val="2617888114"/>
+        <p14:creationId xmlns:p14="http://schemas.microsoft.com/office/powerpoint/2010/main" val="2043183670"/>
       </p:ext>
     </p:extLst>
   </p:cSld>
@@ -9615,230 +11643,84 @@
             <a:r>
               <a:rPr lang="en-US" b="1" dirty="0">
                 <a:solidFill>
-                  <a:srgbClr val="6946AE"/>
+                  <a:srgbClr val="ECDB43"/>
                 </a:solidFill>
               </a:rPr>
-              <a:t>Graphs for single-level maps</a:t>
-            </a:r>
-          </a:p>
-        </p:txBody>
-      </p:sp>
-      <p:sp>
-        <p:nvSpPr>
-          <p:cNvPr id="5" name="Rettangolo 4">
+              <a:t>Graph-based map analysis</a:t>
+            </a:r>
+          </a:p>
+        </p:txBody>
+      </p:sp>
+      <p:sp>
+        <p:nvSpPr>
+          <p:cNvPr id="15" name="Segnaposto contenuto 14">
             <a:extLst>
               <a:ext uri="{FF2B5EF4-FFF2-40B4-BE49-F238E27FC236}">
-                <a16:creationId xmlns:a16="http://schemas.microsoft.com/office/drawing/2014/main" id="{594D4035-7A15-43E0-B8ED-26BD9DA6D09C}"/>
+                <a16:creationId xmlns:a16="http://schemas.microsoft.com/office/drawing/2014/main" id="{7B36C9DA-C83C-477E-A8A9-D33246C1F0CA}"/>
               </a:ext>
             </a:extLst>
           </p:cNvPr>
-          <p:cNvSpPr/>
-          <p:nvPr/>
+          <p:cNvSpPr>
+            <a:spLocks noGrp="1"/>
+          </p:cNvSpPr>
+          <p:nvPr>
+            <p:ph idx="1"/>
+          </p:nvPr>
         </p:nvSpPr>
         <p:spPr>
           <a:xfrm>
-            <a:off x="0" y="1933575"/>
-            <a:ext cx="12192000" cy="4924425"/>
+            <a:off x="838200" y="2497015"/>
+            <a:ext cx="10515600" cy="3679948"/>
           </a:xfrm>
-          <a:prstGeom prst="rect">
-            <a:avLst/>
-          </a:prstGeom>
-          <a:solidFill>
-            <a:schemeClr val="tx1"/>
-          </a:solidFill>
-          <a:ln>
-            <a:solidFill>
-              <a:schemeClr val="tx1"/>
-            </a:solidFill>
-          </a:ln>
         </p:spPr>
-        <p:style>
-          <a:lnRef idx="2">
-            <a:schemeClr val="accent1">
-              <a:shade val="50000"/>
-            </a:schemeClr>
-          </a:lnRef>
-          <a:fillRef idx="1">
-            <a:schemeClr val="accent1"/>
-          </a:fillRef>
-          <a:effectRef idx="0">
-            <a:schemeClr val="accent1"/>
-          </a:effectRef>
-          <a:fontRef idx="minor">
-            <a:schemeClr val="lt1"/>
-          </a:fontRef>
-        </p:style>
-        <p:txBody>
-          <a:bodyPr rtlCol="0" anchor="ctr"/>
+        <p:txBody>
+          <a:bodyPr/>
           <a:lstStyle/>
           <a:p>
-            <a:pPr algn="ctr"/>
-            <a:endParaRPr lang="en-US"/>
-          </a:p>
-        </p:txBody>
-      </p:sp>
-      <p:sp>
-        <p:nvSpPr>
-          <p:cNvPr id="14" name="CasellaDiTesto 13">
-            <a:extLst>
-              <a:ext uri="{FF2B5EF4-FFF2-40B4-BE49-F238E27FC236}">
-                <a16:creationId xmlns:a16="http://schemas.microsoft.com/office/drawing/2014/main" id="{C0F6C293-99A4-45FB-B428-7CF40209B4F8}"/>
-              </a:ext>
-            </a:extLst>
-          </p:cNvPr>
-          <p:cNvSpPr txBox="1"/>
-          <p:nvPr/>
-        </p:nvSpPr>
-        <p:spPr>
-          <a:xfrm>
-            <a:off x="664369" y="5937620"/>
-            <a:ext cx="5012531" cy="523220"/>
-          </a:xfrm>
-          <a:prstGeom prst="rect">
-            <a:avLst/>
-          </a:prstGeom>
-          <a:noFill/>
-        </p:spPr>
-        <p:txBody>
-          <a:bodyPr wrap="square" rtlCol="0">
-            <a:spAutoFit/>
-          </a:bodyPr>
-          <a:lstStyle/>
-          <a:p>
-            <a:pPr algn="ctr"/>
-            <a:r>
-              <a:rPr lang="en-US" sz="2800" dirty="0">
-                <a:solidFill>
-                  <a:schemeClr val="bg1">
-                    <a:lumMod val="85000"/>
-                    <a:lumOff val="15000"/>
-                  </a:schemeClr>
-                </a:solidFill>
-              </a:rPr>
-              <a:t>Map</a:t>
-            </a:r>
-          </a:p>
-        </p:txBody>
-      </p:sp>
-      <p:sp>
-        <p:nvSpPr>
-          <p:cNvPr id="18" name="CasellaDiTesto 17">
-            <a:extLst>
-              <a:ext uri="{FF2B5EF4-FFF2-40B4-BE49-F238E27FC236}">
-                <a16:creationId xmlns:a16="http://schemas.microsoft.com/office/drawing/2014/main" id="{417D94F7-E291-44BE-BF79-663B18B2BA20}"/>
-              </a:ext>
-            </a:extLst>
-          </p:cNvPr>
-          <p:cNvSpPr txBox="1"/>
-          <p:nvPr/>
-        </p:nvSpPr>
-        <p:spPr>
-          <a:xfrm>
-            <a:off x="6515102" y="5931877"/>
-            <a:ext cx="5012531" cy="523220"/>
-          </a:xfrm>
-          <a:prstGeom prst="rect">
-            <a:avLst/>
-          </a:prstGeom>
-          <a:noFill/>
-        </p:spPr>
-        <p:txBody>
-          <a:bodyPr wrap="square" rtlCol="0">
-            <a:spAutoFit/>
-          </a:bodyPr>
-          <a:lstStyle/>
-          <a:p>
-            <a:pPr algn="ctr"/>
-            <a:r>
-              <a:rPr lang="en-US" sz="2800" dirty="0">
-                <a:solidFill>
-                  <a:schemeClr val="bg1">
-                    <a:lumMod val="85000"/>
-                    <a:lumOff val="15000"/>
-                  </a:schemeClr>
-                </a:solidFill>
-              </a:rPr>
-              <a:t>Tiles graph</a:t>
-            </a:r>
-          </a:p>
-        </p:txBody>
-      </p:sp>
-      <p:pic>
-        <p:nvPicPr>
-          <p:cNvPr id="4" name="Immagine 3">
-            <a:extLst>
-              <a:ext uri="{FF2B5EF4-FFF2-40B4-BE49-F238E27FC236}">
-                <a16:creationId xmlns:a16="http://schemas.microsoft.com/office/drawing/2014/main" id="{6AE46109-DB5E-457A-9F2E-95827107D02D}"/>
-              </a:ext>
-            </a:extLst>
-          </p:cNvPr>
-          <p:cNvPicPr>
-            <a:picLocks noChangeAspect="1"/>
-          </p:cNvPicPr>
-          <p:nvPr/>
-        </p:nvPicPr>
-        <p:blipFill>
-          <a:blip r:embed="rId2">
-            <a:extLst>
-              <a:ext uri="{28A0092B-C50C-407E-A947-70E740481C1C}">
-                <a14:useLocalDpi xmlns:a14="http://schemas.microsoft.com/office/drawing/2010/main" val="0"/>
-              </a:ext>
-            </a:extLst>
-          </a:blip>
-          <a:stretch>
-            <a:fillRect/>
-          </a:stretch>
-        </p:blipFill>
-        <p:spPr>
-          <a:xfrm>
-            <a:off x="1093697" y="2461994"/>
-            <a:ext cx="4153873" cy="3350263"/>
-          </a:xfrm>
-          <a:prstGeom prst="rect">
-            <a:avLst/>
-          </a:prstGeom>
-        </p:spPr>
-      </p:pic>
-      <p:pic>
-        <p:nvPicPr>
-          <p:cNvPr id="7" name="Immagine 6" descr="Immagine che contiene orologio&#10;&#10;Descrizione generata con affidabilità elevata">
-            <a:extLst>
-              <a:ext uri="{FF2B5EF4-FFF2-40B4-BE49-F238E27FC236}">
-                <a16:creationId xmlns:a16="http://schemas.microsoft.com/office/drawing/2014/main" id="{54D6CAF1-211E-47D2-8C86-5D916DCFB0D3}"/>
-              </a:ext>
-            </a:extLst>
-          </p:cNvPr>
-          <p:cNvPicPr>
-            <a:picLocks noChangeAspect="1"/>
-          </p:cNvPicPr>
-          <p:nvPr/>
-        </p:nvPicPr>
-        <p:blipFill>
-          <a:blip r:embed="rId3">
-            <a:extLst>
-              <a:ext uri="{28A0092B-C50C-407E-A947-70E740481C1C}">
-                <a14:useLocalDpi xmlns:a14="http://schemas.microsoft.com/office/drawing/2010/main" val="0"/>
-              </a:ext>
-            </a:extLst>
-          </a:blip>
-          <a:stretch>
-            <a:fillRect/>
-          </a:stretch>
-        </p:blipFill>
-        <p:spPr>
-          <a:xfrm>
-            <a:off x="7071366" y="2579517"/>
-            <a:ext cx="3900002" cy="3115216"/>
-          </a:xfrm>
-          <a:prstGeom prst="rect">
-            <a:avLst/>
-          </a:prstGeom>
-        </p:spPr>
-      </p:pic>
+            <a:pPr marL="0" indent="0" algn="ctr">
+              <a:buNone/>
+            </a:pPr>
+            <a:r>
+              <a:rPr lang="en-US" dirty="0"/>
+              <a:t>Generate different graphs highlighting different features of the map.</a:t>
+            </a:r>
+          </a:p>
+          <a:p>
+            <a:pPr marL="0" indent="0" algn="ctr">
+              <a:buNone/>
+            </a:pPr>
+            <a:endParaRPr lang="en-US" dirty="0"/>
+          </a:p>
+          <a:p>
+            <a:pPr marL="0" indent="0" algn="ctr">
+              <a:buNone/>
+            </a:pPr>
+            <a:r>
+              <a:rPr lang="en-US" dirty="0"/>
+              <a:t>Extract layout information using Graph-Theory metrics.</a:t>
+            </a:r>
+          </a:p>
+          <a:p>
+            <a:pPr marL="0" indent="0" algn="ctr">
+              <a:buNone/>
+            </a:pPr>
+            <a:endParaRPr lang="en-US" dirty="0"/>
+          </a:p>
+          <a:p>
+            <a:pPr marL="0" indent="0" algn="ctr">
+              <a:buNone/>
+            </a:pPr>
+            <a:r>
+              <a:rPr lang="en-US" dirty="0"/>
+              <a:t>Use this information to analyze the map or to place game elements.</a:t>
+            </a:r>
+          </a:p>
+        </p:txBody>
+      </p:sp>
     </p:spTree>
     <p:extLst>
       <p:ext uri="{BB962C8B-B14F-4D97-AF65-F5344CB8AC3E}">
-        <p14:creationId xmlns:p14="http://schemas.microsoft.com/office/powerpoint/2010/main" val="3819609844"/>
+        <p14:creationId xmlns:p14="http://schemas.microsoft.com/office/powerpoint/2010/main" val="2617888114"/>
       </p:ext>
     </p:extLst>
   </p:cSld>
@@ -10107,4 +11989,299 @@
     </a:ext>
   </a:extLst>
 </a:theme>
+</file>
+
+<file path=ppt/theme/theme2.xml><?xml version="1.0" encoding="utf-8"?>
+<a:theme xmlns:a="http://schemas.openxmlformats.org/drawingml/2006/main" name="Tema di Office">
+  <a:themeElements>
+    <a:clrScheme name="Office">
+      <a:dk1>
+        <a:sysClr val="windowText" lastClr="000000"/>
+      </a:dk1>
+      <a:lt1>
+        <a:sysClr val="window" lastClr="FFFFFF"/>
+      </a:lt1>
+      <a:dk2>
+        <a:srgbClr val="44546A"/>
+      </a:dk2>
+      <a:lt2>
+        <a:srgbClr val="E7E6E6"/>
+      </a:lt2>
+      <a:accent1>
+        <a:srgbClr val="4472C4"/>
+      </a:accent1>
+      <a:accent2>
+        <a:srgbClr val="ED7D31"/>
+      </a:accent2>
+      <a:accent3>
+        <a:srgbClr val="A5A5A5"/>
+      </a:accent3>
+      <a:accent4>
+        <a:srgbClr val="FFC000"/>
+      </a:accent4>
+      <a:accent5>
+        <a:srgbClr val="5B9BD5"/>
+      </a:accent5>
+      <a:accent6>
+        <a:srgbClr val="70AD47"/>
+      </a:accent6>
+      <a:hlink>
+        <a:srgbClr val="0563C1"/>
+      </a:hlink>
+      <a:folHlink>
+        <a:srgbClr val="954F72"/>
+      </a:folHlink>
+    </a:clrScheme>
+    <a:fontScheme name="Office">
+      <a:majorFont>
+        <a:latin typeface="Calibri Light" panose="020F0302020204030204"/>
+        <a:ea typeface=""/>
+        <a:cs typeface=""/>
+        <a:font script="Jpan" typeface="游ゴシック Light"/>
+        <a:font script="Hang" typeface="맑은 고딕"/>
+        <a:font script="Hans" typeface="等线 Light"/>
+        <a:font script="Hant" typeface="新細明體"/>
+        <a:font script="Arab" typeface="Times New Roman"/>
+        <a:font script="Hebr" typeface="Times New Roman"/>
+        <a:font script="Thai" typeface="Angsana New"/>
+        <a:font script="Ethi" typeface="Nyala"/>
+        <a:font script="Beng" typeface="Vrinda"/>
+        <a:font script="Gujr" typeface="Shruti"/>
+        <a:font script="Khmr" typeface="MoolBoran"/>
+        <a:font script="Knda" typeface="Tunga"/>
+        <a:font script="Guru" typeface="Raavi"/>
+        <a:font script="Cans" typeface="Euphemia"/>
+        <a:font script="Cher" typeface="Plantagenet Cherokee"/>
+        <a:font script="Yiii" typeface="Microsoft Yi Baiti"/>
+        <a:font script="Tibt" typeface="Microsoft Himalaya"/>
+        <a:font script="Thaa" typeface="MV Boli"/>
+        <a:font script="Deva" typeface="Mangal"/>
+        <a:font script="Telu" typeface="Gautami"/>
+        <a:font script="Taml" typeface="Latha"/>
+        <a:font script="Syrc" typeface="Estrangelo Edessa"/>
+        <a:font script="Orya" typeface="Kalinga"/>
+        <a:font script="Mlym" typeface="Kartika"/>
+        <a:font script="Laoo" typeface="DokChampa"/>
+        <a:font script="Sinh" typeface="Iskoola Pota"/>
+        <a:font script="Mong" typeface="Mongolian Baiti"/>
+        <a:font script="Viet" typeface="Times New Roman"/>
+        <a:font script="Uigh" typeface="Microsoft Uighur"/>
+        <a:font script="Geor" typeface="Sylfaen"/>
+        <a:font script="Armn" typeface="Arial"/>
+        <a:font script="Bugi" typeface="Leelawadee UI"/>
+        <a:font script="Bopo" typeface="Microsoft JhengHei"/>
+        <a:font script="Java" typeface="Javanese Text"/>
+        <a:font script="Lisu" typeface="Segoe UI"/>
+        <a:font script="Mymr" typeface="Myanmar Text"/>
+        <a:font script="Nkoo" typeface="Ebrima"/>
+        <a:font script="Olck" typeface="Nirmala UI"/>
+        <a:font script="Osma" typeface="Ebrima"/>
+        <a:font script="Phag" typeface="Phagspa"/>
+        <a:font script="Syrn" typeface="Estrangelo Edessa"/>
+        <a:font script="Syrj" typeface="Estrangelo Edessa"/>
+        <a:font script="Syre" typeface="Estrangelo Edessa"/>
+        <a:font script="Sora" typeface="Nirmala UI"/>
+        <a:font script="Tale" typeface="Microsoft Tai Le"/>
+        <a:font script="Talu" typeface="Microsoft New Tai Lue"/>
+        <a:font script="Tfng" typeface="Ebrima"/>
+      </a:majorFont>
+      <a:minorFont>
+        <a:latin typeface="Calibri" panose="020F0502020204030204"/>
+        <a:ea typeface=""/>
+        <a:cs typeface=""/>
+        <a:font script="Jpan" typeface="游ゴシック"/>
+        <a:font script="Hang" typeface="맑은 고딕"/>
+        <a:font script="Hans" typeface="等线"/>
+        <a:font script="Hant" typeface="新細明體"/>
+        <a:font script="Arab" typeface="Arial"/>
+        <a:font script="Hebr" typeface="Arial"/>
+        <a:font script="Thai" typeface="Cordia New"/>
+        <a:font script="Ethi" typeface="Nyala"/>
+        <a:font script="Beng" typeface="Vrinda"/>
+        <a:font script="Gujr" typeface="Shruti"/>
+        <a:font script="Khmr" typeface="DaunPenh"/>
+        <a:font script="Knda" typeface="Tunga"/>
+        <a:font script="Guru" typeface="Raavi"/>
+        <a:font script="Cans" typeface="Euphemia"/>
+        <a:font script="Cher" typeface="Plantagenet Cherokee"/>
+        <a:font script="Yiii" typeface="Microsoft Yi Baiti"/>
+        <a:font script="Tibt" typeface="Microsoft Himalaya"/>
+        <a:font script="Thaa" typeface="MV Boli"/>
+        <a:font script="Deva" typeface="Mangal"/>
+        <a:font script="Telu" typeface="Gautami"/>
+        <a:font script="Taml" typeface="Latha"/>
+        <a:font script="Syrc" typeface="Estrangelo Edessa"/>
+        <a:font script="Orya" typeface="Kalinga"/>
+        <a:font script="Mlym" typeface="Kartika"/>
+        <a:font script="Laoo" typeface="DokChampa"/>
+        <a:font script="Sinh" typeface="Iskoola Pota"/>
+        <a:font script="Mong" typeface="Mongolian Baiti"/>
+        <a:font script="Viet" typeface="Arial"/>
+        <a:font script="Uigh" typeface="Microsoft Uighur"/>
+        <a:font script="Geor" typeface="Sylfaen"/>
+        <a:font script="Armn" typeface="Arial"/>
+        <a:font script="Bugi" typeface="Leelawadee UI"/>
+        <a:font script="Bopo" typeface="Microsoft JhengHei"/>
+        <a:font script="Java" typeface="Javanese Text"/>
+        <a:font script="Lisu" typeface="Segoe UI"/>
+        <a:font script="Mymr" typeface="Myanmar Text"/>
+        <a:font script="Nkoo" typeface="Ebrima"/>
+        <a:font script="Olck" typeface="Nirmala UI"/>
+        <a:font script="Osma" typeface="Ebrima"/>
+        <a:font script="Phag" typeface="Phagspa"/>
+        <a:font script="Syrn" typeface="Estrangelo Edessa"/>
+        <a:font script="Syrj" typeface="Estrangelo Edessa"/>
+        <a:font script="Syre" typeface="Estrangelo Edessa"/>
+        <a:font script="Sora" typeface="Nirmala UI"/>
+        <a:font script="Tale" typeface="Microsoft Tai Le"/>
+        <a:font script="Talu" typeface="Microsoft New Tai Lue"/>
+        <a:font script="Tfng" typeface="Ebrima"/>
+      </a:minorFont>
+    </a:fontScheme>
+    <a:fmtScheme name="Office">
+      <a:fillStyleLst>
+        <a:solidFill>
+          <a:schemeClr val="phClr"/>
+        </a:solidFill>
+        <a:gradFill rotWithShape="1">
+          <a:gsLst>
+            <a:gs pos="0">
+              <a:schemeClr val="phClr">
+                <a:lumMod val="110000"/>
+                <a:satMod val="105000"/>
+                <a:tint val="67000"/>
+              </a:schemeClr>
+            </a:gs>
+            <a:gs pos="50000">
+              <a:schemeClr val="phClr">
+                <a:lumMod val="105000"/>
+                <a:satMod val="103000"/>
+                <a:tint val="73000"/>
+              </a:schemeClr>
+            </a:gs>
+            <a:gs pos="100000">
+              <a:schemeClr val="phClr">
+                <a:lumMod val="105000"/>
+                <a:satMod val="109000"/>
+                <a:tint val="81000"/>
+              </a:schemeClr>
+            </a:gs>
+          </a:gsLst>
+          <a:lin ang="5400000" scaled="0"/>
+        </a:gradFill>
+        <a:gradFill rotWithShape="1">
+          <a:gsLst>
+            <a:gs pos="0">
+              <a:schemeClr val="phClr">
+                <a:satMod val="103000"/>
+                <a:lumMod val="102000"/>
+                <a:tint val="94000"/>
+              </a:schemeClr>
+            </a:gs>
+            <a:gs pos="50000">
+              <a:schemeClr val="phClr">
+                <a:satMod val="110000"/>
+                <a:lumMod val="100000"/>
+                <a:shade val="100000"/>
+              </a:schemeClr>
+            </a:gs>
+            <a:gs pos="100000">
+              <a:schemeClr val="phClr">
+                <a:lumMod val="99000"/>
+                <a:satMod val="120000"/>
+                <a:shade val="78000"/>
+              </a:schemeClr>
+            </a:gs>
+          </a:gsLst>
+          <a:lin ang="5400000" scaled="0"/>
+        </a:gradFill>
+      </a:fillStyleLst>
+      <a:lnStyleLst>
+        <a:ln w="6350" cap="flat" cmpd="sng" algn="ctr">
+          <a:solidFill>
+            <a:schemeClr val="phClr"/>
+          </a:solidFill>
+          <a:prstDash val="solid"/>
+          <a:miter lim="800000"/>
+        </a:ln>
+        <a:ln w="12700" cap="flat" cmpd="sng" algn="ctr">
+          <a:solidFill>
+            <a:schemeClr val="phClr"/>
+          </a:solidFill>
+          <a:prstDash val="solid"/>
+          <a:miter lim="800000"/>
+        </a:ln>
+        <a:ln w="19050" cap="flat" cmpd="sng" algn="ctr">
+          <a:solidFill>
+            <a:schemeClr val="phClr"/>
+          </a:solidFill>
+          <a:prstDash val="solid"/>
+          <a:miter lim="800000"/>
+        </a:ln>
+      </a:lnStyleLst>
+      <a:effectStyleLst>
+        <a:effectStyle>
+          <a:effectLst/>
+        </a:effectStyle>
+        <a:effectStyle>
+          <a:effectLst/>
+        </a:effectStyle>
+        <a:effectStyle>
+          <a:effectLst>
+            <a:outerShdw blurRad="57150" dist="19050" dir="5400000" algn="ctr" rotWithShape="0">
+              <a:srgbClr val="000000">
+                <a:alpha val="63000"/>
+              </a:srgbClr>
+            </a:outerShdw>
+          </a:effectLst>
+        </a:effectStyle>
+      </a:effectStyleLst>
+      <a:bgFillStyleLst>
+        <a:solidFill>
+          <a:schemeClr val="phClr"/>
+        </a:solidFill>
+        <a:solidFill>
+          <a:schemeClr val="phClr">
+            <a:tint val="95000"/>
+            <a:satMod val="170000"/>
+          </a:schemeClr>
+        </a:solidFill>
+        <a:gradFill rotWithShape="1">
+          <a:gsLst>
+            <a:gs pos="0">
+              <a:schemeClr val="phClr">
+                <a:tint val="93000"/>
+                <a:satMod val="150000"/>
+                <a:shade val="98000"/>
+                <a:lumMod val="102000"/>
+              </a:schemeClr>
+            </a:gs>
+            <a:gs pos="50000">
+              <a:schemeClr val="phClr">
+                <a:tint val="98000"/>
+                <a:satMod val="130000"/>
+                <a:shade val="90000"/>
+                <a:lumMod val="103000"/>
+              </a:schemeClr>
+            </a:gs>
+            <a:gs pos="100000">
+              <a:schemeClr val="phClr">
+                <a:shade val="63000"/>
+                <a:satMod val="120000"/>
+              </a:schemeClr>
+            </a:gs>
+          </a:gsLst>
+          <a:lin ang="5400000" scaled="0"/>
+        </a:gradFill>
+      </a:bgFillStyleLst>
+    </a:fmtScheme>
+  </a:themeElements>
+  <a:objectDefaults/>
+  <a:extraClrSchemeLst/>
+  <a:extLst>
+    <a:ext uri="{05A4C25C-085E-4340-85A3-A5531E510DB2}">
+      <thm15:themeFamily xmlns:thm15="http://schemas.microsoft.com/office/thememl/2012/main" name="Office Theme" id="{62F939B6-93AF-4DB8-9C6B-D6C7DFDC589F}" vid="{4A3C46E8-61CC-4603-A589-7422A47A8E4A}"/>
+    </a:ext>
+  </a:extLst>
+</a:theme>
 </file>